--- a/非受控文档/2_叶柏成/PPT/深蓝低调稳重商务PPT模板.pptx
+++ b/非受控文档/2_叶柏成/PPT/深蓝低调稳重商务PPT模板.pptx
@@ -5,18 +5,21 @@
     <p:sldMasterId id="2147483660" r:id="rId1"/>
   </p:sldMasterIdLst>
   <p:notesMasterIdLst>
-    <p:notesMasterId r:id="rId11"/>
+    <p:notesMasterId r:id="rId14"/>
   </p:notesMasterIdLst>
   <p:sldIdLst>
-    <p:sldId id="257" r:id="rId2"/>
-    <p:sldId id="258" r:id="rId3"/>
-    <p:sldId id="259" r:id="rId4"/>
-    <p:sldId id="262" r:id="rId5"/>
-    <p:sldId id="264" r:id="rId6"/>
-    <p:sldId id="266" r:id="rId7"/>
-    <p:sldId id="268" r:id="rId8"/>
-    <p:sldId id="275" r:id="rId9"/>
-    <p:sldId id="276" r:id="rId10"/>
+    <p:sldId id="258" r:id="rId2"/>
+    <p:sldId id="259" r:id="rId3"/>
+    <p:sldId id="281" r:id="rId4"/>
+    <p:sldId id="268" r:id="rId5"/>
+    <p:sldId id="282" r:id="rId6"/>
+    <p:sldId id="283" r:id="rId7"/>
+    <p:sldId id="284" r:id="rId8"/>
+    <p:sldId id="262" r:id="rId9"/>
+    <p:sldId id="264" r:id="rId10"/>
+    <p:sldId id="266" r:id="rId11"/>
+    <p:sldId id="275" r:id="rId12"/>
+    <p:sldId id="276" r:id="rId13"/>
   </p:sldIdLst>
   <p:sldSz cx="12192000" cy="6858000"/>
   <p:notesSz cx="6858000" cy="9144000"/>
@@ -117,7 +120,18 @@
   </p:defaultTextStyle>
   <p:extLst>
     <p:ext uri="{EFAFB233-063F-42B5-8137-9DF3F51BA10A}">
-      <p15:sldGuideLst xmlns:p15="http://schemas.microsoft.com/office/powerpoint/2012/main" xmlns=""/>
+      <p15:sldGuideLst xmlns:p15="http://schemas.microsoft.com/office/powerpoint/2012/main">
+        <p15:guide id="1" orient="horz" pos="2160">
+          <p15:clr>
+            <a:srgbClr val="A4A3A4"/>
+          </p15:clr>
+        </p15:guide>
+        <p15:guide id="2" pos="3840">
+          <p15:clr>
+            <a:srgbClr val="A4A3A4"/>
+          </p15:clr>
+        </p15:guide>
+      </p15:sldGuideLst>
     </p:ext>
   </p:extLst>
 </p:presentation>
@@ -206,7 +220,7 @@
             <a:fld id="{25AD3388-242D-4241-BD47-FD158BBB91DE}" type="datetimeFigureOut">
               <a:rPr lang="zh-CN" altLang="en-US" smtClean="0"/>
               <a:pPr/>
-              <a:t>2018/10/23</a:t>
+              <a:t>2018/10/27</a:t>
             </a:fld>
             <a:endParaRPr lang="zh-CN" altLang="en-US"/>
           </a:p>
@@ -270,38 +284,37 @@
           <a:p>
             <a:pPr lvl="0"/>
             <a:r>
-              <a:rPr lang="zh-CN" altLang="en-US" smtClean="0"/>
+              <a:rPr lang="zh-CN" altLang="en-US"/>
               <a:t>单击此处编辑母版文本样式</a:t>
             </a:r>
           </a:p>
           <a:p>
             <a:pPr lvl="1"/>
             <a:r>
-              <a:rPr lang="zh-CN" altLang="en-US" smtClean="0"/>
+              <a:rPr lang="zh-CN" altLang="en-US"/>
               <a:t>第二级</a:t>
             </a:r>
           </a:p>
           <a:p>
             <a:pPr lvl="2"/>
             <a:r>
-              <a:rPr lang="zh-CN" altLang="en-US" smtClean="0"/>
+              <a:rPr lang="zh-CN" altLang="en-US"/>
               <a:t>第三级</a:t>
             </a:r>
           </a:p>
           <a:p>
             <a:pPr lvl="3"/>
             <a:r>
-              <a:rPr lang="zh-CN" altLang="en-US" smtClean="0"/>
+              <a:rPr lang="zh-CN" altLang="en-US"/>
               <a:t>第四级</a:t>
             </a:r>
           </a:p>
           <a:p>
             <a:pPr lvl="4"/>
             <a:r>
-              <a:rPr lang="zh-CN" altLang="en-US" smtClean="0"/>
+              <a:rPr lang="zh-CN" altLang="en-US"/>
               <a:t>第五级</a:t>
             </a:r>
-            <a:endParaRPr lang="zh-CN" altLang="en-US"/>
           </a:p>
         </p:txBody>
       </p:sp>
@@ -375,7 +388,7 @@
     </p:spTree>
     <p:extLst>
       <p:ext uri="{BB962C8B-B14F-4D97-AF65-F5344CB8AC3E}">
-        <p14:creationId xmlns:p14="http://schemas.microsoft.com/office/powerpoint/2010/main" xmlns="" val="573260152"/>
+        <p14:creationId xmlns:p14="http://schemas.microsoft.com/office/powerpoint/2010/main" val="573260152"/>
       </p:ext>
     </p:extLst>
   </p:cSld>
@@ -517,10 +530,9 @@
           </a:lstStyle>
           <a:p>
             <a:r>
-              <a:rPr lang="zh-CN" altLang="en-US" smtClean="0"/>
+              <a:rPr lang="zh-CN" altLang="en-US"/>
               <a:t>单击此处编辑母版标题样式</a:t>
             </a:r>
-            <a:endParaRPr lang="zh-CN" altLang="en-US"/>
           </a:p>
         </p:txBody>
       </p:sp>
@@ -582,10 +594,9 @@
           </a:lstStyle>
           <a:p>
             <a:r>
-              <a:rPr lang="zh-CN" altLang="en-US" smtClean="0"/>
+              <a:rPr lang="zh-CN" altLang="en-US"/>
               <a:t>单击此处编辑母版副标题样式</a:t>
             </a:r>
-            <a:endParaRPr lang="zh-CN" altLang="en-US"/>
           </a:p>
         </p:txBody>
       </p:sp>
@@ -607,7 +618,7 @@
             <a:fld id="{DF6047D9-FEE4-4881-B706-9575ADABFECF}" type="datetimeFigureOut">
               <a:rPr lang="zh-CN" altLang="en-US" smtClean="0"/>
               <a:pPr/>
-              <a:t>2018/10/23</a:t>
+              <a:t>2018/10/27</a:t>
             </a:fld>
             <a:endParaRPr lang="zh-CN" altLang="en-US"/>
           </a:p>
@@ -659,7 +670,7 @@
     </p:spTree>
     <p:extLst>
       <p:ext uri="{BB962C8B-B14F-4D97-AF65-F5344CB8AC3E}">
-        <p14:creationId xmlns:p14="http://schemas.microsoft.com/office/powerpoint/2010/main" xmlns="" val="2326939281"/>
+        <p14:creationId xmlns:p14="http://schemas.microsoft.com/office/powerpoint/2010/main" val="2326939281"/>
       </p:ext>
     </p:extLst>
   </p:cSld>
@@ -707,10 +718,9 @@
           <a:lstStyle/>
           <a:p>
             <a:r>
-              <a:rPr lang="zh-CN" altLang="en-US" smtClean="0"/>
+              <a:rPr lang="zh-CN" altLang="en-US"/>
               <a:t>单击此处编辑母版标题样式</a:t>
             </a:r>
-            <a:endParaRPr lang="zh-CN" altLang="en-US"/>
           </a:p>
         </p:txBody>
       </p:sp>
@@ -736,38 +746,37 @@
           <a:p>
             <a:pPr lvl="0"/>
             <a:r>
-              <a:rPr lang="zh-CN" altLang="en-US" smtClean="0"/>
+              <a:rPr lang="zh-CN" altLang="en-US"/>
               <a:t>单击此处编辑母版文本样式</a:t>
             </a:r>
           </a:p>
           <a:p>
             <a:pPr lvl="1"/>
             <a:r>
-              <a:rPr lang="zh-CN" altLang="en-US" smtClean="0"/>
+              <a:rPr lang="zh-CN" altLang="en-US"/>
               <a:t>第二级</a:t>
             </a:r>
           </a:p>
           <a:p>
             <a:pPr lvl="2"/>
             <a:r>
-              <a:rPr lang="zh-CN" altLang="en-US" smtClean="0"/>
+              <a:rPr lang="zh-CN" altLang="en-US"/>
               <a:t>第三级</a:t>
             </a:r>
           </a:p>
           <a:p>
             <a:pPr lvl="3"/>
             <a:r>
-              <a:rPr lang="zh-CN" altLang="en-US" smtClean="0"/>
+              <a:rPr lang="zh-CN" altLang="en-US"/>
               <a:t>第四级</a:t>
             </a:r>
           </a:p>
           <a:p>
             <a:pPr lvl="4"/>
             <a:r>
-              <a:rPr lang="zh-CN" altLang="en-US" smtClean="0"/>
+              <a:rPr lang="zh-CN" altLang="en-US"/>
               <a:t>第五级</a:t>
             </a:r>
-            <a:endParaRPr lang="zh-CN" altLang="en-US"/>
           </a:p>
         </p:txBody>
       </p:sp>
@@ -789,7 +798,7 @@
             <a:fld id="{DF6047D9-FEE4-4881-B706-9575ADABFECF}" type="datetimeFigureOut">
               <a:rPr lang="zh-CN" altLang="en-US" smtClean="0"/>
               <a:pPr/>
-              <a:t>2018/10/23</a:t>
+              <a:t>2018/10/27</a:t>
             </a:fld>
             <a:endParaRPr lang="zh-CN" altLang="en-US"/>
           </a:p>
@@ -841,7 +850,7 @@
     </p:spTree>
     <p:extLst>
       <p:ext uri="{BB962C8B-B14F-4D97-AF65-F5344CB8AC3E}">
-        <p14:creationId xmlns:p14="http://schemas.microsoft.com/office/powerpoint/2010/main" xmlns="" val="1554348161"/>
+        <p14:creationId xmlns:p14="http://schemas.microsoft.com/office/powerpoint/2010/main" val="1554348161"/>
       </p:ext>
     </p:extLst>
   </p:cSld>
@@ -1031,20 +1040,13 @@
     </p:spTree>
     <p:extLst>
       <p:ext uri="{BB962C8B-B14F-4D97-AF65-F5344CB8AC3E}">
-        <p14:creationId xmlns:p14="http://schemas.microsoft.com/office/powerpoint/2010/main" xmlns="" val="4013274238"/>
+        <p14:creationId xmlns:p14="http://schemas.microsoft.com/office/powerpoint/2010/main" val="4013274238"/>
       </p:ext>
     </p:extLst>
   </p:cSld>
   <p:clrMapOvr>
     <a:masterClrMapping/>
   </p:clrMapOvr>
-  <p:timing>
-    <p:tnLst>
-      <p:par>
-        <p:cTn id="1" dur="indefinite" restart="never" nodeType="tmRoot"/>
-      </p:par>
-    </p:tnLst>
-  </p:timing>
 </p:sldLayout>
 </file>
 
@@ -1223,7 +1225,7 @@
     </p:spTree>
     <p:extLst>
       <p:ext uri="{BB962C8B-B14F-4D97-AF65-F5344CB8AC3E}">
-        <p14:creationId xmlns:p14="http://schemas.microsoft.com/office/powerpoint/2010/main" xmlns="" val="842740892"/>
+        <p14:creationId xmlns:p14="http://schemas.microsoft.com/office/powerpoint/2010/main" val="842740892"/>
       </p:ext>
     </p:extLst>
   </p:cSld>
@@ -1469,7 +1471,7 @@
     </p:spTree>
     <p:extLst>
       <p:ext uri="{BB962C8B-B14F-4D97-AF65-F5344CB8AC3E}">
-        <p14:creationId xmlns:p14="http://schemas.microsoft.com/office/powerpoint/2010/main" xmlns="" val="3320888578"/>
+        <p14:creationId xmlns:p14="http://schemas.microsoft.com/office/powerpoint/2010/main" val="3320888578"/>
       </p:ext>
     </p:extLst>
   </p:cSld>
@@ -1801,7 +1803,7 @@
     </p:spTree>
     <p:extLst>
       <p:ext uri="{BB962C8B-B14F-4D97-AF65-F5344CB8AC3E}">
-        <p14:creationId xmlns:p14="http://schemas.microsoft.com/office/powerpoint/2010/main" xmlns="" val="2926680109"/>
+        <p14:creationId xmlns:p14="http://schemas.microsoft.com/office/powerpoint/2010/main" val="2926680109"/>
       </p:ext>
     </p:extLst>
   </p:cSld>
@@ -2039,20 +2041,13 @@
     </p:spTree>
     <p:extLst>
       <p:ext uri="{BB962C8B-B14F-4D97-AF65-F5344CB8AC3E}">
-        <p14:creationId xmlns:p14="http://schemas.microsoft.com/office/powerpoint/2010/main" xmlns="" val="3760635645"/>
+        <p14:creationId xmlns:p14="http://schemas.microsoft.com/office/powerpoint/2010/main" val="3760635645"/>
       </p:ext>
     </p:extLst>
   </p:cSld>
   <p:clrMapOvr>
     <a:masterClrMapping/>
   </p:clrMapOvr>
-  <p:timing>
-    <p:tnLst>
-      <p:par>
-        <p:cTn id="1" dur="indefinite" restart="never" nodeType="tmRoot"/>
-      </p:par>
-    </p:tnLst>
-  </p:timing>
 </p:sldLayout>
 </file>
 
@@ -2087,7 +2082,7 @@
           <a:blip r:embed="rId3" cstate="print">
             <a:extLst>
               <a:ext uri="{28A0092B-C50C-407E-A947-70E740481C1C}">
-                <a14:useLocalDpi xmlns:a14="http://schemas.microsoft.com/office/drawing/2010/main" xmlns="" val="0"/>
+                <a14:useLocalDpi xmlns:a14="http://schemas.microsoft.com/office/drawing/2010/main" val="0"/>
               </a:ext>
             </a:extLst>
           </a:blip>
@@ -2167,7 +2162,7 @@
     </p:spTree>
     <p:extLst>
       <p:ext uri="{BB962C8B-B14F-4D97-AF65-F5344CB8AC3E}">
-        <p14:creationId xmlns:p14="http://schemas.microsoft.com/office/powerpoint/2010/main" xmlns="" val="4061226290"/>
+        <p14:creationId xmlns:p14="http://schemas.microsoft.com/office/powerpoint/2010/main" val="4061226290"/>
       </p:ext>
     </p:extLst>
   </p:cSld>
@@ -2308,10 +2303,9 @@
           </a:lstStyle>
           <a:p>
             <a:r>
-              <a:rPr lang="zh-CN" altLang="en-US" smtClean="0"/>
+              <a:rPr lang="zh-CN" altLang="en-US"/>
               <a:t>单击此处编辑母版标题样式</a:t>
             </a:r>
-            <a:endParaRPr lang="zh-CN" altLang="en-US"/>
           </a:p>
         </p:txBody>
       </p:sp>
@@ -2435,7 +2429,7 @@
           <a:p>
             <a:pPr lvl="0"/>
             <a:r>
-              <a:rPr lang="zh-CN" altLang="en-US" smtClean="0"/>
+              <a:rPr lang="zh-CN" altLang="en-US"/>
               <a:t>单击此处编辑母版文本样式</a:t>
             </a:r>
           </a:p>
@@ -2459,7 +2453,7 @@
             <a:fld id="{DF6047D9-FEE4-4881-B706-9575ADABFECF}" type="datetimeFigureOut">
               <a:rPr lang="zh-CN" altLang="en-US" smtClean="0"/>
               <a:pPr/>
-              <a:t>2018/10/23</a:t>
+              <a:t>2018/10/27</a:t>
             </a:fld>
             <a:endParaRPr lang="zh-CN" altLang="en-US"/>
           </a:p>
@@ -2511,7 +2505,7 @@
     </p:spTree>
     <p:extLst>
       <p:ext uri="{BB962C8B-B14F-4D97-AF65-F5344CB8AC3E}">
-        <p14:creationId xmlns:p14="http://schemas.microsoft.com/office/powerpoint/2010/main" xmlns="" val="3705623747"/>
+        <p14:creationId xmlns:p14="http://schemas.microsoft.com/office/powerpoint/2010/main" val="3705623747"/>
       </p:ext>
     </p:extLst>
   </p:cSld>
@@ -2554,10 +2548,9 @@
           <a:lstStyle/>
           <a:p>
             <a:r>
-              <a:rPr lang="zh-CN" altLang="en-US" smtClean="0"/>
+              <a:rPr lang="zh-CN" altLang="en-US"/>
               <a:t>单击此处编辑母版标题样式</a:t>
             </a:r>
-            <a:endParaRPr lang="zh-CN" altLang="en-US"/>
           </a:p>
         </p:txBody>
       </p:sp>
@@ -2578,38 +2571,37 @@
           <a:p>
             <a:pPr lvl="0"/>
             <a:r>
-              <a:rPr lang="zh-CN" altLang="en-US" smtClean="0"/>
+              <a:rPr lang="zh-CN" altLang="en-US"/>
               <a:t>单击此处编辑母版文本样式</a:t>
             </a:r>
           </a:p>
           <a:p>
             <a:pPr lvl="1"/>
             <a:r>
-              <a:rPr lang="zh-CN" altLang="en-US" smtClean="0"/>
+              <a:rPr lang="zh-CN" altLang="en-US"/>
               <a:t>第二级</a:t>
             </a:r>
           </a:p>
           <a:p>
             <a:pPr lvl="2"/>
             <a:r>
-              <a:rPr lang="zh-CN" altLang="en-US" smtClean="0"/>
+              <a:rPr lang="zh-CN" altLang="en-US"/>
               <a:t>第三级</a:t>
             </a:r>
           </a:p>
           <a:p>
             <a:pPr lvl="3"/>
             <a:r>
-              <a:rPr lang="zh-CN" altLang="en-US" smtClean="0"/>
+              <a:rPr lang="zh-CN" altLang="en-US"/>
               <a:t>第四级</a:t>
             </a:r>
           </a:p>
           <a:p>
             <a:pPr lvl="4"/>
             <a:r>
-              <a:rPr lang="zh-CN" altLang="en-US" smtClean="0"/>
+              <a:rPr lang="zh-CN" altLang="en-US"/>
               <a:t>第五级</a:t>
             </a:r>
-            <a:endParaRPr lang="zh-CN" altLang="en-US"/>
           </a:p>
         </p:txBody>
       </p:sp>
@@ -2631,7 +2623,7 @@
             <a:fld id="{DF6047D9-FEE4-4881-B706-9575ADABFECF}" type="datetimeFigureOut">
               <a:rPr lang="zh-CN" altLang="en-US" smtClean="0"/>
               <a:pPr/>
-              <a:t>2018/10/23</a:t>
+              <a:t>2018/10/27</a:t>
             </a:fld>
             <a:endParaRPr lang="zh-CN" altLang="en-US"/>
           </a:p>
@@ -2683,7 +2675,7 @@
     </p:spTree>
     <p:extLst>
       <p:ext uri="{BB962C8B-B14F-4D97-AF65-F5344CB8AC3E}">
-        <p14:creationId xmlns:p14="http://schemas.microsoft.com/office/powerpoint/2010/main" xmlns="" val="3755132210"/>
+        <p14:creationId xmlns:p14="http://schemas.microsoft.com/office/powerpoint/2010/main" val="3755132210"/>
       </p:ext>
     </p:extLst>
   </p:cSld>
@@ -2741,10 +2733,9 @@
           <a:lstStyle/>
           <a:p>
             <a:r>
-              <a:rPr lang="zh-CN" altLang="en-US" smtClean="0"/>
+              <a:rPr lang="zh-CN" altLang="en-US"/>
               <a:t>单击此处编辑母版标题样式</a:t>
             </a:r>
-            <a:endParaRPr lang="zh-CN" altLang="en-US"/>
           </a:p>
         </p:txBody>
       </p:sp>
@@ -2775,38 +2766,37 @@
           <a:p>
             <a:pPr lvl="0"/>
             <a:r>
-              <a:rPr lang="zh-CN" altLang="en-US" smtClean="0"/>
+              <a:rPr lang="zh-CN" altLang="en-US"/>
               <a:t>单击此处编辑母版文本样式</a:t>
             </a:r>
           </a:p>
           <a:p>
             <a:pPr lvl="1"/>
             <a:r>
-              <a:rPr lang="zh-CN" altLang="en-US" smtClean="0"/>
+              <a:rPr lang="zh-CN" altLang="en-US"/>
               <a:t>第二级</a:t>
             </a:r>
           </a:p>
           <a:p>
             <a:pPr lvl="2"/>
             <a:r>
-              <a:rPr lang="zh-CN" altLang="en-US" smtClean="0"/>
+              <a:rPr lang="zh-CN" altLang="en-US"/>
               <a:t>第三级</a:t>
             </a:r>
           </a:p>
           <a:p>
             <a:pPr lvl="3"/>
             <a:r>
-              <a:rPr lang="zh-CN" altLang="en-US" smtClean="0"/>
+              <a:rPr lang="zh-CN" altLang="en-US"/>
               <a:t>第四级</a:t>
             </a:r>
           </a:p>
           <a:p>
             <a:pPr lvl="4"/>
             <a:r>
-              <a:rPr lang="zh-CN" altLang="en-US" smtClean="0"/>
+              <a:rPr lang="zh-CN" altLang="en-US"/>
               <a:t>第五级</a:t>
             </a:r>
-            <a:endParaRPr lang="zh-CN" altLang="en-US"/>
           </a:p>
         </p:txBody>
       </p:sp>
@@ -2846,7 +2836,7 @@
             <a:fld id="{DF6047D9-FEE4-4881-B706-9575ADABFECF}" type="datetimeFigureOut">
               <a:rPr lang="zh-CN" altLang="en-US" smtClean="0"/>
               <a:pPr/>
-              <a:t>2018/10/23</a:t>
+              <a:t>2018/10/27</a:t>
             </a:fld>
             <a:endParaRPr lang="zh-CN" altLang="en-US"/>
           </a:p>
@@ -2934,7 +2924,7 @@
     </p:spTree>
     <p:extLst>
       <p:ext uri="{BB962C8B-B14F-4D97-AF65-F5344CB8AC3E}">
-        <p14:creationId xmlns:p14="http://schemas.microsoft.com/office/powerpoint/2010/main" xmlns="" val="3896781589"/>
+        <p14:creationId xmlns:p14="http://schemas.microsoft.com/office/powerpoint/2010/main" val="3896781589"/>
       </p:ext>
     </p:extLst>
   </p:cSld>
@@ -2951,13 +2941,6 @@
     <p:sldLayoutId id="2147483670" r:id="rId9"/>
     <p:sldLayoutId id="2147483671" r:id="rId10"/>
   </p:sldLayoutIdLst>
-  <p:timing>
-    <p:tnLst>
-      <p:par>
-        <p:cTn id="1" dur="indefinite" restart="never" nodeType="tmRoot"/>
-      </p:par>
-    </p:tnLst>
-  </p:timing>
   <p:txStyles>
     <p:titleStyle>
       <a:lvl1pPr algn="l" defTabSz="914400" rtl="0" eaLnBrk="1" latinLnBrk="0" hangingPunct="1">
@@ -3260,14 +3243,111 @@
       </p:grpSpPr>
       <p:sp>
         <p:nvSpPr>
-          <p:cNvPr id="2" name="文本框 1"/>
+          <p:cNvPr id="4" name="矩形 3"/>
+          <p:cNvSpPr/>
+          <p:nvPr/>
+        </p:nvSpPr>
+        <p:spPr>
+          <a:xfrm>
+            <a:off x="5562600" y="1828800"/>
+            <a:ext cx="4457700" cy="3238500"/>
+          </a:xfrm>
+          <a:prstGeom prst="rect">
+            <a:avLst/>
+          </a:prstGeom>
+          <a:solidFill>
+            <a:schemeClr val="tx1">
+              <a:alpha val="20000"/>
+            </a:schemeClr>
+          </a:solidFill>
+          <a:ln>
+            <a:noFill/>
+          </a:ln>
+        </p:spPr>
+        <p:style>
+          <a:lnRef idx="2">
+            <a:schemeClr val="accent1">
+              <a:shade val="50000"/>
+            </a:schemeClr>
+          </a:lnRef>
+          <a:fillRef idx="1">
+            <a:schemeClr val="accent1"/>
+          </a:fillRef>
+          <a:effectRef idx="0">
+            <a:schemeClr val="accent1"/>
+          </a:effectRef>
+          <a:fontRef idx="minor">
+            <a:schemeClr val="lt1"/>
+          </a:fontRef>
+        </p:style>
+        <p:txBody>
+          <a:bodyPr rtlCol="0" anchor="ctr"/>
+          <a:lstStyle/>
+          <a:p>
+            <a:pPr algn="ctr"/>
+            <a:endParaRPr lang="zh-CN" altLang="en-US"/>
+          </a:p>
+        </p:txBody>
+      </p:sp>
+      <p:sp>
+        <p:nvSpPr>
+          <p:cNvPr id="2" name="矩形 1"/>
+          <p:cNvSpPr/>
+          <p:nvPr/>
+        </p:nvSpPr>
+        <p:spPr>
+          <a:xfrm>
+            <a:off x="2324100" y="1828800"/>
+            <a:ext cx="3238500" cy="3238500"/>
+          </a:xfrm>
+          <a:prstGeom prst="rect">
+            <a:avLst/>
+          </a:prstGeom>
+          <a:noFill/>
+          <a:ln w="127000">
+            <a:solidFill>
+              <a:schemeClr val="bg1">
+                <a:lumMod val="85000"/>
+                <a:alpha val="30000"/>
+              </a:schemeClr>
+            </a:solidFill>
+          </a:ln>
+        </p:spPr>
+        <p:style>
+          <a:lnRef idx="2">
+            <a:schemeClr val="accent1">
+              <a:shade val="50000"/>
+            </a:schemeClr>
+          </a:lnRef>
+          <a:fillRef idx="1">
+            <a:schemeClr val="accent1"/>
+          </a:fillRef>
+          <a:effectRef idx="0">
+            <a:schemeClr val="accent1"/>
+          </a:effectRef>
+          <a:fontRef idx="minor">
+            <a:schemeClr val="lt1"/>
+          </a:fontRef>
+        </p:style>
+        <p:txBody>
+          <a:bodyPr rtlCol="0" anchor="ctr"/>
+          <a:lstStyle/>
+          <a:p>
+            <a:pPr algn="ctr"/>
+            <a:endParaRPr lang="zh-CN" altLang="en-US"/>
+          </a:p>
+        </p:txBody>
+      </p:sp>
+      <p:sp>
+        <p:nvSpPr>
+          <p:cNvPr id="3" name="文本框 2"/>
           <p:cNvSpPr txBox="1"/>
           <p:nvPr/>
         </p:nvSpPr>
         <p:spPr>
           <a:xfrm>
-            <a:off x="2157187" y="2083707"/>
-            <a:ext cx="3788228" cy="1862048"/>
+            <a:off x="2514600" y="1924050"/>
+            <a:ext cx="2895600" cy="3046988"/>
           </a:xfrm>
           <a:prstGeom prst="rect">
             <a:avLst/>
@@ -3280,15 +3360,27 @@
           </a:bodyPr>
           <a:lstStyle/>
           <a:p>
-            <a:r>
-              <a:rPr lang="en-US" altLang="zh-CN" sz="11500" b="1" dirty="0" smtClean="0">
+            <a:pPr algn="ctr"/>
+            <a:r>
+              <a:rPr lang="en-US" altLang="zh-CN" sz="9600" dirty="0">
                 <a:solidFill>
                   <a:schemeClr val="bg1"/>
                 </a:solidFill>
               </a:rPr>
-              <a:t>2015</a:t>
-            </a:r>
-            <a:endParaRPr lang="zh-CN" altLang="en-US" sz="11500" b="1" dirty="0">
+              <a:t>PART</a:t>
+            </a:r>
+          </a:p>
+          <a:p>
+            <a:pPr algn="ctr"/>
+            <a:r>
+              <a:rPr lang="en-US" altLang="zh-CN" sz="9600" dirty="0">
+                <a:solidFill>
+                  <a:schemeClr val="bg1"/>
+                </a:solidFill>
+              </a:rPr>
+              <a:t>1</a:t>
+            </a:r>
+            <a:endParaRPr lang="zh-CN" altLang="en-US" sz="9600" dirty="0">
               <a:solidFill>
                 <a:schemeClr val="bg1"/>
               </a:solidFill>
@@ -3296,16 +3388,91 @@
           </a:p>
         </p:txBody>
       </p:sp>
+      <p:sp>
+        <p:nvSpPr>
+          <p:cNvPr id="5" name="文本框 4"/>
+          <p:cNvSpPr txBox="1"/>
+          <p:nvPr/>
+        </p:nvSpPr>
+        <p:spPr>
+          <a:xfrm>
+            <a:off x="6072187" y="2390734"/>
+            <a:ext cx="3438525" cy="584775"/>
+          </a:xfrm>
+          <a:prstGeom prst="rect">
+            <a:avLst/>
+          </a:prstGeom>
+          <a:noFill/>
+        </p:spPr>
+        <p:txBody>
+          <a:bodyPr wrap="square" rtlCol="0">
+            <a:spAutoFit/>
+          </a:bodyPr>
+          <a:lstStyle/>
+          <a:p>
+            <a:r>
+              <a:rPr lang="zh-CN" altLang="en-US" sz="3200" b="1" dirty="0">
+                <a:solidFill>
+                  <a:schemeClr val="bg1"/>
+                </a:solidFill>
+                <a:latin typeface="微软雅黑" panose="020B0503020204020204" pitchFamily="34" charset="-122"/>
+                <a:ea typeface="微软雅黑" panose="020B0503020204020204" pitchFamily="34" charset="-122"/>
+              </a:rPr>
+              <a:t>通信图</a:t>
+            </a:r>
+          </a:p>
+        </p:txBody>
+      </p:sp>
+      <p:sp>
+        <p:nvSpPr>
+          <p:cNvPr id="6" name="文本框 5"/>
+          <p:cNvSpPr txBox="1"/>
+          <p:nvPr/>
+        </p:nvSpPr>
+        <p:spPr>
+          <a:xfrm>
+            <a:off x="6072186" y="2967335"/>
+            <a:ext cx="3438525" cy="461665"/>
+          </a:xfrm>
+          <a:prstGeom prst="rect">
+            <a:avLst/>
+          </a:prstGeom>
+          <a:noFill/>
+        </p:spPr>
+        <p:txBody>
+          <a:bodyPr wrap="square" rtlCol="0">
+            <a:spAutoFit/>
+          </a:bodyPr>
+          <a:lstStyle/>
+          <a:p>
+            <a:r>
+              <a:rPr lang="en-US" altLang="zh-CN" sz="2400" dirty="0">
+                <a:solidFill>
+                  <a:schemeClr val="bg1"/>
+                </a:solidFill>
+              </a:rPr>
+              <a:t>Communication Diagram</a:t>
+            </a:r>
+            <a:endParaRPr lang="zh-CN" altLang="en-US" sz="2400" dirty="0">
+              <a:solidFill>
+                <a:schemeClr val="bg1"/>
+              </a:solidFill>
+              <a:latin typeface="微软雅黑" panose="020B0503020204020204" pitchFamily="34" charset="-122"/>
+              <a:ea typeface="微软雅黑" panose="020B0503020204020204" pitchFamily="34" charset="-122"/>
+            </a:endParaRPr>
+          </a:p>
+        </p:txBody>
+      </p:sp>
       <p:cxnSp>
         <p:nvCxnSpPr>
-          <p:cNvPr id="4" name="直接连接符 3"/>
+          <p:cNvPr id="8" name="直接连接符 7"/>
           <p:cNvCxnSpPr/>
           <p:nvPr/>
         </p:nvCxnSpPr>
         <p:spPr>
           <a:xfrm>
-            <a:off x="5626103" y="2446564"/>
-            <a:ext cx="0" cy="1797289"/>
+            <a:off x="6172200" y="3542753"/>
+            <a:ext cx="3300412" cy="0"/>
           </a:xfrm>
           <a:prstGeom prst="line">
             <a:avLst/>
@@ -3331,9 +3498,1431 @@
           </a:fontRef>
         </p:style>
       </p:cxnSp>
+    </p:spTree>
+    <p:extLst>
+      <p:ext uri="{BB962C8B-B14F-4D97-AF65-F5344CB8AC3E}">
+        <p14:creationId xmlns:p14="http://schemas.microsoft.com/office/powerpoint/2010/main" val="3056713505"/>
+      </p:ext>
+    </p:extLst>
+  </p:cSld>
+  <p:clrMapOvr>
+    <a:masterClrMapping/>
+  </p:clrMapOvr>
+  <mc:AlternateContent xmlns:mc="http://schemas.openxmlformats.org/markup-compatibility/2006" xmlns:p14="http://schemas.microsoft.com/office/powerpoint/2010/main">
+    <mc:Choice Requires="p14">
+      <p:transition spd="slow" p14:dur="2000">
+        <p14:prism isContent="1"/>
+      </p:transition>
+    </mc:Choice>
+    <mc:Fallback xmlns="">
+      <p:transition spd="slow">
+        <p:fade/>
+      </p:transition>
+    </mc:Fallback>
+  </mc:AlternateContent>
+</p:sld>
+</file>
+
+<file path=ppt/slides/slide10.xml><?xml version="1.0" encoding="utf-8"?>
+<p:sld xmlns:a="http://schemas.openxmlformats.org/drawingml/2006/main" xmlns:r="http://schemas.openxmlformats.org/officeDocument/2006/relationships" xmlns:p="http://schemas.openxmlformats.org/presentationml/2006/main">
+  <p:cSld>
+    <p:spTree>
+      <p:nvGrpSpPr>
+        <p:cNvPr id="1" name=""/>
+        <p:cNvGrpSpPr/>
+        <p:nvPr/>
+      </p:nvGrpSpPr>
+      <p:grpSpPr>
+        <a:xfrm>
+          <a:off x="0" y="0"/>
+          <a:ext cx="0" cy="0"/>
+          <a:chOff x="0" y="0"/>
+          <a:chExt cx="0" cy="0"/>
+        </a:xfrm>
+      </p:grpSpPr>
+      <p:grpSp>
+        <p:nvGrpSpPr>
+          <p:cNvPr id="3" name="组合 2"/>
+          <p:cNvGrpSpPr/>
+          <p:nvPr/>
+        </p:nvGrpSpPr>
+        <p:grpSpPr>
+          <a:xfrm>
+            <a:off x="0" y="0"/>
+            <a:ext cx="12192000" cy="6858000"/>
+            <a:chOff x="0" y="0"/>
+            <a:chExt cx="12192000" cy="6858000"/>
+          </a:xfrm>
+        </p:grpSpPr>
+        <p:sp>
+          <p:nvSpPr>
+            <p:cNvPr id="4" name="矩形 3"/>
+            <p:cNvSpPr/>
+            <p:nvPr/>
+          </p:nvSpPr>
+          <p:spPr>
+            <a:xfrm>
+              <a:off x="3067050" y="0"/>
+              <a:ext cx="9124950" cy="6858000"/>
+            </a:xfrm>
+            <a:prstGeom prst="rect">
+              <a:avLst/>
+            </a:prstGeom>
+            <a:solidFill>
+              <a:schemeClr val="bg1"/>
+            </a:solidFill>
+            <a:ln>
+              <a:noFill/>
+            </a:ln>
+          </p:spPr>
+          <p:style>
+            <a:lnRef idx="2">
+              <a:schemeClr val="accent1">
+                <a:shade val="50000"/>
+              </a:schemeClr>
+            </a:lnRef>
+            <a:fillRef idx="1">
+              <a:schemeClr val="accent1"/>
+            </a:fillRef>
+            <a:effectRef idx="0">
+              <a:schemeClr val="accent1"/>
+            </a:effectRef>
+            <a:fontRef idx="minor">
+              <a:schemeClr val="lt1"/>
+            </a:fontRef>
+          </p:style>
+          <p:txBody>
+            <a:bodyPr rtlCol="0" anchor="ctr"/>
+            <a:lstStyle/>
+            <a:p>
+              <a:pPr algn="ctr"/>
+              <a:endParaRPr lang="zh-CN" altLang="en-US"/>
+            </a:p>
+          </p:txBody>
+        </p:sp>
+        <p:sp>
+          <p:nvSpPr>
+            <p:cNvPr id="5" name="流程图: 手动输入 4"/>
+            <p:cNvSpPr/>
+            <p:nvPr/>
+          </p:nvSpPr>
+          <p:spPr>
+            <a:xfrm>
+              <a:off x="0" y="0"/>
+              <a:ext cx="3067050" cy="6858000"/>
+            </a:xfrm>
+            <a:prstGeom prst="flowChartManualInput">
+              <a:avLst/>
+            </a:prstGeom>
+            <a:solidFill>
+              <a:schemeClr val="bg1"/>
+            </a:solidFill>
+            <a:ln>
+              <a:noFill/>
+            </a:ln>
+          </p:spPr>
+          <p:style>
+            <a:lnRef idx="2">
+              <a:schemeClr val="accent1">
+                <a:shade val="50000"/>
+              </a:schemeClr>
+            </a:lnRef>
+            <a:fillRef idx="1">
+              <a:schemeClr val="accent1"/>
+            </a:fillRef>
+            <a:effectRef idx="0">
+              <a:schemeClr val="accent1"/>
+            </a:effectRef>
+            <a:fontRef idx="minor">
+              <a:schemeClr val="lt1"/>
+            </a:fontRef>
+          </p:style>
+          <p:txBody>
+            <a:bodyPr rtlCol="0" anchor="ctr"/>
+            <a:lstStyle/>
+            <a:p>
+              <a:pPr algn="ctr"/>
+              <a:endParaRPr lang="zh-CN" altLang="en-US"/>
+            </a:p>
+          </p:txBody>
+        </p:sp>
+      </p:grpSp>
+      <p:pic>
+        <p:nvPicPr>
+          <p:cNvPr id="14" name="图片 13"/>
+          <p:cNvPicPr>
+            <a:picLocks noChangeAspect="1"/>
+          </p:cNvPicPr>
+          <p:nvPr/>
+        </p:nvPicPr>
+        <p:blipFill>
+          <a:blip r:embed="rId2" cstate="print">
+            <a:extLst>
+              <a:ext uri="{28A0092B-C50C-407E-A947-70E740481C1C}">
+                <a14:useLocalDpi xmlns:a14="http://schemas.microsoft.com/office/drawing/2010/main" val="0"/>
+              </a:ext>
+            </a:extLst>
+          </a:blip>
+          <a:stretch>
+            <a:fillRect/>
+          </a:stretch>
+        </p:blipFill>
+        <p:spPr>
+          <a:xfrm rot="10800000">
+            <a:off x="3088551" y="0"/>
+            <a:ext cx="2542126" cy="1429946"/>
+          </a:xfrm>
+          <a:prstGeom prst="triangle">
+            <a:avLst/>
+          </a:prstGeom>
+        </p:spPr>
+      </p:pic>
+      <p:sp>
+        <p:nvSpPr>
+          <p:cNvPr id="10" name="矩形 9"/>
+          <p:cNvSpPr/>
+          <p:nvPr/>
+        </p:nvSpPr>
+        <p:spPr>
+          <a:xfrm>
+            <a:off x="1224619" y="4868710"/>
+            <a:ext cx="5064212" cy="1509642"/>
+          </a:xfrm>
+          <a:prstGeom prst="rect">
+            <a:avLst/>
+          </a:prstGeom>
+        </p:spPr>
+        <p:txBody>
+          <a:bodyPr wrap="square" lIns="68570" tIns="34289" rIns="68570" bIns="34289">
+            <a:spAutoFit/>
+          </a:bodyPr>
+          <a:lstStyle/>
+          <a:p>
+            <a:pPr defTabSz="685681">
+              <a:lnSpc>
+                <a:spcPct val="130000"/>
+              </a:lnSpc>
+            </a:pPr>
+            <a:r>
+              <a:rPr lang="zh-CN" altLang="en-US" dirty="0">
+                <a:latin typeface="微软雅黑" panose="020B0503020204020204" pitchFamily="34" charset="-122"/>
+                <a:ea typeface="微软雅黑" panose="020B0503020204020204" pitchFamily="34" charset="-122"/>
+              </a:rPr>
+              <a:t>标题数字等都可以通过点击和重新输入进行更改，顶部“开始”面板中可以对字体、字号、颜色、行距等进行修改。建议正文</a:t>
+            </a:r>
+            <a:r>
+              <a:rPr lang="en-US" altLang="zh-CN" dirty="0">
+                <a:latin typeface="微软雅黑" panose="020B0503020204020204" pitchFamily="34" charset="-122"/>
+                <a:ea typeface="微软雅黑" panose="020B0503020204020204" pitchFamily="34" charset="-122"/>
+              </a:rPr>
+              <a:t>12</a:t>
+            </a:r>
+            <a:r>
+              <a:rPr lang="zh-CN" altLang="en-US" dirty="0">
+                <a:latin typeface="微软雅黑" panose="020B0503020204020204" pitchFamily="34" charset="-122"/>
+                <a:ea typeface="微软雅黑" panose="020B0503020204020204" pitchFamily="34" charset="-122"/>
+              </a:rPr>
+              <a:t>号字，</a:t>
+            </a:r>
+            <a:r>
+              <a:rPr lang="en-US" altLang="zh-CN" dirty="0">
+                <a:latin typeface="微软雅黑" panose="020B0503020204020204" pitchFamily="34" charset="-122"/>
+                <a:ea typeface="微软雅黑" panose="020B0503020204020204" pitchFamily="34" charset="-122"/>
+              </a:rPr>
+              <a:t>1.3</a:t>
+            </a:r>
+            <a:r>
+              <a:rPr lang="zh-CN" altLang="en-US" dirty="0">
+                <a:latin typeface="微软雅黑" panose="020B0503020204020204" pitchFamily="34" charset="-122"/>
+                <a:ea typeface="微软雅黑" panose="020B0503020204020204" pitchFamily="34" charset="-122"/>
+              </a:rPr>
+              <a:t>倍字间距。</a:t>
+            </a:r>
+          </a:p>
+        </p:txBody>
+      </p:sp>
+      <p:sp>
+        <p:nvSpPr>
+          <p:cNvPr id="11" name="等腰三角形 10"/>
+          <p:cNvSpPr/>
+          <p:nvPr/>
+        </p:nvSpPr>
+        <p:spPr>
+          <a:xfrm rot="10800000">
+            <a:off x="1040469" y="4754410"/>
+            <a:ext cx="438150" cy="367481"/>
+          </a:xfrm>
+          <a:prstGeom prst="triangle">
+            <a:avLst>
+              <a:gd name="adj" fmla="val 100000"/>
+            </a:avLst>
+          </a:prstGeom>
+          <a:solidFill>
+            <a:srgbClr val="FFC000"/>
+          </a:solidFill>
+          <a:ln>
+            <a:noFill/>
+          </a:ln>
+        </p:spPr>
+        <p:style>
+          <a:lnRef idx="2">
+            <a:schemeClr val="accent1">
+              <a:shade val="50000"/>
+            </a:schemeClr>
+          </a:lnRef>
+          <a:fillRef idx="1">
+            <a:schemeClr val="accent1"/>
+          </a:fillRef>
+          <a:effectRef idx="0">
+            <a:schemeClr val="accent1"/>
+          </a:effectRef>
+          <a:fontRef idx="minor">
+            <a:schemeClr val="lt1"/>
+          </a:fontRef>
+        </p:style>
+        <p:txBody>
+          <a:bodyPr rtlCol="0" anchor="ctr"/>
+          <a:lstStyle/>
+          <a:p>
+            <a:pPr algn="ctr"/>
+            <a:endParaRPr lang="zh-CN" altLang="en-US"/>
+          </a:p>
+        </p:txBody>
+      </p:sp>
+      <p:sp>
+        <p:nvSpPr>
+          <p:cNvPr id="15" name="文本框 14"/>
+          <p:cNvSpPr txBox="1"/>
+          <p:nvPr/>
+        </p:nvSpPr>
+        <p:spPr>
+          <a:xfrm>
+            <a:off x="292820" y="0"/>
+            <a:ext cx="684446" cy="1200329"/>
+          </a:xfrm>
+          <a:prstGeom prst="rect">
+            <a:avLst/>
+          </a:prstGeom>
+          <a:noFill/>
+        </p:spPr>
+        <p:txBody>
+          <a:bodyPr wrap="square" rtlCol="0">
+            <a:spAutoFit/>
+          </a:bodyPr>
+          <a:lstStyle/>
+          <a:p>
+            <a:r>
+              <a:rPr lang="en-US" altLang="zh-CN" sz="7200" b="1" dirty="0">
+                <a:solidFill>
+                  <a:schemeClr val="bg1"/>
+                </a:solidFill>
+              </a:rPr>
+              <a:t>2</a:t>
+            </a:r>
+            <a:endParaRPr lang="zh-CN" altLang="en-US" sz="7200" b="1" dirty="0">
+              <a:solidFill>
+                <a:schemeClr val="bg1"/>
+              </a:solidFill>
+            </a:endParaRPr>
+          </a:p>
+        </p:txBody>
+      </p:sp>
+      <p:sp>
+        <p:nvSpPr>
+          <p:cNvPr id="16" name="矩形 15"/>
+          <p:cNvSpPr/>
+          <p:nvPr/>
+        </p:nvSpPr>
+        <p:spPr>
+          <a:xfrm>
+            <a:off x="1321037" y="1512787"/>
+            <a:ext cx="5163739" cy="1149543"/>
+          </a:xfrm>
+          <a:prstGeom prst="rect">
+            <a:avLst/>
+          </a:prstGeom>
+        </p:spPr>
+        <p:txBody>
+          <a:bodyPr wrap="square" lIns="68570" tIns="34289" rIns="68570" bIns="34289">
+            <a:spAutoFit/>
+          </a:bodyPr>
+          <a:lstStyle/>
+          <a:p>
+            <a:pPr defTabSz="685681">
+              <a:lnSpc>
+                <a:spcPct val="130000"/>
+              </a:lnSpc>
+            </a:pPr>
+            <a:r>
+              <a:rPr lang="zh-CN" altLang="en-US" dirty="0">
+                <a:latin typeface="微软雅黑" panose="020B0503020204020204" pitchFamily="34" charset="-122"/>
+                <a:ea typeface="微软雅黑" panose="020B0503020204020204" pitchFamily="34" charset="-122"/>
+              </a:rPr>
+              <a:t>标题数字等都可以通过点击和重新输入进行更改，顶部“开始”面板中可以对字体、字号、颜色、行距等进行修改。建议正文</a:t>
+            </a:r>
+            <a:r>
+              <a:rPr lang="en-US" altLang="zh-CN" dirty="0">
+                <a:latin typeface="微软雅黑" panose="020B0503020204020204" pitchFamily="34" charset="-122"/>
+                <a:ea typeface="微软雅黑" panose="020B0503020204020204" pitchFamily="34" charset="-122"/>
+              </a:rPr>
+              <a:t>12</a:t>
+            </a:r>
+            <a:r>
+              <a:rPr lang="zh-CN" altLang="en-US" dirty="0">
+                <a:latin typeface="微软雅黑" panose="020B0503020204020204" pitchFamily="34" charset="-122"/>
+                <a:ea typeface="微软雅黑" panose="020B0503020204020204" pitchFamily="34" charset="-122"/>
+              </a:rPr>
+              <a:t>号字，</a:t>
+            </a:r>
+            <a:r>
+              <a:rPr lang="en-US" altLang="zh-CN" dirty="0">
+                <a:latin typeface="微软雅黑" panose="020B0503020204020204" pitchFamily="34" charset="-122"/>
+                <a:ea typeface="微软雅黑" panose="020B0503020204020204" pitchFamily="34" charset="-122"/>
+              </a:rPr>
+              <a:t>1.3</a:t>
+            </a:r>
+            <a:r>
+              <a:rPr lang="zh-CN" altLang="en-US" dirty="0">
+                <a:latin typeface="微软雅黑" panose="020B0503020204020204" pitchFamily="34" charset="-122"/>
+                <a:ea typeface="微软雅黑" panose="020B0503020204020204" pitchFamily="34" charset="-122"/>
+              </a:rPr>
+              <a:t>倍字间距。</a:t>
+            </a:r>
+          </a:p>
+        </p:txBody>
+      </p:sp>
+      <p:sp>
+        <p:nvSpPr>
+          <p:cNvPr id="17" name="等腰三角形 16"/>
+          <p:cNvSpPr/>
+          <p:nvPr/>
+        </p:nvSpPr>
+        <p:spPr>
+          <a:xfrm rot="10800000">
+            <a:off x="1136887" y="1398487"/>
+            <a:ext cx="438150" cy="367481"/>
+          </a:xfrm>
+          <a:prstGeom prst="triangle">
+            <a:avLst>
+              <a:gd name="adj" fmla="val 100000"/>
+            </a:avLst>
+          </a:prstGeom>
+          <a:solidFill>
+            <a:srgbClr val="FFC000"/>
+          </a:solidFill>
+          <a:ln>
+            <a:noFill/>
+          </a:ln>
+        </p:spPr>
+        <p:style>
+          <a:lnRef idx="2">
+            <a:schemeClr val="accent1">
+              <a:shade val="50000"/>
+            </a:schemeClr>
+          </a:lnRef>
+          <a:fillRef idx="1">
+            <a:schemeClr val="accent1"/>
+          </a:fillRef>
+          <a:effectRef idx="0">
+            <a:schemeClr val="accent1"/>
+          </a:effectRef>
+          <a:fontRef idx="minor">
+            <a:schemeClr val="lt1"/>
+          </a:fontRef>
+        </p:style>
+        <p:txBody>
+          <a:bodyPr rtlCol="0" anchor="ctr"/>
+          <a:lstStyle/>
+          <a:p>
+            <a:pPr algn="ctr"/>
+            <a:endParaRPr lang="zh-CN" altLang="en-US"/>
+          </a:p>
+        </p:txBody>
+      </p:sp>
+      <p:sp>
+        <p:nvSpPr>
+          <p:cNvPr id="18" name="矩形 17"/>
+          <p:cNvSpPr/>
+          <p:nvPr/>
+        </p:nvSpPr>
+        <p:spPr>
+          <a:xfrm>
+            <a:off x="1293045" y="2968369"/>
+            <a:ext cx="5064212" cy="1509642"/>
+          </a:xfrm>
+          <a:prstGeom prst="rect">
+            <a:avLst/>
+          </a:prstGeom>
+        </p:spPr>
+        <p:txBody>
+          <a:bodyPr wrap="square" lIns="68570" tIns="34289" rIns="68570" bIns="34289">
+            <a:spAutoFit/>
+          </a:bodyPr>
+          <a:lstStyle/>
+          <a:p>
+            <a:pPr defTabSz="685681">
+              <a:lnSpc>
+                <a:spcPct val="130000"/>
+              </a:lnSpc>
+            </a:pPr>
+            <a:r>
+              <a:rPr lang="zh-CN" altLang="en-US" dirty="0">
+                <a:latin typeface="微软雅黑" panose="020B0503020204020204" pitchFamily="34" charset="-122"/>
+                <a:ea typeface="微软雅黑" panose="020B0503020204020204" pitchFamily="34" charset="-122"/>
+              </a:rPr>
+              <a:t>标题数字等都可以通过点击和重新输入进行更改，顶部“开始”面板中可以对字体、字号、颜色、行距等进行修改。建议正文</a:t>
+            </a:r>
+            <a:r>
+              <a:rPr lang="en-US" altLang="zh-CN" dirty="0">
+                <a:latin typeface="微软雅黑" panose="020B0503020204020204" pitchFamily="34" charset="-122"/>
+                <a:ea typeface="微软雅黑" panose="020B0503020204020204" pitchFamily="34" charset="-122"/>
+              </a:rPr>
+              <a:t>12</a:t>
+            </a:r>
+            <a:r>
+              <a:rPr lang="zh-CN" altLang="en-US" dirty="0">
+                <a:latin typeface="微软雅黑" panose="020B0503020204020204" pitchFamily="34" charset="-122"/>
+                <a:ea typeface="微软雅黑" panose="020B0503020204020204" pitchFamily="34" charset="-122"/>
+              </a:rPr>
+              <a:t>号字，</a:t>
+            </a:r>
+            <a:r>
+              <a:rPr lang="en-US" altLang="zh-CN" dirty="0">
+                <a:latin typeface="微软雅黑" panose="020B0503020204020204" pitchFamily="34" charset="-122"/>
+                <a:ea typeface="微软雅黑" panose="020B0503020204020204" pitchFamily="34" charset="-122"/>
+              </a:rPr>
+              <a:t>1.3</a:t>
+            </a:r>
+            <a:r>
+              <a:rPr lang="zh-CN" altLang="en-US" dirty="0">
+                <a:latin typeface="微软雅黑" panose="020B0503020204020204" pitchFamily="34" charset="-122"/>
+                <a:ea typeface="微软雅黑" panose="020B0503020204020204" pitchFamily="34" charset="-122"/>
+              </a:rPr>
+              <a:t>倍字间距。</a:t>
+            </a:r>
+          </a:p>
+        </p:txBody>
+      </p:sp>
+      <p:sp>
+        <p:nvSpPr>
+          <p:cNvPr id="19" name="等腰三角形 18"/>
+          <p:cNvSpPr/>
+          <p:nvPr/>
+        </p:nvSpPr>
+        <p:spPr>
+          <a:xfrm rot="10800000">
+            <a:off x="1108895" y="2854069"/>
+            <a:ext cx="438150" cy="367481"/>
+          </a:xfrm>
+          <a:prstGeom prst="triangle">
+            <a:avLst>
+              <a:gd name="adj" fmla="val 100000"/>
+            </a:avLst>
+          </a:prstGeom>
+          <a:solidFill>
+            <a:srgbClr val="FFC000"/>
+          </a:solidFill>
+          <a:ln>
+            <a:noFill/>
+          </a:ln>
+        </p:spPr>
+        <p:style>
+          <a:lnRef idx="2">
+            <a:schemeClr val="accent1">
+              <a:shade val="50000"/>
+            </a:schemeClr>
+          </a:lnRef>
+          <a:fillRef idx="1">
+            <a:schemeClr val="accent1"/>
+          </a:fillRef>
+          <a:effectRef idx="0">
+            <a:schemeClr val="accent1"/>
+          </a:effectRef>
+          <a:fontRef idx="minor">
+            <a:schemeClr val="lt1"/>
+          </a:fontRef>
+        </p:style>
+        <p:txBody>
+          <a:bodyPr rtlCol="0" anchor="ctr"/>
+          <a:lstStyle/>
+          <a:p>
+            <a:pPr algn="ctr"/>
+            <a:endParaRPr lang="zh-CN" altLang="en-US"/>
+          </a:p>
+        </p:txBody>
+      </p:sp>
+    </p:spTree>
+    <p:extLst>
+      <p:ext uri="{BB962C8B-B14F-4D97-AF65-F5344CB8AC3E}">
+        <p14:creationId xmlns:p14="http://schemas.microsoft.com/office/powerpoint/2010/main" val="2652899342"/>
+      </p:ext>
+    </p:extLst>
+  </p:cSld>
+  <p:clrMapOvr>
+    <a:masterClrMapping/>
+  </p:clrMapOvr>
+  <p:transition spd="slow">
+    <p:push dir="u"/>
+  </p:transition>
+</p:sld>
+</file>
+
+<file path=ppt/slides/slide11.xml><?xml version="1.0" encoding="utf-8"?>
+<p:sld xmlns:a="http://schemas.openxmlformats.org/drawingml/2006/main" xmlns:r="http://schemas.openxmlformats.org/officeDocument/2006/relationships" xmlns:p="http://schemas.openxmlformats.org/presentationml/2006/main">
+  <p:cSld>
+    <p:spTree>
+      <p:nvGrpSpPr>
+        <p:cNvPr id="1" name=""/>
+        <p:cNvGrpSpPr/>
+        <p:nvPr/>
+      </p:nvGrpSpPr>
+      <p:grpSpPr>
+        <a:xfrm>
+          <a:off x="0" y="0"/>
+          <a:ext cx="0" cy="0"/>
+          <a:chOff x="0" y="0"/>
+          <a:chExt cx="0" cy="0"/>
+        </a:xfrm>
+      </p:grpSpPr>
+      <p:grpSp>
+        <p:nvGrpSpPr>
+          <p:cNvPr id="2" name="组合 1"/>
+          <p:cNvGrpSpPr/>
+          <p:nvPr/>
+        </p:nvGrpSpPr>
+        <p:grpSpPr>
+          <a:xfrm>
+            <a:off x="0" y="0"/>
+            <a:ext cx="12192000" cy="6858000"/>
+            <a:chOff x="0" y="0"/>
+            <a:chExt cx="12192000" cy="6858000"/>
+          </a:xfrm>
+        </p:grpSpPr>
+        <p:sp>
+          <p:nvSpPr>
+            <p:cNvPr id="3" name="矩形 2"/>
+            <p:cNvSpPr/>
+            <p:nvPr/>
+          </p:nvSpPr>
+          <p:spPr>
+            <a:xfrm>
+              <a:off x="3067050" y="0"/>
+              <a:ext cx="9124950" cy="6858000"/>
+            </a:xfrm>
+            <a:prstGeom prst="rect">
+              <a:avLst/>
+            </a:prstGeom>
+            <a:solidFill>
+              <a:schemeClr val="bg1"/>
+            </a:solidFill>
+            <a:ln>
+              <a:noFill/>
+            </a:ln>
+          </p:spPr>
+          <p:style>
+            <a:lnRef idx="2">
+              <a:schemeClr val="accent1">
+                <a:shade val="50000"/>
+              </a:schemeClr>
+            </a:lnRef>
+            <a:fillRef idx="1">
+              <a:schemeClr val="accent1"/>
+            </a:fillRef>
+            <a:effectRef idx="0">
+              <a:schemeClr val="accent1"/>
+            </a:effectRef>
+            <a:fontRef idx="minor">
+              <a:schemeClr val="lt1"/>
+            </a:fontRef>
+          </p:style>
+          <p:txBody>
+            <a:bodyPr rtlCol="0" anchor="ctr"/>
+            <a:lstStyle/>
+            <a:p>
+              <a:pPr algn="ctr"/>
+              <a:endParaRPr lang="zh-CN" altLang="en-US"/>
+            </a:p>
+          </p:txBody>
+        </p:sp>
+        <p:sp>
+          <p:nvSpPr>
+            <p:cNvPr id="4" name="流程图: 手动输入 3"/>
+            <p:cNvSpPr/>
+            <p:nvPr/>
+          </p:nvSpPr>
+          <p:spPr>
+            <a:xfrm>
+              <a:off x="0" y="0"/>
+              <a:ext cx="3067050" cy="6858000"/>
+            </a:xfrm>
+            <a:prstGeom prst="flowChartManualInput">
+              <a:avLst/>
+            </a:prstGeom>
+            <a:solidFill>
+              <a:schemeClr val="bg1"/>
+            </a:solidFill>
+            <a:ln>
+              <a:noFill/>
+            </a:ln>
+          </p:spPr>
+          <p:style>
+            <a:lnRef idx="2">
+              <a:schemeClr val="accent1">
+                <a:shade val="50000"/>
+              </a:schemeClr>
+            </a:lnRef>
+            <a:fillRef idx="1">
+              <a:schemeClr val="accent1"/>
+            </a:fillRef>
+            <a:effectRef idx="0">
+              <a:schemeClr val="accent1"/>
+            </a:effectRef>
+            <a:fontRef idx="minor">
+              <a:schemeClr val="lt1"/>
+            </a:fontRef>
+          </p:style>
+          <p:txBody>
+            <a:bodyPr rtlCol="0" anchor="ctr"/>
+            <a:lstStyle/>
+            <a:p>
+              <a:pPr algn="ctr"/>
+              <a:endParaRPr lang="zh-CN" altLang="en-US"/>
+            </a:p>
+          </p:txBody>
+        </p:sp>
+      </p:grpSp>
       <p:sp>
         <p:nvSpPr>
           <p:cNvPr id="5" name="文本框 4"/>
+          <p:cNvSpPr txBox="1"/>
+          <p:nvPr/>
+        </p:nvSpPr>
+        <p:spPr>
+          <a:xfrm>
+            <a:off x="253540" y="0"/>
+            <a:ext cx="684446" cy="1200329"/>
+          </a:xfrm>
+          <a:prstGeom prst="rect">
+            <a:avLst/>
+          </a:prstGeom>
+          <a:noFill/>
+        </p:spPr>
+        <p:txBody>
+          <a:bodyPr wrap="square" rtlCol="0">
+            <a:spAutoFit/>
+          </a:bodyPr>
+          <a:lstStyle/>
+          <a:p>
+            <a:r>
+              <a:rPr lang="en-US" altLang="zh-CN" sz="7200" b="1" dirty="0">
+                <a:solidFill>
+                  <a:schemeClr val="bg1"/>
+                </a:solidFill>
+              </a:rPr>
+              <a:t>3</a:t>
+            </a:r>
+            <a:endParaRPr lang="zh-CN" altLang="en-US" sz="7200" b="1" dirty="0">
+              <a:solidFill>
+                <a:schemeClr val="bg1"/>
+              </a:solidFill>
+            </a:endParaRPr>
+          </a:p>
+        </p:txBody>
+      </p:sp>
+      <p:sp>
+        <p:nvSpPr>
+          <p:cNvPr id="7" name="五边形 6"/>
+          <p:cNvSpPr/>
+          <p:nvPr/>
+        </p:nvSpPr>
+        <p:spPr>
+          <a:xfrm>
+            <a:off x="7278527" y="1733550"/>
+            <a:ext cx="4006968" cy="4169857"/>
+          </a:xfrm>
+          <a:prstGeom prst="homePlate">
+            <a:avLst>
+              <a:gd name="adj" fmla="val 28224"/>
+            </a:avLst>
+          </a:prstGeom>
+          <a:solidFill>
+            <a:schemeClr val="tx2">
+              <a:lumMod val="75000"/>
+            </a:schemeClr>
+          </a:solidFill>
+          <a:ln>
+            <a:noFill/>
+          </a:ln>
+        </p:spPr>
+        <p:style>
+          <a:lnRef idx="2">
+            <a:schemeClr val="accent1">
+              <a:shade val="50000"/>
+            </a:schemeClr>
+          </a:lnRef>
+          <a:fillRef idx="1">
+            <a:schemeClr val="accent1"/>
+          </a:fillRef>
+          <a:effectRef idx="0">
+            <a:schemeClr val="accent1"/>
+          </a:effectRef>
+          <a:fontRef idx="minor">
+            <a:schemeClr val="lt1"/>
+          </a:fontRef>
+        </p:style>
+        <p:txBody>
+          <a:bodyPr anchor="ctr"/>
+          <a:lstStyle/>
+          <a:p>
+            <a:pPr algn="ctr" defTabSz="914400"/>
+            <a:endParaRPr lang="zh-CN" altLang="en-US">
+              <a:solidFill>
+                <a:prstClr val="white"/>
+              </a:solidFill>
+            </a:endParaRPr>
+          </a:p>
+        </p:txBody>
+      </p:sp>
+      <p:sp>
+        <p:nvSpPr>
+          <p:cNvPr id="8" name="五边形 7"/>
+          <p:cNvSpPr/>
+          <p:nvPr/>
+        </p:nvSpPr>
+        <p:spPr>
+          <a:xfrm>
+            <a:off x="5577320" y="1736843"/>
+            <a:ext cx="3331461" cy="4160265"/>
+          </a:xfrm>
+          <a:prstGeom prst="homePlate">
+            <a:avLst>
+              <a:gd name="adj" fmla="val 28224"/>
+            </a:avLst>
+          </a:prstGeom>
+          <a:solidFill>
+            <a:schemeClr val="tx2">
+              <a:lumMod val="60000"/>
+              <a:lumOff val="40000"/>
+            </a:schemeClr>
+          </a:solidFill>
+          <a:ln>
+            <a:noFill/>
+          </a:ln>
+        </p:spPr>
+        <p:style>
+          <a:lnRef idx="2">
+            <a:schemeClr val="accent1">
+              <a:shade val="50000"/>
+            </a:schemeClr>
+          </a:lnRef>
+          <a:fillRef idx="1">
+            <a:schemeClr val="accent1"/>
+          </a:fillRef>
+          <a:effectRef idx="0">
+            <a:schemeClr val="accent1"/>
+          </a:effectRef>
+          <a:fontRef idx="minor">
+            <a:schemeClr val="lt1"/>
+          </a:fontRef>
+        </p:style>
+        <p:txBody>
+          <a:bodyPr anchor="ctr"/>
+          <a:lstStyle/>
+          <a:p>
+            <a:pPr algn="ctr" defTabSz="914400"/>
+            <a:endParaRPr lang="zh-CN" altLang="en-US">
+              <a:solidFill>
+                <a:prstClr val="white"/>
+              </a:solidFill>
+            </a:endParaRPr>
+          </a:p>
+        </p:txBody>
+      </p:sp>
+      <p:sp>
+        <p:nvSpPr>
+          <p:cNvPr id="9" name="五边形 8"/>
+          <p:cNvSpPr/>
+          <p:nvPr/>
+        </p:nvSpPr>
+        <p:spPr>
+          <a:xfrm>
+            <a:off x="3166666" y="1733550"/>
+            <a:ext cx="3397028" cy="4169853"/>
+          </a:xfrm>
+          <a:prstGeom prst="homePlate">
+            <a:avLst>
+              <a:gd name="adj" fmla="val 28224"/>
+            </a:avLst>
+          </a:prstGeom>
+          <a:solidFill>
+            <a:schemeClr val="tx2">
+              <a:lumMod val="40000"/>
+              <a:lumOff val="60000"/>
+            </a:schemeClr>
+          </a:solidFill>
+          <a:ln>
+            <a:noFill/>
+          </a:ln>
+        </p:spPr>
+        <p:style>
+          <a:lnRef idx="2">
+            <a:schemeClr val="accent1">
+              <a:shade val="50000"/>
+            </a:schemeClr>
+          </a:lnRef>
+          <a:fillRef idx="1">
+            <a:schemeClr val="accent1"/>
+          </a:fillRef>
+          <a:effectRef idx="0">
+            <a:schemeClr val="accent1"/>
+          </a:effectRef>
+          <a:fontRef idx="minor">
+            <a:schemeClr val="lt1"/>
+          </a:fontRef>
+        </p:style>
+        <p:txBody>
+          <a:bodyPr anchor="ctr"/>
+          <a:lstStyle/>
+          <a:p>
+            <a:pPr algn="ctr" defTabSz="914400"/>
+            <a:endParaRPr lang="zh-CN" altLang="en-US">
+              <a:solidFill>
+                <a:prstClr val="white"/>
+              </a:solidFill>
+            </a:endParaRPr>
+          </a:p>
+        </p:txBody>
+      </p:sp>
+      <p:sp>
+        <p:nvSpPr>
+          <p:cNvPr id="10" name="五边形 20"/>
+          <p:cNvSpPr/>
+          <p:nvPr/>
+        </p:nvSpPr>
+        <p:spPr>
+          <a:xfrm>
+            <a:off x="1229819" y="1733550"/>
+            <a:ext cx="2946182" cy="4169853"/>
+          </a:xfrm>
+          <a:custGeom>
+            <a:avLst/>
+            <a:gdLst/>
+            <a:ahLst/>
+            <a:cxnLst/>
+            <a:rect l="l" t="t" r="r" b="b"/>
+            <a:pathLst>
+              <a:path w="1747984" h="2099604">
+                <a:moveTo>
+                  <a:pt x="1747984" y="1049802"/>
+                </a:moveTo>
+                <a:lnTo>
+                  <a:pt x="1155392" y="2099604"/>
+                </a:lnTo>
+                <a:lnTo>
+                  <a:pt x="0" y="2099604"/>
+                </a:lnTo>
+                <a:lnTo>
+                  <a:pt x="0" y="0"/>
+                </a:lnTo>
+                <a:lnTo>
+                  <a:pt x="1155392" y="0"/>
+                </a:lnTo>
+                <a:close/>
+              </a:path>
+            </a:pathLst>
+          </a:custGeom>
+          <a:solidFill>
+            <a:schemeClr val="tx2">
+              <a:lumMod val="20000"/>
+              <a:lumOff val="80000"/>
+            </a:schemeClr>
+          </a:solidFill>
+          <a:ln>
+            <a:noFill/>
+          </a:ln>
+        </p:spPr>
+        <p:style>
+          <a:lnRef idx="2">
+            <a:schemeClr val="accent1">
+              <a:shade val="50000"/>
+            </a:schemeClr>
+          </a:lnRef>
+          <a:fillRef idx="1">
+            <a:schemeClr val="accent1"/>
+          </a:fillRef>
+          <a:effectRef idx="0">
+            <a:schemeClr val="accent1"/>
+          </a:effectRef>
+          <a:fontRef idx="minor">
+            <a:schemeClr val="lt1"/>
+          </a:fontRef>
+        </p:style>
+        <p:txBody>
+          <a:bodyPr anchor="ctr"/>
+          <a:lstStyle/>
+          <a:p>
+            <a:pPr algn="ctr" defTabSz="914400"/>
+            <a:endParaRPr lang="zh-CN" altLang="en-US">
+              <a:solidFill>
+                <a:prstClr val="white"/>
+              </a:solidFill>
+            </a:endParaRPr>
+          </a:p>
+        </p:txBody>
+      </p:sp>
+      <p:sp>
+        <p:nvSpPr>
+          <p:cNvPr id="22" name="文本框 21"/>
+          <p:cNvSpPr txBox="1"/>
+          <p:nvPr/>
+        </p:nvSpPr>
+        <p:spPr>
+          <a:xfrm>
+            <a:off x="2008273" y="1873906"/>
+            <a:ext cx="959161" cy="769441"/>
+          </a:xfrm>
+          <a:prstGeom prst="rect">
+            <a:avLst/>
+          </a:prstGeom>
+          <a:noFill/>
+        </p:spPr>
+        <p:txBody>
+          <a:bodyPr wrap="square" rtlCol="0">
+            <a:spAutoFit/>
+          </a:bodyPr>
+          <a:lstStyle/>
+          <a:p>
+            <a:r>
+              <a:rPr lang="en-US" altLang="zh-CN" sz="4400" b="1" dirty="0">
+                <a:solidFill>
+                  <a:schemeClr val="bg1"/>
+                </a:solidFill>
+              </a:rPr>
+              <a:t>01</a:t>
+            </a:r>
+            <a:endParaRPr lang="zh-CN" altLang="en-US" sz="4400" b="1" dirty="0">
+              <a:solidFill>
+                <a:schemeClr val="bg1"/>
+              </a:solidFill>
+            </a:endParaRPr>
+          </a:p>
+        </p:txBody>
+      </p:sp>
+      <p:sp>
+        <p:nvSpPr>
+          <p:cNvPr id="23" name="文本框 22"/>
+          <p:cNvSpPr txBox="1"/>
+          <p:nvPr/>
+        </p:nvSpPr>
+        <p:spPr>
+          <a:xfrm>
+            <a:off x="4368753" y="1873906"/>
+            <a:ext cx="959161" cy="769441"/>
+          </a:xfrm>
+          <a:prstGeom prst="rect">
+            <a:avLst/>
+          </a:prstGeom>
+          <a:noFill/>
+        </p:spPr>
+        <p:txBody>
+          <a:bodyPr wrap="square" rtlCol="0">
+            <a:spAutoFit/>
+          </a:bodyPr>
+          <a:lstStyle/>
+          <a:p>
+            <a:r>
+              <a:rPr lang="en-US" altLang="zh-CN" sz="4400" b="1" dirty="0">
+                <a:solidFill>
+                  <a:schemeClr val="bg1"/>
+                </a:solidFill>
+              </a:rPr>
+              <a:t>02</a:t>
+            </a:r>
+            <a:endParaRPr lang="zh-CN" altLang="en-US" sz="4400" b="1" dirty="0">
+              <a:solidFill>
+                <a:schemeClr val="bg1"/>
+              </a:solidFill>
+            </a:endParaRPr>
+          </a:p>
+        </p:txBody>
+      </p:sp>
+      <p:sp>
+        <p:nvSpPr>
+          <p:cNvPr id="24" name="文本框 23"/>
+          <p:cNvSpPr txBox="1"/>
+          <p:nvPr/>
+        </p:nvSpPr>
+        <p:spPr>
+          <a:xfrm>
+            <a:off x="6756446" y="1873906"/>
+            <a:ext cx="959161" cy="769441"/>
+          </a:xfrm>
+          <a:prstGeom prst="rect">
+            <a:avLst/>
+          </a:prstGeom>
+          <a:noFill/>
+        </p:spPr>
+        <p:txBody>
+          <a:bodyPr wrap="square" rtlCol="0">
+            <a:spAutoFit/>
+          </a:bodyPr>
+          <a:lstStyle/>
+          <a:p>
+            <a:r>
+              <a:rPr lang="en-US" altLang="zh-CN" sz="4400" b="1" dirty="0">
+                <a:solidFill>
+                  <a:schemeClr val="bg1"/>
+                </a:solidFill>
+              </a:rPr>
+              <a:t>03</a:t>
+            </a:r>
+            <a:endParaRPr lang="zh-CN" altLang="en-US" sz="4400" b="1" dirty="0">
+              <a:solidFill>
+                <a:schemeClr val="bg1"/>
+              </a:solidFill>
+            </a:endParaRPr>
+          </a:p>
+        </p:txBody>
+      </p:sp>
+      <p:sp>
+        <p:nvSpPr>
+          <p:cNvPr id="25" name="文本框 24"/>
+          <p:cNvSpPr txBox="1"/>
+          <p:nvPr/>
+        </p:nvSpPr>
+        <p:spPr>
+          <a:xfrm>
+            <a:off x="8885510" y="1873906"/>
+            <a:ext cx="959161" cy="769441"/>
+          </a:xfrm>
+          <a:prstGeom prst="rect">
+            <a:avLst/>
+          </a:prstGeom>
+          <a:noFill/>
+        </p:spPr>
+        <p:txBody>
+          <a:bodyPr wrap="square" rtlCol="0">
+            <a:spAutoFit/>
+          </a:bodyPr>
+          <a:lstStyle/>
+          <a:p>
+            <a:r>
+              <a:rPr lang="en-US" altLang="zh-CN" sz="4400" b="1" dirty="0">
+                <a:solidFill>
+                  <a:schemeClr val="bg1"/>
+                </a:solidFill>
+              </a:rPr>
+              <a:t>04</a:t>
+            </a:r>
+            <a:endParaRPr lang="zh-CN" altLang="en-US" sz="4400" b="1" dirty="0">
+              <a:solidFill>
+                <a:schemeClr val="bg1"/>
+              </a:solidFill>
+            </a:endParaRPr>
+          </a:p>
+        </p:txBody>
+      </p:sp>
+      <p:sp>
+        <p:nvSpPr>
+          <p:cNvPr id="30" name="文本框 29"/>
+          <p:cNvSpPr txBox="1"/>
+          <p:nvPr/>
+        </p:nvSpPr>
+        <p:spPr>
+          <a:xfrm>
+            <a:off x="1486872" y="2537680"/>
+            <a:ext cx="2105414" cy="2973105"/>
+          </a:xfrm>
+          <a:prstGeom prst="rect">
+            <a:avLst/>
+          </a:prstGeom>
+          <a:noFill/>
+        </p:spPr>
+        <p:txBody>
+          <a:bodyPr wrap="square" lIns="91424" tIns="45712" rIns="91424" bIns="45712" rtlCol="0">
+            <a:spAutoFit/>
+          </a:bodyPr>
+          <a:lstStyle/>
+          <a:p>
+            <a:pPr>
+              <a:lnSpc>
+                <a:spcPct val="130000"/>
+              </a:lnSpc>
+            </a:pPr>
+            <a:r>
+              <a:rPr lang="zh-CN" altLang="en-US" sz="2400" dirty="0">
+                <a:solidFill>
+                  <a:schemeClr val="bg1"/>
+                </a:solidFill>
+                <a:latin typeface="微软雅黑" panose="020B0503020204020204" pitchFamily="34" charset="-122"/>
+                <a:ea typeface="微软雅黑" panose="020B0503020204020204" pitchFamily="34" charset="-122"/>
+              </a:rPr>
+              <a:t>标题数字等都可以通过点击和重新输入进行更改，顶部“开始”面板中可以对字体、</a:t>
+            </a:r>
+            <a:endParaRPr kumimoji="1" lang="en-US" altLang="zh-CN" sz="2400" dirty="0">
+              <a:solidFill>
+                <a:schemeClr val="bg1"/>
+              </a:solidFill>
+              <a:latin typeface="微软雅黑" panose="020B0503020204020204" pitchFamily="34" charset="-122"/>
+              <a:ea typeface="微软雅黑" panose="020B0503020204020204" pitchFamily="34" charset="-122"/>
+              <a:cs typeface="Arial"/>
+            </a:endParaRPr>
+          </a:p>
+        </p:txBody>
+      </p:sp>
+      <p:sp>
+        <p:nvSpPr>
+          <p:cNvPr id="34" name="文本框 29"/>
+          <p:cNvSpPr txBox="1"/>
+          <p:nvPr/>
+        </p:nvSpPr>
+        <p:spPr>
+          <a:xfrm>
+            <a:off x="3981256" y="2596774"/>
+            <a:ext cx="2105414" cy="2973105"/>
+          </a:xfrm>
+          <a:prstGeom prst="rect">
+            <a:avLst/>
+          </a:prstGeom>
+          <a:noFill/>
+        </p:spPr>
+        <p:txBody>
+          <a:bodyPr wrap="square" lIns="91424" tIns="45712" rIns="91424" bIns="45712" rtlCol="0">
+            <a:spAutoFit/>
+          </a:bodyPr>
+          <a:lstStyle/>
+          <a:p>
+            <a:pPr>
+              <a:lnSpc>
+                <a:spcPct val="130000"/>
+              </a:lnSpc>
+            </a:pPr>
+            <a:r>
+              <a:rPr lang="zh-CN" altLang="en-US" sz="2400" dirty="0">
+                <a:solidFill>
+                  <a:schemeClr val="bg1"/>
+                </a:solidFill>
+                <a:latin typeface="微软雅黑" panose="020B0503020204020204" pitchFamily="34" charset="-122"/>
+                <a:ea typeface="微软雅黑" panose="020B0503020204020204" pitchFamily="34" charset="-122"/>
+              </a:rPr>
+              <a:t>标题数字等都可以通过点击和重新输入进行更改，顶部“开始”面板中可以对字体、</a:t>
+            </a:r>
+            <a:endParaRPr kumimoji="1" lang="en-US" altLang="zh-CN" sz="2400" dirty="0">
+              <a:solidFill>
+                <a:schemeClr val="bg1"/>
+              </a:solidFill>
+              <a:latin typeface="微软雅黑" panose="020B0503020204020204" pitchFamily="34" charset="-122"/>
+              <a:ea typeface="微软雅黑" panose="020B0503020204020204" pitchFamily="34" charset="-122"/>
+              <a:cs typeface="Arial"/>
+            </a:endParaRPr>
+          </a:p>
+        </p:txBody>
+      </p:sp>
+      <p:sp>
+        <p:nvSpPr>
+          <p:cNvPr id="35" name="文本框 29"/>
+          <p:cNvSpPr txBox="1"/>
+          <p:nvPr/>
+        </p:nvSpPr>
+        <p:spPr>
+          <a:xfrm>
+            <a:off x="6369893" y="2615435"/>
+            <a:ext cx="2105414" cy="2973105"/>
+          </a:xfrm>
+          <a:prstGeom prst="rect">
+            <a:avLst/>
+          </a:prstGeom>
+          <a:noFill/>
+        </p:spPr>
+        <p:txBody>
+          <a:bodyPr wrap="square" lIns="91424" tIns="45712" rIns="91424" bIns="45712" rtlCol="0">
+            <a:spAutoFit/>
+          </a:bodyPr>
+          <a:lstStyle/>
+          <a:p>
+            <a:pPr>
+              <a:lnSpc>
+                <a:spcPct val="130000"/>
+              </a:lnSpc>
+            </a:pPr>
+            <a:r>
+              <a:rPr lang="zh-CN" altLang="en-US" sz="2400" dirty="0">
+                <a:solidFill>
+                  <a:schemeClr val="bg1"/>
+                </a:solidFill>
+                <a:latin typeface="微软雅黑" panose="020B0503020204020204" pitchFamily="34" charset="-122"/>
+                <a:ea typeface="微软雅黑" panose="020B0503020204020204" pitchFamily="34" charset="-122"/>
+              </a:rPr>
+              <a:t>标题数字等都可以通过点击和重新输入进行更改，顶部“开始”面板中可以对字体、</a:t>
+            </a:r>
+            <a:endParaRPr kumimoji="1" lang="en-US" altLang="zh-CN" sz="2400" dirty="0">
+              <a:solidFill>
+                <a:schemeClr val="bg1"/>
+              </a:solidFill>
+              <a:latin typeface="微软雅黑" panose="020B0503020204020204" pitchFamily="34" charset="-122"/>
+              <a:ea typeface="微软雅黑" panose="020B0503020204020204" pitchFamily="34" charset="-122"/>
+              <a:cs typeface="Arial"/>
+            </a:endParaRPr>
+          </a:p>
+        </p:txBody>
+      </p:sp>
+      <p:sp>
+        <p:nvSpPr>
+          <p:cNvPr id="36" name="文本框 29"/>
+          <p:cNvSpPr txBox="1"/>
+          <p:nvPr/>
+        </p:nvSpPr>
+        <p:spPr>
+          <a:xfrm>
+            <a:off x="8637231" y="2662089"/>
+            <a:ext cx="2105414" cy="2973105"/>
+          </a:xfrm>
+          <a:prstGeom prst="rect">
+            <a:avLst/>
+          </a:prstGeom>
+          <a:noFill/>
+        </p:spPr>
+        <p:txBody>
+          <a:bodyPr wrap="square" lIns="91424" tIns="45712" rIns="91424" bIns="45712" rtlCol="0">
+            <a:spAutoFit/>
+          </a:bodyPr>
+          <a:lstStyle/>
+          <a:p>
+            <a:pPr>
+              <a:lnSpc>
+                <a:spcPct val="130000"/>
+              </a:lnSpc>
+            </a:pPr>
+            <a:r>
+              <a:rPr lang="zh-CN" altLang="en-US" sz="2400" dirty="0">
+                <a:solidFill>
+                  <a:schemeClr val="bg1"/>
+                </a:solidFill>
+                <a:latin typeface="微软雅黑" panose="020B0503020204020204" pitchFamily="34" charset="-122"/>
+                <a:ea typeface="微软雅黑" panose="020B0503020204020204" pitchFamily="34" charset="-122"/>
+              </a:rPr>
+              <a:t>标题数字等都可以通过点击和重新输入进行更改，顶部“开始”面板中可以对字体、</a:t>
+            </a:r>
+            <a:endParaRPr kumimoji="1" lang="en-US" altLang="zh-CN" sz="2400" dirty="0">
+              <a:solidFill>
+                <a:schemeClr val="bg1"/>
+              </a:solidFill>
+              <a:latin typeface="微软雅黑" panose="020B0503020204020204" pitchFamily="34" charset="-122"/>
+              <a:ea typeface="微软雅黑" panose="020B0503020204020204" pitchFamily="34" charset="-122"/>
+              <a:cs typeface="Arial"/>
+            </a:endParaRPr>
+          </a:p>
+        </p:txBody>
+      </p:sp>
+    </p:spTree>
+    <p:extLst>
+      <p:ext uri="{BB962C8B-B14F-4D97-AF65-F5344CB8AC3E}">
+        <p14:creationId xmlns:p14="http://schemas.microsoft.com/office/powerpoint/2010/main" val="1660570423"/>
+      </p:ext>
+    </p:extLst>
+  </p:cSld>
+  <p:clrMapOvr>
+    <a:masterClrMapping/>
+  </p:clrMapOvr>
+  <p:transition spd="slow">
+    <p:push dir="u"/>
+  </p:transition>
+</p:sld>
+</file>
+
+<file path=ppt/slides/slide12.xml><?xml version="1.0" encoding="utf-8"?>
+<p:sld xmlns:a="http://schemas.openxmlformats.org/drawingml/2006/main" xmlns:r="http://schemas.openxmlformats.org/officeDocument/2006/relationships" xmlns:p="http://schemas.openxmlformats.org/presentationml/2006/main">
+  <p:cSld>
+    <p:spTree>
+      <p:nvGrpSpPr>
+        <p:cNvPr id="1" name=""/>
+        <p:cNvGrpSpPr/>
+        <p:nvPr/>
+      </p:nvGrpSpPr>
+      <p:grpSpPr>
+        <a:xfrm>
+          <a:off x="0" y="0"/>
+          <a:ext cx="0" cy="0"/>
+          <a:chOff x="0" y="0"/>
+          <a:chExt cx="0" cy="0"/>
+        </a:xfrm>
+      </p:grpSpPr>
+      <p:sp>
+        <p:nvSpPr>
+          <p:cNvPr id="2" name="文本框 1"/>
+          <p:cNvSpPr txBox="1"/>
+          <p:nvPr/>
+        </p:nvSpPr>
+        <p:spPr>
+          <a:xfrm>
+            <a:off x="2157187" y="2083707"/>
+            <a:ext cx="3788228" cy="1862048"/>
+          </a:xfrm>
+          <a:prstGeom prst="rect">
+            <a:avLst/>
+          </a:prstGeom>
+          <a:noFill/>
+        </p:spPr>
+        <p:txBody>
+          <a:bodyPr wrap="square" rtlCol="0">
+            <a:spAutoFit/>
+          </a:bodyPr>
+          <a:lstStyle/>
+          <a:p>
+            <a:r>
+              <a:rPr lang="en-US" altLang="zh-CN" sz="11500" b="1" dirty="0">
+                <a:solidFill>
+                  <a:schemeClr val="bg1"/>
+                </a:solidFill>
+              </a:rPr>
+              <a:t>2015</a:t>
+            </a:r>
+            <a:endParaRPr lang="zh-CN" altLang="en-US" sz="11500" b="1" dirty="0">
+              <a:solidFill>
+                <a:schemeClr val="bg1"/>
+              </a:solidFill>
+            </a:endParaRPr>
+          </a:p>
+        </p:txBody>
+      </p:sp>
+      <p:cxnSp>
+        <p:nvCxnSpPr>
+          <p:cNvPr id="3" name="直接连接符 2"/>
+          <p:cNvCxnSpPr/>
+          <p:nvPr/>
+        </p:nvCxnSpPr>
+        <p:spPr>
+          <a:xfrm>
+            <a:off x="5626103" y="2446564"/>
+            <a:ext cx="0" cy="1797289"/>
+          </a:xfrm>
+          <a:prstGeom prst="line">
+            <a:avLst/>
+          </a:prstGeom>
+          <a:ln>
+            <a:solidFill>
+              <a:schemeClr val="bg1"/>
+            </a:solidFill>
+          </a:ln>
+        </p:spPr>
+        <p:style>
+          <a:lnRef idx="1">
+            <a:schemeClr val="accent1"/>
+          </a:lnRef>
+          <a:fillRef idx="0">
+            <a:schemeClr val="accent1"/>
+          </a:fillRef>
+          <a:effectRef idx="0">
+            <a:schemeClr val="accent1"/>
+          </a:effectRef>
+          <a:fontRef idx="minor">
+            <a:schemeClr val="tx1"/>
+          </a:fontRef>
+        </p:style>
+      </p:cxnSp>
+      <p:sp>
+        <p:nvSpPr>
+          <p:cNvPr id="4" name="文本框 3"/>
           <p:cNvSpPr txBox="1"/>
           <p:nvPr/>
         </p:nvSpPr>
@@ -3453,16 +5042,6 @@
               </a:lnSpc>
             </a:pPr>
             <a:r>
-              <a:rPr lang="zh-CN" altLang="en-US" sz="1200" dirty="0" smtClean="0">
-                <a:solidFill>
-                  <a:schemeClr val="bg1"/>
-                </a:solidFill>
-                <a:latin typeface="微软雅黑" panose="020B0503020204020204" pitchFamily="34" charset="-122"/>
-                <a:ea typeface="微软雅黑" panose="020B0503020204020204" pitchFamily="34" charset="-122"/>
-              </a:rPr>
-              <a:t>标题数字等都可以通过点击</a:t>
-            </a:r>
-            <a:r>
               <a:rPr lang="zh-CN" altLang="en-US" sz="1200" dirty="0">
                 <a:solidFill>
                   <a:schemeClr val="bg1"/>
@@ -3470,17 +5049,17 @@
                 <a:latin typeface="微软雅黑" panose="020B0503020204020204" pitchFamily="34" charset="-122"/>
                 <a:ea typeface="微软雅黑" panose="020B0503020204020204" pitchFamily="34" charset="-122"/>
               </a:rPr>
-              <a:t>和重新输入进行更改</a:t>
-            </a:r>
-            <a:r>
-              <a:rPr lang="zh-CN" altLang="en-US" sz="1200" dirty="0" smtClean="0">
+              <a:t>标题数字等都可以通过点击和重新输入进行更改，建议正文</a:t>
+            </a:r>
+            <a:r>
+              <a:rPr lang="en-US" altLang="zh-CN" sz="1200" dirty="0">
                 <a:solidFill>
                   <a:schemeClr val="bg1"/>
                 </a:solidFill>
                 <a:latin typeface="微软雅黑" panose="020B0503020204020204" pitchFamily="34" charset="-122"/>
                 <a:ea typeface="微软雅黑" panose="020B0503020204020204" pitchFamily="34" charset="-122"/>
               </a:rPr>
-              <a:t>，建议</a:t>
+              <a:t>12</a:t>
             </a:r>
             <a:r>
               <a:rPr lang="zh-CN" altLang="en-US" sz="1200" dirty="0">
@@ -3490,27 +5069,17 @@
                 <a:latin typeface="微软雅黑" panose="020B0503020204020204" pitchFamily="34" charset="-122"/>
                 <a:ea typeface="微软雅黑" panose="020B0503020204020204" pitchFamily="34" charset="-122"/>
               </a:rPr>
-              <a:t>正文</a:t>
-            </a:r>
-            <a:r>
-              <a:rPr lang="en-US" altLang="zh-CN" sz="1200" dirty="0" smtClean="0">
+              <a:t>号字，</a:t>
+            </a:r>
+            <a:r>
+              <a:rPr lang="en-US" altLang="zh-CN" sz="1200" dirty="0">
                 <a:solidFill>
                   <a:schemeClr val="bg1"/>
                 </a:solidFill>
                 <a:latin typeface="微软雅黑" panose="020B0503020204020204" pitchFamily="34" charset="-122"/>
                 <a:ea typeface="微软雅黑" panose="020B0503020204020204" pitchFamily="34" charset="-122"/>
               </a:rPr>
-              <a:t>12</a:t>
-            </a:r>
-            <a:r>
-              <a:rPr lang="zh-CN" altLang="en-US" sz="1200" dirty="0" smtClean="0">
-                <a:solidFill>
-                  <a:schemeClr val="bg1"/>
-                </a:solidFill>
-                <a:latin typeface="微软雅黑" panose="020B0503020204020204" pitchFamily="34" charset="-122"/>
-                <a:ea typeface="微软雅黑" panose="020B0503020204020204" pitchFamily="34" charset="-122"/>
-              </a:rPr>
-              <a:t>号</a:t>
+              <a:t>1.3</a:t>
             </a:r>
             <a:r>
               <a:rPr lang="zh-CN" altLang="en-US" sz="1200" dirty="0">
@@ -3520,99 +5089,67 @@
                 <a:latin typeface="微软雅黑" panose="020B0503020204020204" pitchFamily="34" charset="-122"/>
                 <a:ea typeface="微软雅黑" panose="020B0503020204020204" pitchFamily="34" charset="-122"/>
               </a:rPr>
-              <a:t>字，</a:t>
-            </a:r>
-            <a:r>
-              <a:rPr lang="en-US" altLang="zh-CN" sz="1200" dirty="0">
+              <a:t>倍字间距。</a:t>
+            </a:r>
+          </a:p>
+        </p:txBody>
+      </p:sp>
+      <p:sp>
+        <p:nvSpPr>
+          <p:cNvPr id="5" name="矩形 4"/>
+          <p:cNvSpPr/>
+          <p:nvPr/>
+        </p:nvSpPr>
+        <p:spPr>
+          <a:xfrm>
+            <a:off x="5945415" y="2502322"/>
+            <a:ext cx="2337499" cy="1569660"/>
+          </a:xfrm>
+          <a:prstGeom prst="rect">
+            <a:avLst/>
+          </a:prstGeom>
+        </p:spPr>
+        <p:txBody>
+          <a:bodyPr wrap="none">
+            <a:spAutoFit/>
+          </a:bodyPr>
+          <a:lstStyle/>
+          <a:p>
+            <a:r>
+              <a:rPr kumimoji="1" lang="en-US" altLang="zh-CN" sz="4800" dirty="0">
                 <a:solidFill>
                   <a:schemeClr val="bg1"/>
                 </a:solidFill>
                 <a:latin typeface="微软雅黑" panose="020B0503020204020204" pitchFamily="34" charset="-122"/>
                 <a:ea typeface="微软雅黑" panose="020B0503020204020204" pitchFamily="34" charset="-122"/>
               </a:rPr>
-              <a:t>1.3</a:t>
-            </a:r>
-            <a:r>
-              <a:rPr lang="zh-CN" altLang="en-US" sz="1200" dirty="0">
+              <a:t>THANK</a:t>
+            </a:r>
+          </a:p>
+          <a:p>
+            <a:r>
+              <a:rPr kumimoji="1" lang="en-US" altLang="zh-CN" sz="4800" dirty="0">
                 <a:solidFill>
                   <a:schemeClr val="bg1"/>
                 </a:solidFill>
                 <a:latin typeface="微软雅黑" panose="020B0503020204020204" pitchFamily="34" charset="-122"/>
                 <a:ea typeface="微软雅黑" panose="020B0503020204020204" pitchFamily="34" charset="-122"/>
               </a:rPr>
-              <a:t>倍字间距。</a:t>
-            </a:r>
-          </a:p>
-        </p:txBody>
-      </p:sp>
-      <p:sp>
-        <p:nvSpPr>
-          <p:cNvPr id="7" name="矩形 6"/>
-          <p:cNvSpPr/>
-          <p:nvPr/>
-        </p:nvSpPr>
-        <p:spPr>
-          <a:xfrm>
-            <a:off x="5945415" y="2502322"/>
-            <a:ext cx="3881704" cy="1569660"/>
-          </a:xfrm>
-          <a:prstGeom prst="rect">
-            <a:avLst/>
-          </a:prstGeom>
-        </p:spPr>
-        <p:txBody>
-          <a:bodyPr wrap="none">
-            <a:spAutoFit/>
-          </a:bodyPr>
-          <a:lstStyle/>
-          <a:p>
-            <a:r>
-              <a:rPr kumimoji="1" lang="en-US" altLang="zh-CN" sz="4800" b="1" dirty="0" smtClean="0">
-                <a:solidFill>
-                  <a:schemeClr val="bg1"/>
-                </a:solidFill>
-                <a:ea typeface="微软雅黑" panose="020B0503020204020204" pitchFamily="34" charset="-122"/>
-              </a:rPr>
-              <a:t>POWERPOINT</a:t>
-            </a:r>
-            <a:r>
-              <a:rPr kumimoji="1" lang="zh-CN" altLang="en-US" sz="4800" b="1" dirty="0" smtClean="0">
-                <a:solidFill>
-                  <a:schemeClr val="bg1"/>
-                </a:solidFill>
-                <a:ea typeface="微软雅黑" panose="020B0503020204020204" pitchFamily="34" charset="-122"/>
-              </a:rPr>
-              <a:t> </a:t>
-            </a:r>
-            <a:endParaRPr kumimoji="1" lang="en-US" altLang="zh-CN" sz="4800" b="1" dirty="0" smtClean="0">
+              <a:t>YOU!</a:t>
+            </a:r>
+            <a:endParaRPr kumimoji="1" lang="zh-CN" altLang="en-US" sz="4800" dirty="0">
               <a:solidFill>
                 <a:schemeClr val="bg1"/>
               </a:solidFill>
+              <a:latin typeface="微软雅黑" panose="020B0503020204020204" pitchFamily="34" charset="-122"/>
               <a:ea typeface="微软雅黑" panose="020B0503020204020204" pitchFamily="34" charset="-122"/>
             </a:endParaRPr>
           </a:p>
-          <a:p>
-            <a:r>
-              <a:rPr kumimoji="1" lang="en-US" altLang="zh-CN" sz="4800" b="1" dirty="0" smtClean="0">
-                <a:solidFill>
-                  <a:schemeClr val="bg1"/>
-                </a:solidFill>
-                <a:ea typeface="微软雅黑" panose="020B0503020204020204" pitchFamily="34" charset="-122"/>
-              </a:rPr>
-              <a:t>TEMPLATE</a:t>
-            </a:r>
-            <a:endParaRPr kumimoji="1" lang="zh-CN" altLang="en-US" sz="4800" b="1" dirty="0">
-              <a:solidFill>
-                <a:schemeClr val="bg1"/>
-              </a:solidFill>
-              <a:ea typeface="微软雅黑" panose="020B0503020204020204" pitchFamily="34" charset="-122"/>
-            </a:endParaRPr>
-          </a:p>
-        </p:txBody>
-      </p:sp>
-      <p:sp>
-        <p:nvSpPr>
-          <p:cNvPr id="8" name="矩形 7"/>
+        </p:txBody>
+      </p:sp>
+      <p:sp>
+        <p:nvSpPr>
+          <p:cNvPr id="6" name="矩形 5"/>
           <p:cNvSpPr/>
           <p:nvPr/>
         </p:nvSpPr>
@@ -3665,7 +5202,7 @@
               <a:t> </a:t>
             </a:r>
             <a:r>
-              <a:rPr kumimoji="1" lang="en-US" altLang="zh-CN" sz="1400" dirty="0" err="1" smtClean="0">
+              <a:rPr kumimoji="1" lang="en-US" altLang="zh-CN" sz="1400" dirty="0" err="1">
                 <a:solidFill>
                   <a:schemeClr val="bg1"/>
                 </a:solidFill>
@@ -3680,65 +5217,19 @@
           </a:p>
         </p:txBody>
       </p:sp>
-      <p:pic>
-        <p:nvPicPr>
-          <p:cNvPr id="10" name="图片 9"/>
-          <p:cNvPicPr>
-            <a:picLocks noChangeAspect="1"/>
-          </p:cNvPicPr>
-          <p:nvPr/>
-        </p:nvPicPr>
-        <p:blipFill>
-          <a:blip r:embed="rId2" cstate="print">
-            <a:extLst>
-              <a:ext uri="{28A0092B-C50C-407E-A947-70E740481C1C}">
-                <a14:useLocalDpi xmlns:a14="http://schemas.microsoft.com/office/drawing/2010/main" xmlns="" val="0"/>
-              </a:ext>
-            </a:extLst>
-          </a:blip>
-          <a:stretch>
-            <a:fillRect/>
-          </a:stretch>
-        </p:blipFill>
-        <p:spPr>
-          <a:xfrm>
-            <a:off x="5220587" y="6284533"/>
-            <a:ext cx="1828800" cy="243840"/>
-          </a:xfrm>
-          <a:prstGeom prst="rect">
-            <a:avLst/>
-          </a:prstGeom>
-        </p:spPr>
-      </p:pic>
     </p:spTree>
     <p:extLst>
       <p:ext uri="{BB962C8B-B14F-4D97-AF65-F5344CB8AC3E}">
-        <p14:creationId xmlns:p14="http://schemas.microsoft.com/office/powerpoint/2010/main" xmlns="" val="2765352995"/>
+        <p14:creationId xmlns:p14="http://schemas.microsoft.com/office/powerpoint/2010/main" val="3258636771"/>
       </p:ext>
     </p:extLst>
   </p:cSld>
   <p:clrMapOvr>
     <a:masterClrMapping/>
   </p:clrMapOvr>
-  <mc:AlternateContent xmlns:mc="http://schemas.openxmlformats.org/markup-compatibility/2006">
-    <mc:Choice xmlns:p14="http://schemas.microsoft.com/office/powerpoint/2010/main" xmlns="" Requires="p14">
-      <p:transition spd="slow" p14:dur="800">
-        <p:circle/>
-      </p:transition>
-    </mc:Choice>
-    <mc:Fallback>
-      <p:transition spd="slow">
-        <p:circle/>
-      </p:transition>
-    </mc:Fallback>
-  </mc:AlternateContent>
-  <p:timing>
-    <p:tnLst>
-      <p:par>
-        <p:cTn id="1" dur="indefinite" restart="never" nodeType="tmRoot"/>
-      </p:par>
-    </p:tnLst>
-  </p:timing>
+  <p:transition spd="med">
+    <p:pull/>
+  </p:transition>
 </p:sld>
 </file>
 
@@ -3761,22 +5252,20 @@
       </p:grpSpPr>
       <p:sp>
         <p:nvSpPr>
-          <p:cNvPr id="4" name="矩形 3"/>
+          <p:cNvPr id="2" name="矩形 1"/>
           <p:cNvSpPr/>
           <p:nvPr/>
         </p:nvSpPr>
         <p:spPr>
           <a:xfrm>
-            <a:off x="5562600" y="1828800"/>
-            <a:ext cx="4457700" cy="3238500"/>
+            <a:off x="3067050" y="0"/>
+            <a:ext cx="9124950" cy="6858000"/>
           </a:xfrm>
           <a:prstGeom prst="rect">
             <a:avLst/>
           </a:prstGeom>
           <a:solidFill>
-            <a:schemeClr val="tx1">
-              <a:alpha val="20000"/>
-            </a:schemeClr>
+            <a:schemeClr val="bg1"/>
           </a:solidFill>
           <a:ln>
             <a:noFill/>
@@ -3803,448 +5292,7 @@
           <a:lstStyle/>
           <a:p>
             <a:pPr algn="ctr"/>
-            <a:endParaRPr lang="zh-CN" altLang="en-US"/>
-          </a:p>
-        </p:txBody>
-      </p:sp>
-      <p:sp>
-        <p:nvSpPr>
-          <p:cNvPr id="2" name="矩形 1"/>
-          <p:cNvSpPr/>
-          <p:nvPr/>
-        </p:nvSpPr>
-        <p:spPr>
-          <a:xfrm>
-            <a:off x="2324100" y="1828800"/>
-            <a:ext cx="3238500" cy="3238500"/>
-          </a:xfrm>
-          <a:prstGeom prst="rect">
-            <a:avLst/>
-          </a:prstGeom>
-          <a:noFill/>
-          <a:ln w="127000">
-            <a:solidFill>
-              <a:schemeClr val="bg1">
-                <a:lumMod val="85000"/>
-                <a:alpha val="30000"/>
-              </a:schemeClr>
-            </a:solidFill>
-          </a:ln>
-        </p:spPr>
-        <p:style>
-          <a:lnRef idx="2">
-            <a:schemeClr val="accent1">
-              <a:shade val="50000"/>
-            </a:schemeClr>
-          </a:lnRef>
-          <a:fillRef idx="1">
-            <a:schemeClr val="accent1"/>
-          </a:fillRef>
-          <a:effectRef idx="0">
-            <a:schemeClr val="accent1"/>
-          </a:effectRef>
-          <a:fontRef idx="minor">
-            <a:schemeClr val="lt1"/>
-          </a:fontRef>
-        </p:style>
-        <p:txBody>
-          <a:bodyPr rtlCol="0" anchor="ctr"/>
-          <a:lstStyle/>
-          <a:p>
-            <a:pPr algn="ctr"/>
-            <a:endParaRPr lang="zh-CN" altLang="en-US"/>
-          </a:p>
-        </p:txBody>
-      </p:sp>
-      <p:sp>
-        <p:nvSpPr>
-          <p:cNvPr id="3" name="文本框 2"/>
-          <p:cNvSpPr txBox="1"/>
-          <p:nvPr/>
-        </p:nvSpPr>
-        <p:spPr>
-          <a:xfrm>
-            <a:off x="2514600" y="1924050"/>
-            <a:ext cx="2895600" cy="3046988"/>
-          </a:xfrm>
-          <a:prstGeom prst="rect">
-            <a:avLst/>
-          </a:prstGeom>
-          <a:noFill/>
-        </p:spPr>
-        <p:txBody>
-          <a:bodyPr wrap="square" rtlCol="0">
-            <a:spAutoFit/>
-          </a:bodyPr>
-          <a:lstStyle/>
-          <a:p>
-            <a:pPr algn="ctr"/>
-            <a:r>
-              <a:rPr lang="en-US" altLang="zh-CN" sz="9600" dirty="0" smtClean="0">
-                <a:solidFill>
-                  <a:schemeClr val="bg1"/>
-                </a:solidFill>
-              </a:rPr>
-              <a:t>PART</a:t>
-            </a:r>
-          </a:p>
-          <a:p>
-            <a:pPr algn="ctr"/>
-            <a:r>
-              <a:rPr lang="en-US" altLang="zh-CN" sz="9600" dirty="0">
-                <a:solidFill>
-                  <a:schemeClr val="bg1"/>
-                </a:solidFill>
-              </a:rPr>
-              <a:t>1</a:t>
-            </a:r>
-            <a:endParaRPr lang="zh-CN" altLang="en-US" sz="9600" dirty="0">
-              <a:solidFill>
-                <a:schemeClr val="bg1"/>
-              </a:solidFill>
-            </a:endParaRPr>
-          </a:p>
-        </p:txBody>
-      </p:sp>
-      <p:sp>
-        <p:nvSpPr>
-          <p:cNvPr id="5" name="文本框 4"/>
-          <p:cNvSpPr txBox="1"/>
-          <p:nvPr/>
-        </p:nvSpPr>
-        <p:spPr>
-          <a:xfrm>
-            <a:off x="6072187" y="2095500"/>
-            <a:ext cx="3438525" cy="584775"/>
-          </a:xfrm>
-          <a:prstGeom prst="rect">
-            <a:avLst/>
-          </a:prstGeom>
-          <a:noFill/>
-        </p:spPr>
-        <p:txBody>
-          <a:bodyPr wrap="square" rtlCol="0">
-            <a:spAutoFit/>
-          </a:bodyPr>
-          <a:lstStyle/>
-          <a:p>
-            <a:r>
-              <a:rPr lang="zh-CN" altLang="en-US" sz="3200" b="1" dirty="0" smtClean="0">
-                <a:solidFill>
-                  <a:schemeClr val="bg1"/>
-                </a:solidFill>
-                <a:latin typeface="微软雅黑" panose="020B0503020204020204" pitchFamily="34" charset="-122"/>
-                <a:ea typeface="微软雅黑" panose="020B0503020204020204" pitchFamily="34" charset="-122"/>
-              </a:rPr>
-              <a:t>点击此处添加标题</a:t>
-            </a:r>
-            <a:endParaRPr lang="zh-CN" altLang="en-US" sz="3200" b="1" dirty="0">
-              <a:solidFill>
-                <a:schemeClr val="bg1"/>
-              </a:solidFill>
-              <a:latin typeface="微软雅黑" panose="020B0503020204020204" pitchFamily="34" charset="-122"/>
-              <a:ea typeface="微软雅黑" panose="020B0503020204020204" pitchFamily="34" charset="-122"/>
-            </a:endParaRPr>
-          </a:p>
-        </p:txBody>
-      </p:sp>
-      <p:sp>
-        <p:nvSpPr>
-          <p:cNvPr id="6" name="文本框 5"/>
-          <p:cNvSpPr txBox="1"/>
-          <p:nvPr/>
-        </p:nvSpPr>
-        <p:spPr>
-          <a:xfrm>
-            <a:off x="6072187" y="2680275"/>
-            <a:ext cx="3438525" cy="369332"/>
-          </a:xfrm>
-          <a:prstGeom prst="rect">
-            <a:avLst/>
-          </a:prstGeom>
-          <a:noFill/>
-        </p:spPr>
-        <p:txBody>
-          <a:bodyPr wrap="square" rtlCol="0">
-            <a:spAutoFit/>
-          </a:bodyPr>
-          <a:lstStyle/>
-          <a:p>
-            <a:r>
-              <a:rPr lang="zh-CN" altLang="en-US" dirty="0" smtClean="0">
-                <a:solidFill>
-                  <a:schemeClr val="bg1"/>
-                </a:solidFill>
-                <a:latin typeface="微软雅黑" panose="020B0503020204020204" pitchFamily="34" charset="-122"/>
-                <a:ea typeface="微软雅黑" panose="020B0503020204020204" pitchFamily="34" charset="-122"/>
-              </a:rPr>
-              <a:t>点击此处添加标题</a:t>
-            </a:r>
-            <a:endParaRPr lang="zh-CN" altLang="en-US" dirty="0">
-              <a:solidFill>
-                <a:schemeClr val="bg1"/>
-              </a:solidFill>
-              <a:latin typeface="微软雅黑" panose="020B0503020204020204" pitchFamily="34" charset="-122"/>
-              <a:ea typeface="微软雅黑" panose="020B0503020204020204" pitchFamily="34" charset="-122"/>
-            </a:endParaRPr>
-          </a:p>
-        </p:txBody>
-      </p:sp>
-      <p:cxnSp>
-        <p:nvCxnSpPr>
-          <p:cNvPr id="8" name="直接连接符 7"/>
-          <p:cNvCxnSpPr/>
-          <p:nvPr/>
-        </p:nvCxnSpPr>
-        <p:spPr>
-          <a:xfrm>
-            <a:off x="6172200" y="3247519"/>
-            <a:ext cx="3300412" cy="0"/>
-          </a:xfrm>
-          <a:prstGeom prst="line">
-            <a:avLst/>
-          </a:prstGeom>
-          <a:ln>
-            <a:solidFill>
-              <a:schemeClr val="bg1"/>
-            </a:solidFill>
-          </a:ln>
-        </p:spPr>
-        <p:style>
-          <a:lnRef idx="1">
-            <a:schemeClr val="accent1"/>
-          </a:lnRef>
-          <a:fillRef idx="0">
-            <a:schemeClr val="accent1"/>
-          </a:fillRef>
-          <a:effectRef idx="0">
-            <a:schemeClr val="accent1"/>
-          </a:effectRef>
-          <a:fontRef idx="minor">
-            <a:schemeClr val="tx1"/>
-          </a:fontRef>
-        </p:style>
-      </p:cxnSp>
-      <p:sp>
-        <p:nvSpPr>
-          <p:cNvPr id="10" name="文本框 9"/>
-          <p:cNvSpPr txBox="1"/>
-          <p:nvPr/>
-        </p:nvSpPr>
-        <p:spPr>
-          <a:xfrm>
-            <a:off x="6172200" y="3461779"/>
-            <a:ext cx="3494314" cy="1391262"/>
-          </a:xfrm>
-          <a:prstGeom prst="rect">
-            <a:avLst/>
-          </a:prstGeom>
-          <a:noFill/>
-        </p:spPr>
-        <p:txBody>
-          <a:bodyPr wrap="square" lIns="91424" tIns="45712" rIns="91424" bIns="45712" rtlCol="0">
-            <a:spAutoFit/>
-          </a:bodyPr>
-          <a:lstStyle/>
-          <a:p>
-            <a:pPr>
-              <a:lnSpc>
-                <a:spcPct val="130000"/>
-              </a:lnSpc>
-            </a:pPr>
-            <a:r>
-              <a:rPr lang="zh-CN" altLang="en-US" sz="1100" dirty="0" smtClean="0">
-                <a:solidFill>
-                  <a:schemeClr val="bg1"/>
-                </a:solidFill>
-                <a:latin typeface="微软雅黑" panose="020B0503020204020204" pitchFamily="34" charset="-122"/>
-                <a:ea typeface="微软雅黑" panose="020B0503020204020204" pitchFamily="34" charset="-122"/>
-              </a:rPr>
-              <a:t>标题数字等都可以通过点击和重新输入进行更改，顶部“开始”面板中可以对字体、字号、颜色、行距等进行修改。建议正文</a:t>
-            </a:r>
-            <a:r>
-              <a:rPr lang="en-US" altLang="zh-CN" sz="1100" dirty="0" smtClean="0">
-                <a:solidFill>
-                  <a:schemeClr val="bg1"/>
-                </a:solidFill>
-                <a:latin typeface="微软雅黑" panose="020B0503020204020204" pitchFamily="34" charset="-122"/>
-                <a:ea typeface="微软雅黑" panose="020B0503020204020204" pitchFamily="34" charset="-122"/>
-              </a:rPr>
-              <a:t>12</a:t>
-            </a:r>
-            <a:r>
-              <a:rPr lang="zh-CN" altLang="en-US" sz="1100" dirty="0" smtClean="0">
-                <a:solidFill>
-                  <a:schemeClr val="bg1"/>
-                </a:solidFill>
-                <a:latin typeface="微软雅黑" panose="020B0503020204020204" pitchFamily="34" charset="-122"/>
-                <a:ea typeface="微软雅黑" panose="020B0503020204020204" pitchFamily="34" charset="-122"/>
-              </a:rPr>
-              <a:t>号字，</a:t>
-            </a:r>
-            <a:r>
-              <a:rPr lang="en-US" altLang="zh-CN" sz="1100" dirty="0" smtClean="0">
-                <a:solidFill>
-                  <a:schemeClr val="bg1"/>
-                </a:solidFill>
-                <a:latin typeface="微软雅黑" panose="020B0503020204020204" pitchFamily="34" charset="-122"/>
-                <a:ea typeface="微软雅黑" panose="020B0503020204020204" pitchFamily="34" charset="-122"/>
-              </a:rPr>
-              <a:t>1.3</a:t>
-            </a:r>
-            <a:r>
-              <a:rPr lang="zh-CN" altLang="en-US" sz="1100" dirty="0" smtClean="0">
-                <a:solidFill>
-                  <a:schemeClr val="bg1"/>
-                </a:solidFill>
-                <a:latin typeface="微软雅黑" panose="020B0503020204020204" pitchFamily="34" charset="-122"/>
-                <a:ea typeface="微软雅黑" panose="020B0503020204020204" pitchFamily="34" charset="-122"/>
-              </a:rPr>
-              <a:t>倍字间距。标题数字等都可以通过点击和重新输入进行更改，顶部“开始”面板中可以对字体、字号、颜色、行距等进行修改。建议正文</a:t>
-            </a:r>
-            <a:r>
-              <a:rPr lang="en-US" altLang="zh-CN" sz="1100" dirty="0" smtClean="0">
-                <a:solidFill>
-                  <a:schemeClr val="bg1"/>
-                </a:solidFill>
-                <a:latin typeface="微软雅黑" panose="020B0503020204020204" pitchFamily="34" charset="-122"/>
-                <a:ea typeface="微软雅黑" panose="020B0503020204020204" pitchFamily="34" charset="-122"/>
-              </a:rPr>
-              <a:t>12</a:t>
-            </a:r>
-            <a:r>
-              <a:rPr lang="zh-CN" altLang="en-US" sz="1100" dirty="0" smtClean="0">
-                <a:solidFill>
-                  <a:schemeClr val="bg1"/>
-                </a:solidFill>
-                <a:latin typeface="微软雅黑" panose="020B0503020204020204" pitchFamily="34" charset="-122"/>
-                <a:ea typeface="微软雅黑" panose="020B0503020204020204" pitchFamily="34" charset="-122"/>
-              </a:rPr>
-              <a:t>号字，</a:t>
-            </a:r>
-            <a:r>
-              <a:rPr lang="en-US" altLang="zh-CN" sz="1100" dirty="0" smtClean="0">
-                <a:solidFill>
-                  <a:schemeClr val="bg1"/>
-                </a:solidFill>
-                <a:latin typeface="微软雅黑" panose="020B0503020204020204" pitchFamily="34" charset="-122"/>
-                <a:ea typeface="微软雅黑" panose="020B0503020204020204" pitchFamily="34" charset="-122"/>
-              </a:rPr>
-              <a:t>1.3</a:t>
-            </a:r>
-            <a:r>
-              <a:rPr lang="zh-CN" altLang="en-US" sz="1100" dirty="0" smtClean="0">
-                <a:solidFill>
-                  <a:schemeClr val="bg1"/>
-                </a:solidFill>
-                <a:latin typeface="微软雅黑" panose="020B0503020204020204" pitchFamily="34" charset="-122"/>
-                <a:ea typeface="微软雅黑" panose="020B0503020204020204" pitchFamily="34" charset="-122"/>
-              </a:rPr>
-              <a:t>倍字间距。</a:t>
-            </a:r>
-            <a:endParaRPr kumimoji="1" lang="en-US" altLang="zh-CN" sz="1100" dirty="0">
-              <a:solidFill>
-                <a:schemeClr val="bg1"/>
-              </a:solidFill>
-              <a:latin typeface="微软雅黑" panose="020B0503020204020204" pitchFamily="34" charset="-122"/>
-              <a:ea typeface="微软雅黑" panose="020B0503020204020204" pitchFamily="34" charset="-122"/>
-              <a:cs typeface="Arial"/>
-            </a:endParaRPr>
-          </a:p>
-        </p:txBody>
-      </p:sp>
-    </p:spTree>
-    <p:extLst>
-      <p:ext uri="{BB962C8B-B14F-4D97-AF65-F5344CB8AC3E}">
-        <p14:creationId xmlns:p14="http://schemas.microsoft.com/office/powerpoint/2010/main" xmlns="" val="3056713505"/>
-      </p:ext>
-    </p:extLst>
-  </p:cSld>
-  <p:clrMapOvr>
-    <a:masterClrMapping/>
-  </p:clrMapOvr>
-  <mc:AlternateContent xmlns:mc="http://schemas.openxmlformats.org/markup-compatibility/2006">
-    <mc:Choice xmlns:p14="http://schemas.microsoft.com/office/powerpoint/2010/main" xmlns="" Requires="p14">
-      <p:transition spd="slow" p14:dur="2000">
-        <p14:prism isContent="1"/>
-      </p:transition>
-    </mc:Choice>
-    <mc:Fallback>
-      <p:transition spd="slow">
-        <p:fade/>
-      </p:transition>
-    </mc:Fallback>
-  </mc:AlternateContent>
-  <p:timing>
-    <p:tnLst>
-      <p:par>
-        <p:cTn id="1" dur="indefinite" restart="never" nodeType="tmRoot"/>
-      </p:par>
-    </p:tnLst>
-  </p:timing>
-</p:sld>
-</file>
-
-<file path=ppt/slides/slide3.xml><?xml version="1.0" encoding="utf-8"?>
-<p:sld xmlns:a="http://schemas.openxmlformats.org/drawingml/2006/main" xmlns:r="http://schemas.openxmlformats.org/officeDocument/2006/relationships" xmlns:p="http://schemas.openxmlformats.org/presentationml/2006/main">
-  <p:cSld>
-    <p:spTree>
-      <p:nvGrpSpPr>
-        <p:cNvPr id="1" name=""/>
-        <p:cNvGrpSpPr/>
-        <p:nvPr/>
-      </p:nvGrpSpPr>
-      <p:grpSpPr>
-        <a:xfrm>
-          <a:off x="0" y="0"/>
-          <a:ext cx="0" cy="0"/>
-          <a:chOff x="0" y="0"/>
-          <a:chExt cx="0" cy="0"/>
-        </a:xfrm>
-      </p:grpSpPr>
-      <p:sp>
-        <p:nvSpPr>
-          <p:cNvPr id="2" name="矩形 1"/>
-          <p:cNvSpPr/>
-          <p:nvPr/>
-        </p:nvSpPr>
-        <p:spPr>
-          <a:xfrm>
-            <a:off x="3067050" y="0"/>
-            <a:ext cx="9124950" cy="6858000"/>
-          </a:xfrm>
-          <a:prstGeom prst="rect">
-            <a:avLst/>
-          </a:prstGeom>
-          <a:solidFill>
-            <a:schemeClr val="bg1"/>
-          </a:solidFill>
-          <a:ln>
-            <a:noFill/>
-          </a:ln>
-        </p:spPr>
-        <p:style>
-          <a:lnRef idx="2">
-            <a:schemeClr val="accent1">
-              <a:shade val="50000"/>
-            </a:schemeClr>
-          </a:lnRef>
-          <a:fillRef idx="1">
-            <a:schemeClr val="accent1"/>
-          </a:fillRef>
-          <a:effectRef idx="0">
-            <a:schemeClr val="accent1"/>
-          </a:effectRef>
-          <a:fontRef idx="minor">
-            <a:schemeClr val="lt1"/>
-          </a:fontRef>
-        </p:style>
-        <p:txBody>
-          <a:bodyPr rtlCol="0" anchor="ctr"/>
-          <a:lstStyle/>
-          <a:p>
-            <a:pPr algn="ctr"/>
-            <a:endParaRPr lang="zh-CN" altLang="en-US"/>
+            <a:endParaRPr lang="zh-CN" altLang="en-US" dirty="0"/>
           </a:p>
         </p:txBody>
       </p:sp>
@@ -4406,7 +5454,7 @@
           <a:lstStyle/>
           <a:p>
             <a:r>
-              <a:rPr lang="en-US" altLang="zh-CN" sz="7200" b="1" dirty="0" smtClean="0"/>
+              <a:rPr lang="en-US" altLang="zh-CN" sz="7200" b="1" dirty="0"/>
               <a:t>1</a:t>
             </a:r>
             <a:endParaRPr lang="zh-CN" altLang="en-US" sz="7200" b="1" dirty="0"/>
@@ -4436,28 +5484,30 @@
           <a:lstStyle/>
           <a:p>
             <a:r>
-              <a:rPr lang="zh-CN" altLang="en-US" sz="3200" dirty="0" smtClean="0">
+              <a:rPr lang="zh-CN" altLang="en-US" sz="3200" dirty="0">
                 <a:latin typeface="微软雅黑" panose="020B0503020204020204" pitchFamily="34" charset="-122"/>
                 <a:ea typeface="微软雅黑" panose="020B0503020204020204" pitchFamily="34" charset="-122"/>
               </a:rPr>
-              <a:t>点击此处添加标题</a:t>
-            </a:r>
-            <a:endParaRPr lang="zh-CN" altLang="en-US" sz="3200" dirty="0">
-              <a:latin typeface="微软雅黑" panose="020B0503020204020204" pitchFamily="34" charset="-122"/>
-              <a:ea typeface="微软雅黑" panose="020B0503020204020204" pitchFamily="34" charset="-122"/>
-            </a:endParaRPr>
+              <a:t>通信图的概述</a:t>
+            </a:r>
           </a:p>
         </p:txBody>
       </p:sp>
       <p:cxnSp>
         <p:nvCxnSpPr>
-          <p:cNvPr id="32" name="直接连接符 31"/>
+          <p:cNvPr id="12" name="直接连接符 11">
+            <a:extLst>
+              <a:ext uri="{FF2B5EF4-FFF2-40B4-BE49-F238E27FC236}">
+                <a16:creationId xmlns:a16="http://schemas.microsoft.com/office/drawing/2014/main" id="{1775EDE3-0AD5-43E4-9AD1-CEFB6EF65725}"/>
+              </a:ext>
+            </a:extLst>
+          </p:cNvPr>
           <p:cNvCxnSpPr/>
           <p:nvPr/>
         </p:nvCxnSpPr>
         <p:spPr>
           <a:xfrm>
-            <a:off x="7299894" y="2210852"/>
+            <a:off x="4335800" y="2031571"/>
             <a:ext cx="0" cy="3275548"/>
           </a:xfrm>
           <a:prstGeom prst="line">
@@ -4488,13 +5538,19 @@
       </p:cxnSp>
       <p:cxnSp>
         <p:nvCxnSpPr>
-          <p:cNvPr id="18" name="直接连接符 17"/>
+          <p:cNvPr id="13" name="直接连接符 12">
+            <a:extLst>
+              <a:ext uri="{FF2B5EF4-FFF2-40B4-BE49-F238E27FC236}">
+                <a16:creationId xmlns:a16="http://schemas.microsoft.com/office/drawing/2014/main" id="{E3A2482C-C3B1-425C-949A-1D01B9B335CC}"/>
+              </a:ext>
+            </a:extLst>
+          </p:cNvPr>
           <p:cNvCxnSpPr/>
           <p:nvPr/>
         </p:nvCxnSpPr>
         <p:spPr>
           <a:xfrm>
-            <a:off x="7204644" y="2210852"/>
+            <a:off x="4240550" y="2031571"/>
             <a:ext cx="0" cy="3256887"/>
           </a:xfrm>
           <a:prstGeom prst="line">
@@ -4527,14 +5583,20 @@
       </p:cxnSp>
       <p:sp>
         <p:nvSpPr>
-          <p:cNvPr id="19" name="矩形 18"/>
+          <p:cNvPr id="14" name="矩形 13">
+            <a:extLst>
+              <a:ext uri="{FF2B5EF4-FFF2-40B4-BE49-F238E27FC236}">
+                <a16:creationId xmlns:a16="http://schemas.microsoft.com/office/drawing/2014/main" id="{5345C5D3-86AE-42AA-9D33-A38F6CDC06CE}"/>
+              </a:ext>
+            </a:extLst>
+          </p:cNvPr>
           <p:cNvSpPr/>
           <p:nvPr/>
         </p:nvSpPr>
         <p:spPr>
           <a:xfrm>
-            <a:off x="7442665" y="2117264"/>
-            <a:ext cx="4155889" cy="3375602"/>
+            <a:off x="4478571" y="1937983"/>
+            <a:ext cx="7418887" cy="3463382"/>
           </a:xfrm>
           <a:prstGeom prst="rect">
             <a:avLst/>
@@ -4556,42 +5618,66 @@
                 <a:latin typeface="微软雅黑" panose="020B0503020204020204" pitchFamily="34" charset="-122"/>
                 <a:ea typeface="微软雅黑" panose="020B0503020204020204" pitchFamily="34" charset="-122"/>
               </a:rPr>
-              <a:t>标题数字等都可以通过点击和重新输入进行更改，顶部“开始”面板中可以对字体、字号、颜色、行距等进行修改。建议正文</a:t>
-            </a:r>
-            <a:r>
-              <a:rPr lang="en-US" altLang="zh-CN" sz="2800" dirty="0" smtClean="0">
+              <a:t>通信图</a:t>
+            </a:r>
+            <a:r>
+              <a:rPr lang="zh-CN" altLang="en-US" sz="2400" dirty="0">
                 <a:latin typeface="微软雅黑" panose="020B0503020204020204" pitchFamily="34" charset="-122"/>
                 <a:ea typeface="微软雅黑" panose="020B0503020204020204" pitchFamily="34" charset="-122"/>
               </a:rPr>
-              <a:t>12</a:t>
-            </a:r>
-            <a:r>
-              <a:rPr lang="zh-CN" altLang="en-US" sz="2800" dirty="0" smtClean="0">
+              <a:t>（</a:t>
+            </a:r>
+            <a:r>
+              <a:rPr lang="zh-CN" altLang="en-US" sz="2400" dirty="0"/>
+              <a:t>即</a:t>
+            </a:r>
+            <a:r>
+              <a:rPr lang="en-US" altLang="zh-CN" sz="2400" dirty="0"/>
+              <a:t>Communication Diagram</a:t>
+            </a:r>
+            <a:r>
+              <a:rPr lang="zh-CN" altLang="en-US" sz="2400" dirty="0"/>
+              <a:t>，在</a:t>
+            </a:r>
+            <a:r>
+              <a:rPr lang="en-US" altLang="zh-CN" sz="2400" dirty="0"/>
+              <a:t>UML2.0</a:t>
+            </a:r>
+            <a:r>
+              <a:rPr lang="zh-CN" altLang="en-US" sz="2400" dirty="0"/>
+              <a:t>之前，通信图也称为协作图，而“协作”作为一个结构事物用于表达静态结构和动态行为的概念组合，表达不同事物相互协作完成一个复杂功能。故</a:t>
+            </a:r>
+            <a:r>
+              <a:rPr lang="en-US" altLang="zh-CN" sz="2400" dirty="0"/>
+              <a:t>UML 2.0</a:t>
+            </a:r>
+            <a:r>
+              <a:rPr lang="zh-CN" altLang="en-US" sz="2400" dirty="0"/>
+              <a:t>以后通信图不再是协作图，没有专门的”协作图“，只有”协作“</a:t>
+            </a:r>
+            <a:r>
+              <a:rPr lang="zh-CN" altLang="en-US" sz="2400" dirty="0">
                 <a:latin typeface="微软雅黑" panose="020B0503020204020204" pitchFamily="34" charset="-122"/>
                 <a:ea typeface="微软雅黑" panose="020B0503020204020204" pitchFamily="34" charset="-122"/>
               </a:rPr>
-              <a:t>号</a:t>
-            </a:r>
-            <a:r>
-              <a:rPr lang="zh-CN" altLang="en-US" sz="2800" dirty="0">
+              <a:t>）是一种交互图，强调的是</a:t>
+            </a:r>
+            <a:r>
+              <a:rPr lang="zh-CN" altLang="en-US" sz="2400" dirty="0">
+                <a:solidFill>
+                  <a:srgbClr val="FF0000"/>
+                </a:solidFill>
                 <a:latin typeface="微软雅黑" panose="020B0503020204020204" pitchFamily="34" charset="-122"/>
                 <a:ea typeface="微软雅黑" panose="020B0503020204020204" pitchFamily="34" charset="-122"/>
               </a:rPr>
-              <a:t>字，</a:t>
-            </a:r>
-            <a:r>
-              <a:rPr lang="en-US" altLang="zh-CN" sz="2800" dirty="0">
+              <a:t>发生和接受消息的对象之间的组织结构</a:t>
+            </a:r>
+            <a:r>
+              <a:rPr lang="zh-CN" altLang="en-US" sz="2400" dirty="0">
                 <a:latin typeface="微软雅黑" panose="020B0503020204020204" pitchFamily="34" charset="-122"/>
                 <a:ea typeface="微软雅黑" panose="020B0503020204020204" pitchFamily="34" charset="-122"/>
               </a:rPr>
-              <a:t>1.3</a:t>
-            </a:r>
-            <a:r>
-              <a:rPr lang="zh-CN" altLang="en-US" sz="2800" dirty="0">
-                <a:latin typeface="微软雅黑" panose="020B0503020204020204" pitchFamily="34" charset="-122"/>
-                <a:ea typeface="微软雅黑" panose="020B0503020204020204" pitchFamily="34" charset="-122"/>
-              </a:rPr>
-              <a:t>倍字间距。</a:t>
+              <a:t>。</a:t>
             </a:r>
           </a:p>
         </p:txBody>
@@ -4599,7 +5685,7 @@
     </p:spTree>
     <p:extLst>
       <p:ext uri="{BB962C8B-B14F-4D97-AF65-F5344CB8AC3E}">
-        <p14:creationId xmlns:p14="http://schemas.microsoft.com/office/powerpoint/2010/main" xmlns="" val="2222514007"/>
+        <p14:creationId xmlns:p14="http://schemas.microsoft.com/office/powerpoint/2010/main" val="2222514007"/>
       </p:ext>
     </p:extLst>
   </p:cSld>
@@ -4609,17 +5695,2305 @@
   <p:transition spd="slow">
     <p:push/>
   </p:transition>
-  <p:timing>
-    <p:tnLst>
-      <p:par>
-        <p:cTn id="1" dur="indefinite" restart="never" nodeType="tmRoot"/>
-      </p:par>
-    </p:tnLst>
-  </p:timing>
+</p:sld>
+</file>
+
+<file path=ppt/slides/slide3.xml><?xml version="1.0" encoding="utf-8"?>
+<p:sld xmlns:a="http://schemas.openxmlformats.org/drawingml/2006/main" xmlns:r="http://schemas.openxmlformats.org/officeDocument/2006/relationships" xmlns:p="http://schemas.openxmlformats.org/presentationml/2006/main">
+  <p:cSld>
+    <p:spTree>
+      <p:nvGrpSpPr>
+        <p:cNvPr id="1" name=""/>
+        <p:cNvGrpSpPr/>
+        <p:nvPr/>
+      </p:nvGrpSpPr>
+      <p:grpSpPr>
+        <a:xfrm>
+          <a:off x="0" y="0"/>
+          <a:ext cx="0" cy="0"/>
+          <a:chOff x="0" y="0"/>
+          <a:chExt cx="0" cy="0"/>
+        </a:xfrm>
+      </p:grpSpPr>
+      <p:sp>
+        <p:nvSpPr>
+          <p:cNvPr id="2" name="矩形 1"/>
+          <p:cNvSpPr/>
+          <p:nvPr/>
+        </p:nvSpPr>
+        <p:spPr>
+          <a:xfrm>
+            <a:off x="3067050" y="0"/>
+            <a:ext cx="9124950" cy="6858000"/>
+          </a:xfrm>
+          <a:prstGeom prst="rect">
+            <a:avLst/>
+          </a:prstGeom>
+          <a:solidFill>
+            <a:schemeClr val="bg1"/>
+          </a:solidFill>
+          <a:ln>
+            <a:noFill/>
+          </a:ln>
+        </p:spPr>
+        <p:style>
+          <a:lnRef idx="2">
+            <a:schemeClr val="accent1">
+              <a:shade val="50000"/>
+            </a:schemeClr>
+          </a:lnRef>
+          <a:fillRef idx="1">
+            <a:schemeClr val="accent1"/>
+          </a:fillRef>
+          <a:effectRef idx="0">
+            <a:schemeClr val="accent1"/>
+          </a:effectRef>
+          <a:fontRef idx="minor">
+            <a:schemeClr val="lt1"/>
+          </a:fontRef>
+        </p:style>
+        <p:txBody>
+          <a:bodyPr rtlCol="0" anchor="ctr"/>
+          <a:lstStyle/>
+          <a:p>
+            <a:pPr algn="ctr"/>
+            <a:endParaRPr lang="zh-CN" altLang="en-US" dirty="0"/>
+          </a:p>
+        </p:txBody>
+      </p:sp>
+      <p:grpSp>
+        <p:nvGrpSpPr>
+          <p:cNvPr id="9" name="组合 8"/>
+          <p:cNvGrpSpPr/>
+          <p:nvPr/>
+        </p:nvGrpSpPr>
+        <p:grpSpPr>
+          <a:xfrm>
+            <a:off x="2543174" y="564615"/>
+            <a:ext cx="1279618" cy="1481182"/>
+            <a:chOff x="2543174" y="564615"/>
+            <a:chExt cx="1279618" cy="1481182"/>
+          </a:xfrm>
+        </p:grpSpPr>
+        <p:sp>
+          <p:nvSpPr>
+            <p:cNvPr id="3" name="矩形 2"/>
+            <p:cNvSpPr/>
+            <p:nvPr/>
+          </p:nvSpPr>
+          <p:spPr>
+            <a:xfrm rot="2705224">
+              <a:off x="2543174" y="781051"/>
+              <a:ext cx="1047750" cy="1047750"/>
+            </a:xfrm>
+            <a:prstGeom prst="rect">
+              <a:avLst/>
+            </a:prstGeom>
+            <a:solidFill>
+              <a:schemeClr val="bg1"/>
+            </a:solidFill>
+            <a:ln>
+              <a:noFill/>
+            </a:ln>
+          </p:spPr>
+          <p:style>
+            <a:lnRef idx="2">
+              <a:schemeClr val="accent1">
+                <a:shade val="50000"/>
+              </a:schemeClr>
+            </a:lnRef>
+            <a:fillRef idx="1">
+              <a:schemeClr val="accent1"/>
+            </a:fillRef>
+            <a:effectRef idx="0">
+              <a:schemeClr val="accent1"/>
+            </a:effectRef>
+            <a:fontRef idx="minor">
+              <a:schemeClr val="lt1"/>
+            </a:fontRef>
+          </p:style>
+          <p:txBody>
+            <a:bodyPr rtlCol="0" anchor="ctr"/>
+            <a:lstStyle/>
+            <a:p>
+              <a:pPr algn="ctr"/>
+              <a:endParaRPr lang="zh-CN" altLang="en-US"/>
+            </a:p>
+          </p:txBody>
+        </p:sp>
+        <p:cxnSp>
+          <p:nvCxnSpPr>
+            <p:cNvPr id="5" name="直接连接符 4"/>
+            <p:cNvCxnSpPr/>
+            <p:nvPr/>
+          </p:nvCxnSpPr>
+          <p:spPr>
+            <a:xfrm>
+              <a:off x="3067050" y="564615"/>
+              <a:ext cx="740311" cy="740311"/>
+            </a:xfrm>
+            <a:prstGeom prst="line">
+              <a:avLst/>
+            </a:prstGeom>
+            <a:ln w="38100">
+              <a:solidFill>
+                <a:schemeClr val="tx2">
+                  <a:lumMod val="75000"/>
+                </a:schemeClr>
+              </a:solidFill>
+            </a:ln>
+          </p:spPr>
+          <p:style>
+            <a:lnRef idx="1">
+              <a:schemeClr val="accent1"/>
+            </a:lnRef>
+            <a:fillRef idx="0">
+              <a:schemeClr val="accent1"/>
+            </a:fillRef>
+            <a:effectRef idx="0">
+              <a:schemeClr val="accent1"/>
+            </a:effectRef>
+            <a:fontRef idx="minor">
+              <a:schemeClr val="tx1"/>
+            </a:fontRef>
+          </p:style>
+        </p:cxnSp>
+        <p:cxnSp>
+          <p:nvCxnSpPr>
+            <p:cNvPr id="6" name="直接连接符 5"/>
+            <p:cNvCxnSpPr/>
+            <p:nvPr/>
+          </p:nvCxnSpPr>
+          <p:spPr>
+            <a:xfrm flipH="1">
+              <a:off x="3066492" y="1290638"/>
+              <a:ext cx="756300" cy="755159"/>
+            </a:xfrm>
+            <a:prstGeom prst="line">
+              <a:avLst/>
+            </a:prstGeom>
+            <a:ln w="38100">
+              <a:solidFill>
+                <a:schemeClr val="tx2">
+                  <a:lumMod val="75000"/>
+                </a:schemeClr>
+              </a:solidFill>
+            </a:ln>
+          </p:spPr>
+          <p:style>
+            <a:lnRef idx="1">
+              <a:schemeClr val="accent1"/>
+            </a:lnRef>
+            <a:fillRef idx="0">
+              <a:schemeClr val="accent1"/>
+            </a:fillRef>
+            <a:effectRef idx="0">
+              <a:schemeClr val="accent1"/>
+            </a:effectRef>
+            <a:fontRef idx="minor">
+              <a:schemeClr val="tx1"/>
+            </a:fontRef>
+          </p:style>
+        </p:cxnSp>
+      </p:grpSp>
+      <p:sp>
+        <p:nvSpPr>
+          <p:cNvPr id="10" name="文本框 9"/>
+          <p:cNvSpPr txBox="1"/>
+          <p:nvPr/>
+        </p:nvSpPr>
+        <p:spPr>
+          <a:xfrm>
+            <a:off x="2706455" y="683756"/>
+            <a:ext cx="684446" cy="1200329"/>
+          </a:xfrm>
+          <a:prstGeom prst="rect">
+            <a:avLst/>
+          </a:prstGeom>
+          <a:noFill/>
+        </p:spPr>
+        <p:txBody>
+          <a:bodyPr wrap="square" rtlCol="0">
+            <a:spAutoFit/>
+          </a:bodyPr>
+          <a:lstStyle/>
+          <a:p>
+            <a:r>
+              <a:rPr lang="en-US" altLang="zh-CN" sz="7200" b="1" dirty="0"/>
+              <a:t>2</a:t>
+            </a:r>
+            <a:endParaRPr lang="zh-CN" altLang="en-US" sz="7200" b="1" dirty="0"/>
+          </a:p>
+        </p:txBody>
+      </p:sp>
+      <p:sp>
+        <p:nvSpPr>
+          <p:cNvPr id="11" name="文本框 10"/>
+          <p:cNvSpPr txBox="1"/>
+          <p:nvPr/>
+        </p:nvSpPr>
+        <p:spPr>
+          <a:xfrm>
+            <a:off x="3771178" y="419091"/>
+            <a:ext cx="3736435" cy="584775"/>
+          </a:xfrm>
+          <a:prstGeom prst="rect">
+            <a:avLst/>
+          </a:prstGeom>
+          <a:noFill/>
+        </p:spPr>
+        <p:txBody>
+          <a:bodyPr wrap="square" rtlCol="0">
+            <a:spAutoFit/>
+          </a:bodyPr>
+          <a:lstStyle/>
+          <a:p>
+            <a:r>
+              <a:rPr lang="zh-CN" altLang="en-US" sz="3200" dirty="0">
+                <a:latin typeface="微软雅黑" panose="020B0503020204020204" pitchFamily="34" charset="-122"/>
+                <a:ea typeface="微软雅黑" panose="020B0503020204020204" pitchFamily="34" charset="-122"/>
+              </a:rPr>
+              <a:t>通信图的基本内容</a:t>
+            </a:r>
+          </a:p>
+        </p:txBody>
+      </p:sp>
+      <p:cxnSp>
+        <p:nvCxnSpPr>
+          <p:cNvPr id="12" name="直接连接符 11">
+            <a:extLst>
+              <a:ext uri="{FF2B5EF4-FFF2-40B4-BE49-F238E27FC236}">
+                <a16:creationId xmlns:a16="http://schemas.microsoft.com/office/drawing/2014/main" id="{1775EDE3-0AD5-43E4-9AD1-CEFB6EF65725}"/>
+              </a:ext>
+            </a:extLst>
+          </p:cNvPr>
+          <p:cNvCxnSpPr/>
+          <p:nvPr/>
+        </p:nvCxnSpPr>
+        <p:spPr>
+          <a:xfrm>
+            <a:off x="4335800" y="2031571"/>
+            <a:ext cx="0" cy="3275548"/>
+          </a:xfrm>
+          <a:prstGeom prst="line">
+            <a:avLst/>
+          </a:prstGeom>
+          <a:ln w="127000">
+            <a:solidFill>
+              <a:schemeClr val="tx2">
+                <a:lumMod val="75000"/>
+              </a:schemeClr>
+            </a:solidFill>
+          </a:ln>
+        </p:spPr>
+        <p:style>
+          <a:lnRef idx="1">
+            <a:schemeClr val="accent1"/>
+          </a:lnRef>
+          <a:fillRef idx="0">
+            <a:schemeClr val="accent1"/>
+          </a:fillRef>
+          <a:effectRef idx="0">
+            <a:schemeClr val="accent1"/>
+          </a:effectRef>
+          <a:fontRef idx="minor">
+            <a:schemeClr val="tx1"/>
+          </a:fontRef>
+        </p:style>
+      </p:cxnSp>
+      <p:cxnSp>
+        <p:nvCxnSpPr>
+          <p:cNvPr id="13" name="直接连接符 12">
+            <a:extLst>
+              <a:ext uri="{FF2B5EF4-FFF2-40B4-BE49-F238E27FC236}">
+                <a16:creationId xmlns:a16="http://schemas.microsoft.com/office/drawing/2014/main" id="{E3A2482C-C3B1-425C-949A-1D01B9B335CC}"/>
+              </a:ext>
+            </a:extLst>
+          </p:cNvPr>
+          <p:cNvCxnSpPr/>
+          <p:nvPr/>
+        </p:nvCxnSpPr>
+        <p:spPr>
+          <a:xfrm>
+            <a:off x="4240550" y="2031571"/>
+            <a:ext cx="0" cy="3256887"/>
+          </a:xfrm>
+          <a:prstGeom prst="line">
+            <a:avLst/>
+          </a:prstGeom>
+          <a:ln w="63500">
+            <a:solidFill>
+              <a:schemeClr val="accent1">
+                <a:lumMod val="60000"/>
+                <a:lumOff val="40000"/>
+                <a:alpha val="96000"/>
+              </a:schemeClr>
+            </a:solidFill>
+          </a:ln>
+        </p:spPr>
+        <p:style>
+          <a:lnRef idx="1">
+            <a:schemeClr val="accent1"/>
+          </a:lnRef>
+          <a:fillRef idx="0">
+            <a:schemeClr val="accent1"/>
+          </a:fillRef>
+          <a:effectRef idx="0">
+            <a:schemeClr val="accent1"/>
+          </a:effectRef>
+          <a:fontRef idx="minor">
+            <a:schemeClr val="tx1"/>
+          </a:fontRef>
+        </p:style>
+      </p:cxnSp>
+      <p:sp>
+        <p:nvSpPr>
+          <p:cNvPr id="14" name="矩形 13">
+            <a:extLst>
+              <a:ext uri="{FF2B5EF4-FFF2-40B4-BE49-F238E27FC236}">
+                <a16:creationId xmlns:a16="http://schemas.microsoft.com/office/drawing/2014/main" id="{5345C5D3-86AE-42AA-9D33-A38F6CDC06CE}"/>
+              </a:ext>
+            </a:extLst>
+          </p:cNvPr>
+          <p:cNvSpPr/>
+          <p:nvPr/>
+        </p:nvSpPr>
+        <p:spPr>
+          <a:xfrm>
+            <a:off x="4478571" y="1937983"/>
+            <a:ext cx="7418887" cy="502571"/>
+          </a:xfrm>
+          <a:prstGeom prst="rect">
+            <a:avLst/>
+          </a:prstGeom>
+        </p:spPr>
+        <p:txBody>
+          <a:bodyPr wrap="square" lIns="68570" tIns="34289" rIns="68570" bIns="34289">
+            <a:spAutoFit/>
+          </a:bodyPr>
+          <a:lstStyle/>
+          <a:p>
+            <a:pPr defTabSz="685681">
+              <a:lnSpc>
+                <a:spcPct val="130000"/>
+              </a:lnSpc>
+            </a:pPr>
+            <a:r>
+              <a:rPr lang="zh-CN" altLang="en-US" sz="2400" dirty="0">
+                <a:latin typeface="微软雅黑" panose="020B0503020204020204" pitchFamily="34" charset="-122"/>
+                <a:ea typeface="微软雅黑" panose="020B0503020204020204" pitchFamily="34" charset="-122"/>
+              </a:rPr>
+              <a:t>通信图由以下基本元素构成：对象、链接和消息。</a:t>
+            </a:r>
+            <a:endParaRPr lang="en-US" altLang="zh-CN" sz="2400" dirty="0">
+              <a:latin typeface="微软雅黑" panose="020B0503020204020204" pitchFamily="34" charset="-122"/>
+              <a:ea typeface="微软雅黑" panose="020B0503020204020204" pitchFamily="34" charset="-122"/>
+            </a:endParaRPr>
+          </a:p>
+        </p:txBody>
+      </p:sp>
+    </p:spTree>
+    <p:extLst>
+      <p:ext uri="{BB962C8B-B14F-4D97-AF65-F5344CB8AC3E}">
+        <p14:creationId xmlns:p14="http://schemas.microsoft.com/office/powerpoint/2010/main" val="3460417820"/>
+      </p:ext>
+    </p:extLst>
+  </p:cSld>
+  <p:clrMapOvr>
+    <a:masterClrMapping/>
+  </p:clrMapOvr>
+  <p:transition spd="slow">
+    <p:push/>
+  </p:transition>
 </p:sld>
 </file>
 
 <file path=ppt/slides/slide4.xml><?xml version="1.0" encoding="utf-8"?>
+<p:sld xmlns:a="http://schemas.openxmlformats.org/drawingml/2006/main" xmlns:r="http://schemas.openxmlformats.org/officeDocument/2006/relationships" xmlns:p="http://schemas.openxmlformats.org/presentationml/2006/main">
+  <p:cSld>
+    <p:spTree>
+      <p:nvGrpSpPr>
+        <p:cNvPr id="1" name=""/>
+        <p:cNvGrpSpPr/>
+        <p:nvPr/>
+      </p:nvGrpSpPr>
+      <p:grpSpPr>
+        <a:xfrm>
+          <a:off x="0" y="0"/>
+          <a:ext cx="0" cy="0"/>
+          <a:chOff x="0" y="0"/>
+          <a:chExt cx="0" cy="0"/>
+        </a:xfrm>
+      </p:grpSpPr>
+      <p:pic>
+        <p:nvPicPr>
+          <p:cNvPr id="4" name="图片 3"/>
+          <p:cNvPicPr>
+            <a:picLocks noChangeAspect="1"/>
+          </p:cNvPicPr>
+          <p:nvPr/>
+        </p:nvPicPr>
+        <p:blipFill rotWithShape="1">
+          <a:blip r:embed="rId2" cstate="print">
+            <a:extLst>
+              <a:ext uri="{28A0092B-C50C-407E-A947-70E740481C1C}">
+                <a14:useLocalDpi xmlns:a14="http://schemas.microsoft.com/office/drawing/2010/main" val="0"/>
+              </a:ext>
+            </a:extLst>
+          </a:blip>
+          <a:srcRect l="21875" r="21875"/>
+          <a:stretch/>
+        </p:blipFill>
+        <p:spPr>
+          <a:xfrm rot="10800000">
+            <a:off x="-3431709" y="-5417"/>
+            <a:ext cx="6863417" cy="6863417"/>
+          </a:xfrm>
+          <a:prstGeom prst="pie">
+            <a:avLst>
+              <a:gd name="adj1" fmla="val 5347296"/>
+              <a:gd name="adj2" fmla="val 16200000"/>
+            </a:avLst>
+          </a:prstGeom>
+        </p:spPr>
+      </p:pic>
+      <p:sp>
+        <p:nvSpPr>
+          <p:cNvPr id="5" name="椭圆 4"/>
+          <p:cNvSpPr/>
+          <p:nvPr/>
+        </p:nvSpPr>
+        <p:spPr>
+          <a:xfrm>
+            <a:off x="2228850" y="838200"/>
+            <a:ext cx="781050" cy="781050"/>
+          </a:xfrm>
+          <a:prstGeom prst="ellipse">
+            <a:avLst/>
+          </a:prstGeom>
+          <a:solidFill>
+            <a:schemeClr val="bg1"/>
+          </a:solidFill>
+          <a:ln>
+            <a:solidFill>
+              <a:schemeClr val="bg2">
+                <a:lumMod val="25000"/>
+              </a:schemeClr>
+            </a:solidFill>
+          </a:ln>
+        </p:spPr>
+        <p:style>
+          <a:lnRef idx="2">
+            <a:schemeClr val="accent1">
+              <a:shade val="50000"/>
+            </a:schemeClr>
+          </a:lnRef>
+          <a:fillRef idx="1">
+            <a:schemeClr val="accent1"/>
+          </a:fillRef>
+          <a:effectRef idx="0">
+            <a:schemeClr val="accent1"/>
+          </a:effectRef>
+          <a:fontRef idx="minor">
+            <a:schemeClr val="lt1"/>
+          </a:fontRef>
+        </p:style>
+        <p:txBody>
+          <a:bodyPr rtlCol="0" anchor="ctr"/>
+          <a:lstStyle/>
+          <a:p>
+            <a:pPr algn="ctr"/>
+            <a:endParaRPr lang="zh-CN" altLang="en-US"/>
+          </a:p>
+        </p:txBody>
+      </p:sp>
+      <p:sp>
+        <p:nvSpPr>
+          <p:cNvPr id="6" name="椭圆 5"/>
+          <p:cNvSpPr/>
+          <p:nvPr/>
+        </p:nvSpPr>
+        <p:spPr>
+          <a:xfrm>
+            <a:off x="3009900" y="2307808"/>
+            <a:ext cx="781050" cy="781050"/>
+          </a:xfrm>
+          <a:prstGeom prst="ellipse">
+            <a:avLst/>
+          </a:prstGeom>
+          <a:solidFill>
+            <a:schemeClr val="bg1"/>
+          </a:solidFill>
+          <a:ln>
+            <a:solidFill>
+              <a:schemeClr val="bg2">
+                <a:lumMod val="25000"/>
+              </a:schemeClr>
+            </a:solidFill>
+          </a:ln>
+        </p:spPr>
+        <p:style>
+          <a:lnRef idx="2">
+            <a:schemeClr val="accent1">
+              <a:shade val="50000"/>
+            </a:schemeClr>
+          </a:lnRef>
+          <a:fillRef idx="1">
+            <a:schemeClr val="accent1"/>
+          </a:fillRef>
+          <a:effectRef idx="0">
+            <a:schemeClr val="accent1"/>
+          </a:effectRef>
+          <a:fontRef idx="minor">
+            <a:schemeClr val="lt1"/>
+          </a:fontRef>
+        </p:style>
+        <p:txBody>
+          <a:bodyPr rtlCol="0" anchor="ctr"/>
+          <a:lstStyle/>
+          <a:p>
+            <a:pPr algn="ctr"/>
+            <a:endParaRPr lang="zh-CN" altLang="en-US"/>
+          </a:p>
+        </p:txBody>
+      </p:sp>
+      <p:sp>
+        <p:nvSpPr>
+          <p:cNvPr id="8" name="椭圆 7"/>
+          <p:cNvSpPr/>
+          <p:nvPr/>
+        </p:nvSpPr>
+        <p:spPr>
+          <a:xfrm>
+            <a:off x="2228850" y="5400172"/>
+            <a:ext cx="781050" cy="781050"/>
+          </a:xfrm>
+          <a:prstGeom prst="ellipse">
+            <a:avLst/>
+          </a:prstGeom>
+          <a:solidFill>
+            <a:schemeClr val="bg1"/>
+          </a:solidFill>
+          <a:ln>
+            <a:solidFill>
+              <a:schemeClr val="bg2">
+                <a:lumMod val="25000"/>
+              </a:schemeClr>
+            </a:solidFill>
+          </a:ln>
+        </p:spPr>
+        <p:style>
+          <a:lnRef idx="2">
+            <a:schemeClr val="accent1">
+              <a:shade val="50000"/>
+            </a:schemeClr>
+          </a:lnRef>
+          <a:fillRef idx="1">
+            <a:schemeClr val="accent1"/>
+          </a:fillRef>
+          <a:effectRef idx="0">
+            <a:schemeClr val="accent1"/>
+          </a:effectRef>
+          <a:fontRef idx="minor">
+            <a:schemeClr val="lt1"/>
+          </a:fontRef>
+        </p:style>
+        <p:txBody>
+          <a:bodyPr rtlCol="0" anchor="ctr"/>
+          <a:lstStyle/>
+          <a:p>
+            <a:pPr algn="ctr"/>
+            <a:endParaRPr lang="zh-CN" altLang="en-US"/>
+          </a:p>
+        </p:txBody>
+      </p:sp>
+      <p:sp>
+        <p:nvSpPr>
+          <p:cNvPr id="17" name="矩形 16"/>
+          <p:cNvSpPr/>
+          <p:nvPr/>
+        </p:nvSpPr>
+        <p:spPr>
+          <a:xfrm>
+            <a:off x="3400425" y="1020386"/>
+            <a:ext cx="8601075" cy="1029511"/>
+          </a:xfrm>
+          <a:prstGeom prst="rect">
+            <a:avLst/>
+          </a:prstGeom>
+        </p:spPr>
+        <p:txBody>
+          <a:bodyPr wrap="square" lIns="68570" tIns="34289" rIns="68570" bIns="34289">
+            <a:spAutoFit/>
+          </a:bodyPr>
+          <a:lstStyle/>
+          <a:p>
+            <a:pPr defTabSz="685681">
+              <a:lnSpc>
+                <a:spcPct val="130000"/>
+              </a:lnSpc>
+            </a:pPr>
+            <a:r>
+              <a:rPr lang="zh-CN" altLang="en-US" sz="2400" dirty="0">
+                <a:latin typeface="微软雅黑" panose="020B0503020204020204" pitchFamily="34" charset="-122"/>
+                <a:ea typeface="微软雅黑" panose="020B0503020204020204" pitchFamily="34" charset="-122"/>
+              </a:rPr>
+              <a:t>标题数字等都可以通过点击和重新输入进行更改，顶部“开始”面板中可以对字体、字号、颜色、行距等进行修改。建议正文</a:t>
+            </a:r>
+          </a:p>
+        </p:txBody>
+      </p:sp>
+      <p:sp>
+        <p:nvSpPr>
+          <p:cNvPr id="18" name="矩形 17"/>
+          <p:cNvSpPr/>
+          <p:nvPr/>
+        </p:nvSpPr>
+        <p:spPr>
+          <a:xfrm>
+            <a:off x="4088935" y="2398148"/>
+            <a:ext cx="8103065" cy="1029511"/>
+          </a:xfrm>
+          <a:prstGeom prst="rect">
+            <a:avLst/>
+          </a:prstGeom>
+        </p:spPr>
+        <p:txBody>
+          <a:bodyPr wrap="square" lIns="68570" tIns="34289" rIns="68570" bIns="34289">
+            <a:spAutoFit/>
+          </a:bodyPr>
+          <a:lstStyle/>
+          <a:p>
+            <a:pPr defTabSz="685681">
+              <a:lnSpc>
+                <a:spcPct val="130000"/>
+              </a:lnSpc>
+            </a:pPr>
+            <a:r>
+              <a:rPr lang="zh-CN" altLang="en-US" sz="2400" dirty="0">
+                <a:latin typeface="微软雅黑" panose="020B0503020204020204" pitchFamily="34" charset="-122"/>
+                <a:ea typeface="微软雅黑" panose="020B0503020204020204" pitchFamily="34" charset="-122"/>
+              </a:rPr>
+              <a:t>标题数字等都可以通过点击和重新输入进行更改，顶部“开始”面板中可以对字体、字号、颜色、行距等进行修改。</a:t>
+            </a:r>
+          </a:p>
+        </p:txBody>
+      </p:sp>
+      <p:sp>
+        <p:nvSpPr>
+          <p:cNvPr id="19" name="矩形 18"/>
+          <p:cNvSpPr/>
+          <p:nvPr/>
+        </p:nvSpPr>
+        <p:spPr>
+          <a:xfrm>
+            <a:off x="3993684" y="4032332"/>
+            <a:ext cx="8360241" cy="1029511"/>
+          </a:xfrm>
+          <a:prstGeom prst="rect">
+            <a:avLst/>
+          </a:prstGeom>
+        </p:spPr>
+        <p:txBody>
+          <a:bodyPr wrap="square" lIns="68570" tIns="34289" rIns="68570" bIns="34289">
+            <a:spAutoFit/>
+          </a:bodyPr>
+          <a:lstStyle/>
+          <a:p>
+            <a:pPr defTabSz="685681">
+              <a:lnSpc>
+                <a:spcPct val="130000"/>
+              </a:lnSpc>
+            </a:pPr>
+            <a:r>
+              <a:rPr lang="zh-CN" altLang="en-US" sz="2400" dirty="0">
+                <a:latin typeface="微软雅黑" panose="020B0503020204020204" pitchFamily="34" charset="-122"/>
+                <a:ea typeface="微软雅黑" panose="020B0503020204020204" pitchFamily="34" charset="-122"/>
+              </a:rPr>
+              <a:t>标题数字等都可以通过点击和重新输入进行更改，顶部“开始”面板中可以对字体、字号、颜色、行距等进行修改。</a:t>
+            </a:r>
+          </a:p>
+        </p:txBody>
+      </p:sp>
+      <p:sp>
+        <p:nvSpPr>
+          <p:cNvPr id="20" name="矩形 19"/>
+          <p:cNvSpPr/>
+          <p:nvPr/>
+        </p:nvSpPr>
+        <p:spPr>
+          <a:xfrm>
+            <a:off x="3507123" y="5447290"/>
+            <a:ext cx="8837277" cy="1029511"/>
+          </a:xfrm>
+          <a:prstGeom prst="rect">
+            <a:avLst/>
+          </a:prstGeom>
+        </p:spPr>
+        <p:txBody>
+          <a:bodyPr wrap="square" lIns="68570" tIns="34289" rIns="68570" bIns="34289">
+            <a:spAutoFit/>
+          </a:bodyPr>
+          <a:lstStyle/>
+          <a:p>
+            <a:pPr defTabSz="685681">
+              <a:lnSpc>
+                <a:spcPct val="130000"/>
+              </a:lnSpc>
+            </a:pPr>
+            <a:r>
+              <a:rPr lang="zh-CN" altLang="en-US" sz="2400" dirty="0">
+                <a:latin typeface="微软雅黑" panose="020B0503020204020204" pitchFamily="34" charset="-122"/>
+                <a:ea typeface="微软雅黑" panose="020B0503020204020204" pitchFamily="34" charset="-122"/>
+              </a:rPr>
+              <a:t>标题数字等都可以通过点击和重新输入进行更改，顶部“开始”面板中可以对字体、字号、颜色、行距等进行修改。建议正文</a:t>
+            </a:r>
+          </a:p>
+        </p:txBody>
+      </p:sp>
+      <p:sp>
+        <p:nvSpPr>
+          <p:cNvPr id="21" name="椭圆 20"/>
+          <p:cNvSpPr/>
+          <p:nvPr/>
+        </p:nvSpPr>
+        <p:spPr>
+          <a:xfrm>
+            <a:off x="-2370371" y="1094870"/>
+            <a:ext cx="4662487" cy="4662487"/>
+          </a:xfrm>
+          <a:prstGeom prst="ellipse">
+            <a:avLst/>
+          </a:prstGeom>
+          <a:noFill/>
+          <a:ln>
+            <a:solidFill>
+              <a:schemeClr val="bg1"/>
+            </a:solidFill>
+          </a:ln>
+        </p:spPr>
+        <p:style>
+          <a:lnRef idx="2">
+            <a:schemeClr val="accent1">
+              <a:shade val="50000"/>
+            </a:schemeClr>
+          </a:lnRef>
+          <a:fillRef idx="1">
+            <a:schemeClr val="accent1"/>
+          </a:fillRef>
+          <a:effectRef idx="0">
+            <a:schemeClr val="accent1"/>
+          </a:effectRef>
+          <a:fontRef idx="minor">
+            <a:schemeClr val="lt1"/>
+          </a:fontRef>
+        </p:style>
+        <p:txBody>
+          <a:bodyPr rtlCol="0" anchor="ctr"/>
+          <a:lstStyle/>
+          <a:p>
+            <a:pPr algn="ctr"/>
+            <a:endParaRPr lang="zh-CN" altLang="en-US"/>
+          </a:p>
+        </p:txBody>
+      </p:sp>
+      <p:sp>
+        <p:nvSpPr>
+          <p:cNvPr id="22" name="文本框 21"/>
+          <p:cNvSpPr txBox="1"/>
+          <p:nvPr/>
+        </p:nvSpPr>
+        <p:spPr>
+          <a:xfrm>
+            <a:off x="387582" y="1368299"/>
+            <a:ext cx="701675" cy="4031873"/>
+          </a:xfrm>
+          <a:prstGeom prst="rect">
+            <a:avLst/>
+          </a:prstGeom>
+          <a:noFill/>
+        </p:spPr>
+        <p:txBody>
+          <a:bodyPr wrap="square" rtlCol="0">
+            <a:spAutoFit/>
+          </a:bodyPr>
+          <a:lstStyle/>
+          <a:p>
+            <a:r>
+              <a:rPr lang="zh-CN" altLang="en-US" sz="3200" b="1" dirty="0">
+                <a:solidFill>
+                  <a:schemeClr val="bg1"/>
+                </a:solidFill>
+                <a:latin typeface="微软雅黑" panose="020B0503020204020204" pitchFamily="34" charset="-122"/>
+                <a:ea typeface="微软雅黑" panose="020B0503020204020204" pitchFamily="34" charset="-122"/>
+              </a:rPr>
+              <a:t>点击此处添加标题</a:t>
+            </a:r>
+          </a:p>
+        </p:txBody>
+      </p:sp>
+      <p:sp>
+        <p:nvSpPr>
+          <p:cNvPr id="7" name="椭圆 6"/>
+          <p:cNvSpPr/>
+          <p:nvPr/>
+        </p:nvSpPr>
+        <p:spPr>
+          <a:xfrm>
+            <a:off x="2839805" y="3861633"/>
+            <a:ext cx="781050" cy="781050"/>
+          </a:xfrm>
+          <a:prstGeom prst="ellipse">
+            <a:avLst/>
+          </a:prstGeom>
+          <a:solidFill>
+            <a:schemeClr val="bg1"/>
+          </a:solidFill>
+          <a:ln>
+            <a:solidFill>
+              <a:schemeClr val="bg2">
+                <a:lumMod val="25000"/>
+              </a:schemeClr>
+            </a:solidFill>
+          </a:ln>
+        </p:spPr>
+        <p:style>
+          <a:lnRef idx="2">
+            <a:schemeClr val="accent1">
+              <a:shade val="50000"/>
+            </a:schemeClr>
+          </a:lnRef>
+          <a:fillRef idx="1">
+            <a:schemeClr val="accent1"/>
+          </a:fillRef>
+          <a:effectRef idx="0">
+            <a:schemeClr val="accent1"/>
+          </a:effectRef>
+          <a:fontRef idx="minor">
+            <a:schemeClr val="lt1"/>
+          </a:fontRef>
+        </p:style>
+        <p:txBody>
+          <a:bodyPr rtlCol="0" anchor="ctr"/>
+          <a:lstStyle/>
+          <a:p>
+            <a:pPr algn="ctr"/>
+            <a:endParaRPr lang="zh-CN" altLang="en-US"/>
+          </a:p>
+        </p:txBody>
+      </p:sp>
+    </p:spTree>
+    <p:extLst>
+      <p:ext uri="{BB962C8B-B14F-4D97-AF65-F5344CB8AC3E}">
+        <p14:creationId xmlns:p14="http://schemas.microsoft.com/office/powerpoint/2010/main" val="3139051539"/>
+      </p:ext>
+    </p:extLst>
+  </p:cSld>
+  <p:clrMapOvr>
+    <a:masterClrMapping/>
+  </p:clrMapOvr>
+  <p:transition spd="slow">
+    <p:push dir="u"/>
+  </p:transition>
+</p:sld>
+</file>
+
+<file path=ppt/slides/slide5.xml><?xml version="1.0" encoding="utf-8"?>
+<p:sld xmlns:a="http://schemas.openxmlformats.org/drawingml/2006/main" xmlns:r="http://schemas.openxmlformats.org/officeDocument/2006/relationships" xmlns:p="http://schemas.openxmlformats.org/presentationml/2006/main">
+  <p:cSld>
+    <p:spTree>
+      <p:nvGrpSpPr>
+        <p:cNvPr id="1" name=""/>
+        <p:cNvGrpSpPr/>
+        <p:nvPr/>
+      </p:nvGrpSpPr>
+      <p:grpSpPr>
+        <a:xfrm>
+          <a:off x="0" y="0"/>
+          <a:ext cx="0" cy="0"/>
+          <a:chOff x="0" y="0"/>
+          <a:chExt cx="0" cy="0"/>
+        </a:xfrm>
+      </p:grpSpPr>
+      <p:sp>
+        <p:nvSpPr>
+          <p:cNvPr id="2" name="矩形 1"/>
+          <p:cNvSpPr/>
+          <p:nvPr/>
+        </p:nvSpPr>
+        <p:spPr>
+          <a:xfrm>
+            <a:off x="3067050" y="0"/>
+            <a:ext cx="9124950" cy="6858000"/>
+          </a:xfrm>
+          <a:prstGeom prst="rect">
+            <a:avLst/>
+          </a:prstGeom>
+          <a:solidFill>
+            <a:schemeClr val="bg1"/>
+          </a:solidFill>
+          <a:ln>
+            <a:noFill/>
+          </a:ln>
+        </p:spPr>
+        <p:style>
+          <a:lnRef idx="2">
+            <a:schemeClr val="accent1">
+              <a:shade val="50000"/>
+            </a:schemeClr>
+          </a:lnRef>
+          <a:fillRef idx="1">
+            <a:schemeClr val="accent1"/>
+          </a:fillRef>
+          <a:effectRef idx="0">
+            <a:schemeClr val="accent1"/>
+          </a:effectRef>
+          <a:fontRef idx="minor">
+            <a:schemeClr val="lt1"/>
+          </a:fontRef>
+        </p:style>
+        <p:txBody>
+          <a:bodyPr rtlCol="0" anchor="ctr"/>
+          <a:lstStyle/>
+          <a:p>
+            <a:pPr algn="ctr"/>
+            <a:endParaRPr lang="zh-CN" altLang="en-US" dirty="0"/>
+          </a:p>
+        </p:txBody>
+      </p:sp>
+      <p:grpSp>
+        <p:nvGrpSpPr>
+          <p:cNvPr id="9" name="组合 8"/>
+          <p:cNvGrpSpPr/>
+          <p:nvPr/>
+        </p:nvGrpSpPr>
+        <p:grpSpPr>
+          <a:xfrm>
+            <a:off x="2543174" y="564615"/>
+            <a:ext cx="1279618" cy="1481182"/>
+            <a:chOff x="2543174" y="564615"/>
+            <a:chExt cx="1279618" cy="1481182"/>
+          </a:xfrm>
+        </p:grpSpPr>
+        <p:sp>
+          <p:nvSpPr>
+            <p:cNvPr id="3" name="矩形 2"/>
+            <p:cNvSpPr/>
+            <p:nvPr/>
+          </p:nvSpPr>
+          <p:spPr>
+            <a:xfrm rot="2705224">
+              <a:off x="2543174" y="781051"/>
+              <a:ext cx="1047750" cy="1047750"/>
+            </a:xfrm>
+            <a:prstGeom prst="rect">
+              <a:avLst/>
+            </a:prstGeom>
+            <a:solidFill>
+              <a:schemeClr val="bg1"/>
+            </a:solidFill>
+            <a:ln>
+              <a:noFill/>
+            </a:ln>
+          </p:spPr>
+          <p:style>
+            <a:lnRef idx="2">
+              <a:schemeClr val="accent1">
+                <a:shade val="50000"/>
+              </a:schemeClr>
+            </a:lnRef>
+            <a:fillRef idx="1">
+              <a:schemeClr val="accent1"/>
+            </a:fillRef>
+            <a:effectRef idx="0">
+              <a:schemeClr val="accent1"/>
+            </a:effectRef>
+            <a:fontRef idx="minor">
+              <a:schemeClr val="lt1"/>
+            </a:fontRef>
+          </p:style>
+          <p:txBody>
+            <a:bodyPr rtlCol="0" anchor="ctr"/>
+            <a:lstStyle/>
+            <a:p>
+              <a:pPr algn="ctr"/>
+              <a:endParaRPr lang="zh-CN" altLang="en-US"/>
+            </a:p>
+          </p:txBody>
+        </p:sp>
+        <p:cxnSp>
+          <p:nvCxnSpPr>
+            <p:cNvPr id="5" name="直接连接符 4"/>
+            <p:cNvCxnSpPr/>
+            <p:nvPr/>
+          </p:nvCxnSpPr>
+          <p:spPr>
+            <a:xfrm>
+              <a:off x="3067050" y="564615"/>
+              <a:ext cx="740311" cy="740311"/>
+            </a:xfrm>
+            <a:prstGeom prst="line">
+              <a:avLst/>
+            </a:prstGeom>
+            <a:ln w="38100">
+              <a:solidFill>
+                <a:schemeClr val="tx2">
+                  <a:lumMod val="75000"/>
+                </a:schemeClr>
+              </a:solidFill>
+            </a:ln>
+          </p:spPr>
+          <p:style>
+            <a:lnRef idx="1">
+              <a:schemeClr val="accent1"/>
+            </a:lnRef>
+            <a:fillRef idx="0">
+              <a:schemeClr val="accent1"/>
+            </a:fillRef>
+            <a:effectRef idx="0">
+              <a:schemeClr val="accent1"/>
+            </a:effectRef>
+            <a:fontRef idx="minor">
+              <a:schemeClr val="tx1"/>
+            </a:fontRef>
+          </p:style>
+        </p:cxnSp>
+        <p:cxnSp>
+          <p:nvCxnSpPr>
+            <p:cNvPr id="6" name="直接连接符 5"/>
+            <p:cNvCxnSpPr/>
+            <p:nvPr/>
+          </p:nvCxnSpPr>
+          <p:spPr>
+            <a:xfrm flipH="1">
+              <a:off x="3066492" y="1290638"/>
+              <a:ext cx="756300" cy="755159"/>
+            </a:xfrm>
+            <a:prstGeom prst="line">
+              <a:avLst/>
+            </a:prstGeom>
+            <a:ln w="38100">
+              <a:solidFill>
+                <a:schemeClr val="tx2">
+                  <a:lumMod val="75000"/>
+                </a:schemeClr>
+              </a:solidFill>
+            </a:ln>
+          </p:spPr>
+          <p:style>
+            <a:lnRef idx="1">
+              <a:schemeClr val="accent1"/>
+            </a:lnRef>
+            <a:fillRef idx="0">
+              <a:schemeClr val="accent1"/>
+            </a:fillRef>
+            <a:effectRef idx="0">
+              <a:schemeClr val="accent1"/>
+            </a:effectRef>
+            <a:fontRef idx="minor">
+              <a:schemeClr val="tx1"/>
+            </a:fontRef>
+          </p:style>
+        </p:cxnSp>
+      </p:grpSp>
+      <p:sp>
+        <p:nvSpPr>
+          <p:cNvPr id="10" name="文本框 9"/>
+          <p:cNvSpPr txBox="1"/>
+          <p:nvPr/>
+        </p:nvSpPr>
+        <p:spPr>
+          <a:xfrm>
+            <a:off x="2706455" y="683756"/>
+            <a:ext cx="684446" cy="1200329"/>
+          </a:xfrm>
+          <a:prstGeom prst="rect">
+            <a:avLst/>
+          </a:prstGeom>
+          <a:noFill/>
+        </p:spPr>
+        <p:txBody>
+          <a:bodyPr wrap="square" rtlCol="0">
+            <a:spAutoFit/>
+          </a:bodyPr>
+          <a:lstStyle/>
+          <a:p>
+            <a:r>
+              <a:rPr lang="en-US" altLang="zh-CN" sz="7200" b="1" dirty="0"/>
+              <a:t>1</a:t>
+            </a:r>
+            <a:endParaRPr lang="zh-CN" altLang="en-US" sz="7200" b="1" dirty="0"/>
+          </a:p>
+        </p:txBody>
+      </p:sp>
+      <p:sp>
+        <p:nvSpPr>
+          <p:cNvPr id="11" name="文本框 10"/>
+          <p:cNvSpPr txBox="1"/>
+          <p:nvPr/>
+        </p:nvSpPr>
+        <p:spPr>
+          <a:xfrm>
+            <a:off x="3771178" y="419091"/>
+            <a:ext cx="3736435" cy="584775"/>
+          </a:xfrm>
+          <a:prstGeom prst="rect">
+            <a:avLst/>
+          </a:prstGeom>
+          <a:noFill/>
+        </p:spPr>
+        <p:txBody>
+          <a:bodyPr wrap="square" rtlCol="0">
+            <a:spAutoFit/>
+          </a:bodyPr>
+          <a:lstStyle/>
+          <a:p>
+            <a:r>
+              <a:rPr lang="zh-CN" altLang="en-US" sz="3200" dirty="0">
+                <a:latin typeface="微软雅黑" panose="020B0503020204020204" pitchFamily="34" charset="-122"/>
+                <a:ea typeface="微软雅黑" panose="020B0503020204020204" pitchFamily="34" charset="-122"/>
+              </a:rPr>
+              <a:t>通信图的概述</a:t>
+            </a:r>
+          </a:p>
+        </p:txBody>
+      </p:sp>
+      <p:cxnSp>
+        <p:nvCxnSpPr>
+          <p:cNvPr id="12" name="直接连接符 11">
+            <a:extLst>
+              <a:ext uri="{FF2B5EF4-FFF2-40B4-BE49-F238E27FC236}">
+                <a16:creationId xmlns:a16="http://schemas.microsoft.com/office/drawing/2014/main" id="{1775EDE3-0AD5-43E4-9AD1-CEFB6EF65725}"/>
+              </a:ext>
+            </a:extLst>
+          </p:cNvPr>
+          <p:cNvCxnSpPr/>
+          <p:nvPr/>
+        </p:nvCxnSpPr>
+        <p:spPr>
+          <a:xfrm>
+            <a:off x="4335800" y="2031571"/>
+            <a:ext cx="0" cy="3275548"/>
+          </a:xfrm>
+          <a:prstGeom prst="line">
+            <a:avLst/>
+          </a:prstGeom>
+          <a:ln w="127000">
+            <a:solidFill>
+              <a:schemeClr val="tx2">
+                <a:lumMod val="75000"/>
+              </a:schemeClr>
+            </a:solidFill>
+          </a:ln>
+        </p:spPr>
+        <p:style>
+          <a:lnRef idx="1">
+            <a:schemeClr val="accent1"/>
+          </a:lnRef>
+          <a:fillRef idx="0">
+            <a:schemeClr val="accent1"/>
+          </a:fillRef>
+          <a:effectRef idx="0">
+            <a:schemeClr val="accent1"/>
+          </a:effectRef>
+          <a:fontRef idx="minor">
+            <a:schemeClr val="tx1"/>
+          </a:fontRef>
+        </p:style>
+      </p:cxnSp>
+      <p:cxnSp>
+        <p:nvCxnSpPr>
+          <p:cNvPr id="13" name="直接连接符 12">
+            <a:extLst>
+              <a:ext uri="{FF2B5EF4-FFF2-40B4-BE49-F238E27FC236}">
+                <a16:creationId xmlns:a16="http://schemas.microsoft.com/office/drawing/2014/main" id="{E3A2482C-C3B1-425C-949A-1D01B9B335CC}"/>
+              </a:ext>
+            </a:extLst>
+          </p:cNvPr>
+          <p:cNvCxnSpPr/>
+          <p:nvPr/>
+        </p:nvCxnSpPr>
+        <p:spPr>
+          <a:xfrm>
+            <a:off x="4240550" y="2031571"/>
+            <a:ext cx="0" cy="3256887"/>
+          </a:xfrm>
+          <a:prstGeom prst="line">
+            <a:avLst/>
+          </a:prstGeom>
+          <a:ln w="63500">
+            <a:solidFill>
+              <a:schemeClr val="accent1">
+                <a:lumMod val="60000"/>
+                <a:lumOff val="40000"/>
+                <a:alpha val="96000"/>
+              </a:schemeClr>
+            </a:solidFill>
+          </a:ln>
+        </p:spPr>
+        <p:style>
+          <a:lnRef idx="1">
+            <a:schemeClr val="accent1"/>
+          </a:lnRef>
+          <a:fillRef idx="0">
+            <a:schemeClr val="accent1"/>
+          </a:fillRef>
+          <a:effectRef idx="0">
+            <a:schemeClr val="accent1"/>
+          </a:effectRef>
+          <a:fontRef idx="minor">
+            <a:schemeClr val="tx1"/>
+          </a:fontRef>
+        </p:style>
+      </p:cxnSp>
+      <p:sp>
+        <p:nvSpPr>
+          <p:cNvPr id="14" name="矩形 13">
+            <a:extLst>
+              <a:ext uri="{FF2B5EF4-FFF2-40B4-BE49-F238E27FC236}">
+                <a16:creationId xmlns:a16="http://schemas.microsoft.com/office/drawing/2014/main" id="{5345C5D3-86AE-42AA-9D33-A38F6CDC06CE}"/>
+              </a:ext>
+            </a:extLst>
+          </p:cNvPr>
+          <p:cNvSpPr/>
+          <p:nvPr/>
+        </p:nvSpPr>
+        <p:spPr>
+          <a:xfrm>
+            <a:off x="4478571" y="1937983"/>
+            <a:ext cx="7418887" cy="3463382"/>
+          </a:xfrm>
+          <a:prstGeom prst="rect">
+            <a:avLst/>
+          </a:prstGeom>
+        </p:spPr>
+        <p:txBody>
+          <a:bodyPr wrap="square" lIns="68570" tIns="34289" rIns="68570" bIns="34289">
+            <a:spAutoFit/>
+          </a:bodyPr>
+          <a:lstStyle/>
+          <a:p>
+            <a:pPr defTabSz="685681">
+              <a:lnSpc>
+                <a:spcPct val="130000"/>
+              </a:lnSpc>
+            </a:pPr>
+            <a:r>
+              <a:rPr lang="zh-CN" altLang="en-US" sz="2800" dirty="0">
+                <a:latin typeface="微软雅黑" panose="020B0503020204020204" pitchFamily="34" charset="-122"/>
+                <a:ea typeface="微软雅黑" panose="020B0503020204020204" pitchFamily="34" charset="-122"/>
+              </a:rPr>
+              <a:t>通信图</a:t>
+            </a:r>
+            <a:r>
+              <a:rPr lang="zh-CN" altLang="en-US" sz="2400" dirty="0">
+                <a:latin typeface="微软雅黑" panose="020B0503020204020204" pitchFamily="34" charset="-122"/>
+                <a:ea typeface="微软雅黑" panose="020B0503020204020204" pitchFamily="34" charset="-122"/>
+              </a:rPr>
+              <a:t>（</a:t>
+            </a:r>
+            <a:r>
+              <a:rPr lang="zh-CN" altLang="en-US" sz="2400" dirty="0"/>
+              <a:t>即</a:t>
+            </a:r>
+            <a:r>
+              <a:rPr lang="en-US" altLang="zh-CN" sz="2400" dirty="0"/>
+              <a:t>Communication Diagram</a:t>
+            </a:r>
+            <a:r>
+              <a:rPr lang="zh-CN" altLang="en-US" sz="2400" dirty="0"/>
+              <a:t>，在</a:t>
+            </a:r>
+            <a:r>
+              <a:rPr lang="en-US" altLang="zh-CN" sz="2400" dirty="0"/>
+              <a:t>UML2.0</a:t>
+            </a:r>
+            <a:r>
+              <a:rPr lang="zh-CN" altLang="en-US" sz="2400" dirty="0"/>
+              <a:t>之前，通信图也称为协作图，而“协作”作为一个结构事物用于表达静态结构和动态行为的概念组合，表达不同事物相互协作完成一个复杂功能。故</a:t>
+            </a:r>
+            <a:r>
+              <a:rPr lang="en-US" altLang="zh-CN" sz="2400" dirty="0"/>
+              <a:t>UML 2.0</a:t>
+            </a:r>
+            <a:r>
+              <a:rPr lang="zh-CN" altLang="en-US" sz="2400" dirty="0"/>
+              <a:t>以后通信图不再是协作图，没有专门的”协作图“，只有”协作“</a:t>
+            </a:r>
+            <a:r>
+              <a:rPr lang="zh-CN" altLang="en-US" sz="2400" dirty="0">
+                <a:latin typeface="微软雅黑" panose="020B0503020204020204" pitchFamily="34" charset="-122"/>
+                <a:ea typeface="微软雅黑" panose="020B0503020204020204" pitchFamily="34" charset="-122"/>
+              </a:rPr>
+              <a:t>）是一种交互图，强调的是</a:t>
+            </a:r>
+            <a:r>
+              <a:rPr lang="zh-CN" altLang="en-US" sz="2400" dirty="0">
+                <a:solidFill>
+                  <a:srgbClr val="FF0000"/>
+                </a:solidFill>
+                <a:latin typeface="微软雅黑" panose="020B0503020204020204" pitchFamily="34" charset="-122"/>
+                <a:ea typeface="微软雅黑" panose="020B0503020204020204" pitchFamily="34" charset="-122"/>
+              </a:rPr>
+              <a:t>发生和接受消息的对象之间的组织结构</a:t>
+            </a:r>
+            <a:r>
+              <a:rPr lang="zh-CN" altLang="en-US" sz="2400" dirty="0">
+                <a:latin typeface="微软雅黑" panose="020B0503020204020204" pitchFamily="34" charset="-122"/>
+                <a:ea typeface="微软雅黑" panose="020B0503020204020204" pitchFamily="34" charset="-122"/>
+              </a:rPr>
+              <a:t>。</a:t>
+            </a:r>
+          </a:p>
+        </p:txBody>
+      </p:sp>
+    </p:spTree>
+    <p:extLst>
+      <p:ext uri="{BB962C8B-B14F-4D97-AF65-F5344CB8AC3E}">
+        <p14:creationId xmlns:p14="http://schemas.microsoft.com/office/powerpoint/2010/main" val="230810287"/>
+      </p:ext>
+    </p:extLst>
+  </p:cSld>
+  <p:clrMapOvr>
+    <a:masterClrMapping/>
+  </p:clrMapOvr>
+  <p:transition spd="slow">
+    <p:push/>
+  </p:transition>
+</p:sld>
+</file>
+
+<file path=ppt/slides/slide6.xml><?xml version="1.0" encoding="utf-8"?>
+<p:sld xmlns:a="http://schemas.openxmlformats.org/drawingml/2006/main" xmlns:r="http://schemas.openxmlformats.org/officeDocument/2006/relationships" xmlns:p="http://schemas.openxmlformats.org/presentationml/2006/main">
+  <p:cSld>
+    <p:spTree>
+      <p:nvGrpSpPr>
+        <p:cNvPr id="1" name=""/>
+        <p:cNvGrpSpPr/>
+        <p:nvPr/>
+      </p:nvGrpSpPr>
+      <p:grpSpPr>
+        <a:xfrm>
+          <a:off x="0" y="0"/>
+          <a:ext cx="0" cy="0"/>
+          <a:chOff x="0" y="0"/>
+          <a:chExt cx="0" cy="0"/>
+        </a:xfrm>
+      </p:grpSpPr>
+      <p:sp>
+        <p:nvSpPr>
+          <p:cNvPr id="2" name="矩形 1"/>
+          <p:cNvSpPr/>
+          <p:nvPr/>
+        </p:nvSpPr>
+        <p:spPr>
+          <a:xfrm>
+            <a:off x="3067050" y="0"/>
+            <a:ext cx="9124950" cy="6858000"/>
+          </a:xfrm>
+          <a:prstGeom prst="rect">
+            <a:avLst/>
+          </a:prstGeom>
+          <a:solidFill>
+            <a:schemeClr val="bg1"/>
+          </a:solidFill>
+          <a:ln>
+            <a:noFill/>
+          </a:ln>
+        </p:spPr>
+        <p:style>
+          <a:lnRef idx="2">
+            <a:schemeClr val="accent1">
+              <a:shade val="50000"/>
+            </a:schemeClr>
+          </a:lnRef>
+          <a:fillRef idx="1">
+            <a:schemeClr val="accent1"/>
+          </a:fillRef>
+          <a:effectRef idx="0">
+            <a:schemeClr val="accent1"/>
+          </a:effectRef>
+          <a:fontRef idx="minor">
+            <a:schemeClr val="lt1"/>
+          </a:fontRef>
+        </p:style>
+        <p:txBody>
+          <a:bodyPr rtlCol="0" anchor="ctr"/>
+          <a:lstStyle/>
+          <a:p>
+            <a:pPr algn="ctr"/>
+            <a:endParaRPr lang="zh-CN" altLang="en-US" dirty="0"/>
+          </a:p>
+        </p:txBody>
+      </p:sp>
+      <p:grpSp>
+        <p:nvGrpSpPr>
+          <p:cNvPr id="9" name="组合 8"/>
+          <p:cNvGrpSpPr/>
+          <p:nvPr/>
+        </p:nvGrpSpPr>
+        <p:grpSpPr>
+          <a:xfrm>
+            <a:off x="2543174" y="564615"/>
+            <a:ext cx="1279618" cy="1481182"/>
+            <a:chOff x="2543174" y="564615"/>
+            <a:chExt cx="1279618" cy="1481182"/>
+          </a:xfrm>
+        </p:grpSpPr>
+        <p:sp>
+          <p:nvSpPr>
+            <p:cNvPr id="3" name="矩形 2"/>
+            <p:cNvSpPr/>
+            <p:nvPr/>
+          </p:nvSpPr>
+          <p:spPr>
+            <a:xfrm rot="2705224">
+              <a:off x="2543174" y="781051"/>
+              <a:ext cx="1047750" cy="1047750"/>
+            </a:xfrm>
+            <a:prstGeom prst="rect">
+              <a:avLst/>
+            </a:prstGeom>
+            <a:solidFill>
+              <a:schemeClr val="bg1"/>
+            </a:solidFill>
+            <a:ln>
+              <a:noFill/>
+            </a:ln>
+          </p:spPr>
+          <p:style>
+            <a:lnRef idx="2">
+              <a:schemeClr val="accent1">
+                <a:shade val="50000"/>
+              </a:schemeClr>
+            </a:lnRef>
+            <a:fillRef idx="1">
+              <a:schemeClr val="accent1"/>
+            </a:fillRef>
+            <a:effectRef idx="0">
+              <a:schemeClr val="accent1"/>
+            </a:effectRef>
+            <a:fontRef idx="minor">
+              <a:schemeClr val="lt1"/>
+            </a:fontRef>
+          </p:style>
+          <p:txBody>
+            <a:bodyPr rtlCol="0" anchor="ctr"/>
+            <a:lstStyle/>
+            <a:p>
+              <a:pPr algn="ctr"/>
+              <a:endParaRPr lang="zh-CN" altLang="en-US"/>
+            </a:p>
+          </p:txBody>
+        </p:sp>
+        <p:cxnSp>
+          <p:nvCxnSpPr>
+            <p:cNvPr id="5" name="直接连接符 4"/>
+            <p:cNvCxnSpPr/>
+            <p:nvPr/>
+          </p:nvCxnSpPr>
+          <p:spPr>
+            <a:xfrm>
+              <a:off x="3067050" y="564615"/>
+              <a:ext cx="740311" cy="740311"/>
+            </a:xfrm>
+            <a:prstGeom prst="line">
+              <a:avLst/>
+            </a:prstGeom>
+            <a:ln w="38100">
+              <a:solidFill>
+                <a:schemeClr val="tx2">
+                  <a:lumMod val="75000"/>
+                </a:schemeClr>
+              </a:solidFill>
+            </a:ln>
+          </p:spPr>
+          <p:style>
+            <a:lnRef idx="1">
+              <a:schemeClr val="accent1"/>
+            </a:lnRef>
+            <a:fillRef idx="0">
+              <a:schemeClr val="accent1"/>
+            </a:fillRef>
+            <a:effectRef idx="0">
+              <a:schemeClr val="accent1"/>
+            </a:effectRef>
+            <a:fontRef idx="minor">
+              <a:schemeClr val="tx1"/>
+            </a:fontRef>
+          </p:style>
+        </p:cxnSp>
+        <p:cxnSp>
+          <p:nvCxnSpPr>
+            <p:cNvPr id="6" name="直接连接符 5"/>
+            <p:cNvCxnSpPr/>
+            <p:nvPr/>
+          </p:nvCxnSpPr>
+          <p:spPr>
+            <a:xfrm flipH="1">
+              <a:off x="3066492" y="1290638"/>
+              <a:ext cx="756300" cy="755159"/>
+            </a:xfrm>
+            <a:prstGeom prst="line">
+              <a:avLst/>
+            </a:prstGeom>
+            <a:ln w="38100">
+              <a:solidFill>
+                <a:schemeClr val="tx2">
+                  <a:lumMod val="75000"/>
+                </a:schemeClr>
+              </a:solidFill>
+            </a:ln>
+          </p:spPr>
+          <p:style>
+            <a:lnRef idx="1">
+              <a:schemeClr val="accent1"/>
+            </a:lnRef>
+            <a:fillRef idx="0">
+              <a:schemeClr val="accent1"/>
+            </a:fillRef>
+            <a:effectRef idx="0">
+              <a:schemeClr val="accent1"/>
+            </a:effectRef>
+            <a:fontRef idx="minor">
+              <a:schemeClr val="tx1"/>
+            </a:fontRef>
+          </p:style>
+        </p:cxnSp>
+      </p:grpSp>
+      <p:sp>
+        <p:nvSpPr>
+          <p:cNvPr id="10" name="文本框 9"/>
+          <p:cNvSpPr txBox="1"/>
+          <p:nvPr/>
+        </p:nvSpPr>
+        <p:spPr>
+          <a:xfrm>
+            <a:off x="2706455" y="683756"/>
+            <a:ext cx="684446" cy="1200329"/>
+          </a:xfrm>
+          <a:prstGeom prst="rect">
+            <a:avLst/>
+          </a:prstGeom>
+          <a:noFill/>
+        </p:spPr>
+        <p:txBody>
+          <a:bodyPr wrap="square" rtlCol="0">
+            <a:spAutoFit/>
+          </a:bodyPr>
+          <a:lstStyle/>
+          <a:p>
+            <a:r>
+              <a:rPr lang="en-US" altLang="zh-CN" sz="7200" b="1" dirty="0"/>
+              <a:t>1</a:t>
+            </a:r>
+            <a:endParaRPr lang="zh-CN" altLang="en-US" sz="7200" b="1" dirty="0"/>
+          </a:p>
+        </p:txBody>
+      </p:sp>
+      <p:sp>
+        <p:nvSpPr>
+          <p:cNvPr id="11" name="文本框 10"/>
+          <p:cNvSpPr txBox="1"/>
+          <p:nvPr/>
+        </p:nvSpPr>
+        <p:spPr>
+          <a:xfrm>
+            <a:off x="3771178" y="419091"/>
+            <a:ext cx="3736435" cy="584775"/>
+          </a:xfrm>
+          <a:prstGeom prst="rect">
+            <a:avLst/>
+          </a:prstGeom>
+          <a:noFill/>
+        </p:spPr>
+        <p:txBody>
+          <a:bodyPr wrap="square" rtlCol="0">
+            <a:spAutoFit/>
+          </a:bodyPr>
+          <a:lstStyle/>
+          <a:p>
+            <a:r>
+              <a:rPr lang="zh-CN" altLang="en-US" sz="3200" dirty="0">
+                <a:latin typeface="微软雅黑" panose="020B0503020204020204" pitchFamily="34" charset="-122"/>
+                <a:ea typeface="微软雅黑" panose="020B0503020204020204" pitchFamily="34" charset="-122"/>
+              </a:rPr>
+              <a:t>通信图的概述</a:t>
+            </a:r>
+          </a:p>
+        </p:txBody>
+      </p:sp>
+      <p:cxnSp>
+        <p:nvCxnSpPr>
+          <p:cNvPr id="12" name="直接连接符 11">
+            <a:extLst>
+              <a:ext uri="{FF2B5EF4-FFF2-40B4-BE49-F238E27FC236}">
+                <a16:creationId xmlns:a16="http://schemas.microsoft.com/office/drawing/2014/main" id="{1775EDE3-0AD5-43E4-9AD1-CEFB6EF65725}"/>
+              </a:ext>
+            </a:extLst>
+          </p:cNvPr>
+          <p:cNvCxnSpPr/>
+          <p:nvPr/>
+        </p:nvCxnSpPr>
+        <p:spPr>
+          <a:xfrm>
+            <a:off x="4335800" y="2031571"/>
+            <a:ext cx="0" cy="3275548"/>
+          </a:xfrm>
+          <a:prstGeom prst="line">
+            <a:avLst/>
+          </a:prstGeom>
+          <a:ln w="127000">
+            <a:solidFill>
+              <a:schemeClr val="tx2">
+                <a:lumMod val="75000"/>
+              </a:schemeClr>
+            </a:solidFill>
+          </a:ln>
+        </p:spPr>
+        <p:style>
+          <a:lnRef idx="1">
+            <a:schemeClr val="accent1"/>
+          </a:lnRef>
+          <a:fillRef idx="0">
+            <a:schemeClr val="accent1"/>
+          </a:fillRef>
+          <a:effectRef idx="0">
+            <a:schemeClr val="accent1"/>
+          </a:effectRef>
+          <a:fontRef idx="minor">
+            <a:schemeClr val="tx1"/>
+          </a:fontRef>
+        </p:style>
+      </p:cxnSp>
+      <p:cxnSp>
+        <p:nvCxnSpPr>
+          <p:cNvPr id="13" name="直接连接符 12">
+            <a:extLst>
+              <a:ext uri="{FF2B5EF4-FFF2-40B4-BE49-F238E27FC236}">
+                <a16:creationId xmlns:a16="http://schemas.microsoft.com/office/drawing/2014/main" id="{E3A2482C-C3B1-425C-949A-1D01B9B335CC}"/>
+              </a:ext>
+            </a:extLst>
+          </p:cNvPr>
+          <p:cNvCxnSpPr/>
+          <p:nvPr/>
+        </p:nvCxnSpPr>
+        <p:spPr>
+          <a:xfrm>
+            <a:off x="4240550" y="2031571"/>
+            <a:ext cx="0" cy="3256887"/>
+          </a:xfrm>
+          <a:prstGeom prst="line">
+            <a:avLst/>
+          </a:prstGeom>
+          <a:ln w="63500">
+            <a:solidFill>
+              <a:schemeClr val="accent1">
+                <a:lumMod val="60000"/>
+                <a:lumOff val="40000"/>
+                <a:alpha val="96000"/>
+              </a:schemeClr>
+            </a:solidFill>
+          </a:ln>
+        </p:spPr>
+        <p:style>
+          <a:lnRef idx="1">
+            <a:schemeClr val="accent1"/>
+          </a:lnRef>
+          <a:fillRef idx="0">
+            <a:schemeClr val="accent1"/>
+          </a:fillRef>
+          <a:effectRef idx="0">
+            <a:schemeClr val="accent1"/>
+          </a:effectRef>
+          <a:fontRef idx="minor">
+            <a:schemeClr val="tx1"/>
+          </a:fontRef>
+        </p:style>
+      </p:cxnSp>
+      <p:sp>
+        <p:nvSpPr>
+          <p:cNvPr id="14" name="矩形 13">
+            <a:extLst>
+              <a:ext uri="{FF2B5EF4-FFF2-40B4-BE49-F238E27FC236}">
+                <a16:creationId xmlns:a16="http://schemas.microsoft.com/office/drawing/2014/main" id="{5345C5D3-86AE-42AA-9D33-A38F6CDC06CE}"/>
+              </a:ext>
+            </a:extLst>
+          </p:cNvPr>
+          <p:cNvSpPr/>
+          <p:nvPr/>
+        </p:nvSpPr>
+        <p:spPr>
+          <a:xfrm>
+            <a:off x="4478571" y="1937983"/>
+            <a:ext cx="7418887" cy="3463382"/>
+          </a:xfrm>
+          <a:prstGeom prst="rect">
+            <a:avLst/>
+          </a:prstGeom>
+        </p:spPr>
+        <p:txBody>
+          <a:bodyPr wrap="square" lIns="68570" tIns="34289" rIns="68570" bIns="34289">
+            <a:spAutoFit/>
+          </a:bodyPr>
+          <a:lstStyle/>
+          <a:p>
+            <a:pPr defTabSz="685681">
+              <a:lnSpc>
+                <a:spcPct val="130000"/>
+              </a:lnSpc>
+            </a:pPr>
+            <a:r>
+              <a:rPr lang="zh-CN" altLang="en-US" sz="2800" dirty="0">
+                <a:latin typeface="微软雅黑" panose="020B0503020204020204" pitchFamily="34" charset="-122"/>
+                <a:ea typeface="微软雅黑" panose="020B0503020204020204" pitchFamily="34" charset="-122"/>
+              </a:rPr>
+              <a:t>通信图</a:t>
+            </a:r>
+            <a:r>
+              <a:rPr lang="zh-CN" altLang="en-US" sz="2400" dirty="0">
+                <a:latin typeface="微软雅黑" panose="020B0503020204020204" pitchFamily="34" charset="-122"/>
+                <a:ea typeface="微软雅黑" panose="020B0503020204020204" pitchFamily="34" charset="-122"/>
+              </a:rPr>
+              <a:t>（</a:t>
+            </a:r>
+            <a:r>
+              <a:rPr lang="zh-CN" altLang="en-US" sz="2400" dirty="0"/>
+              <a:t>即</a:t>
+            </a:r>
+            <a:r>
+              <a:rPr lang="en-US" altLang="zh-CN" sz="2400" dirty="0"/>
+              <a:t>Communication Diagram</a:t>
+            </a:r>
+            <a:r>
+              <a:rPr lang="zh-CN" altLang="en-US" sz="2400" dirty="0"/>
+              <a:t>，在</a:t>
+            </a:r>
+            <a:r>
+              <a:rPr lang="en-US" altLang="zh-CN" sz="2400" dirty="0"/>
+              <a:t>UML2.0</a:t>
+            </a:r>
+            <a:r>
+              <a:rPr lang="zh-CN" altLang="en-US" sz="2400" dirty="0"/>
+              <a:t>之前，通信图也称为协作图，而“协作”作为一个结构事物用于表达静态结构和动态行为的概念组合，表达不同事物相互协作完成一个复杂功能。故</a:t>
+            </a:r>
+            <a:r>
+              <a:rPr lang="en-US" altLang="zh-CN" sz="2400" dirty="0"/>
+              <a:t>UML 2.0</a:t>
+            </a:r>
+            <a:r>
+              <a:rPr lang="zh-CN" altLang="en-US" sz="2400" dirty="0"/>
+              <a:t>以后通信图不再是协作图，没有专门的”协作图“，只有”协作“</a:t>
+            </a:r>
+            <a:r>
+              <a:rPr lang="zh-CN" altLang="en-US" sz="2400" dirty="0">
+                <a:latin typeface="微软雅黑" panose="020B0503020204020204" pitchFamily="34" charset="-122"/>
+                <a:ea typeface="微软雅黑" panose="020B0503020204020204" pitchFamily="34" charset="-122"/>
+              </a:rPr>
+              <a:t>）是一种交互图，强调的是</a:t>
+            </a:r>
+            <a:r>
+              <a:rPr lang="zh-CN" altLang="en-US" sz="2400" dirty="0">
+                <a:solidFill>
+                  <a:srgbClr val="FF0000"/>
+                </a:solidFill>
+                <a:latin typeface="微软雅黑" panose="020B0503020204020204" pitchFamily="34" charset="-122"/>
+                <a:ea typeface="微软雅黑" panose="020B0503020204020204" pitchFamily="34" charset="-122"/>
+              </a:rPr>
+              <a:t>发生和接受消息的对象之间的组织结构</a:t>
+            </a:r>
+            <a:r>
+              <a:rPr lang="zh-CN" altLang="en-US" sz="2400" dirty="0">
+                <a:latin typeface="微软雅黑" panose="020B0503020204020204" pitchFamily="34" charset="-122"/>
+                <a:ea typeface="微软雅黑" panose="020B0503020204020204" pitchFamily="34" charset="-122"/>
+              </a:rPr>
+              <a:t>。</a:t>
+            </a:r>
+          </a:p>
+        </p:txBody>
+      </p:sp>
+    </p:spTree>
+    <p:extLst>
+      <p:ext uri="{BB962C8B-B14F-4D97-AF65-F5344CB8AC3E}">
+        <p14:creationId xmlns:p14="http://schemas.microsoft.com/office/powerpoint/2010/main" val="1906039629"/>
+      </p:ext>
+    </p:extLst>
+  </p:cSld>
+  <p:clrMapOvr>
+    <a:masterClrMapping/>
+  </p:clrMapOvr>
+  <p:transition spd="slow">
+    <p:push/>
+  </p:transition>
+</p:sld>
+</file>
+
+<file path=ppt/slides/slide7.xml><?xml version="1.0" encoding="utf-8"?>
+<p:sld xmlns:a="http://schemas.openxmlformats.org/drawingml/2006/main" xmlns:r="http://schemas.openxmlformats.org/officeDocument/2006/relationships" xmlns:p="http://schemas.openxmlformats.org/presentationml/2006/main">
+  <p:cSld>
+    <p:spTree>
+      <p:nvGrpSpPr>
+        <p:cNvPr id="1" name=""/>
+        <p:cNvGrpSpPr/>
+        <p:nvPr/>
+      </p:nvGrpSpPr>
+      <p:grpSpPr>
+        <a:xfrm>
+          <a:off x="0" y="0"/>
+          <a:ext cx="0" cy="0"/>
+          <a:chOff x="0" y="0"/>
+          <a:chExt cx="0" cy="0"/>
+        </a:xfrm>
+      </p:grpSpPr>
+      <p:sp>
+        <p:nvSpPr>
+          <p:cNvPr id="2" name="矩形 1"/>
+          <p:cNvSpPr/>
+          <p:nvPr/>
+        </p:nvSpPr>
+        <p:spPr>
+          <a:xfrm>
+            <a:off x="3067050" y="0"/>
+            <a:ext cx="9124950" cy="6858000"/>
+          </a:xfrm>
+          <a:prstGeom prst="rect">
+            <a:avLst/>
+          </a:prstGeom>
+          <a:solidFill>
+            <a:schemeClr val="bg1"/>
+          </a:solidFill>
+          <a:ln>
+            <a:noFill/>
+          </a:ln>
+        </p:spPr>
+        <p:style>
+          <a:lnRef idx="2">
+            <a:schemeClr val="accent1">
+              <a:shade val="50000"/>
+            </a:schemeClr>
+          </a:lnRef>
+          <a:fillRef idx="1">
+            <a:schemeClr val="accent1"/>
+          </a:fillRef>
+          <a:effectRef idx="0">
+            <a:schemeClr val="accent1"/>
+          </a:effectRef>
+          <a:fontRef idx="minor">
+            <a:schemeClr val="lt1"/>
+          </a:fontRef>
+        </p:style>
+        <p:txBody>
+          <a:bodyPr rtlCol="0" anchor="ctr"/>
+          <a:lstStyle/>
+          <a:p>
+            <a:pPr algn="ctr"/>
+            <a:endParaRPr lang="zh-CN" altLang="en-US" dirty="0"/>
+          </a:p>
+        </p:txBody>
+      </p:sp>
+      <p:grpSp>
+        <p:nvGrpSpPr>
+          <p:cNvPr id="9" name="组合 8"/>
+          <p:cNvGrpSpPr/>
+          <p:nvPr/>
+        </p:nvGrpSpPr>
+        <p:grpSpPr>
+          <a:xfrm>
+            <a:off x="2543174" y="564615"/>
+            <a:ext cx="1279618" cy="1481182"/>
+            <a:chOff x="2543174" y="564615"/>
+            <a:chExt cx="1279618" cy="1481182"/>
+          </a:xfrm>
+        </p:grpSpPr>
+        <p:sp>
+          <p:nvSpPr>
+            <p:cNvPr id="3" name="矩形 2"/>
+            <p:cNvSpPr/>
+            <p:nvPr/>
+          </p:nvSpPr>
+          <p:spPr>
+            <a:xfrm rot="2705224">
+              <a:off x="2543174" y="781051"/>
+              <a:ext cx="1047750" cy="1047750"/>
+            </a:xfrm>
+            <a:prstGeom prst="rect">
+              <a:avLst/>
+            </a:prstGeom>
+            <a:solidFill>
+              <a:schemeClr val="bg1"/>
+            </a:solidFill>
+            <a:ln>
+              <a:noFill/>
+            </a:ln>
+          </p:spPr>
+          <p:style>
+            <a:lnRef idx="2">
+              <a:schemeClr val="accent1">
+                <a:shade val="50000"/>
+              </a:schemeClr>
+            </a:lnRef>
+            <a:fillRef idx="1">
+              <a:schemeClr val="accent1"/>
+            </a:fillRef>
+            <a:effectRef idx="0">
+              <a:schemeClr val="accent1"/>
+            </a:effectRef>
+            <a:fontRef idx="minor">
+              <a:schemeClr val="lt1"/>
+            </a:fontRef>
+          </p:style>
+          <p:txBody>
+            <a:bodyPr rtlCol="0" anchor="ctr"/>
+            <a:lstStyle/>
+            <a:p>
+              <a:pPr algn="ctr"/>
+              <a:endParaRPr lang="zh-CN" altLang="en-US"/>
+            </a:p>
+          </p:txBody>
+        </p:sp>
+        <p:cxnSp>
+          <p:nvCxnSpPr>
+            <p:cNvPr id="5" name="直接连接符 4"/>
+            <p:cNvCxnSpPr/>
+            <p:nvPr/>
+          </p:nvCxnSpPr>
+          <p:spPr>
+            <a:xfrm>
+              <a:off x="3067050" y="564615"/>
+              <a:ext cx="740311" cy="740311"/>
+            </a:xfrm>
+            <a:prstGeom prst="line">
+              <a:avLst/>
+            </a:prstGeom>
+            <a:ln w="38100">
+              <a:solidFill>
+                <a:schemeClr val="tx2">
+                  <a:lumMod val="75000"/>
+                </a:schemeClr>
+              </a:solidFill>
+            </a:ln>
+          </p:spPr>
+          <p:style>
+            <a:lnRef idx="1">
+              <a:schemeClr val="accent1"/>
+            </a:lnRef>
+            <a:fillRef idx="0">
+              <a:schemeClr val="accent1"/>
+            </a:fillRef>
+            <a:effectRef idx="0">
+              <a:schemeClr val="accent1"/>
+            </a:effectRef>
+            <a:fontRef idx="minor">
+              <a:schemeClr val="tx1"/>
+            </a:fontRef>
+          </p:style>
+        </p:cxnSp>
+        <p:cxnSp>
+          <p:nvCxnSpPr>
+            <p:cNvPr id="6" name="直接连接符 5"/>
+            <p:cNvCxnSpPr/>
+            <p:nvPr/>
+          </p:nvCxnSpPr>
+          <p:spPr>
+            <a:xfrm flipH="1">
+              <a:off x="3066492" y="1290638"/>
+              <a:ext cx="756300" cy="755159"/>
+            </a:xfrm>
+            <a:prstGeom prst="line">
+              <a:avLst/>
+            </a:prstGeom>
+            <a:ln w="38100">
+              <a:solidFill>
+                <a:schemeClr val="tx2">
+                  <a:lumMod val="75000"/>
+                </a:schemeClr>
+              </a:solidFill>
+            </a:ln>
+          </p:spPr>
+          <p:style>
+            <a:lnRef idx="1">
+              <a:schemeClr val="accent1"/>
+            </a:lnRef>
+            <a:fillRef idx="0">
+              <a:schemeClr val="accent1"/>
+            </a:fillRef>
+            <a:effectRef idx="0">
+              <a:schemeClr val="accent1"/>
+            </a:effectRef>
+            <a:fontRef idx="minor">
+              <a:schemeClr val="tx1"/>
+            </a:fontRef>
+          </p:style>
+        </p:cxnSp>
+      </p:grpSp>
+      <p:sp>
+        <p:nvSpPr>
+          <p:cNvPr id="10" name="文本框 9"/>
+          <p:cNvSpPr txBox="1"/>
+          <p:nvPr/>
+        </p:nvSpPr>
+        <p:spPr>
+          <a:xfrm>
+            <a:off x="2706455" y="683756"/>
+            <a:ext cx="684446" cy="1200329"/>
+          </a:xfrm>
+          <a:prstGeom prst="rect">
+            <a:avLst/>
+          </a:prstGeom>
+          <a:noFill/>
+        </p:spPr>
+        <p:txBody>
+          <a:bodyPr wrap="square" rtlCol="0">
+            <a:spAutoFit/>
+          </a:bodyPr>
+          <a:lstStyle/>
+          <a:p>
+            <a:r>
+              <a:rPr lang="en-US" altLang="zh-CN" sz="7200" b="1" dirty="0"/>
+              <a:t>1</a:t>
+            </a:r>
+            <a:endParaRPr lang="zh-CN" altLang="en-US" sz="7200" b="1" dirty="0"/>
+          </a:p>
+        </p:txBody>
+      </p:sp>
+      <p:sp>
+        <p:nvSpPr>
+          <p:cNvPr id="11" name="文本框 10"/>
+          <p:cNvSpPr txBox="1"/>
+          <p:nvPr/>
+        </p:nvSpPr>
+        <p:spPr>
+          <a:xfrm>
+            <a:off x="3771178" y="419091"/>
+            <a:ext cx="3736435" cy="584775"/>
+          </a:xfrm>
+          <a:prstGeom prst="rect">
+            <a:avLst/>
+          </a:prstGeom>
+          <a:noFill/>
+        </p:spPr>
+        <p:txBody>
+          <a:bodyPr wrap="square" rtlCol="0">
+            <a:spAutoFit/>
+          </a:bodyPr>
+          <a:lstStyle/>
+          <a:p>
+            <a:r>
+              <a:rPr lang="zh-CN" altLang="en-US" sz="3200" dirty="0">
+                <a:latin typeface="微软雅黑" panose="020B0503020204020204" pitchFamily="34" charset="-122"/>
+                <a:ea typeface="微软雅黑" panose="020B0503020204020204" pitchFamily="34" charset="-122"/>
+              </a:rPr>
+              <a:t>通信图的概述</a:t>
+            </a:r>
+          </a:p>
+        </p:txBody>
+      </p:sp>
+      <p:cxnSp>
+        <p:nvCxnSpPr>
+          <p:cNvPr id="12" name="直接连接符 11">
+            <a:extLst>
+              <a:ext uri="{FF2B5EF4-FFF2-40B4-BE49-F238E27FC236}">
+                <a16:creationId xmlns:a16="http://schemas.microsoft.com/office/drawing/2014/main" id="{1775EDE3-0AD5-43E4-9AD1-CEFB6EF65725}"/>
+              </a:ext>
+            </a:extLst>
+          </p:cNvPr>
+          <p:cNvCxnSpPr/>
+          <p:nvPr/>
+        </p:nvCxnSpPr>
+        <p:spPr>
+          <a:xfrm>
+            <a:off x="4335800" y="2031571"/>
+            <a:ext cx="0" cy="3275548"/>
+          </a:xfrm>
+          <a:prstGeom prst="line">
+            <a:avLst/>
+          </a:prstGeom>
+          <a:ln w="127000">
+            <a:solidFill>
+              <a:schemeClr val="tx2">
+                <a:lumMod val="75000"/>
+              </a:schemeClr>
+            </a:solidFill>
+          </a:ln>
+        </p:spPr>
+        <p:style>
+          <a:lnRef idx="1">
+            <a:schemeClr val="accent1"/>
+          </a:lnRef>
+          <a:fillRef idx="0">
+            <a:schemeClr val="accent1"/>
+          </a:fillRef>
+          <a:effectRef idx="0">
+            <a:schemeClr val="accent1"/>
+          </a:effectRef>
+          <a:fontRef idx="minor">
+            <a:schemeClr val="tx1"/>
+          </a:fontRef>
+        </p:style>
+      </p:cxnSp>
+      <p:cxnSp>
+        <p:nvCxnSpPr>
+          <p:cNvPr id="13" name="直接连接符 12">
+            <a:extLst>
+              <a:ext uri="{FF2B5EF4-FFF2-40B4-BE49-F238E27FC236}">
+                <a16:creationId xmlns:a16="http://schemas.microsoft.com/office/drawing/2014/main" id="{E3A2482C-C3B1-425C-949A-1D01B9B335CC}"/>
+              </a:ext>
+            </a:extLst>
+          </p:cNvPr>
+          <p:cNvCxnSpPr/>
+          <p:nvPr/>
+        </p:nvCxnSpPr>
+        <p:spPr>
+          <a:xfrm>
+            <a:off x="4240550" y="2031571"/>
+            <a:ext cx="0" cy="3256887"/>
+          </a:xfrm>
+          <a:prstGeom prst="line">
+            <a:avLst/>
+          </a:prstGeom>
+          <a:ln w="63500">
+            <a:solidFill>
+              <a:schemeClr val="accent1">
+                <a:lumMod val="60000"/>
+                <a:lumOff val="40000"/>
+                <a:alpha val="96000"/>
+              </a:schemeClr>
+            </a:solidFill>
+          </a:ln>
+        </p:spPr>
+        <p:style>
+          <a:lnRef idx="1">
+            <a:schemeClr val="accent1"/>
+          </a:lnRef>
+          <a:fillRef idx="0">
+            <a:schemeClr val="accent1"/>
+          </a:fillRef>
+          <a:effectRef idx="0">
+            <a:schemeClr val="accent1"/>
+          </a:effectRef>
+          <a:fontRef idx="minor">
+            <a:schemeClr val="tx1"/>
+          </a:fontRef>
+        </p:style>
+      </p:cxnSp>
+      <p:sp>
+        <p:nvSpPr>
+          <p:cNvPr id="14" name="矩形 13">
+            <a:extLst>
+              <a:ext uri="{FF2B5EF4-FFF2-40B4-BE49-F238E27FC236}">
+                <a16:creationId xmlns:a16="http://schemas.microsoft.com/office/drawing/2014/main" id="{5345C5D3-86AE-42AA-9D33-A38F6CDC06CE}"/>
+              </a:ext>
+            </a:extLst>
+          </p:cNvPr>
+          <p:cNvSpPr/>
+          <p:nvPr/>
+        </p:nvSpPr>
+        <p:spPr>
+          <a:xfrm>
+            <a:off x="4478571" y="1937983"/>
+            <a:ext cx="7418887" cy="3463382"/>
+          </a:xfrm>
+          <a:prstGeom prst="rect">
+            <a:avLst/>
+          </a:prstGeom>
+        </p:spPr>
+        <p:txBody>
+          <a:bodyPr wrap="square" lIns="68570" tIns="34289" rIns="68570" bIns="34289">
+            <a:spAutoFit/>
+          </a:bodyPr>
+          <a:lstStyle/>
+          <a:p>
+            <a:pPr defTabSz="685681">
+              <a:lnSpc>
+                <a:spcPct val="130000"/>
+              </a:lnSpc>
+            </a:pPr>
+            <a:r>
+              <a:rPr lang="zh-CN" altLang="en-US" sz="2800" dirty="0">
+                <a:latin typeface="微软雅黑" panose="020B0503020204020204" pitchFamily="34" charset="-122"/>
+                <a:ea typeface="微软雅黑" panose="020B0503020204020204" pitchFamily="34" charset="-122"/>
+              </a:rPr>
+              <a:t>通信图</a:t>
+            </a:r>
+            <a:r>
+              <a:rPr lang="zh-CN" altLang="en-US" sz="2400" dirty="0">
+                <a:latin typeface="微软雅黑" panose="020B0503020204020204" pitchFamily="34" charset="-122"/>
+                <a:ea typeface="微软雅黑" panose="020B0503020204020204" pitchFamily="34" charset="-122"/>
+              </a:rPr>
+              <a:t>（</a:t>
+            </a:r>
+            <a:r>
+              <a:rPr lang="zh-CN" altLang="en-US" sz="2400" dirty="0"/>
+              <a:t>即</a:t>
+            </a:r>
+            <a:r>
+              <a:rPr lang="en-US" altLang="zh-CN" sz="2400" dirty="0"/>
+              <a:t>Communication Diagram</a:t>
+            </a:r>
+            <a:r>
+              <a:rPr lang="zh-CN" altLang="en-US" sz="2400" dirty="0"/>
+              <a:t>，在</a:t>
+            </a:r>
+            <a:r>
+              <a:rPr lang="en-US" altLang="zh-CN" sz="2400" dirty="0"/>
+              <a:t>UML2.0</a:t>
+            </a:r>
+            <a:r>
+              <a:rPr lang="zh-CN" altLang="en-US" sz="2400" dirty="0"/>
+              <a:t>之前，通信图也称为协作图，而“协作”作为一个结构事物用于表达静态结构和动态行为的概念组合，表达不同事物相互协作完成一个复杂功能。故</a:t>
+            </a:r>
+            <a:r>
+              <a:rPr lang="en-US" altLang="zh-CN" sz="2400" dirty="0"/>
+              <a:t>UML 2.0</a:t>
+            </a:r>
+            <a:r>
+              <a:rPr lang="zh-CN" altLang="en-US" sz="2400" dirty="0"/>
+              <a:t>以后通信图不再是协作图，没有专门的”协作图“，只有”协作“</a:t>
+            </a:r>
+            <a:r>
+              <a:rPr lang="zh-CN" altLang="en-US" sz="2400" dirty="0">
+                <a:latin typeface="微软雅黑" panose="020B0503020204020204" pitchFamily="34" charset="-122"/>
+                <a:ea typeface="微软雅黑" panose="020B0503020204020204" pitchFamily="34" charset="-122"/>
+              </a:rPr>
+              <a:t>）是一种交互图，强调的是</a:t>
+            </a:r>
+            <a:r>
+              <a:rPr lang="zh-CN" altLang="en-US" sz="2400" dirty="0">
+                <a:solidFill>
+                  <a:srgbClr val="FF0000"/>
+                </a:solidFill>
+                <a:latin typeface="微软雅黑" panose="020B0503020204020204" pitchFamily="34" charset="-122"/>
+                <a:ea typeface="微软雅黑" panose="020B0503020204020204" pitchFamily="34" charset="-122"/>
+              </a:rPr>
+              <a:t>发生和接受消息的对象之间的组织结构</a:t>
+            </a:r>
+            <a:r>
+              <a:rPr lang="zh-CN" altLang="en-US" sz="2400" dirty="0">
+                <a:latin typeface="微软雅黑" panose="020B0503020204020204" pitchFamily="34" charset="-122"/>
+                <a:ea typeface="微软雅黑" panose="020B0503020204020204" pitchFamily="34" charset="-122"/>
+              </a:rPr>
+              <a:t>。</a:t>
+            </a:r>
+          </a:p>
+        </p:txBody>
+      </p:sp>
+    </p:spTree>
+    <p:extLst>
+      <p:ext uri="{BB962C8B-B14F-4D97-AF65-F5344CB8AC3E}">
+        <p14:creationId xmlns:p14="http://schemas.microsoft.com/office/powerpoint/2010/main" val="241814271"/>
+      </p:ext>
+    </p:extLst>
+  </p:cSld>
+  <p:clrMapOvr>
+    <a:masterClrMapping/>
+  </p:clrMapOvr>
+  <p:transition spd="slow">
+    <p:push/>
+  </p:transition>
+</p:sld>
+</file>
+
+<file path=ppt/slides/slide8.xml><?xml version="1.0" encoding="utf-8"?>
 <p:sld xmlns:a="http://schemas.openxmlformats.org/drawingml/2006/main" xmlns:r="http://schemas.openxmlformats.org/officeDocument/2006/relationships" xmlns:p="http://schemas.openxmlformats.org/presentationml/2006/main">
   <p:cSld>
     <p:spTree>
@@ -4766,7 +8140,7 @@
           <a:lstStyle/>
           <a:p>
             <a:r>
-              <a:rPr lang="en-US" altLang="zh-CN" sz="7200" b="1" dirty="0" smtClean="0">
+              <a:rPr lang="en-US" altLang="zh-CN" sz="7200" b="1" dirty="0">
                 <a:solidFill>
                   <a:schemeClr val="bg1"/>
                 </a:solidFill>
@@ -4901,7 +8275,7 @@
           <a:lstStyle/>
           <a:p>
             <a:r>
-              <a:rPr lang="zh-CN" altLang="en-US" sz="3200" b="1" dirty="0" smtClean="0">
+              <a:rPr lang="zh-CN" altLang="en-US" sz="3200" b="1" dirty="0">
                 <a:solidFill>
                   <a:schemeClr val="bg1"/>
                 </a:solidFill>
@@ -4910,13 +8284,6 @@
               </a:rPr>
               <a:t>点击此处添加标题</a:t>
             </a:r>
-            <a:endParaRPr lang="zh-CN" altLang="en-US" sz="3200" b="1" dirty="0">
-              <a:solidFill>
-                <a:schemeClr val="bg1"/>
-              </a:solidFill>
-              <a:latin typeface="微软雅黑" panose="020B0503020204020204" pitchFamily="34" charset="-122"/>
-              <a:ea typeface="微软雅黑" panose="020B0503020204020204" pitchFamily="34" charset="-122"/>
-            </a:endParaRPr>
           </a:p>
         </p:txBody>
       </p:sp>
@@ -4943,7 +8310,7 @@
           <a:lstStyle/>
           <a:p>
             <a:r>
-              <a:rPr lang="zh-CN" altLang="en-US" dirty="0" smtClean="0">
+              <a:rPr lang="zh-CN" altLang="en-US" dirty="0">
                 <a:solidFill>
                   <a:schemeClr val="bg1"/>
                 </a:solidFill>
@@ -4952,13 +8319,6 @@
               </a:rPr>
               <a:t>点击此处添加标题</a:t>
             </a:r>
-            <a:endParaRPr lang="zh-CN" altLang="en-US" dirty="0">
-              <a:solidFill>
-                <a:schemeClr val="bg1"/>
-              </a:solidFill>
-              <a:latin typeface="微软雅黑" panose="020B0503020204020204" pitchFamily="34" charset="-122"/>
-              <a:ea typeface="微软雅黑" panose="020B0503020204020204" pitchFamily="34" charset="-122"/>
-            </a:endParaRPr>
           </a:p>
         </p:txBody>
       </p:sp>
@@ -5025,7 +8385,7 @@
               </a:lnSpc>
             </a:pPr>
             <a:r>
-              <a:rPr lang="zh-CN" altLang="en-US" sz="1100" dirty="0" smtClean="0">
+              <a:rPr lang="zh-CN" altLang="en-US" sz="1100" dirty="0">
                 <a:solidFill>
                   <a:schemeClr val="bg1"/>
                 </a:solidFill>
@@ -5035,7 +8395,7 @@
               <a:t>标题数字等都可以通过点击和重新输入进行更改，顶部“开始”面板中可以对字体、字号、颜色、行距等进行修改。建议正文</a:t>
             </a:r>
             <a:r>
-              <a:rPr lang="en-US" altLang="zh-CN" sz="1100" dirty="0" smtClean="0">
+              <a:rPr lang="en-US" altLang="zh-CN" sz="1100" dirty="0">
                 <a:solidFill>
                   <a:schemeClr val="bg1"/>
                 </a:solidFill>
@@ -5045,7 +8405,7 @@
               <a:t>12</a:t>
             </a:r>
             <a:r>
-              <a:rPr lang="zh-CN" altLang="en-US" sz="1100" dirty="0" smtClean="0">
+              <a:rPr lang="zh-CN" altLang="en-US" sz="1100" dirty="0">
                 <a:solidFill>
                   <a:schemeClr val="bg1"/>
                 </a:solidFill>
@@ -5055,7 +8415,7 @@
               <a:t>号字，</a:t>
             </a:r>
             <a:r>
-              <a:rPr lang="en-US" altLang="zh-CN" sz="1100" dirty="0" smtClean="0">
+              <a:rPr lang="en-US" altLang="zh-CN" sz="1100" dirty="0">
                 <a:solidFill>
                   <a:schemeClr val="bg1"/>
                 </a:solidFill>
@@ -5065,7 +8425,7 @@
               <a:t>1.3</a:t>
             </a:r>
             <a:r>
-              <a:rPr lang="zh-CN" altLang="en-US" sz="1100" dirty="0" smtClean="0">
+              <a:rPr lang="zh-CN" altLang="en-US" sz="1100" dirty="0">
                 <a:solidFill>
                   <a:schemeClr val="bg1"/>
                 </a:solidFill>
@@ -5075,7 +8435,7 @@
               <a:t>倍字间距。标题数字等都可以通过点击和重新输入进行更改，顶部“开始”面板中可以对字体、字号、颜色、行距等进行修改。建议正文</a:t>
             </a:r>
             <a:r>
-              <a:rPr lang="en-US" altLang="zh-CN" sz="1100" dirty="0" smtClean="0">
+              <a:rPr lang="en-US" altLang="zh-CN" sz="1100" dirty="0">
                 <a:solidFill>
                   <a:schemeClr val="bg1"/>
                 </a:solidFill>
@@ -5085,7 +8445,7 @@
               <a:t>12</a:t>
             </a:r>
             <a:r>
-              <a:rPr lang="zh-CN" altLang="en-US" sz="1100" dirty="0" smtClean="0">
+              <a:rPr lang="zh-CN" altLang="en-US" sz="1100" dirty="0">
                 <a:solidFill>
                   <a:schemeClr val="bg1"/>
                 </a:solidFill>
@@ -5095,7 +8455,7 @@
               <a:t>号字，</a:t>
             </a:r>
             <a:r>
-              <a:rPr lang="en-US" altLang="zh-CN" sz="1100" dirty="0" smtClean="0">
+              <a:rPr lang="en-US" altLang="zh-CN" sz="1100" dirty="0">
                 <a:solidFill>
                   <a:schemeClr val="bg1"/>
                 </a:solidFill>
@@ -5105,7 +8465,7 @@
               <a:t>1.3</a:t>
             </a:r>
             <a:r>
-              <a:rPr lang="zh-CN" altLang="en-US" sz="1100" dirty="0" smtClean="0">
+              <a:rPr lang="zh-CN" altLang="en-US" sz="1100" dirty="0">
                 <a:solidFill>
                   <a:schemeClr val="bg1"/>
                 </a:solidFill>
@@ -5164,7 +8524,7 @@
               <a:t>标题数字等都可以通过点击和重新输入进行更改，顶部“开始”面板中可以对字体、字号、颜色、行距等进行修改。建议正文</a:t>
             </a:r>
             <a:r>
-              <a:rPr lang="en-US" altLang="zh-CN" sz="1400" dirty="0" smtClean="0">
+              <a:rPr lang="en-US" altLang="zh-CN" sz="1400" dirty="0">
                 <a:solidFill>
                   <a:schemeClr val="tx2">
                     <a:lumMod val="75000"/>
@@ -5174,18 +8534,6 @@
                 <a:ea typeface="微软雅黑" panose="020B0503020204020204" pitchFamily="34" charset="-122"/>
               </a:rPr>
               <a:t>14</a:t>
-            </a:r>
-            <a:r>
-              <a:rPr lang="zh-CN" altLang="en-US" sz="1400" dirty="0" smtClean="0">
-                <a:solidFill>
-                  <a:schemeClr val="tx2">
-                    <a:lumMod val="75000"/>
-                  </a:schemeClr>
-                </a:solidFill>
-                <a:latin typeface="微软雅黑" panose="020B0503020204020204" pitchFamily="34" charset="-122"/>
-                <a:ea typeface="微软雅黑" panose="020B0503020204020204" pitchFamily="34" charset="-122"/>
-              </a:rPr>
-              <a:t>号</a:t>
             </a:r>
             <a:r>
               <a:rPr lang="zh-CN" altLang="en-US" sz="1400" dirty="0">
@@ -5197,7 +8545,7 @@
                 <a:latin typeface="微软雅黑" panose="020B0503020204020204" pitchFamily="34" charset="-122"/>
                 <a:ea typeface="微软雅黑" panose="020B0503020204020204" pitchFamily="34" charset="-122"/>
               </a:rPr>
-              <a:t>字，</a:t>
+              <a:t>号字，</a:t>
             </a:r>
             <a:r>
               <a:rPr lang="en-US" altLang="zh-CN" sz="1400" dirty="0">
@@ -5224,7 +8572,7 @@
               <a:t>倍字间距。标题数字等都可以通过点击和重新输入进行更改，顶部“开始”面板中可以对字体、字号、颜色、行距等进行修改。建议正文</a:t>
             </a:r>
             <a:r>
-              <a:rPr lang="en-US" altLang="zh-CN" sz="1400" dirty="0" smtClean="0">
+              <a:rPr lang="en-US" altLang="zh-CN" sz="1400" dirty="0">
                 <a:solidFill>
                   <a:schemeClr val="tx2">
                     <a:lumMod val="75000"/>
@@ -5234,18 +8582,6 @@
                 <a:ea typeface="微软雅黑" panose="020B0503020204020204" pitchFamily="34" charset="-122"/>
               </a:rPr>
               <a:t>14</a:t>
-            </a:r>
-            <a:r>
-              <a:rPr lang="zh-CN" altLang="en-US" sz="1400" dirty="0" smtClean="0">
-                <a:solidFill>
-                  <a:schemeClr val="tx2">
-                    <a:lumMod val="75000"/>
-                  </a:schemeClr>
-                </a:solidFill>
-                <a:latin typeface="微软雅黑" panose="020B0503020204020204" pitchFamily="34" charset="-122"/>
-                <a:ea typeface="微软雅黑" panose="020B0503020204020204" pitchFamily="34" charset="-122"/>
-              </a:rPr>
-              <a:t>号</a:t>
             </a:r>
             <a:r>
               <a:rPr lang="zh-CN" altLang="en-US" sz="1400" dirty="0">
@@ -5257,7 +8593,7 @@
                 <a:latin typeface="微软雅黑" panose="020B0503020204020204" pitchFamily="34" charset="-122"/>
                 <a:ea typeface="微软雅黑" panose="020B0503020204020204" pitchFamily="34" charset="-122"/>
               </a:rPr>
-              <a:t>字，</a:t>
+              <a:t>号字，</a:t>
             </a:r>
             <a:r>
               <a:rPr lang="en-US" altLang="zh-CN" sz="1400" dirty="0">
@@ -5281,36 +8617,15 @@
                 <a:latin typeface="微软雅黑" panose="020B0503020204020204" pitchFamily="34" charset="-122"/>
                 <a:ea typeface="微软雅黑" panose="020B0503020204020204" pitchFamily="34" charset="-122"/>
               </a:rPr>
-              <a:t>倍字间距</a:t>
-            </a:r>
-            <a:r>
-              <a:rPr lang="zh-CN" altLang="en-US" sz="1400" dirty="0" smtClean="0">
-                <a:solidFill>
-                  <a:schemeClr val="tx2">
-                    <a:lumMod val="75000"/>
-                  </a:schemeClr>
-                </a:solidFill>
-                <a:latin typeface="微软雅黑" panose="020B0503020204020204" pitchFamily="34" charset="-122"/>
-                <a:ea typeface="微软雅黑" panose="020B0503020204020204" pitchFamily="34" charset="-122"/>
-              </a:rPr>
-              <a:t>。</a:t>
-            </a:r>
-            <a:endParaRPr lang="zh-CN" altLang="en-US" sz="1400" dirty="0">
-              <a:solidFill>
-                <a:schemeClr val="tx2">
-                  <a:lumMod val="75000"/>
-                </a:schemeClr>
-              </a:solidFill>
-              <a:latin typeface="微软雅黑" panose="020B0503020204020204" pitchFamily="34" charset="-122"/>
-              <a:ea typeface="微软雅黑" panose="020B0503020204020204" pitchFamily="34" charset="-122"/>
-            </a:endParaRPr>
+              <a:t>倍字间距。</a:t>
+            </a:r>
           </a:p>
         </p:txBody>
       </p:sp>
     </p:spTree>
     <p:extLst>
       <p:ext uri="{BB962C8B-B14F-4D97-AF65-F5344CB8AC3E}">
-        <p14:creationId xmlns:p14="http://schemas.microsoft.com/office/powerpoint/2010/main" xmlns="" val="755274205"/>
+        <p14:creationId xmlns:p14="http://schemas.microsoft.com/office/powerpoint/2010/main" val="755274205"/>
       </p:ext>
     </p:extLst>
   </p:cSld>
@@ -5320,17 +8635,10 @@
   <p:transition spd="slow">
     <p:push dir="r"/>
   </p:transition>
-  <p:timing>
-    <p:tnLst>
-      <p:par>
-        <p:cTn id="1" dur="indefinite" restart="never" nodeType="tmRoot"/>
-      </p:par>
-    </p:tnLst>
-  </p:timing>
 </p:sld>
 </file>
 
-<file path=ppt/slides/slide5.xml><?xml version="1.0" encoding="utf-8"?>
+<file path=ppt/slides/slide9.xml><?xml version="1.0" encoding="utf-8"?>
 <p:sld xmlns:a="http://schemas.openxmlformats.org/drawingml/2006/main" xmlns:r="http://schemas.openxmlformats.org/officeDocument/2006/relationships" xmlns:p="http://schemas.openxmlformats.org/presentationml/2006/main">
   <p:cSld>
     <p:spTree>
@@ -5499,16 +8807,8 @@
           <a:p>
             <a:pPr algn="ctr"/>
             <a:r>
-              <a:rPr lang="en-US" altLang="zh-CN" sz="2400" b="1" dirty="0" smtClean="0"/>
-              <a:t>ADD </a:t>
-            </a:r>
-            <a:r>
-              <a:rPr lang="en-US" altLang="zh-CN" sz="2400" b="1" dirty="0" smtClean="0"/>
-              <a:t>YOURTITLE </a:t>
-            </a:r>
-            <a:r>
-              <a:rPr lang="en-US" altLang="zh-CN" sz="2400" b="1" dirty="0" smtClean="0"/>
-              <a:t>HERE</a:t>
+              <a:rPr lang="en-US" altLang="zh-CN" sz="2400" b="1" dirty="0"/>
+              <a:t>ADD YOURTITLE HERE</a:t>
             </a:r>
             <a:endParaRPr lang="zh-CN" altLang="en-US" sz="2400" b="1" dirty="0"/>
           </a:p>
@@ -5553,7 +8853,7 @@
               <a:defRPr/>
             </a:pPr>
             <a:r>
-              <a:rPr kumimoji="0" lang="zh-CN" altLang="en-US" sz="2800" b="0" i="0" u="none" strike="noStrike" kern="0" cap="none" spc="0" normalizeH="0" baseline="0" noProof="0" dirty="0" smtClean="0">
+              <a:rPr kumimoji="0" lang="zh-CN" altLang="en-US" sz="2800" b="0" i="0" u="none" strike="noStrike" kern="0" cap="none" spc="0" normalizeH="0" baseline="0" noProof="0" dirty="0">
                 <a:ln>
                   <a:noFill/>
                 </a:ln>
@@ -5568,7 +8868,7 @@
               </a:rPr>
               <a:t>顶部“开始”面板中可以对字体、字号、颜色、行距等进行修改。</a:t>
             </a:r>
-            <a:endParaRPr kumimoji="0" lang="zh-CN" altLang="en-US" sz="2800" b="0" i="0" u="none" strike="noStrike" kern="0" cap="none" spc="0" normalizeH="0" baseline="0" noProof="0" dirty="0" smtClean="0">
+            <a:endParaRPr kumimoji="0" lang="zh-CN" altLang="en-US" sz="2800" b="0" i="0" u="none" strike="noStrike" kern="0" cap="none" spc="0" normalizeH="0" baseline="0" noProof="0" dirty="0">
               <a:ln>
                 <a:noFill/>
               </a:ln>
@@ -5621,7 +8921,7 @@
               <a:defRPr/>
             </a:pPr>
             <a:r>
-              <a:rPr kumimoji="0" lang="zh-CN" altLang="en-US" sz="2800" b="0" i="0" u="none" strike="noStrike" kern="0" cap="none" spc="0" normalizeH="0" baseline="0" noProof="0" dirty="0" smtClean="0">
+              <a:rPr kumimoji="0" lang="zh-CN" altLang="en-US" sz="2800" b="0" i="0" u="none" strike="noStrike" kern="0" cap="none" spc="0" normalizeH="0" baseline="0" noProof="0" dirty="0">
                 <a:ln>
                   <a:noFill/>
                 </a:ln>
@@ -5633,7 +8933,7 @@
               </a:rPr>
               <a:t>顶部“开始”面板中可以对字体、字号、颜色、行距等进行修改。</a:t>
             </a:r>
-            <a:endParaRPr kumimoji="0" lang="zh-CN" altLang="en-US" sz="2800" b="0" i="0" u="none" strike="noStrike" kern="0" cap="none" spc="0" normalizeH="0" baseline="0" noProof="0" dirty="0" smtClean="0">
+            <a:endParaRPr kumimoji="0" lang="zh-CN" altLang="en-US" sz="2800" b="0" i="0" u="none" strike="noStrike" kern="0" cap="none" spc="0" normalizeH="0" baseline="0" noProof="0" dirty="0">
               <a:ln>
                 <a:noFill/>
               </a:ln>
@@ -5647,7 +8947,7 @@
     </p:spTree>
     <p:extLst>
       <p:ext uri="{BB962C8B-B14F-4D97-AF65-F5344CB8AC3E}">
-        <p14:creationId xmlns:p14="http://schemas.microsoft.com/office/powerpoint/2010/main" xmlns="" val="1884052063"/>
+        <p14:creationId xmlns:p14="http://schemas.microsoft.com/office/powerpoint/2010/main" val="1884052063"/>
       </p:ext>
     </p:extLst>
   </p:cSld>
@@ -5657,2393 +8957,6 @@
   <p:transition spd="slow">
     <p:push dir="r"/>
   </p:transition>
-  <p:timing>
-    <p:tnLst>
-      <p:par>
-        <p:cTn id="1" dur="indefinite" restart="never" nodeType="tmRoot"/>
-      </p:par>
-    </p:tnLst>
-  </p:timing>
-</p:sld>
-</file>
-
-<file path=ppt/slides/slide6.xml><?xml version="1.0" encoding="utf-8"?>
-<p:sld xmlns:a="http://schemas.openxmlformats.org/drawingml/2006/main" xmlns:r="http://schemas.openxmlformats.org/officeDocument/2006/relationships" xmlns:p="http://schemas.openxmlformats.org/presentationml/2006/main">
-  <p:cSld>
-    <p:spTree>
-      <p:nvGrpSpPr>
-        <p:cNvPr id="1" name=""/>
-        <p:cNvGrpSpPr/>
-        <p:nvPr/>
-      </p:nvGrpSpPr>
-      <p:grpSpPr>
-        <a:xfrm>
-          <a:off x="0" y="0"/>
-          <a:ext cx="0" cy="0"/>
-          <a:chOff x="0" y="0"/>
-          <a:chExt cx="0" cy="0"/>
-        </a:xfrm>
-      </p:grpSpPr>
-      <p:grpSp>
-        <p:nvGrpSpPr>
-          <p:cNvPr id="3" name="组合 2"/>
-          <p:cNvGrpSpPr/>
-          <p:nvPr/>
-        </p:nvGrpSpPr>
-        <p:grpSpPr>
-          <a:xfrm>
-            <a:off x="0" y="0"/>
-            <a:ext cx="12192000" cy="6858000"/>
-            <a:chOff x="0" y="0"/>
-            <a:chExt cx="12192000" cy="6858000"/>
-          </a:xfrm>
-        </p:grpSpPr>
-        <p:sp>
-          <p:nvSpPr>
-            <p:cNvPr id="4" name="矩形 3"/>
-            <p:cNvSpPr/>
-            <p:nvPr/>
-          </p:nvSpPr>
-          <p:spPr>
-            <a:xfrm>
-              <a:off x="3067050" y="0"/>
-              <a:ext cx="9124950" cy="6858000"/>
-            </a:xfrm>
-            <a:prstGeom prst="rect">
-              <a:avLst/>
-            </a:prstGeom>
-            <a:solidFill>
-              <a:schemeClr val="bg1"/>
-            </a:solidFill>
-            <a:ln>
-              <a:noFill/>
-            </a:ln>
-          </p:spPr>
-          <p:style>
-            <a:lnRef idx="2">
-              <a:schemeClr val="accent1">
-                <a:shade val="50000"/>
-              </a:schemeClr>
-            </a:lnRef>
-            <a:fillRef idx="1">
-              <a:schemeClr val="accent1"/>
-            </a:fillRef>
-            <a:effectRef idx="0">
-              <a:schemeClr val="accent1"/>
-            </a:effectRef>
-            <a:fontRef idx="minor">
-              <a:schemeClr val="lt1"/>
-            </a:fontRef>
-          </p:style>
-          <p:txBody>
-            <a:bodyPr rtlCol="0" anchor="ctr"/>
-            <a:lstStyle/>
-            <a:p>
-              <a:pPr algn="ctr"/>
-              <a:endParaRPr lang="zh-CN" altLang="en-US"/>
-            </a:p>
-          </p:txBody>
-        </p:sp>
-        <p:sp>
-          <p:nvSpPr>
-            <p:cNvPr id="5" name="流程图: 手动输入 4"/>
-            <p:cNvSpPr/>
-            <p:nvPr/>
-          </p:nvSpPr>
-          <p:spPr>
-            <a:xfrm>
-              <a:off x="0" y="0"/>
-              <a:ext cx="3067050" cy="6858000"/>
-            </a:xfrm>
-            <a:prstGeom prst="flowChartManualInput">
-              <a:avLst/>
-            </a:prstGeom>
-            <a:solidFill>
-              <a:schemeClr val="bg1"/>
-            </a:solidFill>
-            <a:ln>
-              <a:noFill/>
-            </a:ln>
-          </p:spPr>
-          <p:style>
-            <a:lnRef idx="2">
-              <a:schemeClr val="accent1">
-                <a:shade val="50000"/>
-              </a:schemeClr>
-            </a:lnRef>
-            <a:fillRef idx="1">
-              <a:schemeClr val="accent1"/>
-            </a:fillRef>
-            <a:effectRef idx="0">
-              <a:schemeClr val="accent1"/>
-            </a:effectRef>
-            <a:fontRef idx="minor">
-              <a:schemeClr val="lt1"/>
-            </a:fontRef>
-          </p:style>
-          <p:txBody>
-            <a:bodyPr rtlCol="0" anchor="ctr"/>
-            <a:lstStyle/>
-            <a:p>
-              <a:pPr algn="ctr"/>
-              <a:endParaRPr lang="zh-CN" altLang="en-US"/>
-            </a:p>
-          </p:txBody>
-        </p:sp>
-      </p:grpSp>
-      <p:pic>
-        <p:nvPicPr>
-          <p:cNvPr id="14" name="图片 13"/>
-          <p:cNvPicPr>
-            <a:picLocks noChangeAspect="1"/>
-          </p:cNvPicPr>
-          <p:nvPr/>
-        </p:nvPicPr>
-        <p:blipFill>
-          <a:blip r:embed="rId2" cstate="print">
-            <a:extLst>
-              <a:ext uri="{28A0092B-C50C-407E-A947-70E740481C1C}">
-                <a14:useLocalDpi xmlns:a14="http://schemas.microsoft.com/office/drawing/2010/main" xmlns="" val="0"/>
-              </a:ext>
-            </a:extLst>
-          </a:blip>
-          <a:stretch>
-            <a:fillRect/>
-          </a:stretch>
-        </p:blipFill>
-        <p:spPr>
-          <a:xfrm rot="10800000">
-            <a:off x="3088551" y="0"/>
-            <a:ext cx="2542126" cy="1429946"/>
-          </a:xfrm>
-          <a:prstGeom prst="triangle">
-            <a:avLst/>
-          </a:prstGeom>
-        </p:spPr>
-      </p:pic>
-      <p:sp>
-        <p:nvSpPr>
-          <p:cNvPr id="10" name="矩形 9"/>
-          <p:cNvSpPr/>
-          <p:nvPr/>
-        </p:nvSpPr>
-        <p:spPr>
-          <a:xfrm>
-            <a:off x="1224619" y="4868710"/>
-            <a:ext cx="5064212" cy="1509642"/>
-          </a:xfrm>
-          <a:prstGeom prst="rect">
-            <a:avLst/>
-          </a:prstGeom>
-        </p:spPr>
-        <p:txBody>
-          <a:bodyPr wrap="square" lIns="68570" tIns="34289" rIns="68570" bIns="34289">
-            <a:spAutoFit/>
-          </a:bodyPr>
-          <a:lstStyle/>
-          <a:p>
-            <a:pPr defTabSz="685681">
-              <a:lnSpc>
-                <a:spcPct val="130000"/>
-              </a:lnSpc>
-            </a:pPr>
-            <a:r>
-              <a:rPr lang="zh-CN" altLang="en-US" dirty="0">
-                <a:latin typeface="微软雅黑" panose="020B0503020204020204" pitchFamily="34" charset="-122"/>
-                <a:ea typeface="微软雅黑" panose="020B0503020204020204" pitchFamily="34" charset="-122"/>
-              </a:rPr>
-              <a:t>标题数字等都可以通过点击和重新输入进行更改，顶部“开始”面板中可以对字体、字号、颜色、行距等进行修改。建议正文</a:t>
-            </a:r>
-            <a:r>
-              <a:rPr lang="en-US" altLang="zh-CN" dirty="0" smtClean="0">
-                <a:latin typeface="微软雅黑" panose="020B0503020204020204" pitchFamily="34" charset="-122"/>
-                <a:ea typeface="微软雅黑" panose="020B0503020204020204" pitchFamily="34" charset="-122"/>
-              </a:rPr>
-              <a:t>12</a:t>
-            </a:r>
-            <a:r>
-              <a:rPr lang="zh-CN" altLang="en-US" dirty="0" smtClean="0">
-                <a:latin typeface="微软雅黑" panose="020B0503020204020204" pitchFamily="34" charset="-122"/>
-                <a:ea typeface="微软雅黑" panose="020B0503020204020204" pitchFamily="34" charset="-122"/>
-              </a:rPr>
-              <a:t>号</a:t>
-            </a:r>
-            <a:r>
-              <a:rPr lang="zh-CN" altLang="en-US" dirty="0">
-                <a:latin typeface="微软雅黑" panose="020B0503020204020204" pitchFamily="34" charset="-122"/>
-                <a:ea typeface="微软雅黑" panose="020B0503020204020204" pitchFamily="34" charset="-122"/>
-              </a:rPr>
-              <a:t>字，</a:t>
-            </a:r>
-            <a:r>
-              <a:rPr lang="en-US" altLang="zh-CN" dirty="0">
-                <a:latin typeface="微软雅黑" panose="020B0503020204020204" pitchFamily="34" charset="-122"/>
-                <a:ea typeface="微软雅黑" panose="020B0503020204020204" pitchFamily="34" charset="-122"/>
-              </a:rPr>
-              <a:t>1.3</a:t>
-            </a:r>
-            <a:r>
-              <a:rPr lang="zh-CN" altLang="en-US" dirty="0">
-                <a:latin typeface="微软雅黑" panose="020B0503020204020204" pitchFamily="34" charset="-122"/>
-                <a:ea typeface="微软雅黑" panose="020B0503020204020204" pitchFamily="34" charset="-122"/>
-              </a:rPr>
-              <a:t>倍字间距。</a:t>
-            </a:r>
-          </a:p>
-        </p:txBody>
-      </p:sp>
-      <p:sp>
-        <p:nvSpPr>
-          <p:cNvPr id="11" name="等腰三角形 10"/>
-          <p:cNvSpPr/>
-          <p:nvPr/>
-        </p:nvSpPr>
-        <p:spPr>
-          <a:xfrm rot="10800000">
-            <a:off x="1040469" y="4754410"/>
-            <a:ext cx="438150" cy="367481"/>
-          </a:xfrm>
-          <a:prstGeom prst="triangle">
-            <a:avLst>
-              <a:gd name="adj" fmla="val 100000"/>
-            </a:avLst>
-          </a:prstGeom>
-          <a:solidFill>
-            <a:srgbClr val="FFC000"/>
-          </a:solidFill>
-          <a:ln>
-            <a:noFill/>
-          </a:ln>
-        </p:spPr>
-        <p:style>
-          <a:lnRef idx="2">
-            <a:schemeClr val="accent1">
-              <a:shade val="50000"/>
-            </a:schemeClr>
-          </a:lnRef>
-          <a:fillRef idx="1">
-            <a:schemeClr val="accent1"/>
-          </a:fillRef>
-          <a:effectRef idx="0">
-            <a:schemeClr val="accent1"/>
-          </a:effectRef>
-          <a:fontRef idx="minor">
-            <a:schemeClr val="lt1"/>
-          </a:fontRef>
-        </p:style>
-        <p:txBody>
-          <a:bodyPr rtlCol="0" anchor="ctr"/>
-          <a:lstStyle/>
-          <a:p>
-            <a:pPr algn="ctr"/>
-            <a:endParaRPr lang="zh-CN" altLang="en-US"/>
-          </a:p>
-        </p:txBody>
-      </p:sp>
-      <p:sp>
-        <p:nvSpPr>
-          <p:cNvPr id="15" name="文本框 14"/>
-          <p:cNvSpPr txBox="1"/>
-          <p:nvPr/>
-        </p:nvSpPr>
-        <p:spPr>
-          <a:xfrm>
-            <a:off x="292820" y="0"/>
-            <a:ext cx="684446" cy="1200329"/>
-          </a:xfrm>
-          <a:prstGeom prst="rect">
-            <a:avLst/>
-          </a:prstGeom>
-          <a:noFill/>
-        </p:spPr>
-        <p:txBody>
-          <a:bodyPr wrap="square" rtlCol="0">
-            <a:spAutoFit/>
-          </a:bodyPr>
-          <a:lstStyle/>
-          <a:p>
-            <a:r>
-              <a:rPr lang="en-US" altLang="zh-CN" sz="7200" b="1" dirty="0" smtClean="0">
-                <a:solidFill>
-                  <a:schemeClr val="bg1"/>
-                </a:solidFill>
-              </a:rPr>
-              <a:t>2</a:t>
-            </a:r>
-            <a:endParaRPr lang="zh-CN" altLang="en-US" sz="7200" b="1" dirty="0">
-              <a:solidFill>
-                <a:schemeClr val="bg1"/>
-              </a:solidFill>
-            </a:endParaRPr>
-          </a:p>
-        </p:txBody>
-      </p:sp>
-      <p:sp>
-        <p:nvSpPr>
-          <p:cNvPr id="16" name="矩形 15"/>
-          <p:cNvSpPr/>
-          <p:nvPr/>
-        </p:nvSpPr>
-        <p:spPr>
-          <a:xfrm>
-            <a:off x="1321037" y="1512787"/>
-            <a:ext cx="5163739" cy="1149543"/>
-          </a:xfrm>
-          <a:prstGeom prst="rect">
-            <a:avLst/>
-          </a:prstGeom>
-        </p:spPr>
-        <p:txBody>
-          <a:bodyPr wrap="square" lIns="68570" tIns="34289" rIns="68570" bIns="34289">
-            <a:spAutoFit/>
-          </a:bodyPr>
-          <a:lstStyle/>
-          <a:p>
-            <a:pPr defTabSz="685681">
-              <a:lnSpc>
-                <a:spcPct val="130000"/>
-              </a:lnSpc>
-            </a:pPr>
-            <a:r>
-              <a:rPr lang="zh-CN" altLang="en-US" dirty="0">
-                <a:latin typeface="微软雅黑" panose="020B0503020204020204" pitchFamily="34" charset="-122"/>
-                <a:ea typeface="微软雅黑" panose="020B0503020204020204" pitchFamily="34" charset="-122"/>
-              </a:rPr>
-              <a:t>标题数字等都可以通过点击和重新输入进行更改，顶部“开始”面板中可以对字体、字号、颜色、行距等进行修改。建议正文</a:t>
-            </a:r>
-            <a:r>
-              <a:rPr lang="en-US" altLang="zh-CN" dirty="0" smtClean="0">
-                <a:latin typeface="微软雅黑" panose="020B0503020204020204" pitchFamily="34" charset="-122"/>
-                <a:ea typeface="微软雅黑" panose="020B0503020204020204" pitchFamily="34" charset="-122"/>
-              </a:rPr>
-              <a:t>12</a:t>
-            </a:r>
-            <a:r>
-              <a:rPr lang="zh-CN" altLang="en-US" dirty="0" smtClean="0">
-                <a:latin typeface="微软雅黑" panose="020B0503020204020204" pitchFamily="34" charset="-122"/>
-                <a:ea typeface="微软雅黑" panose="020B0503020204020204" pitchFamily="34" charset="-122"/>
-              </a:rPr>
-              <a:t>号</a:t>
-            </a:r>
-            <a:r>
-              <a:rPr lang="zh-CN" altLang="en-US" dirty="0">
-                <a:latin typeface="微软雅黑" panose="020B0503020204020204" pitchFamily="34" charset="-122"/>
-                <a:ea typeface="微软雅黑" panose="020B0503020204020204" pitchFamily="34" charset="-122"/>
-              </a:rPr>
-              <a:t>字，</a:t>
-            </a:r>
-            <a:r>
-              <a:rPr lang="en-US" altLang="zh-CN" dirty="0">
-                <a:latin typeface="微软雅黑" panose="020B0503020204020204" pitchFamily="34" charset="-122"/>
-                <a:ea typeface="微软雅黑" panose="020B0503020204020204" pitchFamily="34" charset="-122"/>
-              </a:rPr>
-              <a:t>1.3</a:t>
-            </a:r>
-            <a:r>
-              <a:rPr lang="zh-CN" altLang="en-US" dirty="0">
-                <a:latin typeface="微软雅黑" panose="020B0503020204020204" pitchFamily="34" charset="-122"/>
-                <a:ea typeface="微软雅黑" panose="020B0503020204020204" pitchFamily="34" charset="-122"/>
-              </a:rPr>
-              <a:t>倍字间距。</a:t>
-            </a:r>
-          </a:p>
-        </p:txBody>
-      </p:sp>
-      <p:sp>
-        <p:nvSpPr>
-          <p:cNvPr id="17" name="等腰三角形 16"/>
-          <p:cNvSpPr/>
-          <p:nvPr/>
-        </p:nvSpPr>
-        <p:spPr>
-          <a:xfrm rot="10800000">
-            <a:off x="1136887" y="1398487"/>
-            <a:ext cx="438150" cy="367481"/>
-          </a:xfrm>
-          <a:prstGeom prst="triangle">
-            <a:avLst>
-              <a:gd name="adj" fmla="val 100000"/>
-            </a:avLst>
-          </a:prstGeom>
-          <a:solidFill>
-            <a:srgbClr val="FFC000"/>
-          </a:solidFill>
-          <a:ln>
-            <a:noFill/>
-          </a:ln>
-        </p:spPr>
-        <p:style>
-          <a:lnRef idx="2">
-            <a:schemeClr val="accent1">
-              <a:shade val="50000"/>
-            </a:schemeClr>
-          </a:lnRef>
-          <a:fillRef idx="1">
-            <a:schemeClr val="accent1"/>
-          </a:fillRef>
-          <a:effectRef idx="0">
-            <a:schemeClr val="accent1"/>
-          </a:effectRef>
-          <a:fontRef idx="minor">
-            <a:schemeClr val="lt1"/>
-          </a:fontRef>
-        </p:style>
-        <p:txBody>
-          <a:bodyPr rtlCol="0" anchor="ctr"/>
-          <a:lstStyle/>
-          <a:p>
-            <a:pPr algn="ctr"/>
-            <a:endParaRPr lang="zh-CN" altLang="en-US"/>
-          </a:p>
-        </p:txBody>
-      </p:sp>
-      <p:sp>
-        <p:nvSpPr>
-          <p:cNvPr id="18" name="矩形 17"/>
-          <p:cNvSpPr/>
-          <p:nvPr/>
-        </p:nvSpPr>
-        <p:spPr>
-          <a:xfrm>
-            <a:off x="1293045" y="2968369"/>
-            <a:ext cx="5064212" cy="1509642"/>
-          </a:xfrm>
-          <a:prstGeom prst="rect">
-            <a:avLst/>
-          </a:prstGeom>
-        </p:spPr>
-        <p:txBody>
-          <a:bodyPr wrap="square" lIns="68570" tIns="34289" rIns="68570" bIns="34289">
-            <a:spAutoFit/>
-          </a:bodyPr>
-          <a:lstStyle/>
-          <a:p>
-            <a:pPr defTabSz="685681">
-              <a:lnSpc>
-                <a:spcPct val="130000"/>
-              </a:lnSpc>
-            </a:pPr>
-            <a:r>
-              <a:rPr lang="zh-CN" altLang="en-US" dirty="0">
-                <a:latin typeface="微软雅黑" panose="020B0503020204020204" pitchFamily="34" charset="-122"/>
-                <a:ea typeface="微软雅黑" panose="020B0503020204020204" pitchFamily="34" charset="-122"/>
-              </a:rPr>
-              <a:t>标题数字等都可以通过点击和重新输入进行更改，顶部“开始”面板中可以对字体、字号、颜色、行距等进行修改。建议正文</a:t>
-            </a:r>
-            <a:r>
-              <a:rPr lang="en-US" altLang="zh-CN" dirty="0" smtClean="0">
-                <a:latin typeface="微软雅黑" panose="020B0503020204020204" pitchFamily="34" charset="-122"/>
-                <a:ea typeface="微软雅黑" panose="020B0503020204020204" pitchFamily="34" charset="-122"/>
-              </a:rPr>
-              <a:t>12</a:t>
-            </a:r>
-            <a:r>
-              <a:rPr lang="zh-CN" altLang="en-US" dirty="0" smtClean="0">
-                <a:latin typeface="微软雅黑" panose="020B0503020204020204" pitchFamily="34" charset="-122"/>
-                <a:ea typeface="微软雅黑" panose="020B0503020204020204" pitchFamily="34" charset="-122"/>
-              </a:rPr>
-              <a:t>号</a:t>
-            </a:r>
-            <a:r>
-              <a:rPr lang="zh-CN" altLang="en-US" dirty="0">
-                <a:latin typeface="微软雅黑" panose="020B0503020204020204" pitchFamily="34" charset="-122"/>
-                <a:ea typeface="微软雅黑" panose="020B0503020204020204" pitchFamily="34" charset="-122"/>
-              </a:rPr>
-              <a:t>字，</a:t>
-            </a:r>
-            <a:r>
-              <a:rPr lang="en-US" altLang="zh-CN" dirty="0">
-                <a:latin typeface="微软雅黑" panose="020B0503020204020204" pitchFamily="34" charset="-122"/>
-                <a:ea typeface="微软雅黑" panose="020B0503020204020204" pitchFamily="34" charset="-122"/>
-              </a:rPr>
-              <a:t>1.3</a:t>
-            </a:r>
-            <a:r>
-              <a:rPr lang="zh-CN" altLang="en-US" dirty="0">
-                <a:latin typeface="微软雅黑" panose="020B0503020204020204" pitchFamily="34" charset="-122"/>
-                <a:ea typeface="微软雅黑" panose="020B0503020204020204" pitchFamily="34" charset="-122"/>
-              </a:rPr>
-              <a:t>倍字间距。</a:t>
-            </a:r>
-          </a:p>
-        </p:txBody>
-      </p:sp>
-      <p:sp>
-        <p:nvSpPr>
-          <p:cNvPr id="19" name="等腰三角形 18"/>
-          <p:cNvSpPr/>
-          <p:nvPr/>
-        </p:nvSpPr>
-        <p:spPr>
-          <a:xfrm rot="10800000">
-            <a:off x="1108895" y="2854069"/>
-            <a:ext cx="438150" cy="367481"/>
-          </a:xfrm>
-          <a:prstGeom prst="triangle">
-            <a:avLst>
-              <a:gd name="adj" fmla="val 100000"/>
-            </a:avLst>
-          </a:prstGeom>
-          <a:solidFill>
-            <a:srgbClr val="FFC000"/>
-          </a:solidFill>
-          <a:ln>
-            <a:noFill/>
-          </a:ln>
-        </p:spPr>
-        <p:style>
-          <a:lnRef idx="2">
-            <a:schemeClr val="accent1">
-              <a:shade val="50000"/>
-            </a:schemeClr>
-          </a:lnRef>
-          <a:fillRef idx="1">
-            <a:schemeClr val="accent1"/>
-          </a:fillRef>
-          <a:effectRef idx="0">
-            <a:schemeClr val="accent1"/>
-          </a:effectRef>
-          <a:fontRef idx="minor">
-            <a:schemeClr val="lt1"/>
-          </a:fontRef>
-        </p:style>
-        <p:txBody>
-          <a:bodyPr rtlCol="0" anchor="ctr"/>
-          <a:lstStyle/>
-          <a:p>
-            <a:pPr algn="ctr"/>
-            <a:endParaRPr lang="zh-CN" altLang="en-US"/>
-          </a:p>
-        </p:txBody>
-      </p:sp>
-    </p:spTree>
-    <p:extLst>
-      <p:ext uri="{BB962C8B-B14F-4D97-AF65-F5344CB8AC3E}">
-        <p14:creationId xmlns:p14="http://schemas.microsoft.com/office/powerpoint/2010/main" xmlns="" val="2652899342"/>
-      </p:ext>
-    </p:extLst>
-  </p:cSld>
-  <p:clrMapOvr>
-    <a:masterClrMapping/>
-  </p:clrMapOvr>
-  <p:transition spd="slow">
-    <p:push dir="u"/>
-  </p:transition>
-  <p:timing>
-    <p:tnLst>
-      <p:par>
-        <p:cTn id="1" dur="indefinite" restart="never" nodeType="tmRoot"/>
-      </p:par>
-    </p:tnLst>
-  </p:timing>
-</p:sld>
-</file>
-
-<file path=ppt/slides/slide7.xml><?xml version="1.0" encoding="utf-8"?>
-<p:sld xmlns:a="http://schemas.openxmlformats.org/drawingml/2006/main" xmlns:r="http://schemas.openxmlformats.org/officeDocument/2006/relationships" xmlns:p="http://schemas.openxmlformats.org/presentationml/2006/main">
-  <p:cSld>
-    <p:spTree>
-      <p:nvGrpSpPr>
-        <p:cNvPr id="1" name=""/>
-        <p:cNvGrpSpPr/>
-        <p:nvPr/>
-      </p:nvGrpSpPr>
-      <p:grpSpPr>
-        <a:xfrm>
-          <a:off x="0" y="0"/>
-          <a:ext cx="0" cy="0"/>
-          <a:chOff x="0" y="0"/>
-          <a:chExt cx="0" cy="0"/>
-        </a:xfrm>
-      </p:grpSpPr>
-      <p:pic>
-        <p:nvPicPr>
-          <p:cNvPr id="4" name="图片 3"/>
-          <p:cNvPicPr>
-            <a:picLocks noChangeAspect="1"/>
-          </p:cNvPicPr>
-          <p:nvPr/>
-        </p:nvPicPr>
-        <p:blipFill rotWithShape="1">
-          <a:blip r:embed="rId2" cstate="print">
-            <a:extLst>
-              <a:ext uri="{28A0092B-C50C-407E-A947-70E740481C1C}">
-                <a14:useLocalDpi xmlns:a14="http://schemas.microsoft.com/office/drawing/2010/main" xmlns="" val="0"/>
-              </a:ext>
-            </a:extLst>
-          </a:blip>
-          <a:srcRect l="21875" r="21875"/>
-          <a:stretch/>
-        </p:blipFill>
-        <p:spPr>
-          <a:xfrm rot="10800000">
-            <a:off x="-3431709" y="-5417"/>
-            <a:ext cx="6863417" cy="6863417"/>
-          </a:xfrm>
-          <a:prstGeom prst="pie">
-            <a:avLst>
-              <a:gd name="adj1" fmla="val 5347296"/>
-              <a:gd name="adj2" fmla="val 16200000"/>
-            </a:avLst>
-          </a:prstGeom>
-        </p:spPr>
-      </p:pic>
-      <p:sp>
-        <p:nvSpPr>
-          <p:cNvPr id="5" name="椭圆 4"/>
-          <p:cNvSpPr/>
-          <p:nvPr/>
-        </p:nvSpPr>
-        <p:spPr>
-          <a:xfrm>
-            <a:off x="2228850" y="838200"/>
-            <a:ext cx="781050" cy="781050"/>
-          </a:xfrm>
-          <a:prstGeom prst="ellipse">
-            <a:avLst/>
-          </a:prstGeom>
-          <a:solidFill>
-            <a:schemeClr val="bg1"/>
-          </a:solidFill>
-          <a:ln>
-            <a:solidFill>
-              <a:schemeClr val="bg2">
-                <a:lumMod val="25000"/>
-              </a:schemeClr>
-            </a:solidFill>
-          </a:ln>
-        </p:spPr>
-        <p:style>
-          <a:lnRef idx="2">
-            <a:schemeClr val="accent1">
-              <a:shade val="50000"/>
-            </a:schemeClr>
-          </a:lnRef>
-          <a:fillRef idx="1">
-            <a:schemeClr val="accent1"/>
-          </a:fillRef>
-          <a:effectRef idx="0">
-            <a:schemeClr val="accent1"/>
-          </a:effectRef>
-          <a:fontRef idx="minor">
-            <a:schemeClr val="lt1"/>
-          </a:fontRef>
-        </p:style>
-        <p:txBody>
-          <a:bodyPr rtlCol="0" anchor="ctr"/>
-          <a:lstStyle/>
-          <a:p>
-            <a:pPr algn="ctr"/>
-            <a:endParaRPr lang="zh-CN" altLang="en-US"/>
-          </a:p>
-        </p:txBody>
-      </p:sp>
-      <p:sp>
-        <p:nvSpPr>
-          <p:cNvPr id="6" name="椭圆 5"/>
-          <p:cNvSpPr/>
-          <p:nvPr/>
-        </p:nvSpPr>
-        <p:spPr>
-          <a:xfrm>
-            <a:off x="3009900" y="2307808"/>
-            <a:ext cx="781050" cy="781050"/>
-          </a:xfrm>
-          <a:prstGeom prst="ellipse">
-            <a:avLst/>
-          </a:prstGeom>
-          <a:solidFill>
-            <a:schemeClr val="bg1"/>
-          </a:solidFill>
-          <a:ln>
-            <a:solidFill>
-              <a:schemeClr val="bg2">
-                <a:lumMod val="25000"/>
-              </a:schemeClr>
-            </a:solidFill>
-          </a:ln>
-        </p:spPr>
-        <p:style>
-          <a:lnRef idx="2">
-            <a:schemeClr val="accent1">
-              <a:shade val="50000"/>
-            </a:schemeClr>
-          </a:lnRef>
-          <a:fillRef idx="1">
-            <a:schemeClr val="accent1"/>
-          </a:fillRef>
-          <a:effectRef idx="0">
-            <a:schemeClr val="accent1"/>
-          </a:effectRef>
-          <a:fontRef idx="minor">
-            <a:schemeClr val="lt1"/>
-          </a:fontRef>
-        </p:style>
-        <p:txBody>
-          <a:bodyPr rtlCol="0" anchor="ctr"/>
-          <a:lstStyle/>
-          <a:p>
-            <a:pPr algn="ctr"/>
-            <a:endParaRPr lang="zh-CN" altLang="en-US"/>
-          </a:p>
-        </p:txBody>
-      </p:sp>
-      <p:sp>
-        <p:nvSpPr>
-          <p:cNvPr id="8" name="椭圆 7"/>
-          <p:cNvSpPr/>
-          <p:nvPr/>
-        </p:nvSpPr>
-        <p:spPr>
-          <a:xfrm>
-            <a:off x="2228850" y="5400172"/>
-            <a:ext cx="781050" cy="781050"/>
-          </a:xfrm>
-          <a:prstGeom prst="ellipse">
-            <a:avLst/>
-          </a:prstGeom>
-          <a:solidFill>
-            <a:schemeClr val="bg1"/>
-          </a:solidFill>
-          <a:ln>
-            <a:solidFill>
-              <a:schemeClr val="bg2">
-                <a:lumMod val="25000"/>
-              </a:schemeClr>
-            </a:solidFill>
-          </a:ln>
-        </p:spPr>
-        <p:style>
-          <a:lnRef idx="2">
-            <a:schemeClr val="accent1">
-              <a:shade val="50000"/>
-            </a:schemeClr>
-          </a:lnRef>
-          <a:fillRef idx="1">
-            <a:schemeClr val="accent1"/>
-          </a:fillRef>
-          <a:effectRef idx="0">
-            <a:schemeClr val="accent1"/>
-          </a:effectRef>
-          <a:fontRef idx="minor">
-            <a:schemeClr val="lt1"/>
-          </a:fontRef>
-        </p:style>
-        <p:txBody>
-          <a:bodyPr rtlCol="0" anchor="ctr"/>
-          <a:lstStyle/>
-          <a:p>
-            <a:pPr algn="ctr"/>
-            <a:endParaRPr lang="zh-CN" altLang="en-US"/>
-          </a:p>
-        </p:txBody>
-      </p:sp>
-      <p:sp>
-        <p:nvSpPr>
-          <p:cNvPr id="17" name="矩形 16"/>
-          <p:cNvSpPr/>
-          <p:nvPr/>
-        </p:nvSpPr>
-        <p:spPr>
-          <a:xfrm>
-            <a:off x="3400425" y="1020386"/>
-            <a:ext cx="8601075" cy="1029511"/>
-          </a:xfrm>
-          <a:prstGeom prst="rect">
-            <a:avLst/>
-          </a:prstGeom>
-        </p:spPr>
-        <p:txBody>
-          <a:bodyPr wrap="square" lIns="68570" tIns="34289" rIns="68570" bIns="34289">
-            <a:spAutoFit/>
-          </a:bodyPr>
-          <a:lstStyle/>
-          <a:p>
-            <a:pPr defTabSz="685681">
-              <a:lnSpc>
-                <a:spcPct val="130000"/>
-              </a:lnSpc>
-            </a:pPr>
-            <a:r>
-              <a:rPr lang="zh-CN" altLang="en-US" sz="2400" dirty="0">
-                <a:latin typeface="微软雅黑" panose="020B0503020204020204" pitchFamily="34" charset="-122"/>
-                <a:ea typeface="微软雅黑" panose="020B0503020204020204" pitchFamily="34" charset="-122"/>
-              </a:rPr>
-              <a:t>标题数字等都可以通过点击和重新输入进行更改，顶部“开始”面板中可以对字体、字号、颜色、行距等进行修改。建议</a:t>
-            </a:r>
-            <a:r>
-              <a:rPr lang="zh-CN" altLang="en-US" sz="2400" dirty="0" smtClean="0">
-                <a:latin typeface="微软雅黑" panose="020B0503020204020204" pitchFamily="34" charset="-122"/>
-                <a:ea typeface="微软雅黑" panose="020B0503020204020204" pitchFamily="34" charset="-122"/>
-              </a:rPr>
-              <a:t>正文</a:t>
-            </a:r>
-            <a:endParaRPr lang="zh-CN" altLang="en-US" sz="2400" dirty="0">
-              <a:latin typeface="微软雅黑" panose="020B0503020204020204" pitchFamily="34" charset="-122"/>
-              <a:ea typeface="微软雅黑" panose="020B0503020204020204" pitchFamily="34" charset="-122"/>
-            </a:endParaRPr>
-          </a:p>
-        </p:txBody>
-      </p:sp>
-      <p:sp>
-        <p:nvSpPr>
-          <p:cNvPr id="18" name="矩形 17"/>
-          <p:cNvSpPr/>
-          <p:nvPr/>
-        </p:nvSpPr>
-        <p:spPr>
-          <a:xfrm>
-            <a:off x="4088935" y="2398148"/>
-            <a:ext cx="8103065" cy="1029511"/>
-          </a:xfrm>
-          <a:prstGeom prst="rect">
-            <a:avLst/>
-          </a:prstGeom>
-        </p:spPr>
-        <p:txBody>
-          <a:bodyPr wrap="square" lIns="68570" tIns="34289" rIns="68570" bIns="34289">
-            <a:spAutoFit/>
-          </a:bodyPr>
-          <a:lstStyle/>
-          <a:p>
-            <a:pPr defTabSz="685681">
-              <a:lnSpc>
-                <a:spcPct val="130000"/>
-              </a:lnSpc>
-            </a:pPr>
-            <a:r>
-              <a:rPr lang="zh-CN" altLang="en-US" sz="2400" dirty="0">
-                <a:latin typeface="微软雅黑" panose="020B0503020204020204" pitchFamily="34" charset="-122"/>
-                <a:ea typeface="微软雅黑" panose="020B0503020204020204" pitchFamily="34" charset="-122"/>
-              </a:rPr>
-              <a:t>标题数字等都可以通过点击和重新输入进行更改，顶部“开始”面板中可以对字体、字号、颜色、行距等进行修改</a:t>
-            </a:r>
-            <a:r>
-              <a:rPr lang="zh-CN" altLang="en-US" sz="2400" dirty="0" smtClean="0">
-                <a:latin typeface="微软雅黑" panose="020B0503020204020204" pitchFamily="34" charset="-122"/>
-                <a:ea typeface="微软雅黑" panose="020B0503020204020204" pitchFamily="34" charset="-122"/>
-              </a:rPr>
-              <a:t>。</a:t>
-            </a:r>
-            <a:endParaRPr lang="zh-CN" altLang="en-US" sz="2400" dirty="0">
-              <a:latin typeface="微软雅黑" panose="020B0503020204020204" pitchFamily="34" charset="-122"/>
-              <a:ea typeface="微软雅黑" panose="020B0503020204020204" pitchFamily="34" charset="-122"/>
-            </a:endParaRPr>
-          </a:p>
-        </p:txBody>
-      </p:sp>
-      <p:sp>
-        <p:nvSpPr>
-          <p:cNvPr id="19" name="矩形 18"/>
-          <p:cNvSpPr/>
-          <p:nvPr/>
-        </p:nvSpPr>
-        <p:spPr>
-          <a:xfrm>
-            <a:off x="3993684" y="4032332"/>
-            <a:ext cx="8360241" cy="1029511"/>
-          </a:xfrm>
-          <a:prstGeom prst="rect">
-            <a:avLst/>
-          </a:prstGeom>
-        </p:spPr>
-        <p:txBody>
-          <a:bodyPr wrap="square" lIns="68570" tIns="34289" rIns="68570" bIns="34289">
-            <a:spAutoFit/>
-          </a:bodyPr>
-          <a:lstStyle/>
-          <a:p>
-            <a:pPr defTabSz="685681">
-              <a:lnSpc>
-                <a:spcPct val="130000"/>
-              </a:lnSpc>
-            </a:pPr>
-            <a:r>
-              <a:rPr lang="zh-CN" altLang="en-US" sz="2400" dirty="0">
-                <a:latin typeface="微软雅黑" panose="020B0503020204020204" pitchFamily="34" charset="-122"/>
-                <a:ea typeface="微软雅黑" panose="020B0503020204020204" pitchFamily="34" charset="-122"/>
-              </a:rPr>
-              <a:t>标题数字等都可以通过点击和重新输入进行更改，顶部“开始”面板中可以对字体、字号、颜色、行距等进行修改</a:t>
-            </a:r>
-            <a:r>
-              <a:rPr lang="zh-CN" altLang="en-US" sz="2400" dirty="0" smtClean="0">
-                <a:latin typeface="微软雅黑" panose="020B0503020204020204" pitchFamily="34" charset="-122"/>
-                <a:ea typeface="微软雅黑" panose="020B0503020204020204" pitchFamily="34" charset="-122"/>
-              </a:rPr>
-              <a:t>。</a:t>
-            </a:r>
-            <a:endParaRPr lang="zh-CN" altLang="en-US" sz="2400" dirty="0">
-              <a:latin typeface="微软雅黑" panose="020B0503020204020204" pitchFamily="34" charset="-122"/>
-              <a:ea typeface="微软雅黑" panose="020B0503020204020204" pitchFamily="34" charset="-122"/>
-            </a:endParaRPr>
-          </a:p>
-        </p:txBody>
-      </p:sp>
-      <p:sp>
-        <p:nvSpPr>
-          <p:cNvPr id="20" name="矩形 19"/>
-          <p:cNvSpPr/>
-          <p:nvPr/>
-        </p:nvSpPr>
-        <p:spPr>
-          <a:xfrm>
-            <a:off x="3507123" y="5447290"/>
-            <a:ext cx="8837277" cy="1029511"/>
-          </a:xfrm>
-          <a:prstGeom prst="rect">
-            <a:avLst/>
-          </a:prstGeom>
-        </p:spPr>
-        <p:txBody>
-          <a:bodyPr wrap="square" lIns="68570" tIns="34289" rIns="68570" bIns="34289">
-            <a:spAutoFit/>
-          </a:bodyPr>
-          <a:lstStyle/>
-          <a:p>
-            <a:pPr defTabSz="685681">
-              <a:lnSpc>
-                <a:spcPct val="130000"/>
-              </a:lnSpc>
-            </a:pPr>
-            <a:r>
-              <a:rPr lang="zh-CN" altLang="en-US" sz="2400" dirty="0">
-                <a:latin typeface="微软雅黑" panose="020B0503020204020204" pitchFamily="34" charset="-122"/>
-                <a:ea typeface="微软雅黑" panose="020B0503020204020204" pitchFamily="34" charset="-122"/>
-              </a:rPr>
-              <a:t>标题数字等都可以通过点击和重新输入进行更改，顶部“开始”面板中可以对字体、字号、颜色、行距等进行修改。建议</a:t>
-            </a:r>
-            <a:r>
-              <a:rPr lang="zh-CN" altLang="en-US" sz="2400" dirty="0" smtClean="0">
-                <a:latin typeface="微软雅黑" panose="020B0503020204020204" pitchFamily="34" charset="-122"/>
-                <a:ea typeface="微软雅黑" panose="020B0503020204020204" pitchFamily="34" charset="-122"/>
-              </a:rPr>
-              <a:t>正文</a:t>
-            </a:r>
-            <a:endParaRPr lang="zh-CN" altLang="en-US" sz="2400" dirty="0">
-              <a:latin typeface="微软雅黑" panose="020B0503020204020204" pitchFamily="34" charset="-122"/>
-              <a:ea typeface="微软雅黑" panose="020B0503020204020204" pitchFamily="34" charset="-122"/>
-            </a:endParaRPr>
-          </a:p>
-        </p:txBody>
-      </p:sp>
-      <p:sp>
-        <p:nvSpPr>
-          <p:cNvPr id="21" name="椭圆 20"/>
-          <p:cNvSpPr/>
-          <p:nvPr/>
-        </p:nvSpPr>
-        <p:spPr>
-          <a:xfrm>
-            <a:off x="-2370371" y="1094870"/>
-            <a:ext cx="4662487" cy="4662487"/>
-          </a:xfrm>
-          <a:prstGeom prst="ellipse">
-            <a:avLst/>
-          </a:prstGeom>
-          <a:noFill/>
-          <a:ln>
-            <a:solidFill>
-              <a:schemeClr val="bg1"/>
-            </a:solidFill>
-          </a:ln>
-        </p:spPr>
-        <p:style>
-          <a:lnRef idx="2">
-            <a:schemeClr val="accent1">
-              <a:shade val="50000"/>
-            </a:schemeClr>
-          </a:lnRef>
-          <a:fillRef idx="1">
-            <a:schemeClr val="accent1"/>
-          </a:fillRef>
-          <a:effectRef idx="0">
-            <a:schemeClr val="accent1"/>
-          </a:effectRef>
-          <a:fontRef idx="minor">
-            <a:schemeClr val="lt1"/>
-          </a:fontRef>
-        </p:style>
-        <p:txBody>
-          <a:bodyPr rtlCol="0" anchor="ctr"/>
-          <a:lstStyle/>
-          <a:p>
-            <a:pPr algn="ctr"/>
-            <a:endParaRPr lang="zh-CN" altLang="en-US"/>
-          </a:p>
-        </p:txBody>
-      </p:sp>
-      <p:sp>
-        <p:nvSpPr>
-          <p:cNvPr id="22" name="文本框 21"/>
-          <p:cNvSpPr txBox="1"/>
-          <p:nvPr/>
-        </p:nvSpPr>
-        <p:spPr>
-          <a:xfrm>
-            <a:off x="387582" y="1368299"/>
-            <a:ext cx="701675" cy="4031873"/>
-          </a:xfrm>
-          <a:prstGeom prst="rect">
-            <a:avLst/>
-          </a:prstGeom>
-          <a:noFill/>
-        </p:spPr>
-        <p:txBody>
-          <a:bodyPr wrap="square" rtlCol="0">
-            <a:spAutoFit/>
-          </a:bodyPr>
-          <a:lstStyle/>
-          <a:p>
-            <a:r>
-              <a:rPr lang="zh-CN" altLang="en-US" sz="3200" b="1" dirty="0" smtClean="0">
-                <a:solidFill>
-                  <a:schemeClr val="bg1"/>
-                </a:solidFill>
-                <a:latin typeface="微软雅黑" panose="020B0503020204020204" pitchFamily="34" charset="-122"/>
-                <a:ea typeface="微软雅黑" panose="020B0503020204020204" pitchFamily="34" charset="-122"/>
-              </a:rPr>
-              <a:t>点击此处添加标题</a:t>
-            </a:r>
-            <a:endParaRPr lang="zh-CN" altLang="en-US" sz="3200" b="1" dirty="0">
-              <a:solidFill>
-                <a:schemeClr val="bg1"/>
-              </a:solidFill>
-              <a:latin typeface="微软雅黑" panose="020B0503020204020204" pitchFamily="34" charset="-122"/>
-              <a:ea typeface="微软雅黑" panose="020B0503020204020204" pitchFamily="34" charset="-122"/>
-            </a:endParaRPr>
-          </a:p>
-        </p:txBody>
-      </p:sp>
-      <p:sp>
-        <p:nvSpPr>
-          <p:cNvPr id="7" name="椭圆 6"/>
-          <p:cNvSpPr/>
-          <p:nvPr/>
-        </p:nvSpPr>
-        <p:spPr>
-          <a:xfrm>
-            <a:off x="2839805" y="3861633"/>
-            <a:ext cx="781050" cy="781050"/>
-          </a:xfrm>
-          <a:prstGeom prst="ellipse">
-            <a:avLst/>
-          </a:prstGeom>
-          <a:solidFill>
-            <a:schemeClr val="bg1"/>
-          </a:solidFill>
-          <a:ln>
-            <a:solidFill>
-              <a:schemeClr val="bg2">
-                <a:lumMod val="25000"/>
-              </a:schemeClr>
-            </a:solidFill>
-          </a:ln>
-        </p:spPr>
-        <p:style>
-          <a:lnRef idx="2">
-            <a:schemeClr val="accent1">
-              <a:shade val="50000"/>
-            </a:schemeClr>
-          </a:lnRef>
-          <a:fillRef idx="1">
-            <a:schemeClr val="accent1"/>
-          </a:fillRef>
-          <a:effectRef idx="0">
-            <a:schemeClr val="accent1"/>
-          </a:effectRef>
-          <a:fontRef idx="minor">
-            <a:schemeClr val="lt1"/>
-          </a:fontRef>
-        </p:style>
-        <p:txBody>
-          <a:bodyPr rtlCol="0" anchor="ctr"/>
-          <a:lstStyle/>
-          <a:p>
-            <a:pPr algn="ctr"/>
-            <a:endParaRPr lang="zh-CN" altLang="en-US"/>
-          </a:p>
-        </p:txBody>
-      </p:sp>
-    </p:spTree>
-    <p:extLst>
-      <p:ext uri="{BB962C8B-B14F-4D97-AF65-F5344CB8AC3E}">
-        <p14:creationId xmlns:p14="http://schemas.microsoft.com/office/powerpoint/2010/main" xmlns="" val="3139051539"/>
-      </p:ext>
-    </p:extLst>
-  </p:cSld>
-  <p:clrMapOvr>
-    <a:masterClrMapping/>
-  </p:clrMapOvr>
-  <p:transition spd="slow">
-    <p:push dir="u"/>
-  </p:transition>
-  <p:timing>
-    <p:tnLst>
-      <p:par>
-        <p:cTn id="1" dur="indefinite" restart="never" nodeType="tmRoot"/>
-      </p:par>
-    </p:tnLst>
-  </p:timing>
-</p:sld>
-</file>
-
-<file path=ppt/slides/slide8.xml><?xml version="1.0" encoding="utf-8"?>
-<p:sld xmlns:a="http://schemas.openxmlformats.org/drawingml/2006/main" xmlns:r="http://schemas.openxmlformats.org/officeDocument/2006/relationships" xmlns:p="http://schemas.openxmlformats.org/presentationml/2006/main">
-  <p:cSld>
-    <p:spTree>
-      <p:nvGrpSpPr>
-        <p:cNvPr id="1" name=""/>
-        <p:cNvGrpSpPr/>
-        <p:nvPr/>
-      </p:nvGrpSpPr>
-      <p:grpSpPr>
-        <a:xfrm>
-          <a:off x="0" y="0"/>
-          <a:ext cx="0" cy="0"/>
-          <a:chOff x="0" y="0"/>
-          <a:chExt cx="0" cy="0"/>
-        </a:xfrm>
-      </p:grpSpPr>
-      <p:grpSp>
-        <p:nvGrpSpPr>
-          <p:cNvPr id="2" name="组合 1"/>
-          <p:cNvGrpSpPr/>
-          <p:nvPr/>
-        </p:nvGrpSpPr>
-        <p:grpSpPr>
-          <a:xfrm>
-            <a:off x="0" y="0"/>
-            <a:ext cx="12192000" cy="6858000"/>
-            <a:chOff x="0" y="0"/>
-            <a:chExt cx="12192000" cy="6858000"/>
-          </a:xfrm>
-        </p:grpSpPr>
-        <p:sp>
-          <p:nvSpPr>
-            <p:cNvPr id="3" name="矩形 2"/>
-            <p:cNvSpPr/>
-            <p:nvPr/>
-          </p:nvSpPr>
-          <p:spPr>
-            <a:xfrm>
-              <a:off x="3067050" y="0"/>
-              <a:ext cx="9124950" cy="6858000"/>
-            </a:xfrm>
-            <a:prstGeom prst="rect">
-              <a:avLst/>
-            </a:prstGeom>
-            <a:solidFill>
-              <a:schemeClr val="bg1"/>
-            </a:solidFill>
-            <a:ln>
-              <a:noFill/>
-            </a:ln>
-          </p:spPr>
-          <p:style>
-            <a:lnRef idx="2">
-              <a:schemeClr val="accent1">
-                <a:shade val="50000"/>
-              </a:schemeClr>
-            </a:lnRef>
-            <a:fillRef idx="1">
-              <a:schemeClr val="accent1"/>
-            </a:fillRef>
-            <a:effectRef idx="0">
-              <a:schemeClr val="accent1"/>
-            </a:effectRef>
-            <a:fontRef idx="minor">
-              <a:schemeClr val="lt1"/>
-            </a:fontRef>
-          </p:style>
-          <p:txBody>
-            <a:bodyPr rtlCol="0" anchor="ctr"/>
-            <a:lstStyle/>
-            <a:p>
-              <a:pPr algn="ctr"/>
-              <a:endParaRPr lang="zh-CN" altLang="en-US"/>
-            </a:p>
-          </p:txBody>
-        </p:sp>
-        <p:sp>
-          <p:nvSpPr>
-            <p:cNvPr id="4" name="流程图: 手动输入 3"/>
-            <p:cNvSpPr/>
-            <p:nvPr/>
-          </p:nvSpPr>
-          <p:spPr>
-            <a:xfrm>
-              <a:off x="0" y="0"/>
-              <a:ext cx="3067050" cy="6858000"/>
-            </a:xfrm>
-            <a:prstGeom prst="flowChartManualInput">
-              <a:avLst/>
-            </a:prstGeom>
-            <a:solidFill>
-              <a:schemeClr val="bg1"/>
-            </a:solidFill>
-            <a:ln>
-              <a:noFill/>
-            </a:ln>
-          </p:spPr>
-          <p:style>
-            <a:lnRef idx="2">
-              <a:schemeClr val="accent1">
-                <a:shade val="50000"/>
-              </a:schemeClr>
-            </a:lnRef>
-            <a:fillRef idx="1">
-              <a:schemeClr val="accent1"/>
-            </a:fillRef>
-            <a:effectRef idx="0">
-              <a:schemeClr val="accent1"/>
-            </a:effectRef>
-            <a:fontRef idx="minor">
-              <a:schemeClr val="lt1"/>
-            </a:fontRef>
-          </p:style>
-          <p:txBody>
-            <a:bodyPr rtlCol="0" anchor="ctr"/>
-            <a:lstStyle/>
-            <a:p>
-              <a:pPr algn="ctr"/>
-              <a:endParaRPr lang="zh-CN" altLang="en-US"/>
-            </a:p>
-          </p:txBody>
-        </p:sp>
-      </p:grpSp>
-      <p:sp>
-        <p:nvSpPr>
-          <p:cNvPr id="5" name="文本框 4"/>
-          <p:cNvSpPr txBox="1"/>
-          <p:nvPr/>
-        </p:nvSpPr>
-        <p:spPr>
-          <a:xfrm>
-            <a:off x="253540" y="0"/>
-            <a:ext cx="684446" cy="1200329"/>
-          </a:xfrm>
-          <a:prstGeom prst="rect">
-            <a:avLst/>
-          </a:prstGeom>
-          <a:noFill/>
-        </p:spPr>
-        <p:txBody>
-          <a:bodyPr wrap="square" rtlCol="0">
-            <a:spAutoFit/>
-          </a:bodyPr>
-          <a:lstStyle/>
-          <a:p>
-            <a:r>
-              <a:rPr lang="en-US" altLang="zh-CN" sz="7200" b="1" dirty="0" smtClean="0">
-                <a:solidFill>
-                  <a:schemeClr val="bg1"/>
-                </a:solidFill>
-              </a:rPr>
-              <a:t>3</a:t>
-            </a:r>
-            <a:endParaRPr lang="zh-CN" altLang="en-US" sz="7200" b="1" dirty="0">
-              <a:solidFill>
-                <a:schemeClr val="bg1"/>
-              </a:solidFill>
-            </a:endParaRPr>
-          </a:p>
-        </p:txBody>
-      </p:sp>
-      <p:sp>
-        <p:nvSpPr>
-          <p:cNvPr id="7" name="五边形 6"/>
-          <p:cNvSpPr/>
-          <p:nvPr/>
-        </p:nvSpPr>
-        <p:spPr>
-          <a:xfrm>
-            <a:off x="7278527" y="1733550"/>
-            <a:ext cx="4006968" cy="4169857"/>
-          </a:xfrm>
-          <a:prstGeom prst="homePlate">
-            <a:avLst>
-              <a:gd name="adj" fmla="val 28224"/>
-            </a:avLst>
-          </a:prstGeom>
-          <a:solidFill>
-            <a:schemeClr val="tx2">
-              <a:lumMod val="75000"/>
-            </a:schemeClr>
-          </a:solidFill>
-          <a:ln>
-            <a:noFill/>
-          </a:ln>
-        </p:spPr>
-        <p:style>
-          <a:lnRef idx="2">
-            <a:schemeClr val="accent1">
-              <a:shade val="50000"/>
-            </a:schemeClr>
-          </a:lnRef>
-          <a:fillRef idx="1">
-            <a:schemeClr val="accent1"/>
-          </a:fillRef>
-          <a:effectRef idx="0">
-            <a:schemeClr val="accent1"/>
-          </a:effectRef>
-          <a:fontRef idx="minor">
-            <a:schemeClr val="lt1"/>
-          </a:fontRef>
-        </p:style>
-        <p:txBody>
-          <a:bodyPr anchor="ctr"/>
-          <a:lstStyle/>
-          <a:p>
-            <a:pPr algn="ctr" defTabSz="914400"/>
-            <a:endParaRPr lang="zh-CN" altLang="en-US">
-              <a:solidFill>
-                <a:prstClr val="white"/>
-              </a:solidFill>
-            </a:endParaRPr>
-          </a:p>
-        </p:txBody>
-      </p:sp>
-      <p:sp>
-        <p:nvSpPr>
-          <p:cNvPr id="8" name="五边形 7"/>
-          <p:cNvSpPr/>
-          <p:nvPr/>
-        </p:nvSpPr>
-        <p:spPr>
-          <a:xfrm>
-            <a:off x="5577320" y="1736843"/>
-            <a:ext cx="3331461" cy="4160265"/>
-          </a:xfrm>
-          <a:prstGeom prst="homePlate">
-            <a:avLst>
-              <a:gd name="adj" fmla="val 28224"/>
-            </a:avLst>
-          </a:prstGeom>
-          <a:solidFill>
-            <a:schemeClr val="tx2">
-              <a:lumMod val="60000"/>
-              <a:lumOff val="40000"/>
-            </a:schemeClr>
-          </a:solidFill>
-          <a:ln>
-            <a:noFill/>
-          </a:ln>
-        </p:spPr>
-        <p:style>
-          <a:lnRef idx="2">
-            <a:schemeClr val="accent1">
-              <a:shade val="50000"/>
-            </a:schemeClr>
-          </a:lnRef>
-          <a:fillRef idx="1">
-            <a:schemeClr val="accent1"/>
-          </a:fillRef>
-          <a:effectRef idx="0">
-            <a:schemeClr val="accent1"/>
-          </a:effectRef>
-          <a:fontRef idx="minor">
-            <a:schemeClr val="lt1"/>
-          </a:fontRef>
-        </p:style>
-        <p:txBody>
-          <a:bodyPr anchor="ctr"/>
-          <a:lstStyle/>
-          <a:p>
-            <a:pPr algn="ctr" defTabSz="914400"/>
-            <a:endParaRPr lang="zh-CN" altLang="en-US">
-              <a:solidFill>
-                <a:prstClr val="white"/>
-              </a:solidFill>
-            </a:endParaRPr>
-          </a:p>
-        </p:txBody>
-      </p:sp>
-      <p:sp>
-        <p:nvSpPr>
-          <p:cNvPr id="9" name="五边形 8"/>
-          <p:cNvSpPr/>
-          <p:nvPr/>
-        </p:nvSpPr>
-        <p:spPr>
-          <a:xfrm>
-            <a:off x="3166666" y="1733550"/>
-            <a:ext cx="3397028" cy="4169853"/>
-          </a:xfrm>
-          <a:prstGeom prst="homePlate">
-            <a:avLst>
-              <a:gd name="adj" fmla="val 28224"/>
-            </a:avLst>
-          </a:prstGeom>
-          <a:solidFill>
-            <a:schemeClr val="tx2">
-              <a:lumMod val="40000"/>
-              <a:lumOff val="60000"/>
-            </a:schemeClr>
-          </a:solidFill>
-          <a:ln>
-            <a:noFill/>
-          </a:ln>
-        </p:spPr>
-        <p:style>
-          <a:lnRef idx="2">
-            <a:schemeClr val="accent1">
-              <a:shade val="50000"/>
-            </a:schemeClr>
-          </a:lnRef>
-          <a:fillRef idx="1">
-            <a:schemeClr val="accent1"/>
-          </a:fillRef>
-          <a:effectRef idx="0">
-            <a:schemeClr val="accent1"/>
-          </a:effectRef>
-          <a:fontRef idx="minor">
-            <a:schemeClr val="lt1"/>
-          </a:fontRef>
-        </p:style>
-        <p:txBody>
-          <a:bodyPr anchor="ctr"/>
-          <a:lstStyle/>
-          <a:p>
-            <a:pPr algn="ctr" defTabSz="914400"/>
-            <a:endParaRPr lang="zh-CN" altLang="en-US">
-              <a:solidFill>
-                <a:prstClr val="white"/>
-              </a:solidFill>
-            </a:endParaRPr>
-          </a:p>
-        </p:txBody>
-      </p:sp>
-      <p:sp>
-        <p:nvSpPr>
-          <p:cNvPr id="10" name="五边形 20"/>
-          <p:cNvSpPr/>
-          <p:nvPr/>
-        </p:nvSpPr>
-        <p:spPr>
-          <a:xfrm>
-            <a:off x="1229819" y="1733550"/>
-            <a:ext cx="2946182" cy="4169853"/>
-          </a:xfrm>
-          <a:custGeom>
-            <a:avLst/>
-            <a:gdLst/>
-            <a:ahLst/>
-            <a:cxnLst/>
-            <a:rect l="l" t="t" r="r" b="b"/>
-            <a:pathLst>
-              <a:path w="1747984" h="2099604">
-                <a:moveTo>
-                  <a:pt x="1747984" y="1049802"/>
-                </a:moveTo>
-                <a:lnTo>
-                  <a:pt x="1155392" y="2099604"/>
-                </a:lnTo>
-                <a:lnTo>
-                  <a:pt x="0" y="2099604"/>
-                </a:lnTo>
-                <a:lnTo>
-                  <a:pt x="0" y="0"/>
-                </a:lnTo>
-                <a:lnTo>
-                  <a:pt x="1155392" y="0"/>
-                </a:lnTo>
-                <a:close/>
-              </a:path>
-            </a:pathLst>
-          </a:custGeom>
-          <a:solidFill>
-            <a:schemeClr val="tx2">
-              <a:lumMod val="20000"/>
-              <a:lumOff val="80000"/>
-            </a:schemeClr>
-          </a:solidFill>
-          <a:ln>
-            <a:noFill/>
-          </a:ln>
-        </p:spPr>
-        <p:style>
-          <a:lnRef idx="2">
-            <a:schemeClr val="accent1">
-              <a:shade val="50000"/>
-            </a:schemeClr>
-          </a:lnRef>
-          <a:fillRef idx="1">
-            <a:schemeClr val="accent1"/>
-          </a:fillRef>
-          <a:effectRef idx="0">
-            <a:schemeClr val="accent1"/>
-          </a:effectRef>
-          <a:fontRef idx="minor">
-            <a:schemeClr val="lt1"/>
-          </a:fontRef>
-        </p:style>
-        <p:txBody>
-          <a:bodyPr anchor="ctr"/>
-          <a:lstStyle/>
-          <a:p>
-            <a:pPr algn="ctr" defTabSz="914400"/>
-            <a:endParaRPr lang="zh-CN" altLang="en-US">
-              <a:solidFill>
-                <a:prstClr val="white"/>
-              </a:solidFill>
-            </a:endParaRPr>
-          </a:p>
-        </p:txBody>
-      </p:sp>
-      <p:sp>
-        <p:nvSpPr>
-          <p:cNvPr id="22" name="文本框 21"/>
-          <p:cNvSpPr txBox="1"/>
-          <p:nvPr/>
-        </p:nvSpPr>
-        <p:spPr>
-          <a:xfrm>
-            <a:off x="2008273" y="1873906"/>
-            <a:ext cx="959161" cy="769441"/>
-          </a:xfrm>
-          <a:prstGeom prst="rect">
-            <a:avLst/>
-          </a:prstGeom>
-          <a:noFill/>
-        </p:spPr>
-        <p:txBody>
-          <a:bodyPr wrap="square" rtlCol="0">
-            <a:spAutoFit/>
-          </a:bodyPr>
-          <a:lstStyle/>
-          <a:p>
-            <a:r>
-              <a:rPr lang="en-US" altLang="zh-CN" sz="4400" b="1" dirty="0" smtClean="0">
-                <a:solidFill>
-                  <a:schemeClr val="bg1"/>
-                </a:solidFill>
-              </a:rPr>
-              <a:t>01</a:t>
-            </a:r>
-            <a:endParaRPr lang="zh-CN" altLang="en-US" sz="4400" b="1" dirty="0">
-              <a:solidFill>
-                <a:schemeClr val="bg1"/>
-              </a:solidFill>
-            </a:endParaRPr>
-          </a:p>
-        </p:txBody>
-      </p:sp>
-      <p:sp>
-        <p:nvSpPr>
-          <p:cNvPr id="23" name="文本框 22"/>
-          <p:cNvSpPr txBox="1"/>
-          <p:nvPr/>
-        </p:nvSpPr>
-        <p:spPr>
-          <a:xfrm>
-            <a:off x="4368753" y="1873906"/>
-            <a:ext cx="959161" cy="769441"/>
-          </a:xfrm>
-          <a:prstGeom prst="rect">
-            <a:avLst/>
-          </a:prstGeom>
-          <a:noFill/>
-        </p:spPr>
-        <p:txBody>
-          <a:bodyPr wrap="square" rtlCol="0">
-            <a:spAutoFit/>
-          </a:bodyPr>
-          <a:lstStyle/>
-          <a:p>
-            <a:r>
-              <a:rPr lang="en-US" altLang="zh-CN" sz="4400" b="1" dirty="0" smtClean="0">
-                <a:solidFill>
-                  <a:schemeClr val="bg1"/>
-                </a:solidFill>
-              </a:rPr>
-              <a:t>02</a:t>
-            </a:r>
-            <a:endParaRPr lang="zh-CN" altLang="en-US" sz="4400" b="1" dirty="0">
-              <a:solidFill>
-                <a:schemeClr val="bg1"/>
-              </a:solidFill>
-            </a:endParaRPr>
-          </a:p>
-        </p:txBody>
-      </p:sp>
-      <p:sp>
-        <p:nvSpPr>
-          <p:cNvPr id="24" name="文本框 23"/>
-          <p:cNvSpPr txBox="1"/>
-          <p:nvPr/>
-        </p:nvSpPr>
-        <p:spPr>
-          <a:xfrm>
-            <a:off x="6756446" y="1873906"/>
-            <a:ext cx="959161" cy="769441"/>
-          </a:xfrm>
-          <a:prstGeom prst="rect">
-            <a:avLst/>
-          </a:prstGeom>
-          <a:noFill/>
-        </p:spPr>
-        <p:txBody>
-          <a:bodyPr wrap="square" rtlCol="0">
-            <a:spAutoFit/>
-          </a:bodyPr>
-          <a:lstStyle/>
-          <a:p>
-            <a:r>
-              <a:rPr lang="en-US" altLang="zh-CN" sz="4400" b="1" dirty="0" smtClean="0">
-                <a:solidFill>
-                  <a:schemeClr val="bg1"/>
-                </a:solidFill>
-              </a:rPr>
-              <a:t>03</a:t>
-            </a:r>
-            <a:endParaRPr lang="zh-CN" altLang="en-US" sz="4400" b="1" dirty="0">
-              <a:solidFill>
-                <a:schemeClr val="bg1"/>
-              </a:solidFill>
-            </a:endParaRPr>
-          </a:p>
-        </p:txBody>
-      </p:sp>
-      <p:sp>
-        <p:nvSpPr>
-          <p:cNvPr id="25" name="文本框 24"/>
-          <p:cNvSpPr txBox="1"/>
-          <p:nvPr/>
-        </p:nvSpPr>
-        <p:spPr>
-          <a:xfrm>
-            <a:off x="8885510" y="1873906"/>
-            <a:ext cx="959161" cy="769441"/>
-          </a:xfrm>
-          <a:prstGeom prst="rect">
-            <a:avLst/>
-          </a:prstGeom>
-          <a:noFill/>
-        </p:spPr>
-        <p:txBody>
-          <a:bodyPr wrap="square" rtlCol="0">
-            <a:spAutoFit/>
-          </a:bodyPr>
-          <a:lstStyle/>
-          <a:p>
-            <a:r>
-              <a:rPr lang="en-US" altLang="zh-CN" sz="4400" b="1" dirty="0" smtClean="0">
-                <a:solidFill>
-                  <a:schemeClr val="bg1"/>
-                </a:solidFill>
-              </a:rPr>
-              <a:t>04</a:t>
-            </a:r>
-            <a:endParaRPr lang="zh-CN" altLang="en-US" sz="4400" b="1" dirty="0">
-              <a:solidFill>
-                <a:schemeClr val="bg1"/>
-              </a:solidFill>
-            </a:endParaRPr>
-          </a:p>
-        </p:txBody>
-      </p:sp>
-      <p:sp>
-        <p:nvSpPr>
-          <p:cNvPr id="30" name="文本框 29"/>
-          <p:cNvSpPr txBox="1"/>
-          <p:nvPr/>
-        </p:nvSpPr>
-        <p:spPr>
-          <a:xfrm>
-            <a:off x="1486872" y="2537680"/>
-            <a:ext cx="2105414" cy="2973105"/>
-          </a:xfrm>
-          <a:prstGeom prst="rect">
-            <a:avLst/>
-          </a:prstGeom>
-          <a:noFill/>
-        </p:spPr>
-        <p:txBody>
-          <a:bodyPr wrap="square" lIns="91424" tIns="45712" rIns="91424" bIns="45712" rtlCol="0">
-            <a:spAutoFit/>
-          </a:bodyPr>
-          <a:lstStyle/>
-          <a:p>
-            <a:pPr>
-              <a:lnSpc>
-                <a:spcPct val="130000"/>
-              </a:lnSpc>
-            </a:pPr>
-            <a:r>
-              <a:rPr lang="zh-CN" altLang="en-US" sz="2400" dirty="0" smtClean="0">
-                <a:solidFill>
-                  <a:schemeClr val="bg1"/>
-                </a:solidFill>
-                <a:latin typeface="微软雅黑" panose="020B0503020204020204" pitchFamily="34" charset="-122"/>
-                <a:ea typeface="微软雅黑" panose="020B0503020204020204" pitchFamily="34" charset="-122"/>
-              </a:rPr>
-              <a:t>标题数字等都可以通过点击和重新输入进行更改，顶部“开始”面板中可以对字体</a:t>
-            </a:r>
-            <a:r>
-              <a:rPr lang="zh-CN" altLang="en-US" sz="2400" dirty="0" smtClean="0">
-                <a:solidFill>
-                  <a:schemeClr val="bg1"/>
-                </a:solidFill>
-                <a:latin typeface="微软雅黑" panose="020B0503020204020204" pitchFamily="34" charset="-122"/>
-                <a:ea typeface="微软雅黑" panose="020B0503020204020204" pitchFamily="34" charset="-122"/>
-              </a:rPr>
-              <a:t>、</a:t>
-            </a:r>
-            <a:endParaRPr kumimoji="1" lang="en-US" altLang="zh-CN" sz="2400" dirty="0">
-              <a:solidFill>
-                <a:schemeClr val="bg1"/>
-              </a:solidFill>
-              <a:latin typeface="微软雅黑" panose="020B0503020204020204" pitchFamily="34" charset="-122"/>
-              <a:ea typeface="微软雅黑" panose="020B0503020204020204" pitchFamily="34" charset="-122"/>
-              <a:cs typeface="Arial"/>
-            </a:endParaRPr>
-          </a:p>
-        </p:txBody>
-      </p:sp>
-      <p:sp>
-        <p:nvSpPr>
-          <p:cNvPr id="34" name="文本框 29"/>
-          <p:cNvSpPr txBox="1"/>
-          <p:nvPr/>
-        </p:nvSpPr>
-        <p:spPr>
-          <a:xfrm>
-            <a:off x="3981256" y="2596774"/>
-            <a:ext cx="2105414" cy="2973105"/>
-          </a:xfrm>
-          <a:prstGeom prst="rect">
-            <a:avLst/>
-          </a:prstGeom>
-          <a:noFill/>
-        </p:spPr>
-        <p:txBody>
-          <a:bodyPr wrap="square" lIns="91424" tIns="45712" rIns="91424" bIns="45712" rtlCol="0">
-            <a:spAutoFit/>
-          </a:bodyPr>
-          <a:lstStyle/>
-          <a:p>
-            <a:pPr>
-              <a:lnSpc>
-                <a:spcPct val="130000"/>
-              </a:lnSpc>
-            </a:pPr>
-            <a:r>
-              <a:rPr lang="zh-CN" altLang="en-US" sz="2400" dirty="0" smtClean="0">
-                <a:solidFill>
-                  <a:schemeClr val="bg1"/>
-                </a:solidFill>
-                <a:latin typeface="微软雅黑" panose="020B0503020204020204" pitchFamily="34" charset="-122"/>
-                <a:ea typeface="微软雅黑" panose="020B0503020204020204" pitchFamily="34" charset="-122"/>
-              </a:rPr>
-              <a:t>标题数字等都可以通过点击和重新输入进行更改，顶部“开始”面板中可以对字体</a:t>
-            </a:r>
-            <a:r>
-              <a:rPr lang="zh-CN" altLang="en-US" sz="2400" dirty="0" smtClean="0">
-                <a:solidFill>
-                  <a:schemeClr val="bg1"/>
-                </a:solidFill>
-                <a:latin typeface="微软雅黑" panose="020B0503020204020204" pitchFamily="34" charset="-122"/>
-                <a:ea typeface="微软雅黑" panose="020B0503020204020204" pitchFamily="34" charset="-122"/>
-              </a:rPr>
-              <a:t>、</a:t>
-            </a:r>
-            <a:endParaRPr kumimoji="1" lang="en-US" altLang="zh-CN" sz="2400" dirty="0">
-              <a:solidFill>
-                <a:schemeClr val="bg1"/>
-              </a:solidFill>
-              <a:latin typeface="微软雅黑" panose="020B0503020204020204" pitchFamily="34" charset="-122"/>
-              <a:ea typeface="微软雅黑" panose="020B0503020204020204" pitchFamily="34" charset="-122"/>
-              <a:cs typeface="Arial"/>
-            </a:endParaRPr>
-          </a:p>
-        </p:txBody>
-      </p:sp>
-      <p:sp>
-        <p:nvSpPr>
-          <p:cNvPr id="35" name="文本框 29"/>
-          <p:cNvSpPr txBox="1"/>
-          <p:nvPr/>
-        </p:nvSpPr>
-        <p:spPr>
-          <a:xfrm>
-            <a:off x="6369893" y="2615435"/>
-            <a:ext cx="2105414" cy="2973105"/>
-          </a:xfrm>
-          <a:prstGeom prst="rect">
-            <a:avLst/>
-          </a:prstGeom>
-          <a:noFill/>
-        </p:spPr>
-        <p:txBody>
-          <a:bodyPr wrap="square" lIns="91424" tIns="45712" rIns="91424" bIns="45712" rtlCol="0">
-            <a:spAutoFit/>
-          </a:bodyPr>
-          <a:lstStyle/>
-          <a:p>
-            <a:pPr>
-              <a:lnSpc>
-                <a:spcPct val="130000"/>
-              </a:lnSpc>
-            </a:pPr>
-            <a:r>
-              <a:rPr lang="zh-CN" altLang="en-US" sz="2400" dirty="0" smtClean="0">
-                <a:solidFill>
-                  <a:schemeClr val="bg1"/>
-                </a:solidFill>
-                <a:latin typeface="微软雅黑" panose="020B0503020204020204" pitchFamily="34" charset="-122"/>
-                <a:ea typeface="微软雅黑" panose="020B0503020204020204" pitchFamily="34" charset="-122"/>
-              </a:rPr>
-              <a:t>标题数字等都可以通过点击和重新输入进行更改，顶部“开始”面板中可以对字体</a:t>
-            </a:r>
-            <a:r>
-              <a:rPr lang="zh-CN" altLang="en-US" sz="2400" dirty="0" smtClean="0">
-                <a:solidFill>
-                  <a:schemeClr val="bg1"/>
-                </a:solidFill>
-                <a:latin typeface="微软雅黑" panose="020B0503020204020204" pitchFamily="34" charset="-122"/>
-                <a:ea typeface="微软雅黑" panose="020B0503020204020204" pitchFamily="34" charset="-122"/>
-              </a:rPr>
-              <a:t>、</a:t>
-            </a:r>
-            <a:endParaRPr kumimoji="1" lang="en-US" altLang="zh-CN" sz="2400" dirty="0">
-              <a:solidFill>
-                <a:schemeClr val="bg1"/>
-              </a:solidFill>
-              <a:latin typeface="微软雅黑" panose="020B0503020204020204" pitchFamily="34" charset="-122"/>
-              <a:ea typeface="微软雅黑" panose="020B0503020204020204" pitchFamily="34" charset="-122"/>
-              <a:cs typeface="Arial"/>
-            </a:endParaRPr>
-          </a:p>
-        </p:txBody>
-      </p:sp>
-      <p:sp>
-        <p:nvSpPr>
-          <p:cNvPr id="36" name="文本框 29"/>
-          <p:cNvSpPr txBox="1"/>
-          <p:nvPr/>
-        </p:nvSpPr>
-        <p:spPr>
-          <a:xfrm>
-            <a:off x="8637231" y="2662089"/>
-            <a:ext cx="2105414" cy="2973105"/>
-          </a:xfrm>
-          <a:prstGeom prst="rect">
-            <a:avLst/>
-          </a:prstGeom>
-          <a:noFill/>
-        </p:spPr>
-        <p:txBody>
-          <a:bodyPr wrap="square" lIns="91424" tIns="45712" rIns="91424" bIns="45712" rtlCol="0">
-            <a:spAutoFit/>
-          </a:bodyPr>
-          <a:lstStyle/>
-          <a:p>
-            <a:pPr>
-              <a:lnSpc>
-                <a:spcPct val="130000"/>
-              </a:lnSpc>
-            </a:pPr>
-            <a:r>
-              <a:rPr lang="zh-CN" altLang="en-US" sz="2400" dirty="0" smtClean="0">
-                <a:solidFill>
-                  <a:schemeClr val="bg1"/>
-                </a:solidFill>
-                <a:latin typeface="微软雅黑" panose="020B0503020204020204" pitchFamily="34" charset="-122"/>
-                <a:ea typeface="微软雅黑" panose="020B0503020204020204" pitchFamily="34" charset="-122"/>
-              </a:rPr>
-              <a:t>标题数字等都可以通过点击和重新输入进行更改，顶部“开始”面板中可以对字体</a:t>
-            </a:r>
-            <a:r>
-              <a:rPr lang="zh-CN" altLang="en-US" sz="2400" dirty="0" smtClean="0">
-                <a:solidFill>
-                  <a:schemeClr val="bg1"/>
-                </a:solidFill>
-                <a:latin typeface="微软雅黑" panose="020B0503020204020204" pitchFamily="34" charset="-122"/>
-                <a:ea typeface="微软雅黑" panose="020B0503020204020204" pitchFamily="34" charset="-122"/>
-              </a:rPr>
-              <a:t>、</a:t>
-            </a:r>
-            <a:endParaRPr kumimoji="1" lang="en-US" altLang="zh-CN" sz="2400" dirty="0">
-              <a:solidFill>
-                <a:schemeClr val="bg1"/>
-              </a:solidFill>
-              <a:latin typeface="微软雅黑" panose="020B0503020204020204" pitchFamily="34" charset="-122"/>
-              <a:ea typeface="微软雅黑" panose="020B0503020204020204" pitchFamily="34" charset="-122"/>
-              <a:cs typeface="Arial"/>
-            </a:endParaRPr>
-          </a:p>
-        </p:txBody>
-      </p:sp>
-    </p:spTree>
-    <p:extLst>
-      <p:ext uri="{BB962C8B-B14F-4D97-AF65-F5344CB8AC3E}">
-        <p14:creationId xmlns:p14="http://schemas.microsoft.com/office/powerpoint/2010/main" xmlns="" val="1660570423"/>
-      </p:ext>
-    </p:extLst>
-  </p:cSld>
-  <p:clrMapOvr>
-    <a:masterClrMapping/>
-  </p:clrMapOvr>
-  <p:transition spd="slow">
-    <p:push dir="u"/>
-  </p:transition>
-  <p:timing>
-    <p:tnLst>
-      <p:par>
-        <p:cTn id="1" dur="indefinite" restart="never" nodeType="tmRoot"/>
-      </p:par>
-    </p:tnLst>
-  </p:timing>
-</p:sld>
-</file>
-
-<file path=ppt/slides/slide9.xml><?xml version="1.0" encoding="utf-8"?>
-<p:sld xmlns:a="http://schemas.openxmlformats.org/drawingml/2006/main" xmlns:r="http://schemas.openxmlformats.org/officeDocument/2006/relationships" xmlns:p="http://schemas.openxmlformats.org/presentationml/2006/main">
-  <p:cSld>
-    <p:spTree>
-      <p:nvGrpSpPr>
-        <p:cNvPr id="1" name=""/>
-        <p:cNvGrpSpPr/>
-        <p:nvPr/>
-      </p:nvGrpSpPr>
-      <p:grpSpPr>
-        <a:xfrm>
-          <a:off x="0" y="0"/>
-          <a:ext cx="0" cy="0"/>
-          <a:chOff x="0" y="0"/>
-          <a:chExt cx="0" cy="0"/>
-        </a:xfrm>
-      </p:grpSpPr>
-      <p:sp>
-        <p:nvSpPr>
-          <p:cNvPr id="2" name="文本框 1"/>
-          <p:cNvSpPr txBox="1"/>
-          <p:nvPr/>
-        </p:nvSpPr>
-        <p:spPr>
-          <a:xfrm>
-            <a:off x="2157187" y="2083707"/>
-            <a:ext cx="3788228" cy="1862048"/>
-          </a:xfrm>
-          <a:prstGeom prst="rect">
-            <a:avLst/>
-          </a:prstGeom>
-          <a:noFill/>
-        </p:spPr>
-        <p:txBody>
-          <a:bodyPr wrap="square" rtlCol="0">
-            <a:spAutoFit/>
-          </a:bodyPr>
-          <a:lstStyle/>
-          <a:p>
-            <a:r>
-              <a:rPr lang="en-US" altLang="zh-CN" sz="11500" b="1" dirty="0" smtClean="0">
-                <a:solidFill>
-                  <a:schemeClr val="bg1"/>
-                </a:solidFill>
-              </a:rPr>
-              <a:t>2015</a:t>
-            </a:r>
-            <a:endParaRPr lang="zh-CN" altLang="en-US" sz="11500" b="1" dirty="0">
-              <a:solidFill>
-                <a:schemeClr val="bg1"/>
-              </a:solidFill>
-            </a:endParaRPr>
-          </a:p>
-        </p:txBody>
-      </p:sp>
-      <p:cxnSp>
-        <p:nvCxnSpPr>
-          <p:cNvPr id="3" name="直接连接符 2"/>
-          <p:cNvCxnSpPr/>
-          <p:nvPr/>
-        </p:nvCxnSpPr>
-        <p:spPr>
-          <a:xfrm>
-            <a:off x="5626103" y="2446564"/>
-            <a:ext cx="0" cy="1797289"/>
-          </a:xfrm>
-          <a:prstGeom prst="line">
-            <a:avLst/>
-          </a:prstGeom>
-          <a:ln>
-            <a:solidFill>
-              <a:schemeClr val="bg1"/>
-            </a:solidFill>
-          </a:ln>
-        </p:spPr>
-        <p:style>
-          <a:lnRef idx="1">
-            <a:schemeClr val="accent1"/>
-          </a:lnRef>
-          <a:fillRef idx="0">
-            <a:schemeClr val="accent1"/>
-          </a:fillRef>
-          <a:effectRef idx="0">
-            <a:schemeClr val="accent1"/>
-          </a:effectRef>
-          <a:fontRef idx="minor">
-            <a:schemeClr val="tx1"/>
-          </a:fontRef>
-        </p:style>
-      </p:cxnSp>
-      <p:sp>
-        <p:nvSpPr>
-          <p:cNvPr id="4" name="文本框 3"/>
-          <p:cNvSpPr txBox="1"/>
-          <p:nvPr/>
-        </p:nvSpPr>
-        <p:spPr>
-          <a:xfrm>
-            <a:off x="2274726" y="3694792"/>
-            <a:ext cx="3032066" cy="549061"/>
-          </a:xfrm>
-          <a:prstGeom prst="rect">
-            <a:avLst/>
-          </a:prstGeom>
-          <a:noFill/>
-        </p:spPr>
-        <p:txBody>
-          <a:bodyPr wrap="square" rtlCol="0">
-            <a:spAutoFit/>
-          </a:bodyPr>
-          <a:lstStyle>
-            <a:defPPr>
-              <a:defRPr lang="zh-CN"/>
-            </a:defPPr>
-            <a:lvl1pPr marL="0" algn="l" defTabSz="914400" rtl="0" eaLnBrk="1" latinLnBrk="0" hangingPunct="1">
-              <a:defRPr sz="1800" kern="1200">
-                <a:solidFill>
-                  <a:schemeClr val="tx1"/>
-                </a:solidFill>
-                <a:latin typeface="+mn-lt"/>
-                <a:ea typeface="+mn-ea"/>
-                <a:cs typeface="+mn-cs"/>
-              </a:defRPr>
-            </a:lvl1pPr>
-            <a:lvl2pPr marL="457200" algn="l" defTabSz="914400" rtl="0" eaLnBrk="1" latinLnBrk="0" hangingPunct="1">
-              <a:defRPr sz="1800" kern="1200">
-                <a:solidFill>
-                  <a:schemeClr val="tx1"/>
-                </a:solidFill>
-                <a:latin typeface="+mn-lt"/>
-                <a:ea typeface="+mn-ea"/>
-                <a:cs typeface="+mn-cs"/>
-              </a:defRPr>
-            </a:lvl2pPr>
-            <a:lvl3pPr marL="914400" algn="l" defTabSz="914400" rtl="0" eaLnBrk="1" latinLnBrk="0" hangingPunct="1">
-              <a:defRPr sz="1800" kern="1200">
-                <a:solidFill>
-                  <a:schemeClr val="tx1"/>
-                </a:solidFill>
-                <a:latin typeface="+mn-lt"/>
-                <a:ea typeface="+mn-ea"/>
-                <a:cs typeface="+mn-cs"/>
-              </a:defRPr>
-            </a:lvl3pPr>
-            <a:lvl4pPr marL="1371600" algn="l" defTabSz="914400" rtl="0" eaLnBrk="1" latinLnBrk="0" hangingPunct="1">
-              <a:defRPr sz="1800" kern="1200">
-                <a:solidFill>
-                  <a:schemeClr val="tx1"/>
-                </a:solidFill>
-                <a:latin typeface="+mn-lt"/>
-                <a:ea typeface="+mn-ea"/>
-                <a:cs typeface="+mn-cs"/>
-              </a:defRPr>
-            </a:lvl4pPr>
-            <a:lvl5pPr marL="1828800" algn="l" defTabSz="914400" rtl="0" eaLnBrk="1" latinLnBrk="0" hangingPunct="1">
-              <a:defRPr sz="1800" kern="1200">
-                <a:solidFill>
-                  <a:schemeClr val="tx1"/>
-                </a:solidFill>
-                <a:latin typeface="+mn-lt"/>
-                <a:ea typeface="+mn-ea"/>
-                <a:cs typeface="+mn-cs"/>
-              </a:defRPr>
-            </a:lvl5pPr>
-            <a:lvl6pPr marL="2286000" algn="l" defTabSz="914400" rtl="0" eaLnBrk="1" latinLnBrk="0" hangingPunct="1">
-              <a:defRPr sz="1800" kern="1200">
-                <a:solidFill>
-                  <a:schemeClr val="tx1"/>
-                </a:solidFill>
-                <a:latin typeface="+mn-lt"/>
-                <a:ea typeface="+mn-ea"/>
-                <a:cs typeface="+mn-cs"/>
-              </a:defRPr>
-            </a:lvl6pPr>
-            <a:lvl7pPr marL="2743200" algn="l" defTabSz="914400" rtl="0" eaLnBrk="1" latinLnBrk="0" hangingPunct="1">
-              <a:defRPr sz="1800" kern="1200">
-                <a:solidFill>
-                  <a:schemeClr val="tx1"/>
-                </a:solidFill>
-                <a:latin typeface="+mn-lt"/>
-                <a:ea typeface="+mn-ea"/>
-                <a:cs typeface="+mn-cs"/>
-              </a:defRPr>
-            </a:lvl7pPr>
-            <a:lvl8pPr marL="3200400" algn="l" defTabSz="914400" rtl="0" eaLnBrk="1" latinLnBrk="0" hangingPunct="1">
-              <a:defRPr sz="1800" kern="1200">
-                <a:solidFill>
-                  <a:schemeClr val="tx1"/>
-                </a:solidFill>
-                <a:latin typeface="+mn-lt"/>
-                <a:ea typeface="+mn-ea"/>
-                <a:cs typeface="+mn-cs"/>
-              </a:defRPr>
-            </a:lvl8pPr>
-            <a:lvl9pPr marL="3657600" algn="l" defTabSz="914400" rtl="0" eaLnBrk="1" latinLnBrk="0" hangingPunct="1">
-              <a:defRPr sz="1800" kern="1200">
-                <a:solidFill>
-                  <a:schemeClr val="tx1"/>
-                </a:solidFill>
-                <a:latin typeface="+mn-lt"/>
-                <a:ea typeface="+mn-ea"/>
-                <a:cs typeface="+mn-cs"/>
-              </a:defRPr>
-            </a:lvl9pPr>
-          </a:lstStyle>
-          <a:p>
-            <a:pPr algn="r">
-              <a:lnSpc>
-                <a:spcPct val="130000"/>
-              </a:lnSpc>
-            </a:pPr>
-            <a:r>
-              <a:rPr lang="zh-CN" altLang="en-US" sz="1200" dirty="0" smtClean="0">
-                <a:solidFill>
-                  <a:schemeClr val="bg1"/>
-                </a:solidFill>
-                <a:latin typeface="微软雅黑" panose="020B0503020204020204" pitchFamily="34" charset="-122"/>
-                <a:ea typeface="微软雅黑" panose="020B0503020204020204" pitchFamily="34" charset="-122"/>
-              </a:rPr>
-              <a:t>标题数字等都可以通过点击</a:t>
-            </a:r>
-            <a:r>
-              <a:rPr lang="zh-CN" altLang="en-US" sz="1200" dirty="0">
-                <a:solidFill>
-                  <a:schemeClr val="bg1"/>
-                </a:solidFill>
-                <a:latin typeface="微软雅黑" panose="020B0503020204020204" pitchFamily="34" charset="-122"/>
-                <a:ea typeface="微软雅黑" panose="020B0503020204020204" pitchFamily="34" charset="-122"/>
-              </a:rPr>
-              <a:t>和重新输入进行更改</a:t>
-            </a:r>
-            <a:r>
-              <a:rPr lang="zh-CN" altLang="en-US" sz="1200" dirty="0" smtClean="0">
-                <a:solidFill>
-                  <a:schemeClr val="bg1"/>
-                </a:solidFill>
-                <a:latin typeface="微软雅黑" panose="020B0503020204020204" pitchFamily="34" charset="-122"/>
-                <a:ea typeface="微软雅黑" panose="020B0503020204020204" pitchFamily="34" charset="-122"/>
-              </a:rPr>
-              <a:t>，建议</a:t>
-            </a:r>
-            <a:r>
-              <a:rPr lang="zh-CN" altLang="en-US" sz="1200" dirty="0">
-                <a:solidFill>
-                  <a:schemeClr val="bg1"/>
-                </a:solidFill>
-                <a:latin typeface="微软雅黑" panose="020B0503020204020204" pitchFamily="34" charset="-122"/>
-                <a:ea typeface="微软雅黑" panose="020B0503020204020204" pitchFamily="34" charset="-122"/>
-              </a:rPr>
-              <a:t>正文</a:t>
-            </a:r>
-            <a:r>
-              <a:rPr lang="en-US" altLang="zh-CN" sz="1200" dirty="0" smtClean="0">
-                <a:solidFill>
-                  <a:schemeClr val="bg1"/>
-                </a:solidFill>
-                <a:latin typeface="微软雅黑" panose="020B0503020204020204" pitchFamily="34" charset="-122"/>
-                <a:ea typeface="微软雅黑" panose="020B0503020204020204" pitchFamily="34" charset="-122"/>
-              </a:rPr>
-              <a:t>12</a:t>
-            </a:r>
-            <a:r>
-              <a:rPr lang="zh-CN" altLang="en-US" sz="1200" dirty="0" smtClean="0">
-                <a:solidFill>
-                  <a:schemeClr val="bg1"/>
-                </a:solidFill>
-                <a:latin typeface="微软雅黑" panose="020B0503020204020204" pitchFamily="34" charset="-122"/>
-                <a:ea typeface="微软雅黑" panose="020B0503020204020204" pitchFamily="34" charset="-122"/>
-              </a:rPr>
-              <a:t>号</a:t>
-            </a:r>
-            <a:r>
-              <a:rPr lang="zh-CN" altLang="en-US" sz="1200" dirty="0">
-                <a:solidFill>
-                  <a:schemeClr val="bg1"/>
-                </a:solidFill>
-                <a:latin typeface="微软雅黑" panose="020B0503020204020204" pitchFamily="34" charset="-122"/>
-                <a:ea typeface="微软雅黑" panose="020B0503020204020204" pitchFamily="34" charset="-122"/>
-              </a:rPr>
-              <a:t>字，</a:t>
-            </a:r>
-            <a:r>
-              <a:rPr lang="en-US" altLang="zh-CN" sz="1200" dirty="0">
-                <a:solidFill>
-                  <a:schemeClr val="bg1"/>
-                </a:solidFill>
-                <a:latin typeface="微软雅黑" panose="020B0503020204020204" pitchFamily="34" charset="-122"/>
-                <a:ea typeface="微软雅黑" panose="020B0503020204020204" pitchFamily="34" charset="-122"/>
-              </a:rPr>
-              <a:t>1.3</a:t>
-            </a:r>
-            <a:r>
-              <a:rPr lang="zh-CN" altLang="en-US" sz="1200" dirty="0">
-                <a:solidFill>
-                  <a:schemeClr val="bg1"/>
-                </a:solidFill>
-                <a:latin typeface="微软雅黑" panose="020B0503020204020204" pitchFamily="34" charset="-122"/>
-                <a:ea typeface="微软雅黑" panose="020B0503020204020204" pitchFamily="34" charset="-122"/>
-              </a:rPr>
-              <a:t>倍字间距。</a:t>
-            </a:r>
-          </a:p>
-        </p:txBody>
-      </p:sp>
-      <p:sp>
-        <p:nvSpPr>
-          <p:cNvPr id="5" name="矩形 4"/>
-          <p:cNvSpPr/>
-          <p:nvPr/>
-        </p:nvSpPr>
-        <p:spPr>
-          <a:xfrm>
-            <a:off x="5945415" y="2502322"/>
-            <a:ext cx="2337499" cy="1569660"/>
-          </a:xfrm>
-          <a:prstGeom prst="rect">
-            <a:avLst/>
-          </a:prstGeom>
-        </p:spPr>
-        <p:txBody>
-          <a:bodyPr wrap="none">
-            <a:spAutoFit/>
-          </a:bodyPr>
-          <a:lstStyle/>
-          <a:p>
-            <a:r>
-              <a:rPr kumimoji="1" lang="en-US" altLang="zh-CN" sz="4800" dirty="0" smtClean="0">
-                <a:solidFill>
-                  <a:schemeClr val="bg1"/>
-                </a:solidFill>
-                <a:latin typeface="微软雅黑" panose="020B0503020204020204" pitchFamily="34" charset="-122"/>
-                <a:ea typeface="微软雅黑" panose="020B0503020204020204" pitchFamily="34" charset="-122"/>
-              </a:rPr>
-              <a:t>THANK</a:t>
-            </a:r>
-          </a:p>
-          <a:p>
-            <a:r>
-              <a:rPr kumimoji="1" lang="en-US" altLang="zh-CN" sz="4800" dirty="0" smtClean="0">
-                <a:solidFill>
-                  <a:schemeClr val="bg1"/>
-                </a:solidFill>
-                <a:latin typeface="微软雅黑" panose="020B0503020204020204" pitchFamily="34" charset="-122"/>
-                <a:ea typeface="微软雅黑" panose="020B0503020204020204" pitchFamily="34" charset="-122"/>
-              </a:rPr>
-              <a:t>YOU!</a:t>
-            </a:r>
-            <a:endParaRPr kumimoji="1" lang="zh-CN" altLang="en-US" sz="4800" dirty="0">
-              <a:solidFill>
-                <a:schemeClr val="bg1"/>
-              </a:solidFill>
-              <a:latin typeface="微软雅黑" panose="020B0503020204020204" pitchFamily="34" charset="-122"/>
-              <a:ea typeface="微软雅黑" panose="020B0503020204020204" pitchFamily="34" charset="-122"/>
-            </a:endParaRPr>
-          </a:p>
-        </p:txBody>
-      </p:sp>
-      <p:sp>
-        <p:nvSpPr>
-          <p:cNvPr id="6" name="矩形 5"/>
-          <p:cNvSpPr/>
-          <p:nvPr/>
-        </p:nvSpPr>
-        <p:spPr>
-          <a:xfrm>
-            <a:off x="5980766" y="4056597"/>
-            <a:ext cx="2089539" cy="307773"/>
-          </a:xfrm>
-          <a:prstGeom prst="rect">
-            <a:avLst/>
-          </a:prstGeom>
-        </p:spPr>
-        <p:txBody>
-          <a:bodyPr wrap="none" lIns="91436" tIns="45718" rIns="91436" bIns="45718">
-            <a:spAutoFit/>
-          </a:bodyPr>
-          <a:lstStyle/>
-          <a:p>
-            <a:pPr algn="ctr"/>
-            <a:r>
-              <a:rPr kumimoji="1" lang="en-US" altLang="zh-CN" sz="1400" dirty="0">
-                <a:solidFill>
-                  <a:schemeClr val="bg1"/>
-                </a:solidFill>
-              </a:rPr>
-              <a:t>PRESENTED</a:t>
-            </a:r>
-            <a:r>
-              <a:rPr kumimoji="1" lang="zh-CN" altLang="en-US" sz="1400" dirty="0">
-                <a:solidFill>
-                  <a:schemeClr val="bg1"/>
-                </a:solidFill>
-              </a:rPr>
-              <a:t> </a:t>
-            </a:r>
-            <a:r>
-              <a:rPr kumimoji="1" lang="en-US" altLang="zh-CN" sz="1400" dirty="0">
-                <a:solidFill>
-                  <a:schemeClr val="bg1"/>
-                </a:solidFill>
-              </a:rPr>
-              <a:t>BY</a:t>
-            </a:r>
-            <a:r>
-              <a:rPr kumimoji="1" lang="zh-CN" altLang="en-US" sz="1400" dirty="0">
-                <a:solidFill>
-                  <a:schemeClr val="bg1"/>
-                </a:solidFill>
-              </a:rPr>
-              <a:t> </a:t>
-            </a:r>
-            <a:r>
-              <a:rPr kumimoji="1" lang="en-US" altLang="zh-CN" sz="1400" dirty="0" err="1" smtClean="0">
-                <a:solidFill>
-                  <a:schemeClr val="bg1"/>
-                </a:solidFill>
-              </a:rPr>
-              <a:t>OfficePLUS</a:t>
-            </a:r>
-            <a:endParaRPr kumimoji="1" lang="zh-CN" altLang="en-US" sz="1400" dirty="0">
-              <a:solidFill>
-                <a:schemeClr val="bg1"/>
-              </a:solidFill>
-            </a:endParaRPr>
-          </a:p>
-        </p:txBody>
-      </p:sp>
-    </p:spTree>
-    <p:extLst>
-      <p:ext uri="{BB962C8B-B14F-4D97-AF65-F5344CB8AC3E}">
-        <p14:creationId xmlns:p14="http://schemas.microsoft.com/office/powerpoint/2010/main" xmlns="" val="3258636771"/>
-      </p:ext>
-    </p:extLst>
-  </p:cSld>
-  <p:clrMapOvr>
-    <a:masterClrMapping/>
-  </p:clrMapOvr>
-  <p:transition spd="med">
-    <p:pull/>
-  </p:transition>
-  <p:timing>
-    <p:tnLst>
-      <p:par>
-        <p:cTn id="1" dur="indefinite" restart="never" nodeType="tmRoot"/>
-      </p:par>
-    </p:tnLst>
-  </p:timing>
 </p:sld>
 </file>
 
@@ -8242,7 +9155,7 @@
   <a:extraClrSchemeLst/>
   <a:extLst>
     <a:ext uri="{05A4C25C-085E-4340-85A3-A5531E510DB2}">
-      <thm15:themeFamily xmlns:thm15="http://schemas.microsoft.com/office/thememl/2012/main" xmlns="" name="Office Theme" id="{62F939B6-93AF-4DB8-9C6B-D6C7DFDC589F}" vid="{4A3C46E8-61CC-4603-A589-7422A47A8E4A}"/>
+      <thm15:themeFamily xmlns:thm15="http://schemas.microsoft.com/office/thememl/2012/main" name="Office Theme" id="{62F939B6-93AF-4DB8-9C6B-D6C7DFDC589F}" vid="{4A3C46E8-61CC-4603-A589-7422A47A8E4A}"/>
     </a:ext>
   </a:extLst>
 </a:theme>
@@ -8503,7 +9416,7 @@
   <a:extraClrSchemeLst/>
   <a:extLst>
     <a:ext uri="{05A4C25C-085E-4340-85A3-A5531E510DB2}">
-      <thm15:themeFamily xmlns:thm15="http://schemas.microsoft.com/office/thememl/2012/main" xmlns="" name="Office Theme" id="{62F939B6-93AF-4DB8-9C6B-D6C7DFDC589F}" vid="{4A3C46E8-61CC-4603-A589-7422A47A8E4A}"/>
+      <thm15:themeFamily xmlns:thm15="http://schemas.microsoft.com/office/thememl/2012/main" name="Office Theme" id="{62F939B6-93AF-4DB8-9C6B-D6C7DFDC589F}" vid="{4A3C46E8-61CC-4603-A589-7422A47A8E4A}"/>
     </a:ext>
   </a:extLst>
 </a:theme>

--- a/非受控文档/2_叶柏成/PPT/深蓝低调稳重商务PPT模板.pptx
+++ b/非受控文档/2_叶柏成/PPT/深蓝低调稳重商务PPT模板.pptx
@@ -5,7 +5,7 @@
     <p:sldMasterId id="2147483660" r:id="rId1"/>
   </p:sldMasterIdLst>
   <p:notesMasterIdLst>
-    <p:notesMasterId r:id="rId14"/>
+    <p:notesMasterId r:id="rId13"/>
   </p:notesMasterIdLst>
   <p:sldIdLst>
     <p:sldId id="258" r:id="rId2"/>
@@ -13,13 +13,12 @@
     <p:sldId id="281" r:id="rId4"/>
     <p:sldId id="268" r:id="rId5"/>
     <p:sldId id="282" r:id="rId6"/>
-    <p:sldId id="283" r:id="rId7"/>
-    <p:sldId id="284" r:id="rId8"/>
-    <p:sldId id="262" r:id="rId9"/>
-    <p:sldId id="264" r:id="rId10"/>
-    <p:sldId id="266" r:id="rId11"/>
-    <p:sldId id="275" r:id="rId12"/>
-    <p:sldId id="276" r:id="rId13"/>
+    <p:sldId id="289" r:id="rId7"/>
+    <p:sldId id="285" r:id="rId8"/>
+    <p:sldId id="286" r:id="rId9"/>
+    <p:sldId id="287" r:id="rId10"/>
+    <p:sldId id="288" r:id="rId11"/>
+    <p:sldId id="284" r:id="rId12"/>
   </p:sldIdLst>
   <p:sldSz cx="12192000" cy="6858000"/>
   <p:notesSz cx="6858000" cy="9144000"/>
@@ -486,6 +485,91 @@
     </a:lvl9pPr>
   </p:notesStyle>
 </p:notesMaster>
+</file>
+
+<file path=ppt/notesSlides/notesSlide1.xml><?xml version="1.0" encoding="utf-8"?>
+<p:notes xmlns:a="http://schemas.openxmlformats.org/drawingml/2006/main" xmlns:r="http://schemas.openxmlformats.org/officeDocument/2006/relationships" xmlns:p="http://schemas.openxmlformats.org/presentationml/2006/main">
+  <p:cSld>
+    <p:spTree>
+      <p:nvGrpSpPr>
+        <p:cNvPr id="1" name=""/>
+        <p:cNvGrpSpPr/>
+        <p:nvPr/>
+      </p:nvGrpSpPr>
+      <p:grpSpPr>
+        <a:xfrm>
+          <a:off x="0" y="0"/>
+          <a:ext cx="0" cy="0"/>
+          <a:chOff x="0" y="0"/>
+          <a:chExt cx="0" cy="0"/>
+        </a:xfrm>
+      </p:grpSpPr>
+      <p:sp>
+        <p:nvSpPr>
+          <p:cNvPr id="2" name="幻灯片图像占位符 1"/>
+          <p:cNvSpPr>
+            <a:spLocks noGrp="1" noRot="1" noChangeAspect="1"/>
+          </p:cNvSpPr>
+          <p:nvPr>
+            <p:ph type="sldImg"/>
+          </p:nvPr>
+        </p:nvSpPr>
+        <p:spPr/>
+      </p:sp>
+      <p:sp>
+        <p:nvSpPr>
+          <p:cNvPr id="3" name="备注占位符 2"/>
+          <p:cNvSpPr>
+            <a:spLocks noGrp="1"/>
+          </p:cNvSpPr>
+          <p:nvPr>
+            <p:ph type="body" idx="1"/>
+          </p:nvPr>
+        </p:nvSpPr>
+        <p:spPr/>
+        <p:txBody>
+          <a:bodyPr/>
+          <a:lstStyle/>
+          <a:p>
+            <a:endParaRPr lang="zh-CN" altLang="en-US" dirty="0"/>
+          </a:p>
+        </p:txBody>
+      </p:sp>
+      <p:sp>
+        <p:nvSpPr>
+          <p:cNvPr id="4" name="灯片编号占位符 3"/>
+          <p:cNvSpPr>
+            <a:spLocks noGrp="1"/>
+          </p:cNvSpPr>
+          <p:nvPr>
+            <p:ph type="sldNum" sz="quarter" idx="5"/>
+          </p:nvPr>
+        </p:nvSpPr>
+        <p:spPr/>
+        <p:txBody>
+          <a:bodyPr/>
+          <a:lstStyle/>
+          <a:p>
+            <a:fld id="{B03B68E5-EFBF-482F-9AC2-4332C0FB9631}" type="slidenum">
+              <a:rPr lang="zh-CN" altLang="en-US" smtClean="0"/>
+              <a:pPr/>
+              <a:t>9</a:t>
+            </a:fld>
+            <a:endParaRPr lang="zh-CN" altLang="en-US"/>
+          </a:p>
+        </p:txBody>
+      </p:sp>
+    </p:spTree>
+    <p:extLst>
+      <p:ext uri="{BB962C8B-B14F-4D97-AF65-F5344CB8AC3E}">
+        <p14:creationId xmlns:p14="http://schemas.microsoft.com/office/powerpoint/2010/main" val="3641091981"/>
+      </p:ext>
+    </p:extLst>
+  </p:cSld>
+  <p:clrMapOvr>
+    <a:masterClrMapping/>
+  </p:clrMapOvr>
+</p:notes>
 </file>
 
 <file path=ppt/slideLayouts/slideLayout1.xml><?xml version="1.0" encoding="utf-8"?>
@@ -3540,122 +3624,15 @@
           <a:chExt cx="0" cy="0"/>
         </a:xfrm>
       </p:grpSpPr>
-      <p:grpSp>
-        <p:nvGrpSpPr>
-          <p:cNvPr id="3" name="组合 2"/>
-          <p:cNvGrpSpPr/>
-          <p:nvPr/>
-        </p:nvGrpSpPr>
-        <p:grpSpPr>
-          <a:xfrm>
-            <a:off x="0" y="0"/>
-            <a:ext cx="12192000" cy="6858000"/>
-            <a:chOff x="0" y="0"/>
-            <a:chExt cx="12192000" cy="6858000"/>
-          </a:xfrm>
-        </p:grpSpPr>
-        <p:sp>
-          <p:nvSpPr>
-            <p:cNvPr id="4" name="矩形 3"/>
-            <p:cNvSpPr/>
-            <p:nvPr/>
-          </p:nvSpPr>
-          <p:spPr>
-            <a:xfrm>
-              <a:off x="3067050" y="0"/>
-              <a:ext cx="9124950" cy="6858000"/>
-            </a:xfrm>
-            <a:prstGeom prst="rect">
-              <a:avLst/>
-            </a:prstGeom>
-            <a:solidFill>
-              <a:schemeClr val="bg1"/>
-            </a:solidFill>
-            <a:ln>
-              <a:noFill/>
-            </a:ln>
-          </p:spPr>
-          <p:style>
-            <a:lnRef idx="2">
-              <a:schemeClr val="accent1">
-                <a:shade val="50000"/>
-              </a:schemeClr>
-            </a:lnRef>
-            <a:fillRef idx="1">
-              <a:schemeClr val="accent1"/>
-            </a:fillRef>
-            <a:effectRef idx="0">
-              <a:schemeClr val="accent1"/>
-            </a:effectRef>
-            <a:fontRef idx="minor">
-              <a:schemeClr val="lt1"/>
-            </a:fontRef>
-          </p:style>
-          <p:txBody>
-            <a:bodyPr rtlCol="0" anchor="ctr"/>
-            <a:lstStyle/>
-            <a:p>
-              <a:pPr algn="ctr"/>
-              <a:endParaRPr lang="zh-CN" altLang="en-US"/>
-            </a:p>
-          </p:txBody>
-        </p:sp>
-        <p:sp>
-          <p:nvSpPr>
-            <p:cNvPr id="5" name="流程图: 手动输入 4"/>
-            <p:cNvSpPr/>
-            <p:nvPr/>
-          </p:nvSpPr>
-          <p:spPr>
-            <a:xfrm>
-              <a:off x="0" y="0"/>
-              <a:ext cx="3067050" cy="6858000"/>
-            </a:xfrm>
-            <a:prstGeom prst="flowChartManualInput">
-              <a:avLst/>
-            </a:prstGeom>
-            <a:solidFill>
-              <a:schemeClr val="bg1"/>
-            </a:solidFill>
-            <a:ln>
-              <a:noFill/>
-            </a:ln>
-          </p:spPr>
-          <p:style>
-            <a:lnRef idx="2">
-              <a:schemeClr val="accent1">
-                <a:shade val="50000"/>
-              </a:schemeClr>
-            </a:lnRef>
-            <a:fillRef idx="1">
-              <a:schemeClr val="accent1"/>
-            </a:fillRef>
-            <a:effectRef idx="0">
-              <a:schemeClr val="accent1"/>
-            </a:effectRef>
-            <a:fontRef idx="minor">
-              <a:schemeClr val="lt1"/>
-            </a:fontRef>
-          </p:style>
-          <p:txBody>
-            <a:bodyPr rtlCol="0" anchor="ctr"/>
-            <a:lstStyle/>
-            <a:p>
-              <a:pPr algn="ctr"/>
-              <a:endParaRPr lang="zh-CN" altLang="en-US"/>
-            </a:p>
-          </p:txBody>
-        </p:sp>
-      </p:grpSp>
       <p:pic>
         <p:nvPicPr>
-          <p:cNvPr id="14" name="图片 13"/>
+          <p:cNvPr id="4" name="图片 3"/>
           <p:cNvPicPr>
             <a:picLocks noChangeAspect="1"/>
           </p:cNvPicPr>
           <p:nvPr/>
         </p:nvPicPr>
-        <p:blipFill>
+        <p:blipFill rotWithShape="1">
           <a:blip r:embed="rId2" cstate="print">
             <a:extLst>
               <a:ext uri="{28A0092B-C50C-407E-A947-70E740481C1C}">
@@ -3663,105 +3640,45 @@
               </a:ext>
             </a:extLst>
           </a:blip>
-          <a:stretch>
-            <a:fillRect/>
-          </a:stretch>
+          <a:srcRect l="21875" r="21875"/>
+          <a:stretch/>
         </p:blipFill>
         <p:spPr>
           <a:xfrm rot="10800000">
-            <a:off x="3088551" y="0"/>
-            <a:ext cx="2542126" cy="1429946"/>
-          </a:xfrm>
-          <a:prstGeom prst="triangle">
-            <a:avLst/>
+            <a:off x="-3431709" y="-5417"/>
+            <a:ext cx="6863417" cy="6863417"/>
+          </a:xfrm>
+          <a:prstGeom prst="pie">
+            <a:avLst>
+              <a:gd name="adj1" fmla="val 5347296"/>
+              <a:gd name="adj2" fmla="val 16200000"/>
+            </a:avLst>
           </a:prstGeom>
         </p:spPr>
       </p:pic>
       <p:sp>
         <p:nvSpPr>
-          <p:cNvPr id="10" name="矩形 9"/>
+          <p:cNvPr id="5" name="椭圆 4"/>
           <p:cNvSpPr/>
           <p:nvPr/>
         </p:nvSpPr>
         <p:spPr>
           <a:xfrm>
-            <a:off x="1224619" y="4868710"/>
-            <a:ext cx="5064212" cy="1509642"/>
-          </a:xfrm>
-          <a:prstGeom prst="rect">
-            <a:avLst/>
-          </a:prstGeom>
-        </p:spPr>
-        <p:txBody>
-          <a:bodyPr wrap="square" lIns="68570" tIns="34289" rIns="68570" bIns="34289">
-            <a:spAutoFit/>
-          </a:bodyPr>
-          <a:lstStyle/>
-          <a:p>
-            <a:pPr defTabSz="685681">
-              <a:lnSpc>
-                <a:spcPct val="130000"/>
-              </a:lnSpc>
-            </a:pPr>
-            <a:r>
-              <a:rPr lang="zh-CN" altLang="en-US" dirty="0">
-                <a:latin typeface="微软雅黑" panose="020B0503020204020204" pitchFamily="34" charset="-122"/>
-                <a:ea typeface="微软雅黑" panose="020B0503020204020204" pitchFamily="34" charset="-122"/>
-              </a:rPr>
-              <a:t>标题数字等都可以通过点击和重新输入进行更改，顶部“开始”面板中可以对字体、字号、颜色、行距等进行修改。建议正文</a:t>
-            </a:r>
-            <a:r>
-              <a:rPr lang="en-US" altLang="zh-CN" dirty="0">
-                <a:latin typeface="微软雅黑" panose="020B0503020204020204" pitchFamily="34" charset="-122"/>
-                <a:ea typeface="微软雅黑" panose="020B0503020204020204" pitchFamily="34" charset="-122"/>
-              </a:rPr>
-              <a:t>12</a:t>
-            </a:r>
-            <a:r>
-              <a:rPr lang="zh-CN" altLang="en-US" dirty="0">
-                <a:latin typeface="微软雅黑" panose="020B0503020204020204" pitchFamily="34" charset="-122"/>
-                <a:ea typeface="微软雅黑" panose="020B0503020204020204" pitchFamily="34" charset="-122"/>
-              </a:rPr>
-              <a:t>号字，</a:t>
-            </a:r>
-            <a:r>
-              <a:rPr lang="en-US" altLang="zh-CN" dirty="0">
-                <a:latin typeface="微软雅黑" panose="020B0503020204020204" pitchFamily="34" charset="-122"/>
-                <a:ea typeface="微软雅黑" panose="020B0503020204020204" pitchFamily="34" charset="-122"/>
-              </a:rPr>
-              <a:t>1.3</a:t>
-            </a:r>
-            <a:r>
-              <a:rPr lang="zh-CN" altLang="en-US" dirty="0">
-                <a:latin typeface="微软雅黑" panose="020B0503020204020204" pitchFamily="34" charset="-122"/>
-                <a:ea typeface="微软雅黑" panose="020B0503020204020204" pitchFamily="34" charset="-122"/>
-              </a:rPr>
-              <a:t>倍字间距。</a:t>
-            </a:r>
-          </a:p>
-        </p:txBody>
-      </p:sp>
-      <p:sp>
-        <p:nvSpPr>
-          <p:cNvPr id="11" name="等腰三角形 10"/>
-          <p:cNvSpPr/>
-          <p:nvPr/>
-        </p:nvSpPr>
-        <p:spPr>
-          <a:xfrm rot="10800000">
-            <a:off x="1040469" y="4754410"/>
-            <a:ext cx="438150" cy="367481"/>
-          </a:xfrm>
-          <a:prstGeom prst="triangle">
-            <a:avLst>
-              <a:gd name="adj" fmla="val 100000"/>
-            </a:avLst>
+            <a:off x="2349769" y="1153895"/>
+            <a:ext cx="835219" cy="781050"/>
+          </a:xfrm>
+          <a:prstGeom prst="ellipse">
+            <a:avLst/>
           </a:prstGeom>
           <a:solidFill>
-            <a:srgbClr val="FFC000"/>
+            <a:schemeClr val="bg1"/>
           </a:solidFill>
           <a:ln>
-            <a:noFill/>
+            <a:solidFill>
+              <a:schemeClr val="bg2">
+                <a:lumMod val="25000"/>
+              </a:schemeClr>
+            </a:solidFill>
           </a:ln>
         </p:spPr>
         <p:style>
@@ -3785,133 +3702,40 @@
           <a:lstStyle/>
           <a:p>
             <a:pPr algn="ctr"/>
-            <a:endParaRPr lang="zh-CN" altLang="en-US"/>
-          </a:p>
-        </p:txBody>
-      </p:sp>
-      <p:sp>
-        <p:nvSpPr>
-          <p:cNvPr id="15" name="文本框 14"/>
-          <p:cNvSpPr txBox="1"/>
-          <p:nvPr/>
-        </p:nvSpPr>
-        <p:spPr>
-          <a:xfrm>
-            <a:off x="292820" y="0"/>
-            <a:ext cx="684446" cy="1200329"/>
-          </a:xfrm>
-          <a:prstGeom prst="rect">
-            <a:avLst/>
-          </a:prstGeom>
-          <a:noFill/>
-        </p:spPr>
-        <p:txBody>
-          <a:bodyPr wrap="square" rtlCol="0">
-            <a:spAutoFit/>
-          </a:bodyPr>
-          <a:lstStyle/>
-          <a:p>
-            <a:r>
-              <a:rPr lang="en-US" altLang="zh-CN" sz="7200" b="1" dirty="0">
+            <a:r>
+              <a:rPr lang="zh-CN" altLang="en-US" sz="2000" dirty="0">
                 <a:solidFill>
-                  <a:schemeClr val="bg1"/>
+                  <a:schemeClr val="tx1"/>
                 </a:solidFill>
               </a:rPr>
-              <a:t>2</a:t>
-            </a:r>
-            <a:endParaRPr lang="zh-CN" altLang="en-US" sz="7200" b="1" dirty="0">
-              <a:solidFill>
-                <a:schemeClr val="bg1"/>
-              </a:solidFill>
-            </a:endParaRPr>
-          </a:p>
-        </p:txBody>
-      </p:sp>
-      <p:sp>
-        <p:nvSpPr>
-          <p:cNvPr id="16" name="矩形 15"/>
+              <a:t>结点</a:t>
+            </a:r>
+          </a:p>
+        </p:txBody>
+      </p:sp>
+      <p:sp>
+        <p:nvSpPr>
+          <p:cNvPr id="6" name="椭圆 5"/>
           <p:cNvSpPr/>
           <p:nvPr/>
         </p:nvSpPr>
         <p:spPr>
           <a:xfrm>
-            <a:off x="1321037" y="1512787"/>
-            <a:ext cx="5163739" cy="1149543"/>
-          </a:xfrm>
-          <a:prstGeom prst="rect">
-            <a:avLst/>
-          </a:prstGeom>
-        </p:spPr>
-        <p:txBody>
-          <a:bodyPr wrap="square" lIns="68570" tIns="34289" rIns="68570" bIns="34289">
-            <a:spAutoFit/>
-          </a:bodyPr>
-          <a:lstStyle/>
-          <a:p>
-            <a:pPr defTabSz="685681">
-              <a:lnSpc>
-                <a:spcPct val="130000"/>
-              </a:lnSpc>
-            </a:pPr>
-            <a:r>
-              <a:rPr lang="zh-CN" altLang="en-US" dirty="0">
-                <a:latin typeface="微软雅黑" panose="020B0503020204020204" pitchFamily="34" charset="-122"/>
-                <a:ea typeface="微软雅黑" panose="020B0503020204020204" pitchFamily="34" charset="-122"/>
-              </a:rPr>
-              <a:t>标题数字等都可以通过点击和重新输入进行更改，顶部“开始”面板中可以对字体、字号、颜色、行距等进行修改。建议正文</a:t>
-            </a:r>
-            <a:r>
-              <a:rPr lang="en-US" altLang="zh-CN" dirty="0">
-                <a:latin typeface="微软雅黑" panose="020B0503020204020204" pitchFamily="34" charset="-122"/>
-                <a:ea typeface="微软雅黑" panose="020B0503020204020204" pitchFamily="34" charset="-122"/>
-              </a:rPr>
-              <a:t>12</a:t>
-            </a:r>
-            <a:r>
-              <a:rPr lang="zh-CN" altLang="en-US" dirty="0">
-                <a:latin typeface="微软雅黑" panose="020B0503020204020204" pitchFamily="34" charset="-122"/>
-                <a:ea typeface="微软雅黑" panose="020B0503020204020204" pitchFamily="34" charset="-122"/>
-              </a:rPr>
-              <a:t>号字，</a:t>
-            </a:r>
-            <a:r>
-              <a:rPr lang="en-US" altLang="zh-CN" dirty="0">
-                <a:latin typeface="微软雅黑" panose="020B0503020204020204" pitchFamily="34" charset="-122"/>
-                <a:ea typeface="微软雅黑" panose="020B0503020204020204" pitchFamily="34" charset="-122"/>
-              </a:rPr>
-              <a:t>1.3</a:t>
-            </a:r>
-            <a:r>
-              <a:rPr lang="zh-CN" altLang="en-US" dirty="0">
-                <a:latin typeface="微软雅黑" panose="020B0503020204020204" pitchFamily="34" charset="-122"/>
-                <a:ea typeface="微软雅黑" panose="020B0503020204020204" pitchFamily="34" charset="-122"/>
-              </a:rPr>
-              <a:t>倍字间距。</a:t>
-            </a:r>
-          </a:p>
-        </p:txBody>
-      </p:sp>
-      <p:sp>
-        <p:nvSpPr>
-          <p:cNvPr id="17" name="等腰三角形 16"/>
-          <p:cNvSpPr/>
-          <p:nvPr/>
-        </p:nvSpPr>
-        <p:spPr>
-          <a:xfrm rot="10800000">
-            <a:off x="1136887" y="1398487"/>
-            <a:ext cx="438150" cy="367481"/>
-          </a:xfrm>
-          <a:prstGeom prst="triangle">
-            <a:avLst>
-              <a:gd name="adj" fmla="val 100000"/>
-            </a:avLst>
+            <a:off x="2962930" y="3035587"/>
+            <a:ext cx="781050" cy="781050"/>
+          </a:xfrm>
+          <a:prstGeom prst="ellipse">
+            <a:avLst/>
           </a:prstGeom>
           <a:solidFill>
-            <a:srgbClr val="FFC000"/>
+            <a:schemeClr val="bg1"/>
           </a:solidFill>
           <a:ln>
-            <a:noFill/>
+            <a:solidFill>
+              <a:schemeClr val="bg2">
+                <a:lumMod val="25000"/>
+              </a:schemeClr>
+            </a:solidFill>
           </a:ln>
         </p:spPr>
         <p:style>
@@ -3935,20 +3759,27 @@
           <a:lstStyle/>
           <a:p>
             <a:pPr algn="ctr"/>
-            <a:endParaRPr lang="zh-CN" altLang="en-US"/>
-          </a:p>
-        </p:txBody>
-      </p:sp>
-      <p:sp>
-        <p:nvSpPr>
-          <p:cNvPr id="18" name="矩形 17"/>
+            <a:r>
+              <a:rPr lang="zh-CN" altLang="en-US" dirty="0">
+                <a:solidFill>
+                  <a:schemeClr val="tx1"/>
+                </a:solidFill>
+              </a:rPr>
+              <a:t>组件</a:t>
+            </a:r>
+          </a:p>
+        </p:txBody>
+      </p:sp>
+      <p:sp>
+        <p:nvSpPr>
+          <p:cNvPr id="17" name="矩形 16"/>
           <p:cNvSpPr/>
           <p:nvPr/>
         </p:nvSpPr>
         <p:spPr>
           <a:xfrm>
-            <a:off x="1293045" y="2968369"/>
-            <a:ext cx="5064212" cy="1509642"/>
+            <a:off x="3489362" y="809861"/>
+            <a:ext cx="8601075" cy="1469118"/>
           </a:xfrm>
           <a:prstGeom prst="rect">
             <a:avLst/>
@@ -3966,64 +3797,92 @@
               </a:lnSpc>
             </a:pPr>
             <a:r>
-              <a:rPr lang="zh-CN" altLang="en-US" dirty="0">
-                <a:latin typeface="微软雅黑" panose="020B0503020204020204" pitchFamily="34" charset="-122"/>
-                <a:ea typeface="微软雅黑" panose="020B0503020204020204" pitchFamily="34" charset="-122"/>
-              </a:rPr>
-              <a:t>标题数字等都可以通过点击和重新输入进行更改，顶部“开始”面板中可以对字体、字号、颜色、行距等进行修改。建议正文</a:t>
-            </a:r>
-            <a:r>
-              <a:rPr lang="en-US" altLang="zh-CN" dirty="0">
-                <a:latin typeface="微软雅黑" panose="020B0503020204020204" pitchFamily="34" charset="-122"/>
-                <a:ea typeface="微软雅黑" panose="020B0503020204020204" pitchFamily="34" charset="-122"/>
-              </a:rPr>
-              <a:t>12</a:t>
-            </a:r>
-            <a:r>
-              <a:rPr lang="zh-CN" altLang="en-US" dirty="0">
-                <a:latin typeface="微软雅黑" panose="020B0503020204020204" pitchFamily="34" charset="-122"/>
-                <a:ea typeface="微软雅黑" panose="020B0503020204020204" pitchFamily="34" charset="-122"/>
-              </a:rPr>
-              <a:t>号字，</a:t>
-            </a:r>
-            <a:r>
-              <a:rPr lang="en-US" altLang="zh-CN" dirty="0">
-                <a:latin typeface="微软雅黑" panose="020B0503020204020204" pitchFamily="34" charset="-122"/>
-                <a:ea typeface="微软雅黑" panose="020B0503020204020204" pitchFamily="34" charset="-122"/>
-              </a:rPr>
-              <a:t>1.3</a:t>
-            </a:r>
-            <a:r>
-              <a:rPr lang="zh-CN" altLang="en-US" dirty="0">
-                <a:latin typeface="微软雅黑" panose="020B0503020204020204" pitchFamily="34" charset="-122"/>
-                <a:ea typeface="微软雅黑" panose="020B0503020204020204" pitchFamily="34" charset="-122"/>
-              </a:rPr>
-              <a:t>倍字间距。</a:t>
-            </a:r>
-          </a:p>
-        </p:txBody>
-      </p:sp>
-      <p:sp>
-        <p:nvSpPr>
-          <p:cNvPr id="19" name="等腰三角形 18"/>
+              <a:rPr lang="zh-CN" altLang="en-US" sz="2400" dirty="0"/>
+              <a:t>        结点时存在于运行时并代表一项计算资源的物理元素，一般至少拥有一些内存，而且通常具有处理能力。它一般用于对执行处理或计算的资源建模。</a:t>
+            </a:r>
+            <a:endParaRPr lang="zh-CN" altLang="en-US" sz="2400" dirty="0">
+              <a:latin typeface="微软雅黑" panose="020B0503020204020204" pitchFamily="34" charset="-122"/>
+              <a:ea typeface="微软雅黑" panose="020B0503020204020204" pitchFamily="34" charset="-122"/>
+            </a:endParaRPr>
+          </a:p>
+        </p:txBody>
+      </p:sp>
+      <p:sp>
+        <p:nvSpPr>
+          <p:cNvPr id="18" name="矩形 17"/>
           <p:cNvSpPr/>
           <p:nvPr/>
         </p:nvSpPr>
         <p:spPr>
-          <a:xfrm rot="10800000">
-            <a:off x="1108895" y="2854069"/>
-            <a:ext cx="438150" cy="367481"/>
-          </a:xfrm>
-          <a:prstGeom prst="triangle">
-            <a:avLst>
-              <a:gd name="adj" fmla="val 100000"/>
-            </a:avLst>
-          </a:prstGeom>
-          <a:solidFill>
-            <a:srgbClr val="FFC000"/>
-          </a:solidFill>
+          <a:xfrm>
+            <a:off x="4088935" y="2775042"/>
+            <a:ext cx="8103065" cy="1546575"/>
+          </a:xfrm>
+          <a:prstGeom prst="rect">
+            <a:avLst/>
+          </a:prstGeom>
+        </p:spPr>
+        <p:txBody>
+          <a:bodyPr wrap="square" lIns="68570" tIns="34289" rIns="68570" bIns="34289">
+            <a:spAutoFit/>
+          </a:bodyPr>
+          <a:lstStyle/>
+          <a:p>
+            <a:r>
+              <a:rPr lang="zh-CN" altLang="en-US" sz="2400" dirty="0"/>
+              <a:t>         组件是系统可替换的物理部件。它是参与系统执行的事物，它表示逻辑元素的物理模块。简单来说，组件是被结点执行的事物，如假设结点是一台服务器，则组件就是其上运行的软件。</a:t>
+            </a:r>
+            <a:endParaRPr lang="en-US" altLang="zh-CN" sz="2400" dirty="0"/>
+          </a:p>
+        </p:txBody>
+      </p:sp>
+      <p:sp>
+        <p:nvSpPr>
+          <p:cNvPr id="19" name="矩形 18"/>
+          <p:cNvSpPr/>
+          <p:nvPr/>
+        </p:nvSpPr>
+        <p:spPr>
+          <a:xfrm>
+            <a:off x="3067502" y="5171615"/>
+            <a:ext cx="8360241" cy="438580"/>
+          </a:xfrm>
+          <a:prstGeom prst="rect">
+            <a:avLst/>
+          </a:prstGeom>
+        </p:spPr>
+        <p:txBody>
+          <a:bodyPr wrap="square" lIns="68570" tIns="34289" rIns="68570" bIns="34289">
+            <a:spAutoFit/>
+          </a:bodyPr>
+          <a:lstStyle/>
+          <a:p>
+            <a:r>
+              <a:rPr lang="zh-CN" altLang="en-US" sz="2400" dirty="0"/>
+              <a:t>         部署图中也可以包括依赖、泛化、关联、及实现关系。</a:t>
+            </a:r>
+          </a:p>
+        </p:txBody>
+      </p:sp>
+      <p:sp>
+        <p:nvSpPr>
+          <p:cNvPr id="21" name="椭圆 20"/>
+          <p:cNvSpPr/>
+          <p:nvPr/>
+        </p:nvSpPr>
+        <p:spPr>
+          <a:xfrm>
+            <a:off x="-2370371" y="1094870"/>
+            <a:ext cx="4662487" cy="4662487"/>
+          </a:xfrm>
+          <a:prstGeom prst="ellipse">
+            <a:avLst/>
+          </a:prstGeom>
+          <a:noFill/>
           <a:ln>
-            <a:noFill/>
+            <a:solidFill>
+              <a:schemeClr val="bg1"/>
+            </a:solidFill>
           </a:ln>
         </p:spPr>
         <p:style>
@@ -4051,10 +3910,102 @@
           </a:p>
         </p:txBody>
       </p:sp>
+      <p:sp>
+        <p:nvSpPr>
+          <p:cNvPr id="22" name="文本框 21"/>
+          <p:cNvSpPr txBox="1"/>
+          <p:nvPr/>
+        </p:nvSpPr>
+        <p:spPr>
+          <a:xfrm>
+            <a:off x="382445" y="2106961"/>
+            <a:ext cx="701675" cy="2554545"/>
+          </a:xfrm>
+          <a:prstGeom prst="rect">
+            <a:avLst/>
+          </a:prstGeom>
+          <a:noFill/>
+        </p:spPr>
+        <p:txBody>
+          <a:bodyPr wrap="square" rtlCol="0">
+            <a:spAutoFit/>
+          </a:bodyPr>
+          <a:lstStyle/>
+          <a:p>
+            <a:r>
+              <a:rPr lang="zh-CN" altLang="en-US" sz="3200" b="1" dirty="0">
+                <a:solidFill>
+                  <a:schemeClr val="bg1"/>
+                </a:solidFill>
+                <a:latin typeface="微软雅黑" panose="020B0503020204020204" pitchFamily="34" charset="-122"/>
+                <a:ea typeface="微软雅黑" panose="020B0503020204020204" pitchFamily="34" charset="-122"/>
+              </a:rPr>
+              <a:t>通信图元素</a:t>
+            </a:r>
+          </a:p>
+        </p:txBody>
+      </p:sp>
+      <p:sp>
+        <p:nvSpPr>
+          <p:cNvPr id="7" name="椭圆 6"/>
+          <p:cNvSpPr/>
+          <p:nvPr/>
+        </p:nvSpPr>
+        <p:spPr>
+          <a:xfrm>
+            <a:off x="2471387" y="4976307"/>
+            <a:ext cx="781050" cy="781050"/>
+          </a:xfrm>
+          <a:prstGeom prst="ellipse">
+            <a:avLst/>
+          </a:prstGeom>
+          <a:solidFill>
+            <a:schemeClr val="bg1"/>
+          </a:solidFill>
+          <a:ln>
+            <a:solidFill>
+              <a:schemeClr val="bg2">
+                <a:lumMod val="25000"/>
+              </a:schemeClr>
+            </a:solidFill>
+          </a:ln>
+        </p:spPr>
+        <p:style>
+          <a:lnRef idx="2">
+            <a:schemeClr val="accent1">
+              <a:shade val="50000"/>
+            </a:schemeClr>
+          </a:lnRef>
+          <a:fillRef idx="1">
+            <a:schemeClr val="accent1"/>
+          </a:fillRef>
+          <a:effectRef idx="0">
+            <a:schemeClr val="accent1"/>
+          </a:effectRef>
+          <a:fontRef idx="minor">
+            <a:schemeClr val="lt1"/>
+          </a:fontRef>
+        </p:style>
+        <p:txBody>
+          <a:bodyPr rtlCol="0" anchor="ctr"/>
+          <a:lstStyle/>
+          <a:p>
+            <a:pPr algn="ctr"/>
+            <a:r>
+              <a:rPr lang="zh-CN" altLang="en-US" dirty="0">
+                <a:solidFill>
+                  <a:schemeClr val="tx1"/>
+                </a:solidFill>
+              </a:rPr>
+              <a:t>关系</a:t>
+            </a:r>
+          </a:p>
+        </p:txBody>
+      </p:sp>
     </p:spTree>
     <p:extLst>
       <p:ext uri="{BB962C8B-B14F-4D97-AF65-F5344CB8AC3E}">
-        <p14:creationId xmlns:p14="http://schemas.microsoft.com/office/powerpoint/2010/main" val="2652899342"/>
+        <p14:creationId xmlns:p14="http://schemas.microsoft.com/office/powerpoint/2010/main" val="921895709"/>
       </p:ext>
     </p:extLst>
   </p:cSld>
@@ -4068,1172 +4019,6 @@
 </file>
 
 <file path=ppt/slides/slide11.xml><?xml version="1.0" encoding="utf-8"?>
-<p:sld xmlns:a="http://schemas.openxmlformats.org/drawingml/2006/main" xmlns:r="http://schemas.openxmlformats.org/officeDocument/2006/relationships" xmlns:p="http://schemas.openxmlformats.org/presentationml/2006/main">
-  <p:cSld>
-    <p:spTree>
-      <p:nvGrpSpPr>
-        <p:cNvPr id="1" name=""/>
-        <p:cNvGrpSpPr/>
-        <p:nvPr/>
-      </p:nvGrpSpPr>
-      <p:grpSpPr>
-        <a:xfrm>
-          <a:off x="0" y="0"/>
-          <a:ext cx="0" cy="0"/>
-          <a:chOff x="0" y="0"/>
-          <a:chExt cx="0" cy="0"/>
-        </a:xfrm>
-      </p:grpSpPr>
-      <p:grpSp>
-        <p:nvGrpSpPr>
-          <p:cNvPr id="2" name="组合 1"/>
-          <p:cNvGrpSpPr/>
-          <p:nvPr/>
-        </p:nvGrpSpPr>
-        <p:grpSpPr>
-          <a:xfrm>
-            <a:off x="0" y="0"/>
-            <a:ext cx="12192000" cy="6858000"/>
-            <a:chOff x="0" y="0"/>
-            <a:chExt cx="12192000" cy="6858000"/>
-          </a:xfrm>
-        </p:grpSpPr>
-        <p:sp>
-          <p:nvSpPr>
-            <p:cNvPr id="3" name="矩形 2"/>
-            <p:cNvSpPr/>
-            <p:nvPr/>
-          </p:nvSpPr>
-          <p:spPr>
-            <a:xfrm>
-              <a:off x="3067050" y="0"/>
-              <a:ext cx="9124950" cy="6858000"/>
-            </a:xfrm>
-            <a:prstGeom prst="rect">
-              <a:avLst/>
-            </a:prstGeom>
-            <a:solidFill>
-              <a:schemeClr val="bg1"/>
-            </a:solidFill>
-            <a:ln>
-              <a:noFill/>
-            </a:ln>
-          </p:spPr>
-          <p:style>
-            <a:lnRef idx="2">
-              <a:schemeClr val="accent1">
-                <a:shade val="50000"/>
-              </a:schemeClr>
-            </a:lnRef>
-            <a:fillRef idx="1">
-              <a:schemeClr val="accent1"/>
-            </a:fillRef>
-            <a:effectRef idx="0">
-              <a:schemeClr val="accent1"/>
-            </a:effectRef>
-            <a:fontRef idx="minor">
-              <a:schemeClr val="lt1"/>
-            </a:fontRef>
-          </p:style>
-          <p:txBody>
-            <a:bodyPr rtlCol="0" anchor="ctr"/>
-            <a:lstStyle/>
-            <a:p>
-              <a:pPr algn="ctr"/>
-              <a:endParaRPr lang="zh-CN" altLang="en-US"/>
-            </a:p>
-          </p:txBody>
-        </p:sp>
-        <p:sp>
-          <p:nvSpPr>
-            <p:cNvPr id="4" name="流程图: 手动输入 3"/>
-            <p:cNvSpPr/>
-            <p:nvPr/>
-          </p:nvSpPr>
-          <p:spPr>
-            <a:xfrm>
-              <a:off x="0" y="0"/>
-              <a:ext cx="3067050" cy="6858000"/>
-            </a:xfrm>
-            <a:prstGeom prst="flowChartManualInput">
-              <a:avLst/>
-            </a:prstGeom>
-            <a:solidFill>
-              <a:schemeClr val="bg1"/>
-            </a:solidFill>
-            <a:ln>
-              <a:noFill/>
-            </a:ln>
-          </p:spPr>
-          <p:style>
-            <a:lnRef idx="2">
-              <a:schemeClr val="accent1">
-                <a:shade val="50000"/>
-              </a:schemeClr>
-            </a:lnRef>
-            <a:fillRef idx="1">
-              <a:schemeClr val="accent1"/>
-            </a:fillRef>
-            <a:effectRef idx="0">
-              <a:schemeClr val="accent1"/>
-            </a:effectRef>
-            <a:fontRef idx="minor">
-              <a:schemeClr val="lt1"/>
-            </a:fontRef>
-          </p:style>
-          <p:txBody>
-            <a:bodyPr rtlCol="0" anchor="ctr"/>
-            <a:lstStyle/>
-            <a:p>
-              <a:pPr algn="ctr"/>
-              <a:endParaRPr lang="zh-CN" altLang="en-US"/>
-            </a:p>
-          </p:txBody>
-        </p:sp>
-      </p:grpSp>
-      <p:sp>
-        <p:nvSpPr>
-          <p:cNvPr id="5" name="文本框 4"/>
-          <p:cNvSpPr txBox="1"/>
-          <p:nvPr/>
-        </p:nvSpPr>
-        <p:spPr>
-          <a:xfrm>
-            <a:off x="253540" y="0"/>
-            <a:ext cx="684446" cy="1200329"/>
-          </a:xfrm>
-          <a:prstGeom prst="rect">
-            <a:avLst/>
-          </a:prstGeom>
-          <a:noFill/>
-        </p:spPr>
-        <p:txBody>
-          <a:bodyPr wrap="square" rtlCol="0">
-            <a:spAutoFit/>
-          </a:bodyPr>
-          <a:lstStyle/>
-          <a:p>
-            <a:r>
-              <a:rPr lang="en-US" altLang="zh-CN" sz="7200" b="1" dirty="0">
-                <a:solidFill>
-                  <a:schemeClr val="bg1"/>
-                </a:solidFill>
-              </a:rPr>
-              <a:t>3</a:t>
-            </a:r>
-            <a:endParaRPr lang="zh-CN" altLang="en-US" sz="7200" b="1" dirty="0">
-              <a:solidFill>
-                <a:schemeClr val="bg1"/>
-              </a:solidFill>
-            </a:endParaRPr>
-          </a:p>
-        </p:txBody>
-      </p:sp>
-      <p:sp>
-        <p:nvSpPr>
-          <p:cNvPr id="7" name="五边形 6"/>
-          <p:cNvSpPr/>
-          <p:nvPr/>
-        </p:nvSpPr>
-        <p:spPr>
-          <a:xfrm>
-            <a:off x="7278527" y="1733550"/>
-            <a:ext cx="4006968" cy="4169857"/>
-          </a:xfrm>
-          <a:prstGeom prst="homePlate">
-            <a:avLst>
-              <a:gd name="adj" fmla="val 28224"/>
-            </a:avLst>
-          </a:prstGeom>
-          <a:solidFill>
-            <a:schemeClr val="tx2">
-              <a:lumMod val="75000"/>
-            </a:schemeClr>
-          </a:solidFill>
-          <a:ln>
-            <a:noFill/>
-          </a:ln>
-        </p:spPr>
-        <p:style>
-          <a:lnRef idx="2">
-            <a:schemeClr val="accent1">
-              <a:shade val="50000"/>
-            </a:schemeClr>
-          </a:lnRef>
-          <a:fillRef idx="1">
-            <a:schemeClr val="accent1"/>
-          </a:fillRef>
-          <a:effectRef idx="0">
-            <a:schemeClr val="accent1"/>
-          </a:effectRef>
-          <a:fontRef idx="minor">
-            <a:schemeClr val="lt1"/>
-          </a:fontRef>
-        </p:style>
-        <p:txBody>
-          <a:bodyPr anchor="ctr"/>
-          <a:lstStyle/>
-          <a:p>
-            <a:pPr algn="ctr" defTabSz="914400"/>
-            <a:endParaRPr lang="zh-CN" altLang="en-US">
-              <a:solidFill>
-                <a:prstClr val="white"/>
-              </a:solidFill>
-            </a:endParaRPr>
-          </a:p>
-        </p:txBody>
-      </p:sp>
-      <p:sp>
-        <p:nvSpPr>
-          <p:cNvPr id="8" name="五边形 7"/>
-          <p:cNvSpPr/>
-          <p:nvPr/>
-        </p:nvSpPr>
-        <p:spPr>
-          <a:xfrm>
-            <a:off x="5577320" y="1736843"/>
-            <a:ext cx="3331461" cy="4160265"/>
-          </a:xfrm>
-          <a:prstGeom prst="homePlate">
-            <a:avLst>
-              <a:gd name="adj" fmla="val 28224"/>
-            </a:avLst>
-          </a:prstGeom>
-          <a:solidFill>
-            <a:schemeClr val="tx2">
-              <a:lumMod val="60000"/>
-              <a:lumOff val="40000"/>
-            </a:schemeClr>
-          </a:solidFill>
-          <a:ln>
-            <a:noFill/>
-          </a:ln>
-        </p:spPr>
-        <p:style>
-          <a:lnRef idx="2">
-            <a:schemeClr val="accent1">
-              <a:shade val="50000"/>
-            </a:schemeClr>
-          </a:lnRef>
-          <a:fillRef idx="1">
-            <a:schemeClr val="accent1"/>
-          </a:fillRef>
-          <a:effectRef idx="0">
-            <a:schemeClr val="accent1"/>
-          </a:effectRef>
-          <a:fontRef idx="minor">
-            <a:schemeClr val="lt1"/>
-          </a:fontRef>
-        </p:style>
-        <p:txBody>
-          <a:bodyPr anchor="ctr"/>
-          <a:lstStyle/>
-          <a:p>
-            <a:pPr algn="ctr" defTabSz="914400"/>
-            <a:endParaRPr lang="zh-CN" altLang="en-US">
-              <a:solidFill>
-                <a:prstClr val="white"/>
-              </a:solidFill>
-            </a:endParaRPr>
-          </a:p>
-        </p:txBody>
-      </p:sp>
-      <p:sp>
-        <p:nvSpPr>
-          <p:cNvPr id="9" name="五边形 8"/>
-          <p:cNvSpPr/>
-          <p:nvPr/>
-        </p:nvSpPr>
-        <p:spPr>
-          <a:xfrm>
-            <a:off x="3166666" y="1733550"/>
-            <a:ext cx="3397028" cy="4169853"/>
-          </a:xfrm>
-          <a:prstGeom prst="homePlate">
-            <a:avLst>
-              <a:gd name="adj" fmla="val 28224"/>
-            </a:avLst>
-          </a:prstGeom>
-          <a:solidFill>
-            <a:schemeClr val="tx2">
-              <a:lumMod val="40000"/>
-              <a:lumOff val="60000"/>
-            </a:schemeClr>
-          </a:solidFill>
-          <a:ln>
-            <a:noFill/>
-          </a:ln>
-        </p:spPr>
-        <p:style>
-          <a:lnRef idx="2">
-            <a:schemeClr val="accent1">
-              <a:shade val="50000"/>
-            </a:schemeClr>
-          </a:lnRef>
-          <a:fillRef idx="1">
-            <a:schemeClr val="accent1"/>
-          </a:fillRef>
-          <a:effectRef idx="0">
-            <a:schemeClr val="accent1"/>
-          </a:effectRef>
-          <a:fontRef idx="minor">
-            <a:schemeClr val="lt1"/>
-          </a:fontRef>
-        </p:style>
-        <p:txBody>
-          <a:bodyPr anchor="ctr"/>
-          <a:lstStyle/>
-          <a:p>
-            <a:pPr algn="ctr" defTabSz="914400"/>
-            <a:endParaRPr lang="zh-CN" altLang="en-US">
-              <a:solidFill>
-                <a:prstClr val="white"/>
-              </a:solidFill>
-            </a:endParaRPr>
-          </a:p>
-        </p:txBody>
-      </p:sp>
-      <p:sp>
-        <p:nvSpPr>
-          <p:cNvPr id="10" name="五边形 20"/>
-          <p:cNvSpPr/>
-          <p:nvPr/>
-        </p:nvSpPr>
-        <p:spPr>
-          <a:xfrm>
-            <a:off x="1229819" y="1733550"/>
-            <a:ext cx="2946182" cy="4169853"/>
-          </a:xfrm>
-          <a:custGeom>
-            <a:avLst/>
-            <a:gdLst/>
-            <a:ahLst/>
-            <a:cxnLst/>
-            <a:rect l="l" t="t" r="r" b="b"/>
-            <a:pathLst>
-              <a:path w="1747984" h="2099604">
-                <a:moveTo>
-                  <a:pt x="1747984" y="1049802"/>
-                </a:moveTo>
-                <a:lnTo>
-                  <a:pt x="1155392" y="2099604"/>
-                </a:lnTo>
-                <a:lnTo>
-                  <a:pt x="0" y="2099604"/>
-                </a:lnTo>
-                <a:lnTo>
-                  <a:pt x="0" y="0"/>
-                </a:lnTo>
-                <a:lnTo>
-                  <a:pt x="1155392" y="0"/>
-                </a:lnTo>
-                <a:close/>
-              </a:path>
-            </a:pathLst>
-          </a:custGeom>
-          <a:solidFill>
-            <a:schemeClr val="tx2">
-              <a:lumMod val="20000"/>
-              <a:lumOff val="80000"/>
-            </a:schemeClr>
-          </a:solidFill>
-          <a:ln>
-            <a:noFill/>
-          </a:ln>
-        </p:spPr>
-        <p:style>
-          <a:lnRef idx="2">
-            <a:schemeClr val="accent1">
-              <a:shade val="50000"/>
-            </a:schemeClr>
-          </a:lnRef>
-          <a:fillRef idx="1">
-            <a:schemeClr val="accent1"/>
-          </a:fillRef>
-          <a:effectRef idx="0">
-            <a:schemeClr val="accent1"/>
-          </a:effectRef>
-          <a:fontRef idx="minor">
-            <a:schemeClr val="lt1"/>
-          </a:fontRef>
-        </p:style>
-        <p:txBody>
-          <a:bodyPr anchor="ctr"/>
-          <a:lstStyle/>
-          <a:p>
-            <a:pPr algn="ctr" defTabSz="914400"/>
-            <a:endParaRPr lang="zh-CN" altLang="en-US">
-              <a:solidFill>
-                <a:prstClr val="white"/>
-              </a:solidFill>
-            </a:endParaRPr>
-          </a:p>
-        </p:txBody>
-      </p:sp>
-      <p:sp>
-        <p:nvSpPr>
-          <p:cNvPr id="22" name="文本框 21"/>
-          <p:cNvSpPr txBox="1"/>
-          <p:nvPr/>
-        </p:nvSpPr>
-        <p:spPr>
-          <a:xfrm>
-            <a:off x="2008273" y="1873906"/>
-            <a:ext cx="959161" cy="769441"/>
-          </a:xfrm>
-          <a:prstGeom prst="rect">
-            <a:avLst/>
-          </a:prstGeom>
-          <a:noFill/>
-        </p:spPr>
-        <p:txBody>
-          <a:bodyPr wrap="square" rtlCol="0">
-            <a:spAutoFit/>
-          </a:bodyPr>
-          <a:lstStyle/>
-          <a:p>
-            <a:r>
-              <a:rPr lang="en-US" altLang="zh-CN" sz="4400" b="1" dirty="0">
-                <a:solidFill>
-                  <a:schemeClr val="bg1"/>
-                </a:solidFill>
-              </a:rPr>
-              <a:t>01</a:t>
-            </a:r>
-            <a:endParaRPr lang="zh-CN" altLang="en-US" sz="4400" b="1" dirty="0">
-              <a:solidFill>
-                <a:schemeClr val="bg1"/>
-              </a:solidFill>
-            </a:endParaRPr>
-          </a:p>
-        </p:txBody>
-      </p:sp>
-      <p:sp>
-        <p:nvSpPr>
-          <p:cNvPr id="23" name="文本框 22"/>
-          <p:cNvSpPr txBox="1"/>
-          <p:nvPr/>
-        </p:nvSpPr>
-        <p:spPr>
-          <a:xfrm>
-            <a:off x="4368753" y="1873906"/>
-            <a:ext cx="959161" cy="769441"/>
-          </a:xfrm>
-          <a:prstGeom prst="rect">
-            <a:avLst/>
-          </a:prstGeom>
-          <a:noFill/>
-        </p:spPr>
-        <p:txBody>
-          <a:bodyPr wrap="square" rtlCol="0">
-            <a:spAutoFit/>
-          </a:bodyPr>
-          <a:lstStyle/>
-          <a:p>
-            <a:r>
-              <a:rPr lang="en-US" altLang="zh-CN" sz="4400" b="1" dirty="0">
-                <a:solidFill>
-                  <a:schemeClr val="bg1"/>
-                </a:solidFill>
-              </a:rPr>
-              <a:t>02</a:t>
-            </a:r>
-            <a:endParaRPr lang="zh-CN" altLang="en-US" sz="4400" b="1" dirty="0">
-              <a:solidFill>
-                <a:schemeClr val="bg1"/>
-              </a:solidFill>
-            </a:endParaRPr>
-          </a:p>
-        </p:txBody>
-      </p:sp>
-      <p:sp>
-        <p:nvSpPr>
-          <p:cNvPr id="24" name="文本框 23"/>
-          <p:cNvSpPr txBox="1"/>
-          <p:nvPr/>
-        </p:nvSpPr>
-        <p:spPr>
-          <a:xfrm>
-            <a:off x="6756446" y="1873906"/>
-            <a:ext cx="959161" cy="769441"/>
-          </a:xfrm>
-          <a:prstGeom prst="rect">
-            <a:avLst/>
-          </a:prstGeom>
-          <a:noFill/>
-        </p:spPr>
-        <p:txBody>
-          <a:bodyPr wrap="square" rtlCol="0">
-            <a:spAutoFit/>
-          </a:bodyPr>
-          <a:lstStyle/>
-          <a:p>
-            <a:r>
-              <a:rPr lang="en-US" altLang="zh-CN" sz="4400" b="1" dirty="0">
-                <a:solidFill>
-                  <a:schemeClr val="bg1"/>
-                </a:solidFill>
-              </a:rPr>
-              <a:t>03</a:t>
-            </a:r>
-            <a:endParaRPr lang="zh-CN" altLang="en-US" sz="4400" b="1" dirty="0">
-              <a:solidFill>
-                <a:schemeClr val="bg1"/>
-              </a:solidFill>
-            </a:endParaRPr>
-          </a:p>
-        </p:txBody>
-      </p:sp>
-      <p:sp>
-        <p:nvSpPr>
-          <p:cNvPr id="25" name="文本框 24"/>
-          <p:cNvSpPr txBox="1"/>
-          <p:nvPr/>
-        </p:nvSpPr>
-        <p:spPr>
-          <a:xfrm>
-            <a:off x="8885510" y="1873906"/>
-            <a:ext cx="959161" cy="769441"/>
-          </a:xfrm>
-          <a:prstGeom prst="rect">
-            <a:avLst/>
-          </a:prstGeom>
-          <a:noFill/>
-        </p:spPr>
-        <p:txBody>
-          <a:bodyPr wrap="square" rtlCol="0">
-            <a:spAutoFit/>
-          </a:bodyPr>
-          <a:lstStyle/>
-          <a:p>
-            <a:r>
-              <a:rPr lang="en-US" altLang="zh-CN" sz="4400" b="1" dirty="0">
-                <a:solidFill>
-                  <a:schemeClr val="bg1"/>
-                </a:solidFill>
-              </a:rPr>
-              <a:t>04</a:t>
-            </a:r>
-            <a:endParaRPr lang="zh-CN" altLang="en-US" sz="4400" b="1" dirty="0">
-              <a:solidFill>
-                <a:schemeClr val="bg1"/>
-              </a:solidFill>
-            </a:endParaRPr>
-          </a:p>
-        </p:txBody>
-      </p:sp>
-      <p:sp>
-        <p:nvSpPr>
-          <p:cNvPr id="30" name="文本框 29"/>
-          <p:cNvSpPr txBox="1"/>
-          <p:nvPr/>
-        </p:nvSpPr>
-        <p:spPr>
-          <a:xfrm>
-            <a:off x="1486872" y="2537680"/>
-            <a:ext cx="2105414" cy="2973105"/>
-          </a:xfrm>
-          <a:prstGeom prst="rect">
-            <a:avLst/>
-          </a:prstGeom>
-          <a:noFill/>
-        </p:spPr>
-        <p:txBody>
-          <a:bodyPr wrap="square" lIns="91424" tIns="45712" rIns="91424" bIns="45712" rtlCol="0">
-            <a:spAutoFit/>
-          </a:bodyPr>
-          <a:lstStyle/>
-          <a:p>
-            <a:pPr>
-              <a:lnSpc>
-                <a:spcPct val="130000"/>
-              </a:lnSpc>
-            </a:pPr>
-            <a:r>
-              <a:rPr lang="zh-CN" altLang="en-US" sz="2400" dirty="0">
-                <a:solidFill>
-                  <a:schemeClr val="bg1"/>
-                </a:solidFill>
-                <a:latin typeface="微软雅黑" panose="020B0503020204020204" pitchFamily="34" charset="-122"/>
-                <a:ea typeface="微软雅黑" panose="020B0503020204020204" pitchFamily="34" charset="-122"/>
-              </a:rPr>
-              <a:t>标题数字等都可以通过点击和重新输入进行更改，顶部“开始”面板中可以对字体、</a:t>
-            </a:r>
-            <a:endParaRPr kumimoji="1" lang="en-US" altLang="zh-CN" sz="2400" dirty="0">
-              <a:solidFill>
-                <a:schemeClr val="bg1"/>
-              </a:solidFill>
-              <a:latin typeface="微软雅黑" panose="020B0503020204020204" pitchFamily="34" charset="-122"/>
-              <a:ea typeface="微软雅黑" panose="020B0503020204020204" pitchFamily="34" charset="-122"/>
-              <a:cs typeface="Arial"/>
-            </a:endParaRPr>
-          </a:p>
-        </p:txBody>
-      </p:sp>
-      <p:sp>
-        <p:nvSpPr>
-          <p:cNvPr id="34" name="文本框 29"/>
-          <p:cNvSpPr txBox="1"/>
-          <p:nvPr/>
-        </p:nvSpPr>
-        <p:spPr>
-          <a:xfrm>
-            <a:off x="3981256" y="2596774"/>
-            <a:ext cx="2105414" cy="2973105"/>
-          </a:xfrm>
-          <a:prstGeom prst="rect">
-            <a:avLst/>
-          </a:prstGeom>
-          <a:noFill/>
-        </p:spPr>
-        <p:txBody>
-          <a:bodyPr wrap="square" lIns="91424" tIns="45712" rIns="91424" bIns="45712" rtlCol="0">
-            <a:spAutoFit/>
-          </a:bodyPr>
-          <a:lstStyle/>
-          <a:p>
-            <a:pPr>
-              <a:lnSpc>
-                <a:spcPct val="130000"/>
-              </a:lnSpc>
-            </a:pPr>
-            <a:r>
-              <a:rPr lang="zh-CN" altLang="en-US" sz="2400" dirty="0">
-                <a:solidFill>
-                  <a:schemeClr val="bg1"/>
-                </a:solidFill>
-                <a:latin typeface="微软雅黑" panose="020B0503020204020204" pitchFamily="34" charset="-122"/>
-                <a:ea typeface="微软雅黑" panose="020B0503020204020204" pitchFamily="34" charset="-122"/>
-              </a:rPr>
-              <a:t>标题数字等都可以通过点击和重新输入进行更改，顶部“开始”面板中可以对字体、</a:t>
-            </a:r>
-            <a:endParaRPr kumimoji="1" lang="en-US" altLang="zh-CN" sz="2400" dirty="0">
-              <a:solidFill>
-                <a:schemeClr val="bg1"/>
-              </a:solidFill>
-              <a:latin typeface="微软雅黑" panose="020B0503020204020204" pitchFamily="34" charset="-122"/>
-              <a:ea typeface="微软雅黑" panose="020B0503020204020204" pitchFamily="34" charset="-122"/>
-              <a:cs typeface="Arial"/>
-            </a:endParaRPr>
-          </a:p>
-        </p:txBody>
-      </p:sp>
-      <p:sp>
-        <p:nvSpPr>
-          <p:cNvPr id="35" name="文本框 29"/>
-          <p:cNvSpPr txBox="1"/>
-          <p:nvPr/>
-        </p:nvSpPr>
-        <p:spPr>
-          <a:xfrm>
-            <a:off x="6369893" y="2615435"/>
-            <a:ext cx="2105414" cy="2973105"/>
-          </a:xfrm>
-          <a:prstGeom prst="rect">
-            <a:avLst/>
-          </a:prstGeom>
-          <a:noFill/>
-        </p:spPr>
-        <p:txBody>
-          <a:bodyPr wrap="square" lIns="91424" tIns="45712" rIns="91424" bIns="45712" rtlCol="0">
-            <a:spAutoFit/>
-          </a:bodyPr>
-          <a:lstStyle/>
-          <a:p>
-            <a:pPr>
-              <a:lnSpc>
-                <a:spcPct val="130000"/>
-              </a:lnSpc>
-            </a:pPr>
-            <a:r>
-              <a:rPr lang="zh-CN" altLang="en-US" sz="2400" dirty="0">
-                <a:solidFill>
-                  <a:schemeClr val="bg1"/>
-                </a:solidFill>
-                <a:latin typeface="微软雅黑" panose="020B0503020204020204" pitchFamily="34" charset="-122"/>
-                <a:ea typeface="微软雅黑" panose="020B0503020204020204" pitchFamily="34" charset="-122"/>
-              </a:rPr>
-              <a:t>标题数字等都可以通过点击和重新输入进行更改，顶部“开始”面板中可以对字体、</a:t>
-            </a:r>
-            <a:endParaRPr kumimoji="1" lang="en-US" altLang="zh-CN" sz="2400" dirty="0">
-              <a:solidFill>
-                <a:schemeClr val="bg1"/>
-              </a:solidFill>
-              <a:latin typeface="微软雅黑" panose="020B0503020204020204" pitchFamily="34" charset="-122"/>
-              <a:ea typeface="微软雅黑" panose="020B0503020204020204" pitchFamily="34" charset="-122"/>
-              <a:cs typeface="Arial"/>
-            </a:endParaRPr>
-          </a:p>
-        </p:txBody>
-      </p:sp>
-      <p:sp>
-        <p:nvSpPr>
-          <p:cNvPr id="36" name="文本框 29"/>
-          <p:cNvSpPr txBox="1"/>
-          <p:nvPr/>
-        </p:nvSpPr>
-        <p:spPr>
-          <a:xfrm>
-            <a:off x="8637231" y="2662089"/>
-            <a:ext cx="2105414" cy="2973105"/>
-          </a:xfrm>
-          <a:prstGeom prst="rect">
-            <a:avLst/>
-          </a:prstGeom>
-          <a:noFill/>
-        </p:spPr>
-        <p:txBody>
-          <a:bodyPr wrap="square" lIns="91424" tIns="45712" rIns="91424" bIns="45712" rtlCol="0">
-            <a:spAutoFit/>
-          </a:bodyPr>
-          <a:lstStyle/>
-          <a:p>
-            <a:pPr>
-              <a:lnSpc>
-                <a:spcPct val="130000"/>
-              </a:lnSpc>
-            </a:pPr>
-            <a:r>
-              <a:rPr lang="zh-CN" altLang="en-US" sz="2400" dirty="0">
-                <a:solidFill>
-                  <a:schemeClr val="bg1"/>
-                </a:solidFill>
-                <a:latin typeface="微软雅黑" panose="020B0503020204020204" pitchFamily="34" charset="-122"/>
-                <a:ea typeface="微软雅黑" panose="020B0503020204020204" pitchFamily="34" charset="-122"/>
-              </a:rPr>
-              <a:t>标题数字等都可以通过点击和重新输入进行更改，顶部“开始”面板中可以对字体、</a:t>
-            </a:r>
-            <a:endParaRPr kumimoji="1" lang="en-US" altLang="zh-CN" sz="2400" dirty="0">
-              <a:solidFill>
-                <a:schemeClr val="bg1"/>
-              </a:solidFill>
-              <a:latin typeface="微软雅黑" panose="020B0503020204020204" pitchFamily="34" charset="-122"/>
-              <a:ea typeface="微软雅黑" panose="020B0503020204020204" pitchFamily="34" charset="-122"/>
-              <a:cs typeface="Arial"/>
-            </a:endParaRPr>
-          </a:p>
-        </p:txBody>
-      </p:sp>
-    </p:spTree>
-    <p:extLst>
-      <p:ext uri="{BB962C8B-B14F-4D97-AF65-F5344CB8AC3E}">
-        <p14:creationId xmlns:p14="http://schemas.microsoft.com/office/powerpoint/2010/main" val="1660570423"/>
-      </p:ext>
-    </p:extLst>
-  </p:cSld>
-  <p:clrMapOvr>
-    <a:masterClrMapping/>
-  </p:clrMapOvr>
-  <p:transition spd="slow">
-    <p:push dir="u"/>
-  </p:transition>
-</p:sld>
-</file>
-
-<file path=ppt/slides/slide12.xml><?xml version="1.0" encoding="utf-8"?>
-<p:sld xmlns:a="http://schemas.openxmlformats.org/drawingml/2006/main" xmlns:r="http://schemas.openxmlformats.org/officeDocument/2006/relationships" xmlns:p="http://schemas.openxmlformats.org/presentationml/2006/main">
-  <p:cSld>
-    <p:spTree>
-      <p:nvGrpSpPr>
-        <p:cNvPr id="1" name=""/>
-        <p:cNvGrpSpPr/>
-        <p:nvPr/>
-      </p:nvGrpSpPr>
-      <p:grpSpPr>
-        <a:xfrm>
-          <a:off x="0" y="0"/>
-          <a:ext cx="0" cy="0"/>
-          <a:chOff x="0" y="0"/>
-          <a:chExt cx="0" cy="0"/>
-        </a:xfrm>
-      </p:grpSpPr>
-      <p:sp>
-        <p:nvSpPr>
-          <p:cNvPr id="2" name="文本框 1"/>
-          <p:cNvSpPr txBox="1"/>
-          <p:nvPr/>
-        </p:nvSpPr>
-        <p:spPr>
-          <a:xfrm>
-            <a:off x="2157187" y="2083707"/>
-            <a:ext cx="3788228" cy="1862048"/>
-          </a:xfrm>
-          <a:prstGeom prst="rect">
-            <a:avLst/>
-          </a:prstGeom>
-          <a:noFill/>
-        </p:spPr>
-        <p:txBody>
-          <a:bodyPr wrap="square" rtlCol="0">
-            <a:spAutoFit/>
-          </a:bodyPr>
-          <a:lstStyle/>
-          <a:p>
-            <a:r>
-              <a:rPr lang="en-US" altLang="zh-CN" sz="11500" b="1" dirty="0">
-                <a:solidFill>
-                  <a:schemeClr val="bg1"/>
-                </a:solidFill>
-              </a:rPr>
-              <a:t>2015</a:t>
-            </a:r>
-            <a:endParaRPr lang="zh-CN" altLang="en-US" sz="11500" b="1" dirty="0">
-              <a:solidFill>
-                <a:schemeClr val="bg1"/>
-              </a:solidFill>
-            </a:endParaRPr>
-          </a:p>
-        </p:txBody>
-      </p:sp>
-      <p:cxnSp>
-        <p:nvCxnSpPr>
-          <p:cNvPr id="3" name="直接连接符 2"/>
-          <p:cNvCxnSpPr/>
-          <p:nvPr/>
-        </p:nvCxnSpPr>
-        <p:spPr>
-          <a:xfrm>
-            <a:off x="5626103" y="2446564"/>
-            <a:ext cx="0" cy="1797289"/>
-          </a:xfrm>
-          <a:prstGeom prst="line">
-            <a:avLst/>
-          </a:prstGeom>
-          <a:ln>
-            <a:solidFill>
-              <a:schemeClr val="bg1"/>
-            </a:solidFill>
-          </a:ln>
-        </p:spPr>
-        <p:style>
-          <a:lnRef idx="1">
-            <a:schemeClr val="accent1"/>
-          </a:lnRef>
-          <a:fillRef idx="0">
-            <a:schemeClr val="accent1"/>
-          </a:fillRef>
-          <a:effectRef idx="0">
-            <a:schemeClr val="accent1"/>
-          </a:effectRef>
-          <a:fontRef idx="minor">
-            <a:schemeClr val="tx1"/>
-          </a:fontRef>
-        </p:style>
-      </p:cxnSp>
-      <p:sp>
-        <p:nvSpPr>
-          <p:cNvPr id="4" name="文本框 3"/>
-          <p:cNvSpPr txBox="1"/>
-          <p:nvPr/>
-        </p:nvSpPr>
-        <p:spPr>
-          <a:xfrm>
-            <a:off x="2274726" y="3694792"/>
-            <a:ext cx="3032066" cy="549061"/>
-          </a:xfrm>
-          <a:prstGeom prst="rect">
-            <a:avLst/>
-          </a:prstGeom>
-          <a:noFill/>
-        </p:spPr>
-        <p:txBody>
-          <a:bodyPr wrap="square" rtlCol="0">
-            <a:spAutoFit/>
-          </a:bodyPr>
-          <a:lstStyle>
-            <a:defPPr>
-              <a:defRPr lang="zh-CN"/>
-            </a:defPPr>
-            <a:lvl1pPr marL="0" algn="l" defTabSz="914400" rtl="0" eaLnBrk="1" latinLnBrk="0" hangingPunct="1">
-              <a:defRPr sz="1800" kern="1200">
-                <a:solidFill>
-                  <a:schemeClr val="tx1"/>
-                </a:solidFill>
-                <a:latin typeface="+mn-lt"/>
-                <a:ea typeface="+mn-ea"/>
-                <a:cs typeface="+mn-cs"/>
-              </a:defRPr>
-            </a:lvl1pPr>
-            <a:lvl2pPr marL="457200" algn="l" defTabSz="914400" rtl="0" eaLnBrk="1" latinLnBrk="0" hangingPunct="1">
-              <a:defRPr sz="1800" kern="1200">
-                <a:solidFill>
-                  <a:schemeClr val="tx1"/>
-                </a:solidFill>
-                <a:latin typeface="+mn-lt"/>
-                <a:ea typeface="+mn-ea"/>
-                <a:cs typeface="+mn-cs"/>
-              </a:defRPr>
-            </a:lvl2pPr>
-            <a:lvl3pPr marL="914400" algn="l" defTabSz="914400" rtl="0" eaLnBrk="1" latinLnBrk="0" hangingPunct="1">
-              <a:defRPr sz="1800" kern="1200">
-                <a:solidFill>
-                  <a:schemeClr val="tx1"/>
-                </a:solidFill>
-                <a:latin typeface="+mn-lt"/>
-                <a:ea typeface="+mn-ea"/>
-                <a:cs typeface="+mn-cs"/>
-              </a:defRPr>
-            </a:lvl3pPr>
-            <a:lvl4pPr marL="1371600" algn="l" defTabSz="914400" rtl="0" eaLnBrk="1" latinLnBrk="0" hangingPunct="1">
-              <a:defRPr sz="1800" kern="1200">
-                <a:solidFill>
-                  <a:schemeClr val="tx1"/>
-                </a:solidFill>
-                <a:latin typeface="+mn-lt"/>
-                <a:ea typeface="+mn-ea"/>
-                <a:cs typeface="+mn-cs"/>
-              </a:defRPr>
-            </a:lvl4pPr>
-            <a:lvl5pPr marL="1828800" algn="l" defTabSz="914400" rtl="0" eaLnBrk="1" latinLnBrk="0" hangingPunct="1">
-              <a:defRPr sz="1800" kern="1200">
-                <a:solidFill>
-                  <a:schemeClr val="tx1"/>
-                </a:solidFill>
-                <a:latin typeface="+mn-lt"/>
-                <a:ea typeface="+mn-ea"/>
-                <a:cs typeface="+mn-cs"/>
-              </a:defRPr>
-            </a:lvl5pPr>
-            <a:lvl6pPr marL="2286000" algn="l" defTabSz="914400" rtl="0" eaLnBrk="1" latinLnBrk="0" hangingPunct="1">
-              <a:defRPr sz="1800" kern="1200">
-                <a:solidFill>
-                  <a:schemeClr val="tx1"/>
-                </a:solidFill>
-                <a:latin typeface="+mn-lt"/>
-                <a:ea typeface="+mn-ea"/>
-                <a:cs typeface="+mn-cs"/>
-              </a:defRPr>
-            </a:lvl6pPr>
-            <a:lvl7pPr marL="2743200" algn="l" defTabSz="914400" rtl="0" eaLnBrk="1" latinLnBrk="0" hangingPunct="1">
-              <a:defRPr sz="1800" kern="1200">
-                <a:solidFill>
-                  <a:schemeClr val="tx1"/>
-                </a:solidFill>
-                <a:latin typeface="+mn-lt"/>
-                <a:ea typeface="+mn-ea"/>
-                <a:cs typeface="+mn-cs"/>
-              </a:defRPr>
-            </a:lvl7pPr>
-            <a:lvl8pPr marL="3200400" algn="l" defTabSz="914400" rtl="0" eaLnBrk="1" latinLnBrk="0" hangingPunct="1">
-              <a:defRPr sz="1800" kern="1200">
-                <a:solidFill>
-                  <a:schemeClr val="tx1"/>
-                </a:solidFill>
-                <a:latin typeface="+mn-lt"/>
-                <a:ea typeface="+mn-ea"/>
-                <a:cs typeface="+mn-cs"/>
-              </a:defRPr>
-            </a:lvl8pPr>
-            <a:lvl9pPr marL="3657600" algn="l" defTabSz="914400" rtl="0" eaLnBrk="1" latinLnBrk="0" hangingPunct="1">
-              <a:defRPr sz="1800" kern="1200">
-                <a:solidFill>
-                  <a:schemeClr val="tx1"/>
-                </a:solidFill>
-                <a:latin typeface="+mn-lt"/>
-                <a:ea typeface="+mn-ea"/>
-                <a:cs typeface="+mn-cs"/>
-              </a:defRPr>
-            </a:lvl9pPr>
-          </a:lstStyle>
-          <a:p>
-            <a:pPr algn="r">
-              <a:lnSpc>
-                <a:spcPct val="130000"/>
-              </a:lnSpc>
-            </a:pPr>
-            <a:r>
-              <a:rPr lang="zh-CN" altLang="en-US" sz="1200" dirty="0">
-                <a:solidFill>
-                  <a:schemeClr val="bg1"/>
-                </a:solidFill>
-                <a:latin typeface="微软雅黑" panose="020B0503020204020204" pitchFamily="34" charset="-122"/>
-                <a:ea typeface="微软雅黑" panose="020B0503020204020204" pitchFamily="34" charset="-122"/>
-              </a:rPr>
-              <a:t>标题数字等都可以通过点击和重新输入进行更改，建议正文</a:t>
-            </a:r>
-            <a:r>
-              <a:rPr lang="en-US" altLang="zh-CN" sz="1200" dirty="0">
-                <a:solidFill>
-                  <a:schemeClr val="bg1"/>
-                </a:solidFill>
-                <a:latin typeface="微软雅黑" panose="020B0503020204020204" pitchFamily="34" charset="-122"/>
-                <a:ea typeface="微软雅黑" panose="020B0503020204020204" pitchFamily="34" charset="-122"/>
-              </a:rPr>
-              <a:t>12</a:t>
-            </a:r>
-            <a:r>
-              <a:rPr lang="zh-CN" altLang="en-US" sz="1200" dirty="0">
-                <a:solidFill>
-                  <a:schemeClr val="bg1"/>
-                </a:solidFill>
-                <a:latin typeface="微软雅黑" panose="020B0503020204020204" pitchFamily="34" charset="-122"/>
-                <a:ea typeface="微软雅黑" panose="020B0503020204020204" pitchFamily="34" charset="-122"/>
-              </a:rPr>
-              <a:t>号字，</a:t>
-            </a:r>
-            <a:r>
-              <a:rPr lang="en-US" altLang="zh-CN" sz="1200" dirty="0">
-                <a:solidFill>
-                  <a:schemeClr val="bg1"/>
-                </a:solidFill>
-                <a:latin typeface="微软雅黑" panose="020B0503020204020204" pitchFamily="34" charset="-122"/>
-                <a:ea typeface="微软雅黑" panose="020B0503020204020204" pitchFamily="34" charset="-122"/>
-              </a:rPr>
-              <a:t>1.3</a:t>
-            </a:r>
-            <a:r>
-              <a:rPr lang="zh-CN" altLang="en-US" sz="1200" dirty="0">
-                <a:solidFill>
-                  <a:schemeClr val="bg1"/>
-                </a:solidFill>
-                <a:latin typeface="微软雅黑" panose="020B0503020204020204" pitchFamily="34" charset="-122"/>
-                <a:ea typeface="微软雅黑" panose="020B0503020204020204" pitchFamily="34" charset="-122"/>
-              </a:rPr>
-              <a:t>倍字间距。</a:t>
-            </a:r>
-          </a:p>
-        </p:txBody>
-      </p:sp>
-      <p:sp>
-        <p:nvSpPr>
-          <p:cNvPr id="5" name="矩形 4"/>
-          <p:cNvSpPr/>
-          <p:nvPr/>
-        </p:nvSpPr>
-        <p:spPr>
-          <a:xfrm>
-            <a:off x="5945415" y="2502322"/>
-            <a:ext cx="2337499" cy="1569660"/>
-          </a:xfrm>
-          <a:prstGeom prst="rect">
-            <a:avLst/>
-          </a:prstGeom>
-        </p:spPr>
-        <p:txBody>
-          <a:bodyPr wrap="none">
-            <a:spAutoFit/>
-          </a:bodyPr>
-          <a:lstStyle/>
-          <a:p>
-            <a:r>
-              <a:rPr kumimoji="1" lang="en-US" altLang="zh-CN" sz="4800" dirty="0">
-                <a:solidFill>
-                  <a:schemeClr val="bg1"/>
-                </a:solidFill>
-                <a:latin typeface="微软雅黑" panose="020B0503020204020204" pitchFamily="34" charset="-122"/>
-                <a:ea typeface="微软雅黑" panose="020B0503020204020204" pitchFamily="34" charset="-122"/>
-              </a:rPr>
-              <a:t>THANK</a:t>
-            </a:r>
-          </a:p>
-          <a:p>
-            <a:r>
-              <a:rPr kumimoji="1" lang="en-US" altLang="zh-CN" sz="4800" dirty="0">
-                <a:solidFill>
-                  <a:schemeClr val="bg1"/>
-                </a:solidFill>
-                <a:latin typeface="微软雅黑" panose="020B0503020204020204" pitchFamily="34" charset="-122"/>
-                <a:ea typeface="微软雅黑" panose="020B0503020204020204" pitchFamily="34" charset="-122"/>
-              </a:rPr>
-              <a:t>YOU!</a:t>
-            </a:r>
-            <a:endParaRPr kumimoji="1" lang="zh-CN" altLang="en-US" sz="4800" dirty="0">
-              <a:solidFill>
-                <a:schemeClr val="bg1"/>
-              </a:solidFill>
-              <a:latin typeface="微软雅黑" panose="020B0503020204020204" pitchFamily="34" charset="-122"/>
-              <a:ea typeface="微软雅黑" panose="020B0503020204020204" pitchFamily="34" charset="-122"/>
-            </a:endParaRPr>
-          </a:p>
-        </p:txBody>
-      </p:sp>
-      <p:sp>
-        <p:nvSpPr>
-          <p:cNvPr id="6" name="矩形 5"/>
-          <p:cNvSpPr/>
-          <p:nvPr/>
-        </p:nvSpPr>
-        <p:spPr>
-          <a:xfrm>
-            <a:off x="5980766" y="4056597"/>
-            <a:ext cx="2089539" cy="307773"/>
-          </a:xfrm>
-          <a:prstGeom prst="rect">
-            <a:avLst/>
-          </a:prstGeom>
-        </p:spPr>
-        <p:txBody>
-          <a:bodyPr wrap="none" lIns="91436" tIns="45718" rIns="91436" bIns="45718">
-            <a:spAutoFit/>
-          </a:bodyPr>
-          <a:lstStyle/>
-          <a:p>
-            <a:pPr algn="ctr"/>
-            <a:r>
-              <a:rPr kumimoji="1" lang="en-US" altLang="zh-CN" sz="1400" dirty="0">
-                <a:solidFill>
-                  <a:schemeClr val="bg1"/>
-                </a:solidFill>
-              </a:rPr>
-              <a:t>PRESENTED</a:t>
-            </a:r>
-            <a:r>
-              <a:rPr kumimoji="1" lang="zh-CN" altLang="en-US" sz="1400" dirty="0">
-                <a:solidFill>
-                  <a:schemeClr val="bg1"/>
-                </a:solidFill>
-              </a:rPr>
-              <a:t> </a:t>
-            </a:r>
-            <a:r>
-              <a:rPr kumimoji="1" lang="en-US" altLang="zh-CN" sz="1400" dirty="0">
-                <a:solidFill>
-                  <a:schemeClr val="bg1"/>
-                </a:solidFill>
-              </a:rPr>
-              <a:t>BY</a:t>
-            </a:r>
-            <a:r>
-              <a:rPr kumimoji="1" lang="zh-CN" altLang="en-US" sz="1400" dirty="0">
-                <a:solidFill>
-                  <a:schemeClr val="bg1"/>
-                </a:solidFill>
-              </a:rPr>
-              <a:t> </a:t>
-            </a:r>
-            <a:r>
-              <a:rPr kumimoji="1" lang="en-US" altLang="zh-CN" sz="1400" dirty="0" err="1">
-                <a:solidFill>
-                  <a:schemeClr val="bg1"/>
-                </a:solidFill>
-              </a:rPr>
-              <a:t>OfficePLUS</a:t>
-            </a:r>
-            <a:endParaRPr kumimoji="1" lang="zh-CN" altLang="en-US" sz="1400" dirty="0">
-              <a:solidFill>
-                <a:schemeClr val="bg1"/>
-              </a:solidFill>
-            </a:endParaRPr>
-          </a:p>
-        </p:txBody>
-      </p:sp>
-    </p:spTree>
-    <p:extLst>
-      <p:ext uri="{BB962C8B-B14F-4D97-AF65-F5344CB8AC3E}">
-        <p14:creationId xmlns:p14="http://schemas.microsoft.com/office/powerpoint/2010/main" val="3258636771"/>
-      </p:ext>
-    </p:extLst>
-  </p:cSld>
-  <p:clrMapOvr>
-    <a:masterClrMapping/>
-  </p:clrMapOvr>
-  <p:transition spd="med">
-    <p:pull/>
-  </p:transition>
-</p:sld>
-</file>
-
-<file path=ppt/slides/slide2.xml><?xml version="1.0" encoding="utf-8"?>
 <p:sld xmlns:a="http://schemas.openxmlformats.org/drawingml/2006/main" xmlns:r="http://schemas.openxmlformats.org/officeDocument/2006/relationships" xmlns:p="http://schemas.openxmlformats.org/presentationml/2006/main">
   <p:cSld>
     <p:spTree>
@@ -5455,7 +4240,7 @@
           <a:p>
             <a:r>
               <a:rPr lang="en-US" altLang="zh-CN" sz="7200" b="1" dirty="0"/>
-              <a:t>1</a:t>
+              <a:t>3</a:t>
             </a:r>
             <a:endParaRPr lang="zh-CN" altLang="en-US" sz="7200" b="1" dirty="0"/>
           </a:p>
@@ -5488,7 +4273,7 @@
                 <a:latin typeface="微软雅黑" panose="020B0503020204020204" pitchFamily="34" charset="-122"/>
                 <a:ea typeface="微软雅黑" panose="020B0503020204020204" pitchFamily="34" charset="-122"/>
               </a:rPr>
-              <a:t>通信图的概述</a:t>
+              <a:t>部署图的应用</a:t>
             </a:r>
           </a:p>
         </p:txBody>
@@ -5595,8 +4380,8 @@
         </p:nvSpPr>
         <p:spPr>
           <a:xfrm>
-            <a:off x="4478571" y="1937983"/>
-            <a:ext cx="7418887" cy="3463382"/>
+            <a:off x="4459207" y="2031571"/>
+            <a:ext cx="7418887" cy="2815449"/>
           </a:xfrm>
           <a:prstGeom prst="rect">
             <a:avLst/>
@@ -5618,74 +4403,108 @@
                 <a:latin typeface="微软雅黑" panose="020B0503020204020204" pitchFamily="34" charset="-122"/>
                 <a:ea typeface="微软雅黑" panose="020B0503020204020204" pitchFamily="34" charset="-122"/>
               </a:rPr>
-              <a:t>通信图</a:t>
-            </a:r>
-            <a:r>
-              <a:rPr lang="zh-CN" altLang="en-US" sz="2400" dirty="0">
+              <a:t>对系统静态部署试图建模时，通常以下三种方式之一使用部署图：</a:t>
+            </a:r>
+            <a:endParaRPr lang="en-US" altLang="zh-CN" sz="2800" dirty="0">
+              <a:latin typeface="微软雅黑" panose="020B0503020204020204" pitchFamily="34" charset="-122"/>
+              <a:ea typeface="微软雅黑" panose="020B0503020204020204" pitchFamily="34" charset="-122"/>
+            </a:endParaRPr>
+          </a:p>
+          <a:p>
+            <a:pPr defTabSz="685681">
+              <a:lnSpc>
+                <a:spcPct val="130000"/>
+              </a:lnSpc>
+            </a:pPr>
+            <a:r>
+              <a:rPr lang="en-US" altLang="zh-CN" sz="2800" dirty="0">
                 <a:latin typeface="微软雅黑" panose="020B0503020204020204" pitchFamily="34" charset="-122"/>
                 <a:ea typeface="微软雅黑" panose="020B0503020204020204" pitchFamily="34" charset="-122"/>
               </a:rPr>
-              <a:t>（</a:t>
-            </a:r>
-            <a:r>
-              <a:rPr lang="zh-CN" altLang="en-US" sz="2400" dirty="0"/>
-              <a:t>即</a:t>
-            </a:r>
-            <a:r>
-              <a:rPr lang="en-US" altLang="zh-CN" sz="2400" dirty="0"/>
-              <a:t>Communication Diagram</a:t>
-            </a:r>
-            <a:r>
-              <a:rPr lang="zh-CN" altLang="en-US" sz="2400" dirty="0"/>
-              <a:t>，在</a:t>
-            </a:r>
-            <a:r>
-              <a:rPr lang="en-US" altLang="zh-CN" sz="2400" dirty="0"/>
-              <a:t>UML2.0</a:t>
-            </a:r>
-            <a:r>
-              <a:rPr lang="zh-CN" altLang="en-US" sz="2400" dirty="0"/>
-              <a:t>之前，通信图也称为协作图，而“协作”作为一个结构事物用于表达静态结构和动态行为的概念组合，表达不同事物相互协作完成一个复杂功能。故</a:t>
-            </a:r>
-            <a:r>
-              <a:rPr lang="en-US" altLang="zh-CN" sz="2400" dirty="0"/>
-              <a:t>UML 2.0</a:t>
-            </a:r>
-            <a:r>
-              <a:rPr lang="zh-CN" altLang="en-US" sz="2400" dirty="0"/>
-              <a:t>以后通信图不再是协作图，没有专门的”协作图“，只有”协作“</a:t>
-            </a:r>
-            <a:r>
-              <a:rPr lang="zh-CN" altLang="en-US" sz="2400" dirty="0">
+              <a:t>1.</a:t>
+            </a:r>
+            <a:r>
+              <a:rPr lang="zh-CN" altLang="en-US" sz="2800" dirty="0">
                 <a:latin typeface="微软雅黑" panose="020B0503020204020204" pitchFamily="34" charset="-122"/>
                 <a:ea typeface="微软雅黑" panose="020B0503020204020204" pitchFamily="34" charset="-122"/>
               </a:rPr>
-              <a:t>）是一种交互图，强调的是</a:t>
-            </a:r>
-            <a:r>
-              <a:rPr lang="zh-CN" altLang="en-US" sz="2400" dirty="0">
-                <a:solidFill>
-                  <a:srgbClr val="FF0000"/>
-                </a:solidFill>
+              <a:t>对嵌入式系统建模</a:t>
+            </a:r>
+            <a:endParaRPr lang="en-US" altLang="zh-CN" sz="2800" dirty="0">
+              <a:latin typeface="微软雅黑" panose="020B0503020204020204" pitchFamily="34" charset="-122"/>
+              <a:ea typeface="微软雅黑" panose="020B0503020204020204" pitchFamily="34" charset="-122"/>
+            </a:endParaRPr>
+          </a:p>
+          <a:p>
+            <a:pPr defTabSz="685681">
+              <a:lnSpc>
+                <a:spcPct val="130000"/>
+              </a:lnSpc>
+            </a:pPr>
+            <a:r>
+              <a:rPr lang="en-US" altLang="zh-CN" sz="2800" dirty="0">
                 <a:latin typeface="微软雅黑" panose="020B0503020204020204" pitchFamily="34" charset="-122"/>
                 <a:ea typeface="微软雅黑" panose="020B0503020204020204" pitchFamily="34" charset="-122"/>
               </a:rPr>
-              <a:t>发生和接受消息的对象之间的组织结构</a:t>
-            </a:r>
-            <a:r>
-              <a:rPr lang="zh-CN" altLang="en-US" sz="2400" dirty="0">
+              <a:t>2.</a:t>
+            </a:r>
+            <a:r>
+              <a:rPr lang="zh-CN" altLang="en-US" sz="2800" dirty="0">
                 <a:latin typeface="微软雅黑" panose="020B0503020204020204" pitchFamily="34" charset="-122"/>
                 <a:ea typeface="微软雅黑" panose="020B0503020204020204" pitchFamily="34" charset="-122"/>
               </a:rPr>
-              <a:t>。</a:t>
-            </a:r>
+              <a:t>对客户</a:t>
+            </a:r>
+            <a:r>
+              <a:rPr lang="en-US" altLang="zh-CN" sz="2800" dirty="0">
+                <a:latin typeface="微软雅黑" panose="020B0503020204020204" pitchFamily="34" charset="-122"/>
+                <a:ea typeface="微软雅黑" panose="020B0503020204020204" pitchFamily="34" charset="-122"/>
+              </a:rPr>
+              <a:t>/</a:t>
+            </a:r>
+            <a:r>
+              <a:rPr lang="zh-CN" altLang="en-US" sz="2800" dirty="0">
+                <a:latin typeface="微软雅黑" panose="020B0503020204020204" pitchFamily="34" charset="-122"/>
+                <a:ea typeface="微软雅黑" panose="020B0503020204020204" pitchFamily="34" charset="-122"/>
+              </a:rPr>
+              <a:t>服务器系统建模</a:t>
+            </a:r>
+            <a:endParaRPr lang="en-US" altLang="zh-CN" sz="2800" dirty="0">
+              <a:latin typeface="微软雅黑" panose="020B0503020204020204" pitchFamily="34" charset="-122"/>
+              <a:ea typeface="微软雅黑" panose="020B0503020204020204" pitchFamily="34" charset="-122"/>
+            </a:endParaRPr>
+          </a:p>
+          <a:p>
+            <a:pPr defTabSz="685681">
+              <a:lnSpc>
+                <a:spcPct val="130000"/>
+              </a:lnSpc>
+            </a:pPr>
+            <a:r>
+              <a:rPr lang="en-US" altLang="zh-CN" sz="2800" dirty="0">
+                <a:latin typeface="微软雅黑" panose="020B0503020204020204" pitchFamily="34" charset="-122"/>
+                <a:ea typeface="微软雅黑" panose="020B0503020204020204" pitchFamily="34" charset="-122"/>
+              </a:rPr>
+              <a:t>3.</a:t>
+            </a:r>
+            <a:r>
+              <a:rPr lang="zh-CN" altLang="en-US" sz="2800" dirty="0">
+                <a:latin typeface="微软雅黑" panose="020B0503020204020204" pitchFamily="34" charset="-122"/>
+                <a:ea typeface="微软雅黑" panose="020B0503020204020204" pitchFamily="34" charset="-122"/>
+              </a:rPr>
+              <a:t>对全分布式系统建模</a:t>
+            </a:r>
+            <a:endParaRPr lang="zh-CN" altLang="en-US" sz="2400" dirty="0">
+              <a:latin typeface="微软雅黑" panose="020B0503020204020204" pitchFamily="34" charset="-122"/>
+              <a:ea typeface="微软雅黑" panose="020B0503020204020204" pitchFamily="34" charset="-122"/>
+            </a:endParaRPr>
           </a:p>
         </p:txBody>
       </p:sp>
     </p:spTree>
     <p:extLst>
       <p:ext uri="{BB962C8B-B14F-4D97-AF65-F5344CB8AC3E}">
-        <p14:creationId xmlns:p14="http://schemas.microsoft.com/office/powerpoint/2010/main" val="2222514007"/>
+        <p14:creationId xmlns:p14="http://schemas.microsoft.com/office/powerpoint/2010/main" val="241814271"/>
       </p:ext>
     </p:extLst>
   </p:cSld>
@@ -5698,7 +4517,7 @@
 </p:sld>
 </file>
 
-<file path=ppt/slides/slide3.xml><?xml version="1.0" encoding="utf-8"?>
+<file path=ppt/slides/slide2.xml><?xml version="1.0" encoding="utf-8"?>
 <p:sld xmlns:a="http://schemas.openxmlformats.org/drawingml/2006/main" xmlns:r="http://schemas.openxmlformats.org/officeDocument/2006/relationships" xmlns:p="http://schemas.openxmlformats.org/presentationml/2006/main">
   <p:cSld>
     <p:spTree>
@@ -5920,7 +4739,7 @@
           <a:p>
             <a:r>
               <a:rPr lang="en-US" altLang="zh-CN" sz="7200" b="1" dirty="0"/>
-              <a:t>2</a:t>
+              <a:t>1</a:t>
             </a:r>
             <a:endParaRPr lang="zh-CN" altLang="en-US" sz="7200" b="1" dirty="0"/>
           </a:p>
@@ -5953,7 +4772,7 @@
                 <a:latin typeface="微软雅黑" panose="020B0503020204020204" pitchFamily="34" charset="-122"/>
                 <a:ea typeface="微软雅黑" panose="020B0503020204020204" pitchFamily="34" charset="-122"/>
               </a:rPr>
-              <a:t>通信图的基本内容</a:t>
+              <a:t>通信图的概述</a:t>
             </a:r>
           </a:p>
         </p:txBody>
@@ -6061,7 +4880,7 @@
         <p:spPr>
           <a:xfrm>
             <a:off x="4478571" y="1937983"/>
-            <a:ext cx="7418887" cy="502571"/>
+            <a:ext cx="7418887" cy="3463382"/>
           </a:xfrm>
           <a:prstGeom prst="rect">
             <a:avLst/>
@@ -6079,23 +4898,78 @@
               </a:lnSpc>
             </a:pPr>
             <a:r>
+              <a:rPr lang="zh-CN" altLang="en-US" sz="2800" dirty="0">
+                <a:latin typeface="微软雅黑" panose="020B0503020204020204" pitchFamily="34" charset="-122"/>
+                <a:ea typeface="微软雅黑" panose="020B0503020204020204" pitchFamily="34" charset="-122"/>
+              </a:rPr>
+              <a:t>通信图</a:t>
+            </a:r>
+            <a:r>
               <a:rPr lang="zh-CN" altLang="en-US" sz="2400" dirty="0">
                 <a:latin typeface="微软雅黑" panose="020B0503020204020204" pitchFamily="34" charset="-122"/>
                 <a:ea typeface="微软雅黑" panose="020B0503020204020204" pitchFamily="34" charset="-122"/>
               </a:rPr>
-              <a:t>通信图由以下基本元素构成：对象、链接和消息。</a:t>
-            </a:r>
-            <a:endParaRPr lang="en-US" altLang="zh-CN" sz="2400" dirty="0">
-              <a:latin typeface="微软雅黑" panose="020B0503020204020204" pitchFamily="34" charset="-122"/>
-              <a:ea typeface="微软雅黑" panose="020B0503020204020204" pitchFamily="34" charset="-122"/>
-            </a:endParaRPr>
+              <a:t>（</a:t>
+            </a:r>
+            <a:r>
+              <a:rPr lang="zh-CN" altLang="en-US" sz="2400" dirty="0"/>
+              <a:t>即</a:t>
+            </a:r>
+            <a:r>
+              <a:rPr lang="en-US" altLang="zh-CN" sz="2400" dirty="0"/>
+              <a:t>Communication Diagram</a:t>
+            </a:r>
+            <a:r>
+              <a:rPr lang="zh-CN" altLang="en-US" sz="2400" dirty="0"/>
+              <a:t>，在</a:t>
+            </a:r>
+            <a:r>
+              <a:rPr lang="en-US" altLang="zh-CN" sz="2400" dirty="0"/>
+              <a:t>UML2.0</a:t>
+            </a:r>
+            <a:r>
+              <a:rPr lang="zh-CN" altLang="en-US" sz="2400" dirty="0"/>
+              <a:t>之前，通信图也称为协作图，而“协作”作为一个结构事物用于表达静态结构和动态行为的概念组合，表达不同事物相互协作完成一个复杂功能。故</a:t>
+            </a:r>
+            <a:r>
+              <a:rPr lang="en-US" altLang="zh-CN" sz="2400" dirty="0"/>
+              <a:t>UML 2.0</a:t>
+            </a:r>
+            <a:r>
+              <a:rPr lang="zh-CN" altLang="en-US" sz="2400" dirty="0"/>
+              <a:t>以后通信图不再是协作图，没有专门的”协作图“，只有”协作“</a:t>
+            </a:r>
+            <a:r>
+              <a:rPr lang="zh-CN" altLang="en-US" sz="2400" dirty="0">
+                <a:latin typeface="微软雅黑" panose="020B0503020204020204" pitchFamily="34" charset="-122"/>
+                <a:ea typeface="微软雅黑" panose="020B0503020204020204" pitchFamily="34" charset="-122"/>
+              </a:rPr>
+              <a:t>）是一种交互图，强调的是</a:t>
+            </a:r>
+            <a:r>
+              <a:rPr lang="zh-CN" altLang="en-US" sz="2400" dirty="0">
+                <a:solidFill>
+                  <a:srgbClr val="FF0000"/>
+                </a:solidFill>
+                <a:latin typeface="微软雅黑" panose="020B0503020204020204" pitchFamily="34" charset="-122"/>
+                <a:ea typeface="微软雅黑" panose="020B0503020204020204" pitchFamily="34" charset="-122"/>
+              </a:rPr>
+              <a:t>发生和接受消息的对象之间的组织结构</a:t>
+            </a:r>
+            <a:r>
+              <a:rPr lang="zh-CN" altLang="en-US" sz="2400" dirty="0">
+                <a:latin typeface="微软雅黑" panose="020B0503020204020204" pitchFamily="34" charset="-122"/>
+                <a:ea typeface="微软雅黑" panose="020B0503020204020204" pitchFamily="34" charset="-122"/>
+              </a:rPr>
+              <a:t>。</a:t>
+            </a:r>
           </a:p>
         </p:txBody>
       </p:sp>
     </p:spTree>
     <p:extLst>
       <p:ext uri="{BB962C8B-B14F-4D97-AF65-F5344CB8AC3E}">
-        <p14:creationId xmlns:p14="http://schemas.microsoft.com/office/powerpoint/2010/main" val="3460417820"/>
+        <p14:creationId xmlns:p14="http://schemas.microsoft.com/office/powerpoint/2010/main" val="2222514007"/>
       </p:ext>
     </p:extLst>
   </p:cSld>
@@ -6108,497 +4982,7 @@
 </p:sld>
 </file>
 
-<file path=ppt/slides/slide4.xml><?xml version="1.0" encoding="utf-8"?>
-<p:sld xmlns:a="http://schemas.openxmlformats.org/drawingml/2006/main" xmlns:r="http://schemas.openxmlformats.org/officeDocument/2006/relationships" xmlns:p="http://schemas.openxmlformats.org/presentationml/2006/main">
-  <p:cSld>
-    <p:spTree>
-      <p:nvGrpSpPr>
-        <p:cNvPr id="1" name=""/>
-        <p:cNvGrpSpPr/>
-        <p:nvPr/>
-      </p:nvGrpSpPr>
-      <p:grpSpPr>
-        <a:xfrm>
-          <a:off x="0" y="0"/>
-          <a:ext cx="0" cy="0"/>
-          <a:chOff x="0" y="0"/>
-          <a:chExt cx="0" cy="0"/>
-        </a:xfrm>
-      </p:grpSpPr>
-      <p:pic>
-        <p:nvPicPr>
-          <p:cNvPr id="4" name="图片 3"/>
-          <p:cNvPicPr>
-            <a:picLocks noChangeAspect="1"/>
-          </p:cNvPicPr>
-          <p:nvPr/>
-        </p:nvPicPr>
-        <p:blipFill rotWithShape="1">
-          <a:blip r:embed="rId2" cstate="print">
-            <a:extLst>
-              <a:ext uri="{28A0092B-C50C-407E-A947-70E740481C1C}">
-                <a14:useLocalDpi xmlns:a14="http://schemas.microsoft.com/office/drawing/2010/main" val="0"/>
-              </a:ext>
-            </a:extLst>
-          </a:blip>
-          <a:srcRect l="21875" r="21875"/>
-          <a:stretch/>
-        </p:blipFill>
-        <p:spPr>
-          <a:xfrm rot="10800000">
-            <a:off x="-3431709" y="-5417"/>
-            <a:ext cx="6863417" cy="6863417"/>
-          </a:xfrm>
-          <a:prstGeom prst="pie">
-            <a:avLst>
-              <a:gd name="adj1" fmla="val 5347296"/>
-              <a:gd name="adj2" fmla="val 16200000"/>
-            </a:avLst>
-          </a:prstGeom>
-        </p:spPr>
-      </p:pic>
-      <p:sp>
-        <p:nvSpPr>
-          <p:cNvPr id="5" name="椭圆 4"/>
-          <p:cNvSpPr/>
-          <p:nvPr/>
-        </p:nvSpPr>
-        <p:spPr>
-          <a:xfrm>
-            <a:off x="2228850" y="838200"/>
-            <a:ext cx="781050" cy="781050"/>
-          </a:xfrm>
-          <a:prstGeom prst="ellipse">
-            <a:avLst/>
-          </a:prstGeom>
-          <a:solidFill>
-            <a:schemeClr val="bg1"/>
-          </a:solidFill>
-          <a:ln>
-            <a:solidFill>
-              <a:schemeClr val="bg2">
-                <a:lumMod val="25000"/>
-              </a:schemeClr>
-            </a:solidFill>
-          </a:ln>
-        </p:spPr>
-        <p:style>
-          <a:lnRef idx="2">
-            <a:schemeClr val="accent1">
-              <a:shade val="50000"/>
-            </a:schemeClr>
-          </a:lnRef>
-          <a:fillRef idx="1">
-            <a:schemeClr val="accent1"/>
-          </a:fillRef>
-          <a:effectRef idx="0">
-            <a:schemeClr val="accent1"/>
-          </a:effectRef>
-          <a:fontRef idx="minor">
-            <a:schemeClr val="lt1"/>
-          </a:fontRef>
-        </p:style>
-        <p:txBody>
-          <a:bodyPr rtlCol="0" anchor="ctr"/>
-          <a:lstStyle/>
-          <a:p>
-            <a:pPr algn="ctr"/>
-            <a:endParaRPr lang="zh-CN" altLang="en-US"/>
-          </a:p>
-        </p:txBody>
-      </p:sp>
-      <p:sp>
-        <p:nvSpPr>
-          <p:cNvPr id="6" name="椭圆 5"/>
-          <p:cNvSpPr/>
-          <p:nvPr/>
-        </p:nvSpPr>
-        <p:spPr>
-          <a:xfrm>
-            <a:off x="3009900" y="2307808"/>
-            <a:ext cx="781050" cy="781050"/>
-          </a:xfrm>
-          <a:prstGeom prst="ellipse">
-            <a:avLst/>
-          </a:prstGeom>
-          <a:solidFill>
-            <a:schemeClr val="bg1"/>
-          </a:solidFill>
-          <a:ln>
-            <a:solidFill>
-              <a:schemeClr val="bg2">
-                <a:lumMod val="25000"/>
-              </a:schemeClr>
-            </a:solidFill>
-          </a:ln>
-        </p:spPr>
-        <p:style>
-          <a:lnRef idx="2">
-            <a:schemeClr val="accent1">
-              <a:shade val="50000"/>
-            </a:schemeClr>
-          </a:lnRef>
-          <a:fillRef idx="1">
-            <a:schemeClr val="accent1"/>
-          </a:fillRef>
-          <a:effectRef idx="0">
-            <a:schemeClr val="accent1"/>
-          </a:effectRef>
-          <a:fontRef idx="minor">
-            <a:schemeClr val="lt1"/>
-          </a:fontRef>
-        </p:style>
-        <p:txBody>
-          <a:bodyPr rtlCol="0" anchor="ctr"/>
-          <a:lstStyle/>
-          <a:p>
-            <a:pPr algn="ctr"/>
-            <a:endParaRPr lang="zh-CN" altLang="en-US"/>
-          </a:p>
-        </p:txBody>
-      </p:sp>
-      <p:sp>
-        <p:nvSpPr>
-          <p:cNvPr id="8" name="椭圆 7"/>
-          <p:cNvSpPr/>
-          <p:nvPr/>
-        </p:nvSpPr>
-        <p:spPr>
-          <a:xfrm>
-            <a:off x="2228850" y="5400172"/>
-            <a:ext cx="781050" cy="781050"/>
-          </a:xfrm>
-          <a:prstGeom prst="ellipse">
-            <a:avLst/>
-          </a:prstGeom>
-          <a:solidFill>
-            <a:schemeClr val="bg1"/>
-          </a:solidFill>
-          <a:ln>
-            <a:solidFill>
-              <a:schemeClr val="bg2">
-                <a:lumMod val="25000"/>
-              </a:schemeClr>
-            </a:solidFill>
-          </a:ln>
-        </p:spPr>
-        <p:style>
-          <a:lnRef idx="2">
-            <a:schemeClr val="accent1">
-              <a:shade val="50000"/>
-            </a:schemeClr>
-          </a:lnRef>
-          <a:fillRef idx="1">
-            <a:schemeClr val="accent1"/>
-          </a:fillRef>
-          <a:effectRef idx="0">
-            <a:schemeClr val="accent1"/>
-          </a:effectRef>
-          <a:fontRef idx="minor">
-            <a:schemeClr val="lt1"/>
-          </a:fontRef>
-        </p:style>
-        <p:txBody>
-          <a:bodyPr rtlCol="0" anchor="ctr"/>
-          <a:lstStyle/>
-          <a:p>
-            <a:pPr algn="ctr"/>
-            <a:endParaRPr lang="zh-CN" altLang="en-US"/>
-          </a:p>
-        </p:txBody>
-      </p:sp>
-      <p:sp>
-        <p:nvSpPr>
-          <p:cNvPr id="17" name="矩形 16"/>
-          <p:cNvSpPr/>
-          <p:nvPr/>
-        </p:nvSpPr>
-        <p:spPr>
-          <a:xfrm>
-            <a:off x="3400425" y="1020386"/>
-            <a:ext cx="8601075" cy="1029511"/>
-          </a:xfrm>
-          <a:prstGeom prst="rect">
-            <a:avLst/>
-          </a:prstGeom>
-        </p:spPr>
-        <p:txBody>
-          <a:bodyPr wrap="square" lIns="68570" tIns="34289" rIns="68570" bIns="34289">
-            <a:spAutoFit/>
-          </a:bodyPr>
-          <a:lstStyle/>
-          <a:p>
-            <a:pPr defTabSz="685681">
-              <a:lnSpc>
-                <a:spcPct val="130000"/>
-              </a:lnSpc>
-            </a:pPr>
-            <a:r>
-              <a:rPr lang="zh-CN" altLang="en-US" sz="2400" dirty="0">
-                <a:latin typeface="微软雅黑" panose="020B0503020204020204" pitchFamily="34" charset="-122"/>
-                <a:ea typeface="微软雅黑" panose="020B0503020204020204" pitchFamily="34" charset="-122"/>
-              </a:rPr>
-              <a:t>标题数字等都可以通过点击和重新输入进行更改，顶部“开始”面板中可以对字体、字号、颜色、行距等进行修改。建议正文</a:t>
-            </a:r>
-          </a:p>
-        </p:txBody>
-      </p:sp>
-      <p:sp>
-        <p:nvSpPr>
-          <p:cNvPr id="18" name="矩形 17"/>
-          <p:cNvSpPr/>
-          <p:nvPr/>
-        </p:nvSpPr>
-        <p:spPr>
-          <a:xfrm>
-            <a:off x="4088935" y="2398148"/>
-            <a:ext cx="8103065" cy="1029511"/>
-          </a:xfrm>
-          <a:prstGeom prst="rect">
-            <a:avLst/>
-          </a:prstGeom>
-        </p:spPr>
-        <p:txBody>
-          <a:bodyPr wrap="square" lIns="68570" tIns="34289" rIns="68570" bIns="34289">
-            <a:spAutoFit/>
-          </a:bodyPr>
-          <a:lstStyle/>
-          <a:p>
-            <a:pPr defTabSz="685681">
-              <a:lnSpc>
-                <a:spcPct val="130000"/>
-              </a:lnSpc>
-            </a:pPr>
-            <a:r>
-              <a:rPr lang="zh-CN" altLang="en-US" sz="2400" dirty="0">
-                <a:latin typeface="微软雅黑" panose="020B0503020204020204" pitchFamily="34" charset="-122"/>
-                <a:ea typeface="微软雅黑" panose="020B0503020204020204" pitchFamily="34" charset="-122"/>
-              </a:rPr>
-              <a:t>标题数字等都可以通过点击和重新输入进行更改，顶部“开始”面板中可以对字体、字号、颜色、行距等进行修改。</a:t>
-            </a:r>
-          </a:p>
-        </p:txBody>
-      </p:sp>
-      <p:sp>
-        <p:nvSpPr>
-          <p:cNvPr id="19" name="矩形 18"/>
-          <p:cNvSpPr/>
-          <p:nvPr/>
-        </p:nvSpPr>
-        <p:spPr>
-          <a:xfrm>
-            <a:off x="3993684" y="4032332"/>
-            <a:ext cx="8360241" cy="1029511"/>
-          </a:xfrm>
-          <a:prstGeom prst="rect">
-            <a:avLst/>
-          </a:prstGeom>
-        </p:spPr>
-        <p:txBody>
-          <a:bodyPr wrap="square" lIns="68570" tIns="34289" rIns="68570" bIns="34289">
-            <a:spAutoFit/>
-          </a:bodyPr>
-          <a:lstStyle/>
-          <a:p>
-            <a:pPr defTabSz="685681">
-              <a:lnSpc>
-                <a:spcPct val="130000"/>
-              </a:lnSpc>
-            </a:pPr>
-            <a:r>
-              <a:rPr lang="zh-CN" altLang="en-US" sz="2400" dirty="0">
-                <a:latin typeface="微软雅黑" panose="020B0503020204020204" pitchFamily="34" charset="-122"/>
-                <a:ea typeface="微软雅黑" panose="020B0503020204020204" pitchFamily="34" charset="-122"/>
-              </a:rPr>
-              <a:t>标题数字等都可以通过点击和重新输入进行更改，顶部“开始”面板中可以对字体、字号、颜色、行距等进行修改。</a:t>
-            </a:r>
-          </a:p>
-        </p:txBody>
-      </p:sp>
-      <p:sp>
-        <p:nvSpPr>
-          <p:cNvPr id="20" name="矩形 19"/>
-          <p:cNvSpPr/>
-          <p:nvPr/>
-        </p:nvSpPr>
-        <p:spPr>
-          <a:xfrm>
-            <a:off x="3507123" y="5447290"/>
-            <a:ext cx="8837277" cy="1029511"/>
-          </a:xfrm>
-          <a:prstGeom prst="rect">
-            <a:avLst/>
-          </a:prstGeom>
-        </p:spPr>
-        <p:txBody>
-          <a:bodyPr wrap="square" lIns="68570" tIns="34289" rIns="68570" bIns="34289">
-            <a:spAutoFit/>
-          </a:bodyPr>
-          <a:lstStyle/>
-          <a:p>
-            <a:pPr defTabSz="685681">
-              <a:lnSpc>
-                <a:spcPct val="130000"/>
-              </a:lnSpc>
-            </a:pPr>
-            <a:r>
-              <a:rPr lang="zh-CN" altLang="en-US" sz="2400" dirty="0">
-                <a:latin typeface="微软雅黑" panose="020B0503020204020204" pitchFamily="34" charset="-122"/>
-                <a:ea typeface="微软雅黑" panose="020B0503020204020204" pitchFamily="34" charset="-122"/>
-              </a:rPr>
-              <a:t>标题数字等都可以通过点击和重新输入进行更改，顶部“开始”面板中可以对字体、字号、颜色、行距等进行修改。建议正文</a:t>
-            </a:r>
-          </a:p>
-        </p:txBody>
-      </p:sp>
-      <p:sp>
-        <p:nvSpPr>
-          <p:cNvPr id="21" name="椭圆 20"/>
-          <p:cNvSpPr/>
-          <p:nvPr/>
-        </p:nvSpPr>
-        <p:spPr>
-          <a:xfrm>
-            <a:off x="-2370371" y="1094870"/>
-            <a:ext cx="4662487" cy="4662487"/>
-          </a:xfrm>
-          <a:prstGeom prst="ellipse">
-            <a:avLst/>
-          </a:prstGeom>
-          <a:noFill/>
-          <a:ln>
-            <a:solidFill>
-              <a:schemeClr val="bg1"/>
-            </a:solidFill>
-          </a:ln>
-        </p:spPr>
-        <p:style>
-          <a:lnRef idx="2">
-            <a:schemeClr val="accent1">
-              <a:shade val="50000"/>
-            </a:schemeClr>
-          </a:lnRef>
-          <a:fillRef idx="1">
-            <a:schemeClr val="accent1"/>
-          </a:fillRef>
-          <a:effectRef idx="0">
-            <a:schemeClr val="accent1"/>
-          </a:effectRef>
-          <a:fontRef idx="minor">
-            <a:schemeClr val="lt1"/>
-          </a:fontRef>
-        </p:style>
-        <p:txBody>
-          <a:bodyPr rtlCol="0" anchor="ctr"/>
-          <a:lstStyle/>
-          <a:p>
-            <a:pPr algn="ctr"/>
-            <a:endParaRPr lang="zh-CN" altLang="en-US"/>
-          </a:p>
-        </p:txBody>
-      </p:sp>
-      <p:sp>
-        <p:nvSpPr>
-          <p:cNvPr id="22" name="文本框 21"/>
-          <p:cNvSpPr txBox="1"/>
-          <p:nvPr/>
-        </p:nvSpPr>
-        <p:spPr>
-          <a:xfrm>
-            <a:off x="387582" y="1368299"/>
-            <a:ext cx="701675" cy="4031873"/>
-          </a:xfrm>
-          <a:prstGeom prst="rect">
-            <a:avLst/>
-          </a:prstGeom>
-          <a:noFill/>
-        </p:spPr>
-        <p:txBody>
-          <a:bodyPr wrap="square" rtlCol="0">
-            <a:spAutoFit/>
-          </a:bodyPr>
-          <a:lstStyle/>
-          <a:p>
-            <a:r>
-              <a:rPr lang="zh-CN" altLang="en-US" sz="3200" b="1" dirty="0">
-                <a:solidFill>
-                  <a:schemeClr val="bg1"/>
-                </a:solidFill>
-                <a:latin typeface="微软雅黑" panose="020B0503020204020204" pitchFamily="34" charset="-122"/>
-                <a:ea typeface="微软雅黑" panose="020B0503020204020204" pitchFamily="34" charset="-122"/>
-              </a:rPr>
-              <a:t>点击此处添加标题</a:t>
-            </a:r>
-          </a:p>
-        </p:txBody>
-      </p:sp>
-      <p:sp>
-        <p:nvSpPr>
-          <p:cNvPr id="7" name="椭圆 6"/>
-          <p:cNvSpPr/>
-          <p:nvPr/>
-        </p:nvSpPr>
-        <p:spPr>
-          <a:xfrm>
-            <a:off x="2839805" y="3861633"/>
-            <a:ext cx="781050" cy="781050"/>
-          </a:xfrm>
-          <a:prstGeom prst="ellipse">
-            <a:avLst/>
-          </a:prstGeom>
-          <a:solidFill>
-            <a:schemeClr val="bg1"/>
-          </a:solidFill>
-          <a:ln>
-            <a:solidFill>
-              <a:schemeClr val="bg2">
-                <a:lumMod val="25000"/>
-              </a:schemeClr>
-            </a:solidFill>
-          </a:ln>
-        </p:spPr>
-        <p:style>
-          <a:lnRef idx="2">
-            <a:schemeClr val="accent1">
-              <a:shade val="50000"/>
-            </a:schemeClr>
-          </a:lnRef>
-          <a:fillRef idx="1">
-            <a:schemeClr val="accent1"/>
-          </a:fillRef>
-          <a:effectRef idx="0">
-            <a:schemeClr val="accent1"/>
-          </a:effectRef>
-          <a:fontRef idx="minor">
-            <a:schemeClr val="lt1"/>
-          </a:fontRef>
-        </p:style>
-        <p:txBody>
-          <a:bodyPr rtlCol="0" anchor="ctr"/>
-          <a:lstStyle/>
-          <a:p>
-            <a:pPr algn="ctr"/>
-            <a:endParaRPr lang="zh-CN" altLang="en-US"/>
-          </a:p>
-        </p:txBody>
-      </p:sp>
-    </p:spTree>
-    <p:extLst>
-      <p:ext uri="{BB962C8B-B14F-4D97-AF65-F5344CB8AC3E}">
-        <p14:creationId xmlns:p14="http://schemas.microsoft.com/office/powerpoint/2010/main" val="3139051539"/>
-      </p:ext>
-    </p:extLst>
-  </p:cSld>
-  <p:clrMapOvr>
-    <a:masterClrMapping/>
-  </p:clrMapOvr>
-  <p:transition spd="slow">
-    <p:push dir="u"/>
-  </p:transition>
-</p:sld>
-</file>
-
-<file path=ppt/slides/slide5.xml><?xml version="1.0" encoding="utf-8"?>
+<file path=ppt/slides/slide3.xml><?xml version="1.0" encoding="utf-8"?>
 <p:sld xmlns:a="http://schemas.openxmlformats.org/drawingml/2006/main" xmlns:r="http://schemas.openxmlformats.org/officeDocument/2006/relationships" xmlns:p="http://schemas.openxmlformats.org/presentationml/2006/main">
   <p:cSld>
     <p:spTree>
@@ -6820,7 +5204,7 @@
           <a:p>
             <a:r>
               <a:rPr lang="en-US" altLang="zh-CN" sz="7200" b="1" dirty="0"/>
-              <a:t>1</a:t>
+              <a:t>2</a:t>
             </a:r>
             <a:endParaRPr lang="zh-CN" altLang="en-US" sz="7200" b="1" dirty="0"/>
           </a:p>
@@ -6853,7 +5237,7 @@
                 <a:latin typeface="微软雅黑" panose="020B0503020204020204" pitchFamily="34" charset="-122"/>
                 <a:ea typeface="微软雅黑" panose="020B0503020204020204" pitchFamily="34" charset="-122"/>
               </a:rPr>
-              <a:t>通信图的概述</a:t>
+              <a:t>通信图的基本内容</a:t>
             </a:r>
           </a:p>
         </p:txBody>
@@ -6867,13 +5251,15 @@
               </a:ext>
             </a:extLst>
           </p:cNvPr>
-          <p:cNvCxnSpPr/>
+          <p:cNvCxnSpPr>
+            <a:cxnSpLocks/>
+          </p:cNvCxnSpPr>
           <p:nvPr/>
         </p:nvCxnSpPr>
         <p:spPr>
           <a:xfrm>
             <a:off x="4335800" y="2031571"/>
-            <a:ext cx="0" cy="3275548"/>
+            <a:ext cx="0" cy="4333269"/>
           </a:xfrm>
           <a:prstGeom prst="line">
             <a:avLst/>
@@ -6910,13 +5296,15 @@
               </a:ext>
             </a:extLst>
           </p:cNvPr>
-          <p:cNvCxnSpPr/>
+          <p:cNvCxnSpPr>
+            <a:cxnSpLocks/>
+          </p:cNvCxnSpPr>
           <p:nvPr/>
         </p:nvCxnSpPr>
         <p:spPr>
           <a:xfrm>
             <a:off x="4240550" y="2031571"/>
-            <a:ext cx="0" cy="3256887"/>
+            <a:ext cx="0" cy="4220254"/>
           </a:xfrm>
           <a:prstGeom prst="line">
             <a:avLst/>
@@ -6961,7 +5349,7 @@
         <p:spPr>
           <a:xfrm>
             <a:off x="4478571" y="1937983"/>
-            <a:ext cx="7418887" cy="3463382"/>
+            <a:ext cx="7418887" cy="502571"/>
           </a:xfrm>
           <a:prstGeom prst="rect">
             <a:avLst/>
@@ -6979,78 +5367,59 @@
               </a:lnSpc>
             </a:pPr>
             <a:r>
-              <a:rPr lang="zh-CN" altLang="en-US" sz="2800" dirty="0">
-                <a:latin typeface="微软雅黑" panose="020B0503020204020204" pitchFamily="34" charset="-122"/>
-                <a:ea typeface="微软雅黑" panose="020B0503020204020204" pitchFamily="34" charset="-122"/>
-              </a:rPr>
-              <a:t>通信图</a:t>
-            </a:r>
-            <a:r>
               <a:rPr lang="zh-CN" altLang="en-US" sz="2400" dirty="0">
                 <a:latin typeface="微软雅黑" panose="020B0503020204020204" pitchFamily="34" charset="-122"/>
                 <a:ea typeface="微软雅黑" panose="020B0503020204020204" pitchFamily="34" charset="-122"/>
               </a:rPr>
-              <a:t>（</a:t>
-            </a:r>
-            <a:r>
-              <a:rPr lang="zh-CN" altLang="en-US" sz="2400" dirty="0"/>
-              <a:t>即</a:t>
-            </a:r>
-            <a:r>
-              <a:rPr lang="en-US" altLang="zh-CN" sz="2400" dirty="0"/>
-              <a:t>Communication Diagram</a:t>
-            </a:r>
-            <a:r>
-              <a:rPr lang="zh-CN" altLang="en-US" sz="2400" dirty="0"/>
-              <a:t>，在</a:t>
-            </a:r>
-            <a:r>
-              <a:rPr lang="en-US" altLang="zh-CN" sz="2400" dirty="0"/>
-              <a:t>UML2.0</a:t>
-            </a:r>
-            <a:r>
-              <a:rPr lang="zh-CN" altLang="en-US" sz="2400" dirty="0"/>
-              <a:t>之前，通信图也称为协作图，而“协作”作为一个结构事物用于表达静态结构和动态行为的概念组合，表达不同事物相互协作完成一个复杂功能。故</a:t>
-            </a:r>
-            <a:r>
-              <a:rPr lang="en-US" altLang="zh-CN" sz="2400" dirty="0"/>
-              <a:t>UML 2.0</a:t>
-            </a:r>
-            <a:r>
-              <a:rPr lang="zh-CN" altLang="en-US" sz="2400" dirty="0"/>
-              <a:t>以后通信图不再是协作图，没有专门的”协作图“，只有”协作“</a:t>
-            </a:r>
-            <a:r>
-              <a:rPr lang="zh-CN" altLang="en-US" sz="2400" dirty="0">
-                <a:latin typeface="微软雅黑" panose="020B0503020204020204" pitchFamily="34" charset="-122"/>
-                <a:ea typeface="微软雅黑" panose="020B0503020204020204" pitchFamily="34" charset="-122"/>
-              </a:rPr>
-              <a:t>）是一种交互图，强调的是</a:t>
-            </a:r>
-            <a:r>
-              <a:rPr lang="zh-CN" altLang="en-US" sz="2400" dirty="0">
-                <a:solidFill>
-                  <a:srgbClr val="FF0000"/>
-                </a:solidFill>
-                <a:latin typeface="微软雅黑" panose="020B0503020204020204" pitchFamily="34" charset="-122"/>
-                <a:ea typeface="微软雅黑" panose="020B0503020204020204" pitchFamily="34" charset="-122"/>
-              </a:rPr>
-              <a:t>发生和接受消息的对象之间的组织结构</a:t>
-            </a:r>
-            <a:r>
-              <a:rPr lang="zh-CN" altLang="en-US" sz="2400" dirty="0">
-                <a:latin typeface="微软雅黑" panose="020B0503020204020204" pitchFamily="34" charset="-122"/>
-                <a:ea typeface="微软雅黑" panose="020B0503020204020204" pitchFamily="34" charset="-122"/>
-              </a:rPr>
-              <a:t>。</a:t>
-            </a:r>
-          </a:p>
-        </p:txBody>
-      </p:sp>
+              <a:t>通信图由以下基本元素构成：对象、链接和消息。</a:t>
+            </a:r>
+            <a:endParaRPr lang="en-US" altLang="zh-CN" sz="2400" dirty="0">
+              <a:latin typeface="微软雅黑" panose="020B0503020204020204" pitchFamily="34" charset="-122"/>
+              <a:ea typeface="微软雅黑" panose="020B0503020204020204" pitchFamily="34" charset="-122"/>
+            </a:endParaRPr>
+          </a:p>
+        </p:txBody>
+      </p:sp>
+      <p:pic>
+        <p:nvPicPr>
+          <p:cNvPr id="7" name="图片 6">
+            <a:extLst>
+              <a:ext uri="{FF2B5EF4-FFF2-40B4-BE49-F238E27FC236}">
+                <a16:creationId xmlns:a16="http://schemas.microsoft.com/office/drawing/2014/main" id="{1EDA0926-7B77-4A6D-8913-3B0EBEDCA6BD}"/>
+              </a:ext>
+            </a:extLst>
+          </p:cNvPr>
+          <p:cNvPicPr>
+            <a:picLocks noChangeAspect="1"/>
+          </p:cNvPicPr>
+          <p:nvPr/>
+        </p:nvPicPr>
+        <p:blipFill>
+          <a:blip r:embed="rId2" cstate="print">
+            <a:extLst>
+              <a:ext uri="{28A0092B-C50C-407E-A947-70E740481C1C}">
+                <a14:useLocalDpi xmlns:a14="http://schemas.microsoft.com/office/drawing/2010/main" val="0"/>
+              </a:ext>
+            </a:extLst>
+          </a:blip>
+          <a:stretch>
+            <a:fillRect/>
+          </a:stretch>
+        </p:blipFill>
+        <p:spPr>
+          <a:xfrm>
+            <a:off x="4783585" y="2440554"/>
+            <a:ext cx="5448056" cy="4247922"/>
+          </a:xfrm>
+          <a:prstGeom prst="rect">
+            <a:avLst/>
+          </a:prstGeom>
+        </p:spPr>
+      </p:pic>
     </p:spTree>
     <p:extLst>
       <p:ext uri="{BB962C8B-B14F-4D97-AF65-F5344CB8AC3E}">
-        <p14:creationId xmlns:p14="http://schemas.microsoft.com/office/powerpoint/2010/main" val="230810287"/>
+        <p14:creationId xmlns:p14="http://schemas.microsoft.com/office/powerpoint/2010/main" val="3460417820"/>
       </p:ext>
     </p:extLst>
   </p:cSld>
@@ -7063,7 +5432,507 @@
 </p:sld>
 </file>
 
-<file path=ppt/slides/slide6.xml><?xml version="1.0" encoding="utf-8"?>
+<file path=ppt/slides/slide4.xml><?xml version="1.0" encoding="utf-8"?>
+<p:sld xmlns:a="http://schemas.openxmlformats.org/drawingml/2006/main" xmlns:r="http://schemas.openxmlformats.org/officeDocument/2006/relationships" xmlns:p="http://schemas.openxmlformats.org/presentationml/2006/main">
+  <p:cSld>
+    <p:spTree>
+      <p:nvGrpSpPr>
+        <p:cNvPr id="1" name=""/>
+        <p:cNvGrpSpPr/>
+        <p:nvPr/>
+      </p:nvGrpSpPr>
+      <p:grpSpPr>
+        <a:xfrm>
+          <a:off x="0" y="0"/>
+          <a:ext cx="0" cy="0"/>
+          <a:chOff x="0" y="0"/>
+          <a:chExt cx="0" cy="0"/>
+        </a:xfrm>
+      </p:grpSpPr>
+      <p:pic>
+        <p:nvPicPr>
+          <p:cNvPr id="4" name="图片 3"/>
+          <p:cNvPicPr>
+            <a:picLocks noChangeAspect="1"/>
+          </p:cNvPicPr>
+          <p:nvPr/>
+        </p:nvPicPr>
+        <p:blipFill rotWithShape="1">
+          <a:blip r:embed="rId2" cstate="print">
+            <a:extLst>
+              <a:ext uri="{28A0092B-C50C-407E-A947-70E740481C1C}">
+                <a14:useLocalDpi xmlns:a14="http://schemas.microsoft.com/office/drawing/2010/main" val="0"/>
+              </a:ext>
+            </a:extLst>
+          </a:blip>
+          <a:srcRect l="21875" r="21875"/>
+          <a:stretch/>
+        </p:blipFill>
+        <p:spPr>
+          <a:xfrm rot="10800000">
+            <a:off x="-3431709" y="-5417"/>
+            <a:ext cx="6863417" cy="6863417"/>
+          </a:xfrm>
+          <a:prstGeom prst="pie">
+            <a:avLst>
+              <a:gd name="adj1" fmla="val 5347296"/>
+              <a:gd name="adj2" fmla="val 16200000"/>
+            </a:avLst>
+          </a:prstGeom>
+        </p:spPr>
+      </p:pic>
+      <p:sp>
+        <p:nvSpPr>
+          <p:cNvPr id="5" name="椭圆 4"/>
+          <p:cNvSpPr/>
+          <p:nvPr/>
+        </p:nvSpPr>
+        <p:spPr>
+          <a:xfrm>
+            <a:off x="2349769" y="1153895"/>
+            <a:ext cx="835219" cy="781050"/>
+          </a:xfrm>
+          <a:prstGeom prst="ellipse">
+            <a:avLst/>
+          </a:prstGeom>
+          <a:solidFill>
+            <a:schemeClr val="bg1"/>
+          </a:solidFill>
+          <a:ln>
+            <a:solidFill>
+              <a:schemeClr val="bg2">
+                <a:lumMod val="25000"/>
+              </a:schemeClr>
+            </a:solidFill>
+          </a:ln>
+        </p:spPr>
+        <p:style>
+          <a:lnRef idx="2">
+            <a:schemeClr val="accent1">
+              <a:shade val="50000"/>
+            </a:schemeClr>
+          </a:lnRef>
+          <a:fillRef idx="1">
+            <a:schemeClr val="accent1"/>
+          </a:fillRef>
+          <a:effectRef idx="0">
+            <a:schemeClr val="accent1"/>
+          </a:effectRef>
+          <a:fontRef idx="minor">
+            <a:schemeClr val="lt1"/>
+          </a:fontRef>
+        </p:style>
+        <p:txBody>
+          <a:bodyPr rtlCol="0" anchor="ctr"/>
+          <a:lstStyle/>
+          <a:p>
+            <a:pPr algn="ctr"/>
+            <a:r>
+              <a:rPr lang="zh-CN" altLang="en-US" sz="2000" dirty="0">
+                <a:solidFill>
+                  <a:schemeClr val="tx1"/>
+                </a:solidFill>
+              </a:rPr>
+              <a:t>对象</a:t>
+            </a:r>
+          </a:p>
+        </p:txBody>
+      </p:sp>
+      <p:sp>
+        <p:nvSpPr>
+          <p:cNvPr id="6" name="椭圆 5"/>
+          <p:cNvSpPr/>
+          <p:nvPr/>
+        </p:nvSpPr>
+        <p:spPr>
+          <a:xfrm>
+            <a:off x="2962930" y="2907160"/>
+            <a:ext cx="781050" cy="781050"/>
+          </a:xfrm>
+          <a:prstGeom prst="ellipse">
+            <a:avLst/>
+          </a:prstGeom>
+          <a:solidFill>
+            <a:schemeClr val="bg1"/>
+          </a:solidFill>
+          <a:ln>
+            <a:solidFill>
+              <a:schemeClr val="bg2">
+                <a:lumMod val="25000"/>
+              </a:schemeClr>
+            </a:solidFill>
+          </a:ln>
+        </p:spPr>
+        <p:style>
+          <a:lnRef idx="2">
+            <a:schemeClr val="accent1">
+              <a:shade val="50000"/>
+            </a:schemeClr>
+          </a:lnRef>
+          <a:fillRef idx="1">
+            <a:schemeClr val="accent1"/>
+          </a:fillRef>
+          <a:effectRef idx="0">
+            <a:schemeClr val="accent1"/>
+          </a:effectRef>
+          <a:fontRef idx="minor">
+            <a:schemeClr val="lt1"/>
+          </a:fontRef>
+        </p:style>
+        <p:txBody>
+          <a:bodyPr rtlCol="0" anchor="ctr"/>
+          <a:lstStyle/>
+          <a:p>
+            <a:pPr algn="ctr"/>
+            <a:r>
+              <a:rPr lang="zh-CN" altLang="en-US" dirty="0">
+                <a:solidFill>
+                  <a:schemeClr val="tx1"/>
+                </a:solidFill>
+              </a:rPr>
+              <a:t>链接</a:t>
+            </a:r>
+          </a:p>
+        </p:txBody>
+      </p:sp>
+      <p:sp>
+        <p:nvSpPr>
+          <p:cNvPr id="17" name="矩形 16"/>
+          <p:cNvSpPr/>
+          <p:nvPr/>
+        </p:nvSpPr>
+        <p:spPr>
+          <a:xfrm>
+            <a:off x="3353455" y="606276"/>
+            <a:ext cx="8601075" cy="1462834"/>
+          </a:xfrm>
+          <a:prstGeom prst="rect">
+            <a:avLst/>
+          </a:prstGeom>
+        </p:spPr>
+        <p:txBody>
+          <a:bodyPr wrap="square" lIns="68570" tIns="34289" rIns="68570" bIns="34289">
+            <a:spAutoFit/>
+          </a:bodyPr>
+          <a:lstStyle/>
+          <a:p>
+            <a:pPr defTabSz="685681">
+              <a:lnSpc>
+                <a:spcPct val="130000"/>
+              </a:lnSpc>
+            </a:pPr>
+            <a:r>
+              <a:rPr lang="zh-CN" altLang="en-US" sz="2400" dirty="0"/>
+              <a:t>         通信图与顺序图中的对象的概念是一样，只不过在通信图中，无法表示对象的创建和撤销，所以对于对象在图中的位置没有限制</a:t>
+            </a:r>
+            <a:endParaRPr lang="zh-CN" altLang="en-US" sz="2400" dirty="0">
+              <a:latin typeface="微软雅黑" panose="020B0503020204020204" pitchFamily="34" charset="-122"/>
+              <a:ea typeface="微软雅黑" panose="020B0503020204020204" pitchFamily="34" charset="-122"/>
+            </a:endParaRPr>
+          </a:p>
+        </p:txBody>
+      </p:sp>
+      <p:sp>
+        <p:nvSpPr>
+          <p:cNvPr id="18" name="矩形 17"/>
+          <p:cNvSpPr/>
+          <p:nvPr/>
+        </p:nvSpPr>
+        <p:spPr>
+          <a:xfrm>
+            <a:off x="3981054" y="2339732"/>
+            <a:ext cx="8103065" cy="1915907"/>
+          </a:xfrm>
+          <a:prstGeom prst="rect">
+            <a:avLst/>
+          </a:prstGeom>
+        </p:spPr>
+        <p:txBody>
+          <a:bodyPr wrap="square" lIns="68570" tIns="34289" rIns="68570" bIns="34289">
+            <a:spAutoFit/>
+          </a:bodyPr>
+          <a:lstStyle/>
+          <a:p>
+            <a:r>
+              <a:rPr lang="zh-CN" altLang="en-US" sz="2400" dirty="0"/>
+              <a:t>         通信图中链的符号和对象图中链所用的符号是一样的，即一条连接两个类角色的实线。</a:t>
+            </a:r>
+          </a:p>
+          <a:p>
+            <a:r>
+              <a:rPr lang="zh-CN" altLang="en-US" sz="2400" dirty="0"/>
+              <a:t>对于链接还可以加上“角色”与“约束”，在链角色上附加的约束有</a:t>
+            </a:r>
+            <a:r>
+              <a:rPr lang="en-US" altLang="zh-CN" sz="2400" dirty="0"/>
+              <a:t>global(</a:t>
+            </a:r>
+            <a:r>
+              <a:rPr lang="zh-CN" altLang="en-US" sz="2400" dirty="0"/>
+              <a:t>全局</a:t>
+            </a:r>
+            <a:r>
+              <a:rPr lang="en-US" altLang="zh-CN" sz="2400" dirty="0"/>
+              <a:t>)</a:t>
+            </a:r>
+            <a:r>
+              <a:rPr lang="zh-CN" altLang="en-US" sz="2400" dirty="0"/>
+              <a:t>，</a:t>
+            </a:r>
+            <a:r>
+              <a:rPr lang="en-US" altLang="zh-CN" sz="2400" dirty="0"/>
+              <a:t>local(</a:t>
+            </a:r>
+            <a:r>
+              <a:rPr lang="zh-CN" altLang="en-US" sz="2400" dirty="0"/>
+              <a:t>局部</a:t>
+            </a:r>
+            <a:r>
+              <a:rPr lang="en-US" altLang="zh-CN" sz="2400" dirty="0"/>
+              <a:t>)</a:t>
+            </a:r>
+            <a:r>
+              <a:rPr lang="zh-CN" altLang="en-US" sz="2400" dirty="0"/>
+              <a:t>，</a:t>
+            </a:r>
+            <a:r>
+              <a:rPr lang="en-US" altLang="zh-CN" sz="2400" dirty="0"/>
+              <a:t>parameter(</a:t>
+            </a:r>
+            <a:r>
+              <a:rPr lang="zh-CN" altLang="en-US" sz="2400" dirty="0"/>
+              <a:t>参数</a:t>
+            </a:r>
+            <a:r>
+              <a:rPr lang="en-US" altLang="zh-CN" sz="2400" dirty="0"/>
+              <a:t>)</a:t>
+            </a:r>
+            <a:r>
+              <a:rPr lang="zh-CN" altLang="en-US" sz="2400" dirty="0"/>
+              <a:t>，</a:t>
+            </a:r>
+            <a:r>
+              <a:rPr lang="en-US" altLang="zh-CN" sz="2400" dirty="0"/>
+              <a:t>self(</a:t>
+            </a:r>
+            <a:r>
+              <a:rPr lang="zh-CN" altLang="en-US" sz="2400" dirty="0"/>
+              <a:t>自身</a:t>
+            </a:r>
+            <a:r>
+              <a:rPr lang="en-US" altLang="zh-CN" sz="2400" dirty="0"/>
+              <a:t>)</a:t>
+            </a:r>
+            <a:r>
+              <a:rPr lang="zh-CN" altLang="en-US" sz="2400" dirty="0"/>
+              <a:t>，</a:t>
+            </a:r>
+            <a:r>
+              <a:rPr lang="en-US" altLang="zh-CN" sz="2400" dirty="0"/>
+              <a:t>broadcast(</a:t>
+            </a:r>
+            <a:r>
+              <a:rPr lang="zh-CN" altLang="en-US" sz="2400" dirty="0"/>
+              <a:t>广播</a:t>
+            </a:r>
+            <a:r>
+              <a:rPr lang="en-US" altLang="zh-CN" sz="2400" dirty="0"/>
+              <a:t>)</a:t>
+            </a:r>
+          </a:p>
+        </p:txBody>
+      </p:sp>
+      <p:sp>
+        <p:nvSpPr>
+          <p:cNvPr id="19" name="矩形 18"/>
+          <p:cNvSpPr/>
+          <p:nvPr/>
+        </p:nvSpPr>
+        <p:spPr>
+          <a:xfrm>
+            <a:off x="3431708" y="4526260"/>
+            <a:ext cx="8360241" cy="2285239"/>
+          </a:xfrm>
+          <a:prstGeom prst="rect">
+            <a:avLst/>
+          </a:prstGeom>
+        </p:spPr>
+        <p:txBody>
+          <a:bodyPr wrap="square" lIns="68570" tIns="34289" rIns="68570" bIns="34289">
+            <a:spAutoFit/>
+          </a:bodyPr>
+          <a:lstStyle/>
+          <a:p>
+            <a:r>
+              <a:rPr lang="zh-CN" altLang="en-US" sz="2400" dirty="0"/>
+              <a:t>         通信图中的消息类型与顺序图中的相同，只不过为了说明交互过程中消息的时间顺序，需要给消息添加顺序号。顺序号是消息的一个数字前缀，是一个整数，由</a:t>
+            </a:r>
+            <a:r>
+              <a:rPr lang="en-US" altLang="zh-CN" sz="2400" dirty="0"/>
+              <a:t>1</a:t>
+            </a:r>
+            <a:r>
+              <a:rPr lang="zh-CN" altLang="en-US" sz="2400" dirty="0"/>
+              <a:t>开始递增，每个消息都必须由唯一的顺序号。可以通过点表示法代表控制的嵌套关系。嵌套可以具有任意深度。与顺序图相比，通信图可以显示更为复杂的分支。</a:t>
+            </a:r>
+          </a:p>
+        </p:txBody>
+      </p:sp>
+      <p:sp>
+        <p:nvSpPr>
+          <p:cNvPr id="21" name="椭圆 20"/>
+          <p:cNvSpPr/>
+          <p:nvPr/>
+        </p:nvSpPr>
+        <p:spPr>
+          <a:xfrm>
+            <a:off x="-2370371" y="1094870"/>
+            <a:ext cx="4662487" cy="4662487"/>
+          </a:xfrm>
+          <a:prstGeom prst="ellipse">
+            <a:avLst/>
+          </a:prstGeom>
+          <a:noFill/>
+          <a:ln>
+            <a:solidFill>
+              <a:schemeClr val="bg1"/>
+            </a:solidFill>
+          </a:ln>
+        </p:spPr>
+        <p:style>
+          <a:lnRef idx="2">
+            <a:schemeClr val="accent1">
+              <a:shade val="50000"/>
+            </a:schemeClr>
+          </a:lnRef>
+          <a:fillRef idx="1">
+            <a:schemeClr val="accent1"/>
+          </a:fillRef>
+          <a:effectRef idx="0">
+            <a:schemeClr val="accent1"/>
+          </a:effectRef>
+          <a:fontRef idx="minor">
+            <a:schemeClr val="lt1"/>
+          </a:fontRef>
+        </p:style>
+        <p:txBody>
+          <a:bodyPr rtlCol="0" anchor="ctr"/>
+          <a:lstStyle/>
+          <a:p>
+            <a:pPr algn="ctr"/>
+            <a:endParaRPr lang="zh-CN" altLang="en-US"/>
+          </a:p>
+        </p:txBody>
+      </p:sp>
+      <p:sp>
+        <p:nvSpPr>
+          <p:cNvPr id="22" name="文本框 21"/>
+          <p:cNvSpPr txBox="1"/>
+          <p:nvPr/>
+        </p:nvSpPr>
+        <p:spPr>
+          <a:xfrm>
+            <a:off x="382445" y="2106961"/>
+            <a:ext cx="701675" cy="2554545"/>
+          </a:xfrm>
+          <a:prstGeom prst="rect">
+            <a:avLst/>
+          </a:prstGeom>
+          <a:noFill/>
+        </p:spPr>
+        <p:txBody>
+          <a:bodyPr wrap="square" rtlCol="0">
+            <a:spAutoFit/>
+          </a:bodyPr>
+          <a:lstStyle/>
+          <a:p>
+            <a:r>
+              <a:rPr lang="zh-CN" altLang="en-US" sz="3200" b="1" dirty="0">
+                <a:solidFill>
+                  <a:schemeClr val="bg1"/>
+                </a:solidFill>
+                <a:latin typeface="微软雅黑" panose="020B0503020204020204" pitchFamily="34" charset="-122"/>
+                <a:ea typeface="微软雅黑" panose="020B0503020204020204" pitchFamily="34" charset="-122"/>
+              </a:rPr>
+              <a:t>通信图元素</a:t>
+            </a:r>
+          </a:p>
+        </p:txBody>
+      </p:sp>
+      <p:sp>
+        <p:nvSpPr>
+          <p:cNvPr id="7" name="椭圆 6"/>
+          <p:cNvSpPr/>
+          <p:nvPr/>
+        </p:nvSpPr>
+        <p:spPr>
+          <a:xfrm>
+            <a:off x="2471387" y="4976307"/>
+            <a:ext cx="781050" cy="781050"/>
+          </a:xfrm>
+          <a:prstGeom prst="ellipse">
+            <a:avLst/>
+          </a:prstGeom>
+          <a:solidFill>
+            <a:schemeClr val="bg1"/>
+          </a:solidFill>
+          <a:ln>
+            <a:solidFill>
+              <a:schemeClr val="bg2">
+                <a:lumMod val="25000"/>
+              </a:schemeClr>
+            </a:solidFill>
+          </a:ln>
+        </p:spPr>
+        <p:style>
+          <a:lnRef idx="2">
+            <a:schemeClr val="accent1">
+              <a:shade val="50000"/>
+            </a:schemeClr>
+          </a:lnRef>
+          <a:fillRef idx="1">
+            <a:schemeClr val="accent1"/>
+          </a:fillRef>
+          <a:effectRef idx="0">
+            <a:schemeClr val="accent1"/>
+          </a:effectRef>
+          <a:fontRef idx="minor">
+            <a:schemeClr val="lt1"/>
+          </a:fontRef>
+        </p:style>
+        <p:txBody>
+          <a:bodyPr rtlCol="0" anchor="ctr"/>
+          <a:lstStyle/>
+          <a:p>
+            <a:pPr algn="ctr"/>
+            <a:r>
+              <a:rPr lang="zh-CN" altLang="en-US" dirty="0">
+                <a:solidFill>
+                  <a:schemeClr val="tx1"/>
+                </a:solidFill>
+              </a:rPr>
+              <a:t>消息</a:t>
+            </a:r>
+          </a:p>
+        </p:txBody>
+      </p:sp>
+    </p:spTree>
+    <p:extLst>
+      <p:ext uri="{BB962C8B-B14F-4D97-AF65-F5344CB8AC3E}">
+        <p14:creationId xmlns:p14="http://schemas.microsoft.com/office/powerpoint/2010/main" val="3139051539"/>
+      </p:ext>
+    </p:extLst>
+  </p:cSld>
+  <p:clrMapOvr>
+    <a:masterClrMapping/>
+  </p:clrMapOvr>
+  <p:transition spd="slow">
+    <p:push dir="u"/>
+  </p:transition>
+</p:sld>
+</file>
+
+<file path=ppt/slides/slide5.xml><?xml version="1.0" encoding="utf-8"?>
 <p:sld xmlns:a="http://schemas.openxmlformats.org/drawingml/2006/main" xmlns:r="http://schemas.openxmlformats.org/officeDocument/2006/relationships" xmlns:p="http://schemas.openxmlformats.org/presentationml/2006/main">
   <p:cSld>
     <p:spTree>
@@ -7285,7 +6154,7 @@
           <a:p>
             <a:r>
               <a:rPr lang="en-US" altLang="zh-CN" sz="7200" b="1" dirty="0"/>
-              <a:t>1</a:t>
+              <a:t>3</a:t>
             </a:r>
             <a:endParaRPr lang="zh-CN" altLang="en-US" sz="7200" b="1" dirty="0"/>
           </a:p>
@@ -7300,7 +6169,7 @@
         <p:spPr>
           <a:xfrm>
             <a:off x="3771178" y="419091"/>
-            <a:ext cx="3736435" cy="584775"/>
+            <a:ext cx="4407049" cy="584775"/>
           </a:xfrm>
           <a:prstGeom prst="rect">
             <a:avLst/>
@@ -7318,7 +6187,7 @@
                 <a:latin typeface="微软雅黑" panose="020B0503020204020204" pitchFamily="34" charset="-122"/>
                 <a:ea typeface="微软雅黑" panose="020B0503020204020204" pitchFamily="34" charset="-122"/>
               </a:rPr>
-              <a:t>通信图的概述</a:t>
+              <a:t>通信图与顺序图的比较</a:t>
             </a:r>
           </a:p>
         </p:txBody>
@@ -7425,8 +6294,8 @@
         </p:nvSpPr>
         <p:spPr>
           <a:xfrm>
-            <a:off x="4478571" y="1937983"/>
-            <a:ext cx="7418887" cy="3463382"/>
+            <a:off x="4548234" y="2031571"/>
+            <a:ext cx="7418887" cy="3777314"/>
           </a:xfrm>
           <a:prstGeom prst="rect">
             <a:avLst/>
@@ -7444,78 +6313,48 @@
               </a:lnSpc>
             </a:pPr>
             <a:r>
-              <a:rPr lang="zh-CN" altLang="en-US" sz="2800" dirty="0">
-                <a:latin typeface="微软雅黑" panose="020B0503020204020204" pitchFamily="34" charset="-122"/>
-                <a:ea typeface="微软雅黑" panose="020B0503020204020204" pitchFamily="34" charset="-122"/>
-              </a:rPr>
-              <a:t>通信图</a:t>
-            </a:r>
-            <a:r>
-              <a:rPr lang="zh-CN" altLang="en-US" sz="2400" dirty="0">
-                <a:latin typeface="微软雅黑" panose="020B0503020204020204" pitchFamily="34" charset="-122"/>
-                <a:ea typeface="微软雅黑" panose="020B0503020204020204" pitchFamily="34" charset="-122"/>
-              </a:rPr>
-              <a:t>（</a:t>
-            </a:r>
-            <a:r>
-              <a:rPr lang="zh-CN" altLang="en-US" sz="2400" dirty="0"/>
-              <a:t>即</a:t>
-            </a:r>
-            <a:r>
-              <a:rPr lang="en-US" altLang="zh-CN" sz="2400" dirty="0"/>
-              <a:t>Communication Diagram</a:t>
-            </a:r>
-            <a:r>
-              <a:rPr lang="zh-CN" altLang="en-US" sz="2400" dirty="0"/>
-              <a:t>，在</a:t>
-            </a:r>
-            <a:r>
-              <a:rPr lang="en-US" altLang="zh-CN" sz="2400" dirty="0"/>
-              <a:t>UML2.0</a:t>
-            </a:r>
-            <a:r>
-              <a:rPr lang="zh-CN" altLang="en-US" sz="2400" dirty="0"/>
-              <a:t>之前，通信图也称为协作图，而“协作”作为一个结构事物用于表达静态结构和动态行为的概念组合，表达不同事物相互协作完成一个复杂功能。故</a:t>
-            </a:r>
-            <a:r>
-              <a:rPr lang="en-US" altLang="zh-CN" sz="2400" dirty="0"/>
-              <a:t>UML 2.0</a:t>
-            </a:r>
-            <a:r>
-              <a:rPr lang="zh-CN" altLang="en-US" sz="2400" dirty="0"/>
-              <a:t>以后通信图不再是协作图，没有专门的”协作图“，只有”协作“</a:t>
-            </a:r>
-            <a:r>
-              <a:rPr lang="zh-CN" altLang="en-US" sz="2400" dirty="0">
-                <a:latin typeface="微软雅黑" panose="020B0503020204020204" pitchFamily="34" charset="-122"/>
-                <a:ea typeface="微软雅黑" panose="020B0503020204020204" pitchFamily="34" charset="-122"/>
-              </a:rPr>
-              <a:t>）是一种交互图，强调的是</a:t>
-            </a:r>
-            <a:r>
-              <a:rPr lang="zh-CN" altLang="en-US" sz="2400" dirty="0">
-                <a:solidFill>
-                  <a:srgbClr val="FF0000"/>
-                </a:solidFill>
-                <a:latin typeface="微软雅黑" panose="020B0503020204020204" pitchFamily="34" charset="-122"/>
-                <a:ea typeface="微软雅黑" panose="020B0503020204020204" pitchFamily="34" charset="-122"/>
-              </a:rPr>
-              <a:t>发生和接受消息的对象之间的组织结构</a:t>
-            </a:r>
-            <a:r>
-              <a:rPr lang="zh-CN" altLang="en-US" sz="2400" dirty="0">
-                <a:latin typeface="微软雅黑" panose="020B0503020204020204" pitchFamily="34" charset="-122"/>
-                <a:ea typeface="微软雅黑" panose="020B0503020204020204" pitchFamily="34" charset="-122"/>
-              </a:rPr>
-              <a:t>。</a:t>
-            </a:r>
+              <a:rPr lang="zh-CN" altLang="en-US" sz="2800" dirty="0"/>
+              <a:t>通信图与顺序图很相似，两者语义等价，他们的区别在于下面两点：</a:t>
+            </a:r>
+            <a:endParaRPr lang="en-US" altLang="zh-CN" sz="2800" dirty="0"/>
+          </a:p>
+          <a:p>
+            <a:r>
+              <a:rPr lang="en-US" altLang="zh-CN" sz="2800" dirty="0"/>
+              <a:t>1.</a:t>
+            </a:r>
+            <a:r>
+              <a:rPr lang="zh-CN" altLang="en-US" sz="2800" dirty="0"/>
+              <a:t>顺序图强调是交互的时间顺序，但没有明确地表达对象之间的关系。</a:t>
+            </a:r>
+          </a:p>
+          <a:p>
+            <a:r>
+              <a:rPr lang="en-US" altLang="zh-CN" sz="2800" dirty="0"/>
+              <a:t>2.</a:t>
+            </a:r>
+            <a:r>
+              <a:rPr lang="zh-CN" altLang="en-US" sz="2800" dirty="0"/>
+              <a:t>通信图强调的是交互的语境和参与交互的对象的整体组织，它描述了对象之间的关系，但时间顺序必须从顺序号获得。</a:t>
+            </a:r>
+          </a:p>
+          <a:p>
+            <a:pPr defTabSz="685681">
+              <a:lnSpc>
+                <a:spcPct val="130000"/>
+              </a:lnSpc>
+            </a:pPr>
+            <a:endParaRPr lang="zh-CN" altLang="en-US" sz="2400" dirty="0">
+              <a:latin typeface="微软雅黑" panose="020B0503020204020204" pitchFamily="34" charset="-122"/>
+              <a:ea typeface="微软雅黑" panose="020B0503020204020204" pitchFamily="34" charset="-122"/>
+            </a:endParaRPr>
           </a:p>
         </p:txBody>
       </p:sp>
     </p:spTree>
     <p:extLst>
       <p:ext uri="{BB962C8B-B14F-4D97-AF65-F5344CB8AC3E}">
-        <p14:creationId xmlns:p14="http://schemas.microsoft.com/office/powerpoint/2010/main" val="1906039629"/>
+        <p14:creationId xmlns:p14="http://schemas.microsoft.com/office/powerpoint/2010/main" val="230810287"/>
       </p:ext>
     </p:extLst>
   </p:cSld>
@@ -7528,7 +6367,7 @@
 </p:sld>
 </file>
 
-<file path=ppt/slides/slide7.xml><?xml version="1.0" encoding="utf-8"?>
+<file path=ppt/slides/slide6.xml><?xml version="1.0" encoding="utf-8"?>
 <p:sld xmlns:a="http://schemas.openxmlformats.org/drawingml/2006/main" xmlns:r="http://schemas.openxmlformats.org/officeDocument/2006/relationships" xmlns:p="http://schemas.openxmlformats.org/presentationml/2006/main">
   <p:cSld>
     <p:spTree>
@@ -7750,7 +6589,7 @@
           <a:p>
             <a:r>
               <a:rPr lang="en-US" altLang="zh-CN" sz="7200" b="1" dirty="0"/>
-              <a:t>1</a:t>
+              <a:t>4</a:t>
             </a:r>
             <a:endParaRPr lang="zh-CN" altLang="en-US" sz="7200" b="1" dirty="0"/>
           </a:p>
@@ -7765,7 +6604,7 @@
         <p:spPr>
           <a:xfrm>
             <a:off x="3771178" y="419091"/>
-            <a:ext cx="3736435" cy="584775"/>
+            <a:ext cx="4407049" cy="584775"/>
           </a:xfrm>
           <a:prstGeom prst="rect">
             <a:avLst/>
@@ -7783,7 +6622,7 @@
                 <a:latin typeface="微软雅黑" panose="020B0503020204020204" pitchFamily="34" charset="-122"/>
                 <a:ea typeface="微软雅黑" panose="020B0503020204020204" pitchFamily="34" charset="-122"/>
               </a:rPr>
-              <a:t>通信图的概述</a:t>
+              <a:t>通信图的建模技术</a:t>
             </a:r>
           </a:p>
         </p:txBody>
@@ -7797,13 +6636,15 @@
               </a:ext>
             </a:extLst>
           </p:cNvPr>
-          <p:cNvCxnSpPr/>
+          <p:cNvCxnSpPr>
+            <a:cxnSpLocks/>
+          </p:cNvCxnSpPr>
           <p:nvPr/>
         </p:nvCxnSpPr>
         <p:spPr>
           <a:xfrm>
-            <a:off x="4335800" y="2031571"/>
-            <a:ext cx="0" cy="3275548"/>
+            <a:off x="4335800" y="1623317"/>
+            <a:ext cx="0" cy="4294598"/>
           </a:xfrm>
           <a:prstGeom prst="line">
             <a:avLst/>
@@ -7840,13 +6681,15 @@
               </a:ext>
             </a:extLst>
           </p:cNvPr>
-          <p:cNvCxnSpPr/>
+          <p:cNvCxnSpPr>
+            <a:cxnSpLocks/>
+          </p:cNvCxnSpPr>
           <p:nvPr/>
         </p:nvCxnSpPr>
         <p:spPr>
           <a:xfrm>
-            <a:off x="4240550" y="2031571"/>
-            <a:ext cx="0" cy="3256887"/>
+            <a:off x="4240550" y="1623317"/>
+            <a:ext cx="0" cy="4119937"/>
           </a:xfrm>
           <a:prstGeom prst="line">
             <a:avLst/>
@@ -7890,8 +6733,8 @@
         </p:nvSpPr>
         <p:spPr>
           <a:xfrm>
-            <a:off x="4478571" y="1937983"/>
-            <a:ext cx="7418887" cy="3463382"/>
+            <a:off x="4548234" y="1519056"/>
+            <a:ext cx="7418887" cy="4343623"/>
           </a:xfrm>
           <a:prstGeom prst="rect">
             <a:avLst/>
@@ -7909,78 +6752,103 @@
               </a:lnSpc>
             </a:pPr>
             <a:r>
-              <a:rPr lang="zh-CN" altLang="en-US" sz="2800" dirty="0">
-                <a:latin typeface="微软雅黑" panose="020B0503020204020204" pitchFamily="34" charset="-122"/>
-                <a:ea typeface="微软雅黑" panose="020B0503020204020204" pitchFamily="34" charset="-122"/>
-              </a:rPr>
-              <a:t>通信图</a:t>
-            </a:r>
-            <a:r>
-              <a:rPr lang="zh-CN" altLang="en-US" sz="2400" dirty="0">
-                <a:latin typeface="微软雅黑" panose="020B0503020204020204" pitchFamily="34" charset="-122"/>
-                <a:ea typeface="微软雅黑" panose="020B0503020204020204" pitchFamily="34" charset="-122"/>
-              </a:rPr>
-              <a:t>（</a:t>
+              <a:rPr lang="en-US" altLang="zh-CN" sz="2400" dirty="0"/>
+              <a:t>1.</a:t>
             </a:r>
             <a:r>
               <a:rPr lang="zh-CN" altLang="en-US" sz="2400" dirty="0"/>
-              <a:t>即</a:t>
-            </a:r>
+              <a:t>确定交互过程的上下文。</a:t>
+            </a:r>
+          </a:p>
+          <a:p>
+            <a:pPr defTabSz="685681">
+              <a:lnSpc>
+                <a:spcPct val="130000"/>
+              </a:lnSpc>
+            </a:pPr>
             <a:r>
               <a:rPr lang="en-US" altLang="zh-CN" sz="2400" dirty="0"/>
-              <a:t>Communication Diagram</a:t>
+              <a:t>2.</a:t>
             </a:r>
             <a:r>
               <a:rPr lang="zh-CN" altLang="en-US" sz="2400" dirty="0"/>
-              <a:t>，在</a:t>
-            </a:r>
+              <a:t>通过识别对象在交互中扮演的角色，设置交互的场景。</a:t>
+            </a:r>
+          </a:p>
+          <a:p>
+            <a:pPr defTabSz="685681">
+              <a:lnSpc>
+                <a:spcPct val="130000"/>
+              </a:lnSpc>
+            </a:pPr>
             <a:r>
               <a:rPr lang="en-US" altLang="zh-CN" sz="2400" dirty="0"/>
-              <a:t>UML2.0</a:t>
+              <a:t>3.</a:t>
             </a:r>
             <a:r>
               <a:rPr lang="zh-CN" altLang="en-US" sz="2400" dirty="0"/>
-              <a:t>之前，通信图也称为协作图，而“协作”作为一个结构事物用于表达静态结构和动态行为的概念组合，表达不同事物相互协作完成一个复杂功能。故</a:t>
-            </a:r>
+              <a:t>描述对象之间可能有信息沿着它传递的链。</a:t>
+            </a:r>
+          </a:p>
+          <a:p>
+            <a:pPr defTabSz="685681">
+              <a:lnSpc>
+                <a:spcPct val="130000"/>
+              </a:lnSpc>
+            </a:pPr>
             <a:r>
               <a:rPr lang="en-US" altLang="zh-CN" sz="2400" dirty="0"/>
-              <a:t>UML 2.0</a:t>
+              <a:t>4.</a:t>
             </a:r>
             <a:r>
               <a:rPr lang="zh-CN" altLang="en-US" sz="2400" dirty="0"/>
-              <a:t>以后通信图不再是协作图，没有专门的”协作图“，只有”协作“</a:t>
-            </a:r>
-            <a:r>
-              <a:rPr lang="zh-CN" altLang="en-US" sz="2400" dirty="0">
-                <a:latin typeface="微软雅黑" panose="020B0503020204020204" pitchFamily="34" charset="-122"/>
-                <a:ea typeface="微软雅黑" panose="020B0503020204020204" pitchFamily="34" charset="-122"/>
-              </a:rPr>
-              <a:t>）是一种交互图，强调的是</a:t>
-            </a:r>
-            <a:r>
-              <a:rPr lang="zh-CN" altLang="en-US" sz="2400" dirty="0">
-                <a:solidFill>
-                  <a:srgbClr val="FF0000"/>
-                </a:solidFill>
-                <a:latin typeface="微软雅黑" panose="020B0503020204020204" pitchFamily="34" charset="-122"/>
-                <a:ea typeface="微软雅黑" panose="020B0503020204020204" pitchFamily="34" charset="-122"/>
-              </a:rPr>
-              <a:t>发生和接受消息的对象之间的组织结构</a:t>
-            </a:r>
-            <a:r>
-              <a:rPr lang="zh-CN" altLang="en-US" sz="2400" dirty="0">
-                <a:latin typeface="微软雅黑" panose="020B0503020204020204" pitchFamily="34" charset="-122"/>
-                <a:ea typeface="微软雅黑" panose="020B0503020204020204" pitchFamily="34" charset="-122"/>
-              </a:rPr>
-              <a:t>。</a:t>
-            </a:r>
+              <a:t>从引起交互的消息开始，适当地设置其顺序号，然后将随后的每个消息附到适当的链上。</a:t>
+            </a:r>
+          </a:p>
+          <a:p>
+            <a:pPr defTabSz="685681">
+              <a:lnSpc>
+                <a:spcPct val="130000"/>
+              </a:lnSpc>
+            </a:pPr>
+            <a:r>
+              <a:rPr lang="en-US" altLang="zh-CN" sz="2400" dirty="0"/>
+              <a:t>5.</a:t>
+            </a:r>
+            <a:r>
+              <a:rPr lang="zh-CN" altLang="en-US" sz="2400" dirty="0"/>
+              <a:t>如果需要说明时间或空间约束，可以用时间标记修饰这个消息，并附上合适的时间和空间约束。</a:t>
+            </a:r>
+          </a:p>
+          <a:p>
+            <a:pPr defTabSz="685681">
+              <a:lnSpc>
+                <a:spcPct val="130000"/>
+              </a:lnSpc>
+            </a:pPr>
+            <a:r>
+              <a:rPr lang="en-US" altLang="zh-CN" sz="2400"/>
+              <a:t>6.</a:t>
+            </a:r>
+            <a:r>
+              <a:rPr lang="zh-CN" altLang="en-US" sz="2400"/>
+              <a:t>如果</a:t>
+            </a:r>
+            <a:r>
+              <a:rPr lang="zh-CN" altLang="en-US" sz="2400" dirty="0"/>
+              <a:t>需要更形式化地说明这个控制流，可以为每个消息附上前置和后置条件。</a:t>
+            </a:r>
+            <a:endParaRPr lang="zh-CN" altLang="en-US" sz="2000" dirty="0">
+              <a:latin typeface="微软雅黑" panose="020B0503020204020204" pitchFamily="34" charset="-122"/>
+              <a:ea typeface="微软雅黑" panose="020B0503020204020204" pitchFamily="34" charset="-122"/>
+            </a:endParaRPr>
           </a:p>
         </p:txBody>
       </p:sp>
     </p:spTree>
     <p:extLst>
       <p:ext uri="{BB962C8B-B14F-4D97-AF65-F5344CB8AC3E}">
-        <p14:creationId xmlns:p14="http://schemas.microsoft.com/office/powerpoint/2010/main" val="241814271"/>
+        <p14:creationId xmlns:p14="http://schemas.microsoft.com/office/powerpoint/2010/main" val="635557066"/>
       </p:ext>
     </p:extLst>
   </p:cSld>
@@ -7990,6 +6858,305 @@
   <p:transition spd="slow">
     <p:push/>
   </p:transition>
+</p:sld>
+</file>
+
+<file path=ppt/slides/slide7.xml><?xml version="1.0" encoding="utf-8"?>
+<p:sld xmlns:a="http://schemas.openxmlformats.org/drawingml/2006/main" xmlns:r="http://schemas.openxmlformats.org/officeDocument/2006/relationships" xmlns:p="http://schemas.openxmlformats.org/presentationml/2006/main">
+  <p:cSld>
+    <p:spTree>
+      <p:nvGrpSpPr>
+        <p:cNvPr id="1" name=""/>
+        <p:cNvGrpSpPr/>
+        <p:nvPr/>
+      </p:nvGrpSpPr>
+      <p:grpSpPr>
+        <a:xfrm>
+          <a:off x="0" y="0"/>
+          <a:ext cx="0" cy="0"/>
+          <a:chOff x="0" y="0"/>
+          <a:chExt cx="0" cy="0"/>
+        </a:xfrm>
+      </p:grpSpPr>
+      <p:sp>
+        <p:nvSpPr>
+          <p:cNvPr id="4" name="矩形 3"/>
+          <p:cNvSpPr/>
+          <p:nvPr/>
+        </p:nvSpPr>
+        <p:spPr>
+          <a:xfrm>
+            <a:off x="5562600" y="1828800"/>
+            <a:ext cx="4457700" cy="3238500"/>
+          </a:xfrm>
+          <a:prstGeom prst="rect">
+            <a:avLst/>
+          </a:prstGeom>
+          <a:solidFill>
+            <a:schemeClr val="tx1">
+              <a:alpha val="20000"/>
+            </a:schemeClr>
+          </a:solidFill>
+          <a:ln>
+            <a:noFill/>
+          </a:ln>
+        </p:spPr>
+        <p:style>
+          <a:lnRef idx="2">
+            <a:schemeClr val="accent1">
+              <a:shade val="50000"/>
+            </a:schemeClr>
+          </a:lnRef>
+          <a:fillRef idx="1">
+            <a:schemeClr val="accent1"/>
+          </a:fillRef>
+          <a:effectRef idx="0">
+            <a:schemeClr val="accent1"/>
+          </a:effectRef>
+          <a:fontRef idx="minor">
+            <a:schemeClr val="lt1"/>
+          </a:fontRef>
+        </p:style>
+        <p:txBody>
+          <a:bodyPr rtlCol="0" anchor="ctr"/>
+          <a:lstStyle/>
+          <a:p>
+            <a:pPr algn="ctr"/>
+            <a:endParaRPr lang="zh-CN" altLang="en-US"/>
+          </a:p>
+        </p:txBody>
+      </p:sp>
+      <p:sp>
+        <p:nvSpPr>
+          <p:cNvPr id="2" name="矩形 1"/>
+          <p:cNvSpPr/>
+          <p:nvPr/>
+        </p:nvSpPr>
+        <p:spPr>
+          <a:xfrm>
+            <a:off x="2324100" y="1828800"/>
+            <a:ext cx="3238500" cy="3238500"/>
+          </a:xfrm>
+          <a:prstGeom prst="rect">
+            <a:avLst/>
+          </a:prstGeom>
+          <a:noFill/>
+          <a:ln w="127000">
+            <a:solidFill>
+              <a:schemeClr val="bg1">
+                <a:lumMod val="85000"/>
+                <a:alpha val="30000"/>
+              </a:schemeClr>
+            </a:solidFill>
+          </a:ln>
+        </p:spPr>
+        <p:style>
+          <a:lnRef idx="2">
+            <a:schemeClr val="accent1">
+              <a:shade val="50000"/>
+            </a:schemeClr>
+          </a:lnRef>
+          <a:fillRef idx="1">
+            <a:schemeClr val="accent1"/>
+          </a:fillRef>
+          <a:effectRef idx="0">
+            <a:schemeClr val="accent1"/>
+          </a:effectRef>
+          <a:fontRef idx="minor">
+            <a:schemeClr val="lt1"/>
+          </a:fontRef>
+        </p:style>
+        <p:txBody>
+          <a:bodyPr rtlCol="0" anchor="ctr"/>
+          <a:lstStyle/>
+          <a:p>
+            <a:pPr algn="ctr"/>
+            <a:endParaRPr lang="zh-CN" altLang="en-US"/>
+          </a:p>
+        </p:txBody>
+      </p:sp>
+      <p:sp>
+        <p:nvSpPr>
+          <p:cNvPr id="3" name="文本框 2"/>
+          <p:cNvSpPr txBox="1"/>
+          <p:nvPr/>
+        </p:nvSpPr>
+        <p:spPr>
+          <a:xfrm>
+            <a:off x="2514600" y="1924050"/>
+            <a:ext cx="2895600" cy="3046988"/>
+          </a:xfrm>
+          <a:prstGeom prst="rect">
+            <a:avLst/>
+          </a:prstGeom>
+          <a:noFill/>
+        </p:spPr>
+        <p:txBody>
+          <a:bodyPr wrap="square" rtlCol="0">
+            <a:spAutoFit/>
+          </a:bodyPr>
+          <a:lstStyle/>
+          <a:p>
+            <a:pPr algn="ctr"/>
+            <a:r>
+              <a:rPr lang="en-US" altLang="zh-CN" sz="9600" dirty="0">
+                <a:solidFill>
+                  <a:schemeClr val="bg1"/>
+                </a:solidFill>
+              </a:rPr>
+              <a:t>PART</a:t>
+            </a:r>
+          </a:p>
+          <a:p>
+            <a:pPr algn="ctr"/>
+            <a:r>
+              <a:rPr lang="en-US" altLang="zh-CN" sz="9600" dirty="0">
+                <a:solidFill>
+                  <a:schemeClr val="bg1"/>
+                </a:solidFill>
+              </a:rPr>
+              <a:t>1</a:t>
+            </a:r>
+            <a:endParaRPr lang="zh-CN" altLang="en-US" sz="9600" dirty="0">
+              <a:solidFill>
+                <a:schemeClr val="bg1"/>
+              </a:solidFill>
+            </a:endParaRPr>
+          </a:p>
+        </p:txBody>
+      </p:sp>
+      <p:sp>
+        <p:nvSpPr>
+          <p:cNvPr id="5" name="文本框 4"/>
+          <p:cNvSpPr txBox="1"/>
+          <p:nvPr/>
+        </p:nvSpPr>
+        <p:spPr>
+          <a:xfrm>
+            <a:off x="6072187" y="2390734"/>
+            <a:ext cx="3438525" cy="584775"/>
+          </a:xfrm>
+          <a:prstGeom prst="rect">
+            <a:avLst/>
+          </a:prstGeom>
+          <a:noFill/>
+        </p:spPr>
+        <p:txBody>
+          <a:bodyPr wrap="square" rtlCol="0">
+            <a:spAutoFit/>
+          </a:bodyPr>
+          <a:lstStyle/>
+          <a:p>
+            <a:r>
+              <a:rPr lang="zh-CN" altLang="en-US" sz="3200" b="1" dirty="0">
+                <a:solidFill>
+                  <a:schemeClr val="bg1"/>
+                </a:solidFill>
+                <a:latin typeface="微软雅黑" panose="020B0503020204020204" pitchFamily="34" charset="-122"/>
+                <a:ea typeface="微软雅黑" panose="020B0503020204020204" pitchFamily="34" charset="-122"/>
+              </a:rPr>
+              <a:t>部署图</a:t>
+            </a:r>
+          </a:p>
+        </p:txBody>
+      </p:sp>
+      <p:sp>
+        <p:nvSpPr>
+          <p:cNvPr id="6" name="文本框 5"/>
+          <p:cNvSpPr txBox="1"/>
+          <p:nvPr/>
+        </p:nvSpPr>
+        <p:spPr>
+          <a:xfrm>
+            <a:off x="6072186" y="2967335"/>
+            <a:ext cx="3438525" cy="461665"/>
+          </a:xfrm>
+          <a:prstGeom prst="rect">
+            <a:avLst/>
+          </a:prstGeom>
+          <a:noFill/>
+        </p:spPr>
+        <p:txBody>
+          <a:bodyPr wrap="square" rtlCol="0">
+            <a:spAutoFit/>
+          </a:bodyPr>
+          <a:lstStyle/>
+          <a:p>
+            <a:r>
+              <a:rPr lang="en-US" altLang="zh-CN" sz="2400" dirty="0">
+                <a:solidFill>
+                  <a:schemeClr val="bg1"/>
+                </a:solidFill>
+              </a:rPr>
+              <a:t>Deployment Diagram</a:t>
+            </a:r>
+            <a:endParaRPr lang="zh-CN" altLang="en-US" sz="2400" dirty="0">
+              <a:solidFill>
+                <a:schemeClr val="bg1"/>
+              </a:solidFill>
+              <a:latin typeface="微软雅黑" panose="020B0503020204020204" pitchFamily="34" charset="-122"/>
+              <a:ea typeface="微软雅黑" panose="020B0503020204020204" pitchFamily="34" charset="-122"/>
+            </a:endParaRPr>
+          </a:p>
+        </p:txBody>
+      </p:sp>
+      <p:cxnSp>
+        <p:nvCxnSpPr>
+          <p:cNvPr id="8" name="直接连接符 7"/>
+          <p:cNvCxnSpPr/>
+          <p:nvPr/>
+        </p:nvCxnSpPr>
+        <p:spPr>
+          <a:xfrm>
+            <a:off x="6172200" y="3542753"/>
+            <a:ext cx="3300412" cy="0"/>
+          </a:xfrm>
+          <a:prstGeom prst="line">
+            <a:avLst/>
+          </a:prstGeom>
+          <a:ln>
+            <a:solidFill>
+              <a:schemeClr val="bg1"/>
+            </a:solidFill>
+          </a:ln>
+        </p:spPr>
+        <p:style>
+          <a:lnRef idx="1">
+            <a:schemeClr val="accent1"/>
+          </a:lnRef>
+          <a:fillRef idx="0">
+            <a:schemeClr val="accent1"/>
+          </a:fillRef>
+          <a:effectRef idx="0">
+            <a:schemeClr val="accent1"/>
+          </a:effectRef>
+          <a:fontRef idx="minor">
+            <a:schemeClr val="tx1"/>
+          </a:fontRef>
+        </p:style>
+      </p:cxnSp>
+    </p:spTree>
+    <p:extLst>
+      <p:ext uri="{BB962C8B-B14F-4D97-AF65-F5344CB8AC3E}">
+        <p14:creationId xmlns:p14="http://schemas.microsoft.com/office/powerpoint/2010/main" val="3694215660"/>
+      </p:ext>
+    </p:extLst>
+  </p:cSld>
+  <p:clrMapOvr>
+    <a:masterClrMapping/>
+  </p:clrMapOvr>
+  <mc:AlternateContent xmlns:mc="http://schemas.openxmlformats.org/markup-compatibility/2006" xmlns:p14="http://schemas.microsoft.com/office/powerpoint/2010/main">
+    <mc:Choice Requires="p14">
+      <p:transition spd="slow" p14:dur="2000">
+        <p14:prism isContent="1"/>
+      </p:transition>
+    </mc:Choice>
+    <mc:Fallback xmlns="">
+      <p:transition spd="slow">
+        <p:fade/>
+      </p:transition>
+    </mc:Fallback>
+  </mc:AlternateContent>
 </p:sld>
 </file>
 
@@ -8010,30 +7177,76 @@
           <a:chExt cx="0" cy="0"/>
         </a:xfrm>
       </p:grpSpPr>
+      <p:sp>
+        <p:nvSpPr>
+          <p:cNvPr id="2" name="矩形 1"/>
+          <p:cNvSpPr/>
+          <p:nvPr/>
+        </p:nvSpPr>
+        <p:spPr>
+          <a:xfrm>
+            <a:off x="3067050" y="0"/>
+            <a:ext cx="9124950" cy="6858000"/>
+          </a:xfrm>
+          <a:prstGeom prst="rect">
+            <a:avLst/>
+          </a:prstGeom>
+          <a:solidFill>
+            <a:schemeClr val="bg1"/>
+          </a:solidFill>
+          <a:ln>
+            <a:noFill/>
+          </a:ln>
+        </p:spPr>
+        <p:style>
+          <a:lnRef idx="2">
+            <a:schemeClr val="accent1">
+              <a:shade val="50000"/>
+            </a:schemeClr>
+          </a:lnRef>
+          <a:fillRef idx="1">
+            <a:schemeClr val="accent1"/>
+          </a:fillRef>
+          <a:effectRef idx="0">
+            <a:schemeClr val="accent1"/>
+          </a:effectRef>
+          <a:fontRef idx="minor">
+            <a:schemeClr val="lt1"/>
+          </a:fontRef>
+        </p:style>
+        <p:txBody>
+          <a:bodyPr rtlCol="0" anchor="ctr"/>
+          <a:lstStyle/>
+          <a:p>
+            <a:pPr algn="ctr"/>
+            <a:endParaRPr lang="zh-CN" altLang="en-US" dirty="0"/>
+          </a:p>
+        </p:txBody>
+      </p:sp>
       <p:grpSp>
         <p:nvGrpSpPr>
-          <p:cNvPr id="6" name="组合 5"/>
+          <p:cNvPr id="9" name="组合 8"/>
           <p:cNvGrpSpPr/>
           <p:nvPr/>
         </p:nvGrpSpPr>
         <p:grpSpPr>
           <a:xfrm>
-            <a:off x="0" y="0"/>
-            <a:ext cx="12192000" cy="6858000"/>
-            <a:chOff x="0" y="0"/>
-            <a:chExt cx="12192000" cy="6858000"/>
+            <a:off x="2543174" y="564615"/>
+            <a:ext cx="1279618" cy="1481182"/>
+            <a:chOff x="2543174" y="564615"/>
+            <a:chExt cx="1279618" cy="1481182"/>
           </a:xfrm>
         </p:grpSpPr>
         <p:sp>
           <p:nvSpPr>
-            <p:cNvPr id="2" name="矩形 1"/>
+            <p:cNvPr id="3" name="矩形 2"/>
             <p:cNvSpPr/>
             <p:nvPr/>
           </p:nvSpPr>
           <p:spPr>
-            <a:xfrm>
-              <a:off x="3067050" y="0"/>
-              <a:ext cx="9124950" cy="6858000"/>
+            <a:xfrm rot="2705224">
+              <a:off x="2543174" y="781051"/>
+              <a:ext cx="1047750" cy="1047750"/>
             </a:xfrm>
             <a:prstGeom prst="rect">
               <a:avLst/>
@@ -8070,62 +7283,90 @@
             </a:p>
           </p:txBody>
         </p:sp>
-        <p:sp>
-          <p:nvSpPr>
-            <p:cNvPr id="5" name="流程图: 手动输入 4"/>
-            <p:cNvSpPr/>
+        <p:cxnSp>
+          <p:nvCxnSpPr>
+            <p:cNvPr id="5" name="直接连接符 4"/>
+            <p:cNvCxnSpPr/>
             <p:nvPr/>
-          </p:nvSpPr>
+          </p:nvCxnSpPr>
           <p:spPr>
             <a:xfrm>
-              <a:off x="0" y="0"/>
-              <a:ext cx="3067050" cy="6858000"/>
+              <a:off x="3067050" y="564615"/>
+              <a:ext cx="740311" cy="740311"/>
             </a:xfrm>
-            <a:prstGeom prst="flowChartManualInput">
+            <a:prstGeom prst="line">
               <a:avLst/>
             </a:prstGeom>
-            <a:solidFill>
-              <a:schemeClr val="bg1"/>
-            </a:solidFill>
-            <a:ln>
-              <a:noFill/>
+            <a:ln w="38100">
+              <a:solidFill>
+                <a:schemeClr val="tx2">
+                  <a:lumMod val="75000"/>
+                </a:schemeClr>
+              </a:solidFill>
             </a:ln>
           </p:spPr>
           <p:style>
-            <a:lnRef idx="2">
-              <a:schemeClr val="accent1">
-                <a:shade val="50000"/>
-              </a:schemeClr>
+            <a:lnRef idx="1">
+              <a:schemeClr val="accent1"/>
             </a:lnRef>
-            <a:fillRef idx="1">
+            <a:fillRef idx="0">
               <a:schemeClr val="accent1"/>
             </a:fillRef>
             <a:effectRef idx="0">
               <a:schemeClr val="accent1"/>
             </a:effectRef>
             <a:fontRef idx="minor">
-              <a:schemeClr val="lt1"/>
+              <a:schemeClr val="tx1"/>
             </a:fontRef>
           </p:style>
-          <p:txBody>
-            <a:bodyPr rtlCol="0" anchor="ctr"/>
-            <a:lstStyle/>
-            <a:p>
-              <a:pPr algn="ctr"/>
-              <a:endParaRPr lang="zh-CN" altLang="en-US"/>
-            </a:p>
-          </p:txBody>
-        </p:sp>
+        </p:cxnSp>
+        <p:cxnSp>
+          <p:nvCxnSpPr>
+            <p:cNvPr id="6" name="直接连接符 5"/>
+            <p:cNvCxnSpPr/>
+            <p:nvPr/>
+          </p:nvCxnSpPr>
+          <p:spPr>
+            <a:xfrm flipH="1">
+              <a:off x="3066492" y="1290638"/>
+              <a:ext cx="756300" cy="755159"/>
+            </a:xfrm>
+            <a:prstGeom prst="line">
+              <a:avLst/>
+            </a:prstGeom>
+            <a:ln w="38100">
+              <a:solidFill>
+                <a:schemeClr val="tx2">
+                  <a:lumMod val="75000"/>
+                </a:schemeClr>
+              </a:solidFill>
+            </a:ln>
+          </p:spPr>
+          <p:style>
+            <a:lnRef idx="1">
+              <a:schemeClr val="accent1"/>
+            </a:lnRef>
+            <a:fillRef idx="0">
+              <a:schemeClr val="accent1"/>
+            </a:fillRef>
+            <a:effectRef idx="0">
+              <a:schemeClr val="accent1"/>
+            </a:effectRef>
+            <a:fontRef idx="minor">
+              <a:schemeClr val="tx1"/>
+            </a:fontRef>
+          </p:style>
+        </p:cxnSp>
       </p:grpSp>
       <p:sp>
         <p:nvSpPr>
-          <p:cNvPr id="7" name="文本框 6"/>
+          <p:cNvPr id="10" name="文本框 9"/>
           <p:cNvSpPr txBox="1"/>
           <p:nvPr/>
         </p:nvSpPr>
         <p:spPr>
           <a:xfrm>
-            <a:off x="506856" y="0"/>
+            <a:off x="2706455" y="683756"/>
             <a:ext cx="684446" cy="1200329"/>
           </a:xfrm>
           <a:prstGeom prst="rect">
@@ -8140,128 +7381,23 @@
           <a:lstStyle/>
           <a:p>
             <a:r>
-              <a:rPr lang="en-US" altLang="zh-CN" sz="7200" b="1" dirty="0">
-                <a:solidFill>
-                  <a:schemeClr val="bg1"/>
-                </a:solidFill>
-              </a:rPr>
-              <a:t>3</a:t>
-            </a:r>
-            <a:endParaRPr lang="zh-CN" altLang="en-US" sz="7200" b="1" dirty="0">
-              <a:solidFill>
-                <a:schemeClr val="bg1"/>
-              </a:solidFill>
-            </a:endParaRPr>
-          </a:p>
-        </p:txBody>
-      </p:sp>
-      <p:sp>
-        <p:nvSpPr>
-          <p:cNvPr id="8" name="矩形 7"/>
-          <p:cNvSpPr/>
-          <p:nvPr/>
-        </p:nvSpPr>
-        <p:spPr>
-          <a:xfrm>
-            <a:off x="1191302" y="1714500"/>
-            <a:ext cx="5895324" cy="3505200"/>
-          </a:xfrm>
-          <a:prstGeom prst="rect">
-            <a:avLst/>
-          </a:prstGeom>
-          <a:blipFill rotWithShape="1">
-            <a:blip r:embed="rId2" cstate="print"/>
-            <a:srcRect/>
-            <a:stretch>
-              <a:fillRect t="-12181" b="-16879"/>
-            </a:stretch>
-          </a:blipFill>
-          <a:ln>
-            <a:noFill/>
-          </a:ln>
-          <a:effectLst/>
-        </p:spPr>
-        <p:style>
-          <a:lnRef idx="1">
-            <a:schemeClr val="accent1"/>
-          </a:lnRef>
-          <a:fillRef idx="3">
-            <a:schemeClr val="accent1"/>
-          </a:fillRef>
-          <a:effectRef idx="2">
-            <a:schemeClr val="accent1"/>
-          </a:effectRef>
-          <a:fontRef idx="minor">
-            <a:schemeClr val="lt1"/>
-          </a:fontRef>
-        </p:style>
-        <p:txBody>
-          <a:bodyPr rtlCol="0" anchor="ctr"/>
-          <a:lstStyle/>
-          <a:p>
-            <a:pPr algn="ctr"/>
-            <a:endParaRPr kumimoji="1" lang="zh-CN" altLang="en-US"/>
-          </a:p>
-        </p:txBody>
-      </p:sp>
-      <p:sp>
-        <p:nvSpPr>
-          <p:cNvPr id="9" name="矩形 8"/>
-          <p:cNvSpPr/>
-          <p:nvPr/>
-        </p:nvSpPr>
-        <p:spPr>
-          <a:xfrm>
-            <a:off x="7086627" y="1714500"/>
-            <a:ext cx="3943324" cy="3505200"/>
-          </a:xfrm>
-          <a:prstGeom prst="rect">
-            <a:avLst/>
-          </a:prstGeom>
-          <a:solidFill>
-            <a:schemeClr val="tx2">
-              <a:lumMod val="75000"/>
-            </a:schemeClr>
-          </a:solidFill>
-          <a:ln>
-            <a:noFill/>
-          </a:ln>
-        </p:spPr>
-        <p:style>
-          <a:lnRef idx="2">
-            <a:schemeClr val="accent1">
-              <a:shade val="50000"/>
-            </a:schemeClr>
-          </a:lnRef>
-          <a:fillRef idx="1">
-            <a:schemeClr val="accent1"/>
-          </a:fillRef>
-          <a:effectRef idx="0">
-            <a:schemeClr val="accent1"/>
-          </a:effectRef>
-          <a:fontRef idx="minor">
-            <a:schemeClr val="lt1"/>
-          </a:fontRef>
-        </p:style>
-        <p:txBody>
-          <a:bodyPr rtlCol="0" anchor="ctr"/>
-          <a:lstStyle/>
-          <a:p>
-            <a:pPr algn="ctr"/>
-            <a:endParaRPr lang="zh-CN" altLang="en-US"/>
-          </a:p>
-        </p:txBody>
-      </p:sp>
-      <p:sp>
-        <p:nvSpPr>
-          <p:cNvPr id="10" name="文本框 9"/>
+              <a:rPr lang="en-US" altLang="zh-CN" sz="7200" b="1" dirty="0"/>
+              <a:t>1</a:t>
+            </a:r>
+            <a:endParaRPr lang="zh-CN" altLang="en-US" sz="7200" b="1" dirty="0"/>
+          </a:p>
+        </p:txBody>
+      </p:sp>
+      <p:sp>
+        <p:nvSpPr>
+          <p:cNvPr id="11" name="文本框 10"/>
           <p:cNvSpPr txBox="1"/>
           <p:nvPr/>
         </p:nvSpPr>
         <p:spPr>
           <a:xfrm>
-            <a:off x="7212155" y="2057400"/>
-            <a:ext cx="3438525" cy="584775"/>
+            <a:off x="3771178" y="419091"/>
+            <a:ext cx="3736435" cy="584775"/>
           </a:xfrm>
           <a:prstGeom prst="rect">
             <a:avLst/>
@@ -8275,70 +7411,40 @@
           <a:lstStyle/>
           <a:p>
             <a:r>
-              <a:rPr lang="zh-CN" altLang="en-US" sz="3200" b="1" dirty="0">
-                <a:solidFill>
-                  <a:schemeClr val="bg1"/>
-                </a:solidFill>
+              <a:rPr lang="zh-CN" altLang="en-US" sz="3200" dirty="0">
                 <a:latin typeface="微软雅黑" panose="020B0503020204020204" pitchFamily="34" charset="-122"/>
                 <a:ea typeface="微软雅黑" panose="020B0503020204020204" pitchFamily="34" charset="-122"/>
               </a:rPr>
-              <a:t>点击此处添加标题</a:t>
-            </a:r>
-          </a:p>
-        </p:txBody>
-      </p:sp>
-      <p:sp>
-        <p:nvSpPr>
-          <p:cNvPr id="11" name="文本框 10"/>
-          <p:cNvSpPr txBox="1"/>
-          <p:nvPr/>
-        </p:nvSpPr>
-        <p:spPr>
-          <a:xfrm>
-            <a:off x="7212155" y="2642175"/>
-            <a:ext cx="3438525" cy="369332"/>
-          </a:xfrm>
-          <a:prstGeom prst="rect">
-            <a:avLst/>
-          </a:prstGeom>
-          <a:noFill/>
-        </p:spPr>
-        <p:txBody>
-          <a:bodyPr wrap="square" rtlCol="0">
-            <a:spAutoFit/>
-          </a:bodyPr>
-          <a:lstStyle/>
-          <a:p>
-            <a:r>
-              <a:rPr lang="zh-CN" altLang="en-US" dirty="0">
-                <a:solidFill>
-                  <a:schemeClr val="bg1"/>
-                </a:solidFill>
-                <a:latin typeface="微软雅黑" panose="020B0503020204020204" pitchFamily="34" charset="-122"/>
-                <a:ea typeface="微软雅黑" panose="020B0503020204020204" pitchFamily="34" charset="-122"/>
-              </a:rPr>
-              <a:t>点击此处添加标题</a:t>
+              <a:t>部署图的概述</a:t>
             </a:r>
           </a:p>
         </p:txBody>
       </p:sp>
       <p:cxnSp>
         <p:nvCxnSpPr>
-          <p:cNvPr id="12" name="直接连接符 11"/>
+          <p:cNvPr id="12" name="直接连接符 11">
+            <a:extLst>
+              <a:ext uri="{FF2B5EF4-FFF2-40B4-BE49-F238E27FC236}">
+                <a16:creationId xmlns:a16="http://schemas.microsoft.com/office/drawing/2014/main" id="{1775EDE3-0AD5-43E4-9AD1-CEFB6EF65725}"/>
+              </a:ext>
+            </a:extLst>
+          </p:cNvPr>
           <p:cNvCxnSpPr/>
           <p:nvPr/>
         </p:nvCxnSpPr>
         <p:spPr>
           <a:xfrm>
-            <a:off x="7312168" y="3209419"/>
-            <a:ext cx="3300412" cy="0"/>
+            <a:off x="4335800" y="2031571"/>
+            <a:ext cx="0" cy="3275548"/>
           </a:xfrm>
           <a:prstGeom prst="line">
             <a:avLst/>
           </a:prstGeom>
-          <a:ln>
+          <a:ln w="127000">
             <a:solidFill>
-              <a:schemeClr val="bg1"/>
+              <a:schemeClr val="tx2">
+                <a:lumMod val="75000"/>
+              </a:schemeClr>
             </a:solidFill>
           </a:ln>
         </p:spPr>
@@ -8357,144 +7463,67 @@
           </a:fontRef>
         </p:style>
       </p:cxnSp>
-      <p:sp>
-        <p:nvSpPr>
-          <p:cNvPr id="13" name="文本框 12"/>
-          <p:cNvSpPr txBox="1"/>
+      <p:cxnSp>
+        <p:nvCxnSpPr>
+          <p:cNvPr id="13" name="直接连接符 12">
+            <a:extLst>
+              <a:ext uri="{FF2B5EF4-FFF2-40B4-BE49-F238E27FC236}">
+                <a16:creationId xmlns:a16="http://schemas.microsoft.com/office/drawing/2014/main" id="{E3A2482C-C3B1-425C-949A-1D01B9B335CC}"/>
+              </a:ext>
+            </a:extLst>
+          </p:cNvPr>
+          <p:cNvCxnSpPr/>
           <p:nvPr/>
-        </p:nvSpPr>
-        <p:spPr>
-          <a:xfrm>
-            <a:off x="7312168" y="3423679"/>
-            <a:ext cx="3494314" cy="1391262"/>
-          </a:xfrm>
-          <a:prstGeom prst="rect">
-            <a:avLst/>
-          </a:prstGeom>
-          <a:noFill/>
-        </p:spPr>
-        <p:txBody>
-          <a:bodyPr wrap="square" lIns="91424" tIns="45712" rIns="91424" bIns="45712" rtlCol="0">
-            <a:spAutoFit/>
-          </a:bodyPr>
-          <a:lstStyle/>
-          <a:p>
-            <a:pPr>
-              <a:lnSpc>
-                <a:spcPct val="130000"/>
-              </a:lnSpc>
-            </a:pPr>
-            <a:r>
-              <a:rPr lang="zh-CN" altLang="en-US" sz="1100" dirty="0">
-                <a:solidFill>
-                  <a:schemeClr val="bg1"/>
-                </a:solidFill>
-                <a:latin typeface="微软雅黑" panose="020B0503020204020204" pitchFamily="34" charset="-122"/>
-                <a:ea typeface="微软雅黑" panose="020B0503020204020204" pitchFamily="34" charset="-122"/>
-              </a:rPr>
-              <a:t>标题数字等都可以通过点击和重新输入进行更改，顶部“开始”面板中可以对字体、字号、颜色、行距等进行修改。建议正文</a:t>
-            </a:r>
-            <a:r>
-              <a:rPr lang="en-US" altLang="zh-CN" sz="1100" dirty="0">
-                <a:solidFill>
-                  <a:schemeClr val="bg1"/>
-                </a:solidFill>
-                <a:latin typeface="微软雅黑" panose="020B0503020204020204" pitchFamily="34" charset="-122"/>
-                <a:ea typeface="微软雅黑" panose="020B0503020204020204" pitchFamily="34" charset="-122"/>
-              </a:rPr>
-              <a:t>12</a:t>
-            </a:r>
-            <a:r>
-              <a:rPr lang="zh-CN" altLang="en-US" sz="1100" dirty="0">
-                <a:solidFill>
-                  <a:schemeClr val="bg1"/>
-                </a:solidFill>
-                <a:latin typeface="微软雅黑" panose="020B0503020204020204" pitchFamily="34" charset="-122"/>
-                <a:ea typeface="微软雅黑" panose="020B0503020204020204" pitchFamily="34" charset="-122"/>
-              </a:rPr>
-              <a:t>号字，</a:t>
-            </a:r>
-            <a:r>
-              <a:rPr lang="en-US" altLang="zh-CN" sz="1100" dirty="0">
-                <a:solidFill>
-                  <a:schemeClr val="bg1"/>
-                </a:solidFill>
-                <a:latin typeface="微软雅黑" panose="020B0503020204020204" pitchFamily="34" charset="-122"/>
-                <a:ea typeface="微软雅黑" panose="020B0503020204020204" pitchFamily="34" charset="-122"/>
-              </a:rPr>
-              <a:t>1.3</a:t>
-            </a:r>
-            <a:r>
-              <a:rPr lang="zh-CN" altLang="en-US" sz="1100" dirty="0">
-                <a:solidFill>
-                  <a:schemeClr val="bg1"/>
-                </a:solidFill>
-                <a:latin typeface="微软雅黑" panose="020B0503020204020204" pitchFamily="34" charset="-122"/>
-                <a:ea typeface="微软雅黑" panose="020B0503020204020204" pitchFamily="34" charset="-122"/>
-              </a:rPr>
-              <a:t>倍字间距。标题数字等都可以通过点击和重新输入进行更改，顶部“开始”面板中可以对字体、字号、颜色、行距等进行修改。建议正文</a:t>
-            </a:r>
-            <a:r>
-              <a:rPr lang="en-US" altLang="zh-CN" sz="1100" dirty="0">
-                <a:solidFill>
-                  <a:schemeClr val="bg1"/>
-                </a:solidFill>
-                <a:latin typeface="微软雅黑" panose="020B0503020204020204" pitchFamily="34" charset="-122"/>
-                <a:ea typeface="微软雅黑" panose="020B0503020204020204" pitchFamily="34" charset="-122"/>
-              </a:rPr>
-              <a:t>12</a:t>
-            </a:r>
-            <a:r>
-              <a:rPr lang="zh-CN" altLang="en-US" sz="1100" dirty="0">
-                <a:solidFill>
-                  <a:schemeClr val="bg1"/>
-                </a:solidFill>
-                <a:latin typeface="微软雅黑" panose="020B0503020204020204" pitchFamily="34" charset="-122"/>
-                <a:ea typeface="微软雅黑" panose="020B0503020204020204" pitchFamily="34" charset="-122"/>
-              </a:rPr>
-              <a:t>号字，</a:t>
-            </a:r>
-            <a:r>
-              <a:rPr lang="en-US" altLang="zh-CN" sz="1100" dirty="0">
-                <a:solidFill>
-                  <a:schemeClr val="bg1"/>
-                </a:solidFill>
-                <a:latin typeface="微软雅黑" panose="020B0503020204020204" pitchFamily="34" charset="-122"/>
-                <a:ea typeface="微软雅黑" panose="020B0503020204020204" pitchFamily="34" charset="-122"/>
-              </a:rPr>
-              <a:t>1.3</a:t>
-            </a:r>
-            <a:r>
-              <a:rPr lang="zh-CN" altLang="en-US" sz="1100" dirty="0">
-                <a:solidFill>
-                  <a:schemeClr val="bg1"/>
-                </a:solidFill>
-                <a:latin typeface="微软雅黑" panose="020B0503020204020204" pitchFamily="34" charset="-122"/>
-                <a:ea typeface="微软雅黑" panose="020B0503020204020204" pitchFamily="34" charset="-122"/>
-              </a:rPr>
-              <a:t>倍字间距。</a:t>
-            </a:r>
-            <a:endParaRPr kumimoji="1" lang="en-US" altLang="zh-CN" sz="1100" dirty="0">
-              <a:solidFill>
-                <a:schemeClr val="bg1"/>
-              </a:solidFill>
-              <a:latin typeface="微软雅黑" panose="020B0503020204020204" pitchFamily="34" charset="-122"/>
-              <a:ea typeface="微软雅黑" panose="020B0503020204020204" pitchFamily="34" charset="-122"/>
-              <a:cs typeface="Arial"/>
-            </a:endParaRPr>
-          </a:p>
-        </p:txBody>
-      </p:sp>
-      <p:sp>
-        <p:nvSpPr>
-          <p:cNvPr id="14" name="矩形 13"/>
+        </p:nvCxnSpPr>
+        <p:spPr>
+          <a:xfrm>
+            <a:off x="4240550" y="2031571"/>
+            <a:ext cx="0" cy="3256887"/>
+          </a:xfrm>
+          <a:prstGeom prst="line">
+            <a:avLst/>
+          </a:prstGeom>
+          <a:ln w="63500">
+            <a:solidFill>
+              <a:schemeClr val="accent1">
+                <a:lumMod val="60000"/>
+                <a:lumOff val="40000"/>
+                <a:alpha val="96000"/>
+              </a:schemeClr>
+            </a:solidFill>
+          </a:ln>
+        </p:spPr>
+        <p:style>
+          <a:lnRef idx="1">
+            <a:schemeClr val="accent1"/>
+          </a:lnRef>
+          <a:fillRef idx="0">
+            <a:schemeClr val="accent1"/>
+          </a:fillRef>
+          <a:effectRef idx="0">
+            <a:schemeClr val="accent1"/>
+          </a:effectRef>
+          <a:fontRef idx="minor">
+            <a:schemeClr val="tx1"/>
+          </a:fontRef>
+        </p:style>
+      </p:cxnSp>
+      <p:sp>
+        <p:nvSpPr>
+          <p:cNvPr id="14" name="矩形 13">
+            <a:extLst>
+              <a:ext uri="{FF2B5EF4-FFF2-40B4-BE49-F238E27FC236}">
+                <a16:creationId xmlns:a16="http://schemas.microsoft.com/office/drawing/2014/main" id="{5345C5D3-86AE-42AA-9D33-A38F6CDC06CE}"/>
+              </a:ext>
+            </a:extLst>
+          </p:cNvPr>
           <p:cNvSpPr/>
           <p:nvPr/>
         </p:nvSpPr>
         <p:spPr>
           <a:xfrm>
-            <a:off x="1191302" y="5349736"/>
-            <a:ext cx="9838649" cy="909478"/>
+            <a:off x="4490028" y="2045797"/>
+            <a:ext cx="7418887" cy="2983251"/>
           </a:xfrm>
           <a:prstGeom prst="rect">
             <a:avLst/>
@@ -8512,112 +7541,25 @@
               </a:lnSpc>
             </a:pPr>
             <a:r>
-              <a:rPr lang="zh-CN" altLang="en-US" sz="1400" dirty="0">
-                <a:solidFill>
-                  <a:schemeClr val="tx2">
-                    <a:lumMod val="75000"/>
-                  </a:schemeClr>
-                </a:solidFill>
+              <a:rPr lang="zh-CN" altLang="en-US" sz="2800" dirty="0">
                 <a:latin typeface="微软雅黑" panose="020B0503020204020204" pitchFamily="34" charset="-122"/>
                 <a:ea typeface="微软雅黑" panose="020B0503020204020204" pitchFamily="34" charset="-122"/>
               </a:rPr>
-              <a:t>标题数字等都可以通过点击和重新输入进行更改，顶部“开始”面板中可以对字体、字号、颜色、行距等进行修改。建议正文</a:t>
-            </a:r>
-            <a:r>
-              <a:rPr lang="en-US" altLang="zh-CN" sz="1400" dirty="0">
-                <a:solidFill>
-                  <a:schemeClr val="tx2">
-                    <a:lumMod val="75000"/>
-                  </a:schemeClr>
-                </a:solidFill>
+              <a:t>部署图</a:t>
+            </a:r>
+            <a:r>
+              <a:rPr lang="en-US" altLang="zh-CN" sz="2400" dirty="0">
                 <a:latin typeface="微软雅黑" panose="020B0503020204020204" pitchFamily="34" charset="-122"/>
                 <a:ea typeface="微软雅黑" panose="020B0503020204020204" pitchFamily="34" charset="-122"/>
               </a:rPr>
-              <a:t>14</a:t>
-            </a:r>
-            <a:r>
-              <a:rPr lang="zh-CN" altLang="en-US" sz="1400" dirty="0">
-                <a:solidFill>
-                  <a:schemeClr val="tx2">
-                    <a:lumMod val="75000"/>
-                  </a:schemeClr>
-                </a:solidFill>
+              <a:t>(Deployment Diagram)</a:t>
+            </a:r>
+            <a:r>
+              <a:rPr lang="zh-CN" altLang="en-US" sz="2400" dirty="0">
                 <a:latin typeface="微软雅黑" panose="020B0503020204020204" pitchFamily="34" charset="-122"/>
                 <a:ea typeface="微软雅黑" panose="020B0503020204020204" pitchFamily="34" charset="-122"/>
               </a:rPr>
-              <a:t>号字，</a:t>
-            </a:r>
-            <a:r>
-              <a:rPr lang="en-US" altLang="zh-CN" sz="1400" dirty="0">
-                <a:solidFill>
-                  <a:schemeClr val="tx2">
-                    <a:lumMod val="75000"/>
-                  </a:schemeClr>
-                </a:solidFill>
-                <a:latin typeface="微软雅黑" panose="020B0503020204020204" pitchFamily="34" charset="-122"/>
-                <a:ea typeface="微软雅黑" panose="020B0503020204020204" pitchFamily="34" charset="-122"/>
-              </a:rPr>
-              <a:t>1.3</a:t>
-            </a:r>
-            <a:r>
-              <a:rPr lang="zh-CN" altLang="en-US" sz="1400" dirty="0">
-                <a:solidFill>
-                  <a:schemeClr val="tx2">
-                    <a:lumMod val="75000"/>
-                  </a:schemeClr>
-                </a:solidFill>
-                <a:latin typeface="微软雅黑" panose="020B0503020204020204" pitchFamily="34" charset="-122"/>
-                <a:ea typeface="微软雅黑" panose="020B0503020204020204" pitchFamily="34" charset="-122"/>
-              </a:rPr>
-              <a:t>倍字间距。标题数字等都可以通过点击和重新输入进行更改，顶部“开始”面板中可以对字体、字号、颜色、行距等进行修改。建议正文</a:t>
-            </a:r>
-            <a:r>
-              <a:rPr lang="en-US" altLang="zh-CN" sz="1400" dirty="0">
-                <a:solidFill>
-                  <a:schemeClr val="tx2">
-                    <a:lumMod val="75000"/>
-                  </a:schemeClr>
-                </a:solidFill>
-                <a:latin typeface="微软雅黑" panose="020B0503020204020204" pitchFamily="34" charset="-122"/>
-                <a:ea typeface="微软雅黑" panose="020B0503020204020204" pitchFamily="34" charset="-122"/>
-              </a:rPr>
-              <a:t>14</a:t>
-            </a:r>
-            <a:r>
-              <a:rPr lang="zh-CN" altLang="en-US" sz="1400" dirty="0">
-                <a:solidFill>
-                  <a:schemeClr val="tx2">
-                    <a:lumMod val="75000"/>
-                  </a:schemeClr>
-                </a:solidFill>
-                <a:latin typeface="微软雅黑" panose="020B0503020204020204" pitchFamily="34" charset="-122"/>
-                <a:ea typeface="微软雅黑" panose="020B0503020204020204" pitchFamily="34" charset="-122"/>
-              </a:rPr>
-              <a:t>号字，</a:t>
-            </a:r>
-            <a:r>
-              <a:rPr lang="en-US" altLang="zh-CN" sz="1400" dirty="0">
-                <a:solidFill>
-                  <a:schemeClr val="tx2">
-                    <a:lumMod val="75000"/>
-                  </a:schemeClr>
-                </a:solidFill>
-                <a:latin typeface="微软雅黑" panose="020B0503020204020204" pitchFamily="34" charset="-122"/>
-                <a:ea typeface="微软雅黑" panose="020B0503020204020204" pitchFamily="34" charset="-122"/>
-              </a:rPr>
-              <a:t>1.3</a:t>
-            </a:r>
-            <a:r>
-              <a:rPr lang="zh-CN" altLang="en-US" sz="1400" dirty="0">
-                <a:solidFill>
-                  <a:schemeClr val="tx2">
-                    <a:lumMod val="75000"/>
-                  </a:schemeClr>
-                </a:solidFill>
-                <a:latin typeface="微软雅黑" panose="020B0503020204020204" pitchFamily="34" charset="-122"/>
-                <a:ea typeface="微软雅黑" panose="020B0503020204020204" pitchFamily="34" charset="-122"/>
-              </a:rPr>
-              <a:t>倍字间距。</a:t>
+              <a:t>用于静态建模，是表示运行时过程结点结构、组件实例及其对象结构的图。从部署图中，您可以了解到软件和硬件组件之间的物理关系以及处理节点的组件分布情况。使用部署图可以显示运行时系统的结构，同时还传达构成应用程序的硬件和软件元素的配置和部署方式。</a:t>
             </a:r>
           </a:p>
         </p:txBody>
@@ -8625,7 +7567,7 @@
     </p:spTree>
     <p:extLst>
       <p:ext uri="{BB962C8B-B14F-4D97-AF65-F5344CB8AC3E}">
-        <p14:creationId xmlns:p14="http://schemas.microsoft.com/office/powerpoint/2010/main" val="755274205"/>
+        <p14:creationId xmlns:p14="http://schemas.microsoft.com/office/powerpoint/2010/main" val="1857134282"/>
       </p:ext>
     </p:extLst>
   </p:cSld>
@@ -8633,7 +7575,7 @@
     <a:masterClrMapping/>
   </p:clrMapOvr>
   <p:transition spd="slow">
-    <p:push dir="r"/>
+    <p:push/>
   </p:transition>
 </p:sld>
 </file>
@@ -8655,30 +7597,76 @@
           <a:chExt cx="0" cy="0"/>
         </a:xfrm>
       </p:grpSpPr>
+      <p:sp>
+        <p:nvSpPr>
+          <p:cNvPr id="2" name="矩形 1"/>
+          <p:cNvSpPr/>
+          <p:nvPr/>
+        </p:nvSpPr>
+        <p:spPr>
+          <a:xfrm>
+            <a:off x="3067050" y="0"/>
+            <a:ext cx="9124950" cy="6858000"/>
+          </a:xfrm>
+          <a:prstGeom prst="rect">
+            <a:avLst/>
+          </a:prstGeom>
+          <a:solidFill>
+            <a:schemeClr val="bg1"/>
+          </a:solidFill>
+          <a:ln>
+            <a:noFill/>
+          </a:ln>
+        </p:spPr>
+        <p:style>
+          <a:lnRef idx="2">
+            <a:schemeClr val="accent1">
+              <a:shade val="50000"/>
+            </a:schemeClr>
+          </a:lnRef>
+          <a:fillRef idx="1">
+            <a:schemeClr val="accent1"/>
+          </a:fillRef>
+          <a:effectRef idx="0">
+            <a:schemeClr val="accent1"/>
+          </a:effectRef>
+          <a:fontRef idx="minor">
+            <a:schemeClr val="lt1"/>
+          </a:fontRef>
+        </p:style>
+        <p:txBody>
+          <a:bodyPr rtlCol="0" anchor="ctr"/>
+          <a:lstStyle/>
+          <a:p>
+            <a:pPr algn="ctr"/>
+            <a:endParaRPr lang="zh-CN" altLang="en-US" dirty="0"/>
+          </a:p>
+        </p:txBody>
+      </p:sp>
       <p:grpSp>
         <p:nvGrpSpPr>
-          <p:cNvPr id="39" name="组合 38"/>
+          <p:cNvPr id="9" name="组合 8"/>
           <p:cNvGrpSpPr/>
           <p:nvPr/>
         </p:nvGrpSpPr>
         <p:grpSpPr>
           <a:xfrm>
-            <a:off x="0" y="0"/>
-            <a:ext cx="8305800" cy="6858000"/>
-            <a:chOff x="0" y="0"/>
-            <a:chExt cx="8305800" cy="6858000"/>
+            <a:off x="2543174" y="564615"/>
+            <a:ext cx="1279618" cy="1481182"/>
+            <a:chOff x="2543174" y="564615"/>
+            <a:chExt cx="1279618" cy="1481182"/>
           </a:xfrm>
         </p:grpSpPr>
         <p:sp>
           <p:nvSpPr>
-            <p:cNvPr id="2" name="矩形 1"/>
+            <p:cNvPr id="3" name="矩形 2"/>
             <p:cNvSpPr/>
             <p:nvPr/>
           </p:nvSpPr>
           <p:spPr>
-            <a:xfrm>
-              <a:off x="0" y="0"/>
-              <a:ext cx="4838700" cy="6858000"/>
+            <a:xfrm rot="2705224">
+              <a:off x="2543174" y="781051"/>
+              <a:ext cx="1047750" cy="1047750"/>
             </a:xfrm>
             <a:prstGeom prst="rect">
               <a:avLst/>
@@ -8715,239 +7703,314 @@
             </a:p>
           </p:txBody>
         </p:sp>
-        <p:sp>
-          <p:nvSpPr>
-            <p:cNvPr id="3" name="等腰三角形 2"/>
-            <p:cNvSpPr/>
+        <p:cxnSp>
+          <p:nvCxnSpPr>
+            <p:cNvPr id="5" name="直接连接符 4"/>
+            <p:cNvCxnSpPr/>
             <p:nvPr/>
-          </p:nvSpPr>
+          </p:nvCxnSpPr>
           <p:spPr>
-            <a:xfrm rot="5400000">
-              <a:off x="3143250" y="1695450"/>
-              <a:ext cx="6858000" cy="3467100"/>
+            <a:xfrm>
+              <a:off x="3067050" y="564615"/>
+              <a:ext cx="740311" cy="740311"/>
             </a:xfrm>
-            <a:prstGeom prst="triangle">
-              <a:avLst>
-                <a:gd name="adj" fmla="val 100000"/>
-              </a:avLst>
+            <a:prstGeom prst="line">
+              <a:avLst/>
             </a:prstGeom>
-            <a:solidFill>
-              <a:schemeClr val="bg1"/>
-            </a:solidFill>
-            <a:ln>
-              <a:noFill/>
+            <a:ln w="38100">
+              <a:solidFill>
+                <a:schemeClr val="tx2">
+                  <a:lumMod val="75000"/>
+                </a:schemeClr>
+              </a:solidFill>
             </a:ln>
           </p:spPr>
           <p:style>
-            <a:lnRef idx="2">
-              <a:schemeClr val="accent1">
-                <a:shade val="50000"/>
-              </a:schemeClr>
+            <a:lnRef idx="1">
+              <a:schemeClr val="accent1"/>
             </a:lnRef>
-            <a:fillRef idx="1">
+            <a:fillRef idx="0">
               <a:schemeClr val="accent1"/>
             </a:fillRef>
             <a:effectRef idx="0">
               <a:schemeClr val="accent1"/>
             </a:effectRef>
             <a:fontRef idx="minor">
-              <a:schemeClr val="lt1"/>
+              <a:schemeClr val="tx1"/>
             </a:fontRef>
           </p:style>
-          <p:txBody>
-            <a:bodyPr rtlCol="0" anchor="ctr"/>
-            <a:lstStyle/>
-            <a:p>
-              <a:pPr algn="ctr"/>
-              <a:endParaRPr lang="zh-CN" altLang="en-US"/>
-            </a:p>
-          </p:txBody>
-        </p:sp>
+        </p:cxnSp>
+        <p:cxnSp>
+          <p:nvCxnSpPr>
+            <p:cNvPr id="6" name="直接连接符 5"/>
+            <p:cNvCxnSpPr/>
+            <p:nvPr/>
+          </p:nvCxnSpPr>
+          <p:spPr>
+            <a:xfrm flipH="1">
+              <a:off x="3066492" y="1290638"/>
+              <a:ext cx="756300" cy="755159"/>
+            </a:xfrm>
+            <a:prstGeom prst="line">
+              <a:avLst/>
+            </a:prstGeom>
+            <a:ln w="38100">
+              <a:solidFill>
+                <a:schemeClr val="tx2">
+                  <a:lumMod val="75000"/>
+                </a:schemeClr>
+              </a:solidFill>
+            </a:ln>
+          </p:spPr>
+          <p:style>
+            <a:lnRef idx="1">
+              <a:schemeClr val="accent1"/>
+            </a:lnRef>
+            <a:fillRef idx="0">
+              <a:schemeClr val="accent1"/>
+            </a:fillRef>
+            <a:effectRef idx="0">
+              <a:schemeClr val="accent1"/>
+            </a:effectRef>
+            <a:fontRef idx="minor">
+              <a:schemeClr val="tx1"/>
+            </a:fontRef>
+          </p:style>
+        </p:cxnSp>
       </p:grpSp>
       <p:sp>
         <p:nvSpPr>
-          <p:cNvPr id="37" name="矩形 36"/>
+          <p:cNvPr id="10" name="文本框 9"/>
+          <p:cNvSpPr txBox="1"/>
+          <p:nvPr/>
+        </p:nvSpPr>
+        <p:spPr>
+          <a:xfrm>
+            <a:off x="2706455" y="683756"/>
+            <a:ext cx="684446" cy="1200329"/>
+          </a:xfrm>
+          <a:prstGeom prst="rect">
+            <a:avLst/>
+          </a:prstGeom>
+          <a:noFill/>
+        </p:spPr>
+        <p:txBody>
+          <a:bodyPr wrap="square" rtlCol="0">
+            <a:spAutoFit/>
+          </a:bodyPr>
+          <a:lstStyle/>
+          <a:p>
+            <a:r>
+              <a:rPr lang="en-US" altLang="zh-CN" sz="7200" b="1" dirty="0"/>
+              <a:t>2</a:t>
+            </a:r>
+            <a:endParaRPr lang="zh-CN" altLang="en-US" sz="7200" b="1" dirty="0"/>
+          </a:p>
+        </p:txBody>
+      </p:sp>
+      <p:sp>
+        <p:nvSpPr>
+          <p:cNvPr id="11" name="文本框 10"/>
+          <p:cNvSpPr txBox="1"/>
+          <p:nvPr/>
+        </p:nvSpPr>
+        <p:spPr>
+          <a:xfrm>
+            <a:off x="3771178" y="419091"/>
+            <a:ext cx="3736435" cy="584775"/>
+          </a:xfrm>
+          <a:prstGeom prst="rect">
+            <a:avLst/>
+          </a:prstGeom>
+          <a:noFill/>
+        </p:spPr>
+        <p:txBody>
+          <a:bodyPr wrap="square" rtlCol="0">
+            <a:spAutoFit/>
+          </a:bodyPr>
+          <a:lstStyle/>
+          <a:p>
+            <a:r>
+              <a:rPr lang="zh-CN" altLang="en-US" sz="3200" dirty="0">
+                <a:latin typeface="微软雅黑" panose="020B0503020204020204" pitchFamily="34" charset="-122"/>
+                <a:ea typeface="微软雅黑" panose="020B0503020204020204" pitchFamily="34" charset="-122"/>
+              </a:rPr>
+              <a:t>通信图的基本内容</a:t>
+            </a:r>
+          </a:p>
+        </p:txBody>
+      </p:sp>
+      <p:cxnSp>
+        <p:nvCxnSpPr>
+          <p:cNvPr id="12" name="直接连接符 11">
+            <a:extLst>
+              <a:ext uri="{FF2B5EF4-FFF2-40B4-BE49-F238E27FC236}">
+                <a16:creationId xmlns:a16="http://schemas.microsoft.com/office/drawing/2014/main" id="{1775EDE3-0AD5-43E4-9AD1-CEFB6EF65725}"/>
+              </a:ext>
+            </a:extLst>
+          </p:cNvPr>
+          <p:cNvCxnSpPr>
+            <a:cxnSpLocks/>
+          </p:cNvCxnSpPr>
+          <p:nvPr/>
+        </p:nvCxnSpPr>
+        <p:spPr>
+          <a:xfrm>
+            <a:off x="4335800" y="1661706"/>
+            <a:ext cx="0" cy="4333269"/>
+          </a:xfrm>
+          <a:prstGeom prst="line">
+            <a:avLst/>
+          </a:prstGeom>
+          <a:ln w="127000">
+            <a:solidFill>
+              <a:schemeClr val="tx2">
+                <a:lumMod val="75000"/>
+              </a:schemeClr>
+            </a:solidFill>
+          </a:ln>
+        </p:spPr>
+        <p:style>
+          <a:lnRef idx="1">
+            <a:schemeClr val="accent1"/>
+          </a:lnRef>
+          <a:fillRef idx="0">
+            <a:schemeClr val="accent1"/>
+          </a:fillRef>
+          <a:effectRef idx="0">
+            <a:schemeClr val="accent1"/>
+          </a:effectRef>
+          <a:fontRef idx="minor">
+            <a:schemeClr val="tx1"/>
+          </a:fontRef>
+        </p:style>
+      </p:cxnSp>
+      <p:cxnSp>
+        <p:nvCxnSpPr>
+          <p:cNvPr id="13" name="直接连接符 12">
+            <a:extLst>
+              <a:ext uri="{FF2B5EF4-FFF2-40B4-BE49-F238E27FC236}">
+                <a16:creationId xmlns:a16="http://schemas.microsoft.com/office/drawing/2014/main" id="{E3A2482C-C3B1-425C-949A-1D01B9B335CC}"/>
+              </a:ext>
+            </a:extLst>
+          </p:cNvPr>
+          <p:cNvCxnSpPr>
+            <a:cxnSpLocks/>
+          </p:cNvCxnSpPr>
+          <p:nvPr/>
+        </p:nvCxnSpPr>
+        <p:spPr>
+          <a:xfrm>
+            <a:off x="4240550" y="1661706"/>
+            <a:ext cx="0" cy="4220254"/>
+          </a:xfrm>
+          <a:prstGeom prst="line">
+            <a:avLst/>
+          </a:prstGeom>
+          <a:ln w="63500">
+            <a:solidFill>
+              <a:schemeClr val="accent1">
+                <a:lumMod val="60000"/>
+                <a:lumOff val="40000"/>
+                <a:alpha val="96000"/>
+              </a:schemeClr>
+            </a:solidFill>
+          </a:ln>
+        </p:spPr>
+        <p:style>
+          <a:lnRef idx="1">
+            <a:schemeClr val="accent1"/>
+          </a:lnRef>
+          <a:fillRef idx="0">
+            <a:schemeClr val="accent1"/>
+          </a:fillRef>
+          <a:effectRef idx="0">
+            <a:schemeClr val="accent1"/>
+          </a:effectRef>
+          <a:fontRef idx="minor">
+            <a:schemeClr val="tx1"/>
+          </a:fontRef>
+        </p:style>
+      </p:cxnSp>
+      <p:sp>
+        <p:nvSpPr>
+          <p:cNvPr id="14" name="矩形 13">
+            <a:extLst>
+              <a:ext uri="{FF2B5EF4-FFF2-40B4-BE49-F238E27FC236}">
+                <a16:creationId xmlns:a16="http://schemas.microsoft.com/office/drawing/2014/main" id="{5345C5D3-86AE-42AA-9D33-A38F6CDC06CE}"/>
+              </a:ext>
+            </a:extLst>
+          </p:cNvPr>
           <p:cNvSpPr/>
           <p:nvPr/>
         </p:nvSpPr>
         <p:spPr>
           <a:xfrm>
-            <a:off x="533607" y="625237"/>
-            <a:ext cx="3029453" cy="552450"/>
+            <a:off x="4478571" y="1568118"/>
+            <a:ext cx="7418887" cy="502571"/>
           </a:xfrm>
           <a:prstGeom prst="rect">
             <a:avLst/>
           </a:prstGeom>
-          <a:solidFill>
-            <a:srgbClr val="FFC000"/>
-          </a:solidFill>
-          <a:ln>
-            <a:noFill/>
-          </a:ln>
-        </p:spPr>
-        <p:style>
-          <a:lnRef idx="2">
-            <a:schemeClr val="accent1">
-              <a:shade val="50000"/>
-            </a:schemeClr>
-          </a:lnRef>
-          <a:fillRef idx="1">
-            <a:schemeClr val="accent1"/>
-          </a:fillRef>
-          <a:effectRef idx="0">
-            <a:schemeClr val="accent1"/>
-          </a:effectRef>
-          <a:fontRef idx="minor">
-            <a:schemeClr val="lt1"/>
-          </a:fontRef>
-        </p:style>
-        <p:txBody>
-          <a:bodyPr rtlCol="0" anchor="ctr"/>
-          <a:lstStyle/>
-          <a:p>
-            <a:pPr algn="ctr"/>
-            <a:r>
-              <a:rPr lang="en-US" altLang="zh-CN" sz="2400" b="1" dirty="0"/>
-              <a:t>ADD YOURTITLE HERE</a:t>
-            </a:r>
-            <a:endParaRPr lang="zh-CN" altLang="en-US" sz="2400" b="1" dirty="0"/>
-          </a:p>
-        </p:txBody>
-      </p:sp>
-      <p:sp>
-        <p:nvSpPr>
-          <p:cNvPr id="45" name="矩形 44"/>
-          <p:cNvSpPr/>
-          <p:nvPr/>
-        </p:nvSpPr>
-        <p:spPr>
-          <a:xfrm>
-            <a:off x="7668363" y="960126"/>
-            <a:ext cx="4004233" cy="1772793"/>
-          </a:xfrm>
-          <a:prstGeom prst="rect">
-            <a:avLst/>
-          </a:prstGeom>
-        </p:spPr>
-        <p:txBody>
-          <a:bodyPr wrap="square">
+        </p:spPr>
+        <p:txBody>
+          <a:bodyPr wrap="square" lIns="68570" tIns="34289" rIns="68570" bIns="34289">
             <a:spAutoFit/>
           </a:bodyPr>
           <a:lstStyle/>
           <a:p>
-            <a:pPr marL="0" marR="0" lvl="0" indent="0" defTabSz="685783" eaLnBrk="1" fontAlgn="auto" latinLnBrk="0" hangingPunct="1">
+            <a:pPr defTabSz="685681">
               <a:lnSpc>
                 <a:spcPct val="130000"/>
               </a:lnSpc>
-              <a:spcBef>
-                <a:spcPts val="0"/>
-              </a:spcBef>
-              <a:spcAft>
-                <a:spcPts val="0"/>
-              </a:spcAft>
-              <a:buClrTx/>
-              <a:buSzTx/>
-              <a:buFontTx/>
-              <a:buNone/>
-              <a:tabLst/>
-              <a:defRPr/>
             </a:pPr>
             <a:r>
-              <a:rPr kumimoji="0" lang="zh-CN" altLang="en-US" sz="2800" b="0" i="0" u="none" strike="noStrike" kern="0" cap="none" spc="0" normalizeH="0" baseline="0" noProof="0" dirty="0">
-                <a:ln>
-                  <a:noFill/>
-                </a:ln>
-                <a:solidFill>
-                  <a:schemeClr val="bg1"/>
-                </a:solidFill>
-                <a:effectLst/>
-                <a:uLnTx/>
-                <a:uFillTx/>
-                <a:latin typeface="Century Gothic"/>
+              <a:rPr lang="zh-CN" altLang="en-US" sz="2400" dirty="0">
+                <a:latin typeface="微软雅黑" panose="020B0503020204020204" pitchFamily="34" charset="-122"/>
                 <a:ea typeface="微软雅黑" panose="020B0503020204020204" pitchFamily="34" charset="-122"/>
               </a:rPr>
-              <a:t>顶部“开始”面板中可以对字体、字号、颜色、行距等进行修改。</a:t>
-            </a:r>
-            <a:endParaRPr kumimoji="0" lang="zh-CN" altLang="en-US" sz="2800" b="0" i="0" u="none" strike="noStrike" kern="0" cap="none" spc="0" normalizeH="0" baseline="0" noProof="0" dirty="0">
-              <a:ln>
-                <a:noFill/>
-              </a:ln>
-              <a:solidFill>
-                <a:schemeClr val="bg1"/>
-              </a:solidFill>
-              <a:effectLst/>
-              <a:uLnTx/>
-              <a:uFillTx/>
+              <a:t>通信图由以下基本元素构成：结点、组件和关系。</a:t>
+            </a:r>
+            <a:endParaRPr lang="en-US" altLang="zh-CN" sz="2400" dirty="0">
+              <a:latin typeface="微软雅黑" panose="020B0503020204020204" pitchFamily="34" charset="-122"/>
+              <a:ea typeface="微软雅黑" panose="020B0503020204020204" pitchFamily="34" charset="-122"/>
             </a:endParaRPr>
           </a:p>
         </p:txBody>
       </p:sp>
-      <p:sp>
-        <p:nvSpPr>
-          <p:cNvPr id="63" name="矩形 62"/>
-          <p:cNvSpPr/>
+      <p:pic>
+        <p:nvPicPr>
+          <p:cNvPr id="4" name="图片 3">
+            <a:extLst>
+              <a:ext uri="{FF2B5EF4-FFF2-40B4-BE49-F238E27FC236}">
+                <a16:creationId xmlns:a16="http://schemas.microsoft.com/office/drawing/2014/main" id="{039403C1-111F-40E1-BF2A-2FA6BE8BE950}"/>
+              </a:ext>
+            </a:extLst>
+          </p:cNvPr>
+          <p:cNvPicPr>
+            <a:picLocks noChangeAspect="1"/>
+          </p:cNvPicPr>
           <p:nvPr/>
-        </p:nvSpPr>
-        <p:spPr>
-          <a:xfrm>
-            <a:off x="822803" y="3230575"/>
-            <a:ext cx="4004233" cy="1772793"/>
+        </p:nvPicPr>
+        <p:blipFill rotWithShape="1">
+          <a:blip r:embed="rId3"/>
+          <a:srcRect l="19004" t="9439" r="26813" b="27473"/>
+          <a:stretch/>
+        </p:blipFill>
+        <p:spPr>
+          <a:xfrm>
+            <a:off x="5079616" y="2128210"/>
+            <a:ext cx="5553169" cy="4310699"/>
           </a:xfrm>
           <a:prstGeom prst="rect">
             <a:avLst/>
           </a:prstGeom>
         </p:spPr>
-        <p:txBody>
-          <a:bodyPr wrap="square">
-            <a:spAutoFit/>
-          </a:bodyPr>
-          <a:lstStyle/>
-          <a:p>
-            <a:pPr marL="0" marR="0" lvl="0" indent="0" defTabSz="685783" eaLnBrk="1" fontAlgn="auto" latinLnBrk="0" hangingPunct="1">
-              <a:lnSpc>
-                <a:spcPct val="130000"/>
-              </a:lnSpc>
-              <a:spcBef>
-                <a:spcPts val="0"/>
-              </a:spcBef>
-              <a:spcAft>
-                <a:spcPts val="0"/>
-              </a:spcAft>
-              <a:buClrTx/>
-              <a:buSzTx/>
-              <a:buFontTx/>
-              <a:buNone/>
-              <a:tabLst/>
-              <a:defRPr/>
-            </a:pPr>
-            <a:r>
-              <a:rPr kumimoji="0" lang="zh-CN" altLang="en-US" sz="2800" b="0" i="0" u="none" strike="noStrike" kern="0" cap="none" spc="0" normalizeH="0" baseline="0" noProof="0" dirty="0">
-                <a:ln>
-                  <a:noFill/>
-                </a:ln>
-                <a:effectLst/>
-                <a:uLnTx/>
-                <a:uFillTx/>
-                <a:latin typeface="Century Gothic"/>
-                <a:ea typeface="微软雅黑" panose="020B0503020204020204" pitchFamily="34" charset="-122"/>
-              </a:rPr>
-              <a:t>顶部“开始”面板中可以对字体、字号、颜色、行距等进行修改。</a:t>
-            </a:r>
-            <a:endParaRPr kumimoji="0" lang="zh-CN" altLang="en-US" sz="2800" b="0" i="0" u="none" strike="noStrike" kern="0" cap="none" spc="0" normalizeH="0" baseline="0" noProof="0" dirty="0">
-              <a:ln>
-                <a:noFill/>
-              </a:ln>
-              <a:effectLst/>
-              <a:uLnTx/>
-              <a:uFillTx/>
-            </a:endParaRPr>
-          </a:p>
-        </p:txBody>
-      </p:sp>
+      </p:pic>
     </p:spTree>
     <p:extLst>
       <p:ext uri="{BB962C8B-B14F-4D97-AF65-F5344CB8AC3E}">
-        <p14:creationId xmlns:p14="http://schemas.microsoft.com/office/powerpoint/2010/main" val="1884052063"/>
+        <p14:creationId xmlns:p14="http://schemas.microsoft.com/office/powerpoint/2010/main" val="4274702666"/>
       </p:ext>
     </p:extLst>
   </p:cSld>
@@ -8955,7 +8018,7 @@
     <a:masterClrMapping/>
   </p:clrMapOvr>
   <p:transition spd="slow">
-    <p:push dir="r"/>
+    <p:push/>
   </p:transition>
 </p:sld>
 </file>
